--- a/Documentation/Présentation/présentation.pptx
+++ b/Documentation/Présentation/présentation.pptx
@@ -2,7 +2,7 @@
 <file path=ppt/presentation.xml><?xml version="1.0" encoding="utf-8"?>
 <p:presentation xmlns:a="http://schemas.openxmlformats.org/drawingml/2006/main" xmlns:r="http://schemas.openxmlformats.org/officeDocument/2006/relationships" xmlns:p="http://schemas.openxmlformats.org/presentationml/2006/main" saveSubsetFonts="1" autoCompressPictures="0">
   <p:sldMasterIdLst>
-    <p:sldMasterId id="2147483648" r:id="rId1"/>
+    <p:sldMasterId id="2147483735" r:id="rId1"/>
   </p:sldMasterIdLst>
   <p:sldIdLst>
     <p:sldId id="256" r:id="rId2"/>
@@ -18,6 +18,7 @@
     <p:sldId id="259" r:id="rId12"/>
     <p:sldId id="267" r:id="rId13"/>
     <p:sldId id="268" r:id="rId14"/>
+    <p:sldId id="269" r:id="rId15"/>
   </p:sldIdLst>
   <p:sldSz cx="12192000" cy="6858000"/>
   <p:notesSz cx="6858000" cy="9144000"/>
@@ -125,7 +126,7 @@
 </file>
 
 <file path=ppt/slideLayouts/slideLayout1.xml><?xml version="1.0" encoding="utf-8"?>
-<p:sldLayout xmlns:a="http://schemas.openxmlformats.org/drawingml/2006/main" xmlns:r="http://schemas.openxmlformats.org/officeDocument/2006/relationships" xmlns:p="http://schemas.openxmlformats.org/presentationml/2006/main" type="title" preserve="1">
+<p:sldLayout xmlns:a="http://schemas.openxmlformats.org/drawingml/2006/main" xmlns:r="http://schemas.openxmlformats.org/officeDocument/2006/relationships" xmlns:p="http://schemas.openxmlformats.org/presentationml/2006/main" showMasterSp="0" type="title" preserve="1">
   <p:cSld name="Diapositive de titre">
     <p:spTree>
       <p:nvGrpSpPr>
@@ -143,31 +144,389 @@
       </p:grpSpPr>
       <p:sp>
         <p:nvSpPr>
-          <p:cNvPr id="2" name="Titre 1">
-            <a:extLst>
-              <a:ext uri="{FF2B5EF4-FFF2-40B4-BE49-F238E27FC236}">
-                <a16:creationId xmlns:a16="http://schemas.microsoft.com/office/drawing/2014/main" id="{78DF52FF-D64D-6D4F-83B2-9B6277E3AE63}"/>
-              </a:ext>
-            </a:extLst>
-          </p:cNvPr>
-          <p:cNvSpPr>
-            <a:spLocks noGrp="1"/>
-          </p:cNvSpPr>
-          <p:nvPr>
-            <p:ph type="ctrTitle"/>
-          </p:nvPr>
+          <p:cNvPr id="7" name="Rectangle 6"/>
+          <p:cNvSpPr/>
+          <p:nvPr/>
         </p:nvSpPr>
         <p:spPr>
           <a:xfrm>
-            <a:off x="1524000" y="1122363"/>
-            <a:ext cx="9144000" cy="2387600"/>
+            <a:off x="920834" y="1346946"/>
+            <a:ext cx="10222992" cy="80683"/>
+          </a:xfrm>
+          <a:prstGeom prst="rect">
+            <a:avLst/>
+          </a:prstGeom>
+          <a:blipFill dpi="0" rotWithShape="1">
+            <a:blip r:embed="rId2">
+              <a:alphaModFix amt="85000"/>
+              <a:lum bright="70000" contrast="-70000"/>
+              <a:extLst>
+                <a:ext uri="{BEBA8EAE-BF5A-486C-A8C5-ECC9F3942E4B}">
+                  <a14:imgProps xmlns:a14="http://schemas.microsoft.com/office/drawing/2010/main">
+                    <a14:imgLayer r:embed="rId3">
+                      <a14:imgEffect>
+                        <a14:sharpenSoften amount="61000"/>
+                      </a14:imgEffect>
+                    </a14:imgLayer>
+                  </a14:imgProps>
+                </a:ext>
+                <a:ext uri="{28A0092B-C50C-407E-A947-70E740481C1C}">
+                  <a14:useLocalDpi xmlns:a14="http://schemas.microsoft.com/office/drawing/2010/main" val="0"/>
+                </a:ext>
+              </a:extLst>
+            </a:blip>
+            <a:srcRect/>
+            <a:tile tx="0" ty="-762000" sx="92000" sy="89000" flip="xy" algn="ctr"/>
+          </a:blipFill>
+          <a:ln>
+            <a:noFill/>
+          </a:ln>
+        </p:spPr>
+        <p:style>
+          <a:lnRef idx="2">
+            <a:schemeClr val="accent1">
+              <a:shade val="50000"/>
+            </a:schemeClr>
+          </a:lnRef>
+          <a:fillRef idx="1">
+            <a:schemeClr val="accent1"/>
+          </a:fillRef>
+          <a:effectRef idx="0">
+            <a:schemeClr val="accent1"/>
+          </a:effectRef>
+          <a:fontRef idx="minor">
+            <a:schemeClr val="lt1"/>
+          </a:fontRef>
+        </p:style>
+        <p:txBody>
+          <a:bodyPr rtlCol="0" anchor="ctr"/>
+          <a:lstStyle/>
+          <a:p>
+            <a:pPr algn="ctr"/>
+            <a:endParaRPr lang="en-US"/>
+          </a:p>
+        </p:txBody>
+      </p:sp>
+      <p:sp>
+        <p:nvSpPr>
+          <p:cNvPr id="8" name="Rectangle 7"/>
+          <p:cNvSpPr/>
+          <p:nvPr/>
+        </p:nvSpPr>
+        <p:spPr>
+          <a:xfrm>
+            <a:off x="920834" y="4299696"/>
+            <a:ext cx="10222992" cy="80683"/>
+          </a:xfrm>
+          <a:prstGeom prst="rect">
+            <a:avLst/>
+          </a:prstGeom>
+          <a:blipFill dpi="0" rotWithShape="1">
+            <a:blip r:embed="rId2">
+              <a:alphaModFix amt="85000"/>
+              <a:lum bright="70000" contrast="-70000"/>
+              <a:extLst>
+                <a:ext uri="{BEBA8EAE-BF5A-486C-A8C5-ECC9F3942E4B}">
+                  <a14:imgProps xmlns:a14="http://schemas.microsoft.com/office/drawing/2010/main">
+                    <a14:imgLayer r:embed="rId3">
+                      <a14:imgEffect>
+                        <a14:sharpenSoften amount="61000"/>
+                      </a14:imgEffect>
+                    </a14:imgLayer>
+                  </a14:imgProps>
+                </a:ext>
+                <a:ext uri="{28A0092B-C50C-407E-A947-70E740481C1C}">
+                  <a14:useLocalDpi xmlns:a14="http://schemas.microsoft.com/office/drawing/2010/main" val="0"/>
+                </a:ext>
+              </a:extLst>
+            </a:blip>
+            <a:srcRect/>
+            <a:tile tx="0" ty="-717550" sx="92000" sy="89000" flip="xy" algn="ctr"/>
+          </a:blipFill>
+          <a:ln>
+            <a:noFill/>
+          </a:ln>
+        </p:spPr>
+        <p:style>
+          <a:lnRef idx="2">
+            <a:schemeClr val="accent1">
+              <a:shade val="50000"/>
+            </a:schemeClr>
+          </a:lnRef>
+          <a:fillRef idx="1">
+            <a:schemeClr val="accent1"/>
+          </a:fillRef>
+          <a:effectRef idx="0">
+            <a:schemeClr val="accent1"/>
+          </a:effectRef>
+          <a:fontRef idx="minor">
+            <a:schemeClr val="lt1"/>
+          </a:fontRef>
+        </p:style>
+        <p:txBody>
+          <a:bodyPr rtlCol="0" anchor="ctr"/>
+          <a:lstStyle/>
+          <a:p>
+            <a:pPr algn="ctr"/>
+            <a:endParaRPr lang="en-US"/>
+          </a:p>
+        </p:txBody>
+      </p:sp>
+      <p:sp>
+        <p:nvSpPr>
+          <p:cNvPr id="9" name="Rectangle 8"/>
+          <p:cNvSpPr/>
+          <p:nvPr/>
+        </p:nvSpPr>
+        <p:spPr>
+          <a:xfrm>
+            <a:off x="920834" y="1484779"/>
+            <a:ext cx="10222992" cy="2743200"/>
+          </a:xfrm>
+          <a:prstGeom prst="rect">
+            <a:avLst/>
+          </a:prstGeom>
+          <a:blipFill dpi="0" rotWithShape="1">
+            <a:blip r:embed="rId2">
+              <a:alphaModFix amt="85000"/>
+              <a:lum bright="70000" contrast="-70000"/>
+              <a:extLst>
+                <a:ext uri="{BEBA8EAE-BF5A-486C-A8C5-ECC9F3942E4B}">
+                  <a14:imgProps xmlns:a14="http://schemas.microsoft.com/office/drawing/2010/main">
+                    <a14:imgLayer r:embed="rId3">
+                      <a14:imgEffect>
+                        <a14:sharpenSoften amount="61000"/>
+                      </a14:imgEffect>
+                    </a14:imgLayer>
+                  </a14:imgProps>
+                </a:ext>
+                <a:ext uri="{28A0092B-C50C-407E-A947-70E740481C1C}">
+                  <a14:useLocalDpi xmlns:a14="http://schemas.microsoft.com/office/drawing/2010/main" val="0"/>
+                </a:ext>
+              </a:extLst>
+            </a:blip>
+            <a:srcRect/>
+            <a:tile tx="0" ty="-704850" sx="92000" sy="89000" flip="xy" algn="ctr"/>
+          </a:blipFill>
+          <a:ln>
+            <a:noFill/>
+          </a:ln>
+        </p:spPr>
+        <p:style>
+          <a:lnRef idx="2">
+            <a:schemeClr val="accent1">
+              <a:shade val="50000"/>
+            </a:schemeClr>
+          </a:lnRef>
+          <a:fillRef idx="1">
+            <a:schemeClr val="accent1"/>
+          </a:fillRef>
+          <a:effectRef idx="0">
+            <a:schemeClr val="accent1"/>
+          </a:effectRef>
+          <a:fontRef idx="minor">
+            <a:schemeClr val="lt1"/>
+          </a:fontRef>
+        </p:style>
+        <p:txBody>
+          <a:bodyPr rtlCol="0" anchor="ctr"/>
+          <a:lstStyle/>
+          <a:p>
+            <a:pPr algn="ctr"/>
+            <a:endParaRPr lang="en-US"/>
+          </a:p>
+        </p:txBody>
+      </p:sp>
+      <p:grpSp>
+        <p:nvGrpSpPr>
+          <p:cNvPr id="10" name="Group 9"/>
+          <p:cNvGrpSpPr/>
+          <p:nvPr/>
+        </p:nvGrpSpPr>
+        <p:grpSpPr>
+          <a:xfrm>
+            <a:off x="9649215" y="4068923"/>
+            <a:ext cx="1080904" cy="1080902"/>
+            <a:chOff x="9685338" y="4460675"/>
+            <a:chExt cx="1080904" cy="1080902"/>
+          </a:xfrm>
+        </p:grpSpPr>
+        <p:sp>
+          <p:nvSpPr>
+            <p:cNvPr id="11" name="Oval 10"/>
+            <p:cNvSpPr/>
+            <p:nvPr/>
+          </p:nvSpPr>
+          <p:spPr>
+            <a:xfrm>
+              <a:off x="9685338" y="4460675"/>
+              <a:ext cx="1080904" cy="1080902"/>
+            </a:xfrm>
+            <a:prstGeom prst="ellipse">
+              <a:avLst/>
+            </a:prstGeom>
+            <a:blipFill dpi="0" rotWithShape="1">
+              <a:blip r:embed="rId4">
+                <a:duotone>
+                  <a:schemeClr val="accent1">
+                    <a:shade val="45000"/>
+                    <a:satMod val="135000"/>
+                  </a:schemeClr>
+                  <a:prstClr val="white"/>
+                </a:duotone>
+                <a:extLst>
+                  <a:ext uri="{BEBA8EAE-BF5A-486C-A8C5-ECC9F3942E4B}">
+                    <a14:imgProps xmlns:a14="http://schemas.microsoft.com/office/drawing/2010/main">
+                      <a14:imgLayer r:embed="rId5">
+                        <a14:imgEffect>
+                          <a14:saturation sat="95000"/>
+                        </a14:imgEffect>
+                      </a14:imgLayer>
+                    </a14:imgProps>
+                  </a:ext>
+                </a:extLst>
+              </a:blip>
+              <a:srcRect/>
+              <a:tile tx="0" ty="0" sx="85000" sy="85000" flip="none" algn="tl"/>
+            </a:blipFill>
+            <a:ln w="25400" cap="flat" cmpd="sng" algn="ctr">
+              <a:noFill/>
+              <a:prstDash val="solid"/>
+            </a:ln>
+            <a:effectLst/>
+          </p:spPr>
+          <p:txBody>
+            <a:bodyPr lIns="0" tIns="0" rIns="0" bIns="0" rtlCol="0" anchor="ctr"/>
+            <a:lstStyle/>
+            <a:p>
+              <a:pPr marL="0" marR="0" lvl="0" indent="0" algn="ctr" defTabSz="914400" eaLnBrk="1" fontAlgn="auto" latinLnBrk="0" hangingPunct="1">
+                <a:lnSpc>
+                  <a:spcPct val="100000"/>
+                </a:lnSpc>
+                <a:spcBef>
+                  <a:spcPts val="0"/>
+                </a:spcBef>
+                <a:spcAft>
+                  <a:spcPts val="0"/>
+                </a:spcAft>
+                <a:buClrTx/>
+                <a:buSzTx/>
+                <a:buFontTx/>
+                <a:buNone/>
+                <a:tabLst/>
+                <a:defRPr/>
+              </a:pPr>
+              <a:endParaRPr kumimoji="0" lang="en-US" sz="2000" b="0" i="0" u="none" strike="noStrike" kern="0" cap="none" spc="0" normalizeH="0" baseline="0" noProof="0" dirty="0">
+                <a:ln>
+                  <a:noFill/>
+                </a:ln>
+                <a:solidFill>
+                  <a:prstClr val="white"/>
+                </a:solidFill>
+                <a:effectLst/>
+                <a:uLnTx/>
+                <a:uFillTx/>
+                <a:latin typeface="Rockwell Extra Bold" pitchFamily="18" charset="0"/>
+                <a:ea typeface="+mn-ea"/>
+                <a:cs typeface="+mn-cs"/>
+              </a:endParaRPr>
+            </a:p>
+          </p:txBody>
+        </p:sp>
+        <p:sp>
+          <p:nvSpPr>
+            <p:cNvPr id="12" name="Oval 11"/>
+            <p:cNvSpPr/>
+            <p:nvPr/>
+          </p:nvSpPr>
+          <p:spPr>
+            <a:xfrm>
+              <a:off x="9793429" y="4568765"/>
+              <a:ext cx="864723" cy="864722"/>
+            </a:xfrm>
+            <a:prstGeom prst="ellipse">
+              <a:avLst/>
+            </a:prstGeom>
+            <a:noFill/>
+            <a:ln w="25400" cap="flat" cmpd="sng" algn="ctr">
+              <a:solidFill>
+                <a:sysClr val="window" lastClr="FFFFFF"/>
+              </a:solidFill>
+              <a:prstDash val="solid"/>
+            </a:ln>
+            <a:effectLst/>
+          </p:spPr>
+          <p:txBody>
+            <a:bodyPr rtlCol="0" anchor="ctr"/>
+            <a:lstStyle/>
+            <a:p>
+              <a:pPr marL="0" marR="0" lvl="0" indent="0" algn="ctr" defTabSz="914400" eaLnBrk="1" fontAlgn="auto" latinLnBrk="0" hangingPunct="1">
+                <a:lnSpc>
+                  <a:spcPct val="100000"/>
+                </a:lnSpc>
+                <a:spcBef>
+                  <a:spcPts val="0"/>
+                </a:spcBef>
+                <a:spcAft>
+                  <a:spcPts val="0"/>
+                </a:spcAft>
+                <a:buClrTx/>
+                <a:buSzTx/>
+                <a:buFontTx/>
+                <a:buNone/>
+                <a:tabLst/>
+                <a:defRPr/>
+              </a:pPr>
+              <a:endParaRPr kumimoji="0" lang="en-US" sz="1800" b="0" i="0" u="none" strike="noStrike" kern="0" cap="none" spc="0" normalizeH="0" baseline="0" noProof="0" dirty="0">
+                <a:ln>
+                  <a:noFill/>
+                </a:ln>
+                <a:solidFill>
+                  <a:prstClr val="white"/>
+                </a:solidFill>
+                <a:effectLst/>
+                <a:uLnTx/>
+                <a:uFillTx/>
+                <a:latin typeface="Calibri"/>
+                <a:ea typeface="+mn-ea"/>
+                <a:cs typeface="+mn-cs"/>
+              </a:endParaRPr>
+            </a:p>
+          </p:txBody>
+        </p:sp>
+      </p:grpSp>
+      <p:sp>
+        <p:nvSpPr>
+          <p:cNvPr id="2" name="Title 1"/>
+          <p:cNvSpPr>
+            <a:spLocks noGrp="1"/>
+          </p:cNvSpPr>
+          <p:nvPr>
+            <p:ph type="ctrTitle"/>
+          </p:nvPr>
+        </p:nvSpPr>
+        <p:spPr>
+          <a:xfrm>
+            <a:off x="1051560" y="1432223"/>
+            <a:ext cx="9966960" cy="3035808"/>
           </a:xfrm>
         </p:spPr>
         <p:txBody>
-          <a:bodyPr anchor="b"/>
+          <a:bodyPr anchor="ctr">
+            <a:noAutofit/>
+          </a:bodyPr>
           <a:lstStyle>
-            <a:lvl1pPr algn="ctr">
-              <a:defRPr sz="6000"/>
+            <a:lvl1pPr algn="l">
+              <a:lnSpc>
+                <a:spcPct val="80000"/>
+              </a:lnSpc>
+              <a:defRPr sz="9600" cap="all" baseline="0">
+                <a:blipFill dpi="0" rotWithShape="1">
+                  <a:blip r:embed="rId4"/>
+                  <a:srcRect/>
+                  <a:tile tx="6350" ty="-127000" sx="65000" sy="64000" flip="none" algn="tl"/>
+                </a:blipFill>
+              </a:defRPr>
             </a:lvl1pPr>
           </a:lstStyle>
           <a:p>
@@ -175,18 +534,13 @@
               <a:rPr lang="fr-FR"/>
               <a:t>Modifiez le style du titre</a:t>
             </a:r>
-          </a:p>
-        </p:txBody>
-      </p:sp>
-      <p:sp>
-        <p:nvSpPr>
-          <p:cNvPr id="3" name="Sous-titre 2">
-            <a:extLst>
-              <a:ext uri="{FF2B5EF4-FFF2-40B4-BE49-F238E27FC236}">
-                <a16:creationId xmlns:a16="http://schemas.microsoft.com/office/drawing/2014/main" id="{F832E21D-FF19-2548-955B-B5C25CEC05A1}"/>
-              </a:ext>
-            </a:extLst>
-          </p:cNvPr>
+            <a:endParaRPr lang="en-US" dirty="0"/>
+          </a:p>
+        </p:txBody>
+      </p:sp>
+      <p:sp>
+        <p:nvSpPr>
+          <p:cNvPr id="3" name="Subtitle 2"/>
           <p:cNvSpPr>
             <a:spLocks noGrp="1"/>
           </p:cNvSpPr>
@@ -196,48 +550,54 @@
         </p:nvSpPr>
         <p:spPr>
           <a:xfrm>
-            <a:off x="1524000" y="3602038"/>
-            <a:ext cx="9144000" cy="1655762"/>
+            <a:off x="1069848" y="4389120"/>
+            <a:ext cx="7891272" cy="1069848"/>
           </a:xfrm>
         </p:spPr>
         <p:txBody>
-          <a:bodyPr/>
+          <a:bodyPr>
+            <a:normAutofit/>
+          </a:bodyPr>
           <a:lstStyle>
-            <a:lvl1pPr marL="0" indent="0" algn="ctr">
+            <a:lvl1pPr marL="0" indent="0" algn="l">
               <a:buNone/>
-              <a:defRPr sz="2400"/>
+              <a:defRPr sz="2200">
+                <a:solidFill>
+                  <a:schemeClr val="tx1"/>
+                </a:solidFill>
+              </a:defRPr>
             </a:lvl1pPr>
             <a:lvl2pPr marL="457200" indent="0" algn="ctr">
               <a:buNone/>
-              <a:defRPr sz="2000"/>
+              <a:defRPr sz="2800"/>
             </a:lvl2pPr>
             <a:lvl3pPr marL="914400" indent="0" algn="ctr">
               <a:buNone/>
-              <a:defRPr sz="1800"/>
+              <a:defRPr sz="2400"/>
             </a:lvl3pPr>
             <a:lvl4pPr marL="1371600" indent="0" algn="ctr">
               <a:buNone/>
-              <a:defRPr sz="1600"/>
+              <a:defRPr sz="2000"/>
             </a:lvl4pPr>
             <a:lvl5pPr marL="1828800" indent="0" algn="ctr">
               <a:buNone/>
-              <a:defRPr sz="1600"/>
+              <a:defRPr sz="2000"/>
             </a:lvl5pPr>
             <a:lvl6pPr marL="2286000" indent="0" algn="ctr">
               <a:buNone/>
-              <a:defRPr sz="1600"/>
+              <a:defRPr sz="2000"/>
             </a:lvl6pPr>
             <a:lvl7pPr marL="2743200" indent="0" algn="ctr">
               <a:buNone/>
-              <a:defRPr sz="1600"/>
+              <a:defRPr sz="2000"/>
             </a:lvl7pPr>
             <a:lvl8pPr marL="3200400" indent="0" algn="ctr">
               <a:buNone/>
-              <a:defRPr sz="1600"/>
+              <a:defRPr sz="2000"/>
             </a:lvl8pPr>
             <a:lvl9pPr marL="3657600" indent="0" algn="ctr">
               <a:buNone/>
-              <a:defRPr sz="1600"/>
+              <a:defRPr sz="2000"/>
             </a:lvl9pPr>
           </a:lstStyle>
           <a:p>
@@ -245,18 +605,13 @@
               <a:rPr lang="fr-FR"/>
               <a:t>Modifiez le style des sous-titres du masque</a:t>
             </a:r>
-          </a:p>
-        </p:txBody>
-      </p:sp>
-      <p:sp>
-        <p:nvSpPr>
-          <p:cNvPr id="4" name="Espace réservé de la date 3">
-            <a:extLst>
-              <a:ext uri="{FF2B5EF4-FFF2-40B4-BE49-F238E27FC236}">
-                <a16:creationId xmlns:a16="http://schemas.microsoft.com/office/drawing/2014/main" id="{7653BA74-C727-3F4B-846B-62F88F87F878}"/>
-              </a:ext>
-            </a:extLst>
-          </p:cNvPr>
+            <a:endParaRPr lang="en-US" dirty="0"/>
+          </a:p>
+        </p:txBody>
+      </p:sp>
+      <p:sp>
+        <p:nvSpPr>
+          <p:cNvPr id="4" name="Date Placeholder 3"/>
           <p:cNvSpPr>
             <a:spLocks noGrp="1"/>
           </p:cNvSpPr>
@@ -279,13 +634,7 @@
       </p:sp>
       <p:sp>
         <p:nvSpPr>
-          <p:cNvPr id="5" name="Espace réservé du pied de page 4">
-            <a:extLst>
-              <a:ext uri="{FF2B5EF4-FFF2-40B4-BE49-F238E27FC236}">
-                <a16:creationId xmlns:a16="http://schemas.microsoft.com/office/drawing/2014/main" id="{15E34B04-12B6-0B4A-8A5D-E654ACB4D2FF}"/>
-              </a:ext>
-            </a:extLst>
-          </p:cNvPr>
+          <p:cNvPr id="5" name="Footer Placeholder 4"/>
           <p:cNvSpPr>
             <a:spLocks noGrp="1"/>
           </p:cNvSpPr>
@@ -304,13 +653,7 @@
       </p:sp>
       <p:sp>
         <p:nvSpPr>
-          <p:cNvPr id="6" name="Espace réservé du numéro de diapositive 5">
-            <a:extLst>
-              <a:ext uri="{FF2B5EF4-FFF2-40B4-BE49-F238E27FC236}">
-                <a16:creationId xmlns:a16="http://schemas.microsoft.com/office/drawing/2014/main" id="{7BE0A993-A7B4-CD46-8361-1BFBBC5A6EF7}"/>
-              </a:ext>
-            </a:extLst>
-          </p:cNvPr>
+          <p:cNvPr id="6" name="Slide Number Placeholder 5"/>
           <p:cNvSpPr>
             <a:spLocks noGrp="1"/>
           </p:cNvSpPr>
@@ -318,10 +661,19 @@
             <p:ph type="sldNum" sz="quarter" idx="12"/>
           </p:nvPr>
         </p:nvSpPr>
-        <p:spPr/>
+        <p:spPr>
+          <a:xfrm>
+            <a:off x="9592733" y="4289334"/>
+            <a:ext cx="1193868" cy="640080"/>
+          </a:xfrm>
+        </p:spPr>
         <p:txBody>
           <a:bodyPr/>
-          <a:lstStyle/>
+          <a:lstStyle>
+            <a:lvl1pPr>
+              <a:defRPr sz="2800"/>
+            </a:lvl1pPr>
+          </a:lstStyle>
           <a:p>
             <a:fld id="{6E6F63EE-3895-C843-9FCD-A4155B4DE333}" type="slidenum">
               <a:rPr lang="fr-FR" smtClean="0"/>
@@ -334,7 +686,7 @@
     </p:spTree>
     <p:extLst>
       <p:ext uri="{BB962C8B-B14F-4D97-AF65-F5344CB8AC3E}">
-        <p14:creationId xmlns:p14="http://schemas.microsoft.com/office/powerpoint/2010/main" val="1329516522"/>
+        <p14:creationId xmlns:p14="http://schemas.microsoft.com/office/powerpoint/2010/main" val="2185239716"/>
       </p:ext>
     </p:extLst>
   </p:cSld>
@@ -363,13 +715,7 @@
       </p:grpSpPr>
       <p:sp>
         <p:nvSpPr>
-          <p:cNvPr id="2" name="Titre 1">
-            <a:extLst>
-              <a:ext uri="{FF2B5EF4-FFF2-40B4-BE49-F238E27FC236}">
-                <a16:creationId xmlns:a16="http://schemas.microsoft.com/office/drawing/2014/main" id="{DF065210-6E03-8441-A180-7B2CD1456C52}"/>
-              </a:ext>
-            </a:extLst>
-          </p:cNvPr>
+          <p:cNvPr id="2" name="Title 1"/>
           <p:cNvSpPr>
             <a:spLocks noGrp="1"/>
           </p:cNvSpPr>
@@ -386,18 +732,13 @@
               <a:rPr lang="fr-FR"/>
               <a:t>Modifiez le style du titre</a:t>
             </a:r>
-          </a:p>
-        </p:txBody>
-      </p:sp>
-      <p:sp>
-        <p:nvSpPr>
-          <p:cNvPr id="3" name="Espace réservé du texte vertical 2">
-            <a:extLst>
-              <a:ext uri="{FF2B5EF4-FFF2-40B4-BE49-F238E27FC236}">
-                <a16:creationId xmlns:a16="http://schemas.microsoft.com/office/drawing/2014/main" id="{735EE0F2-61EC-A745-9601-629A8CD775AE}"/>
-              </a:ext>
-            </a:extLst>
-          </p:cNvPr>
+            <a:endParaRPr lang="en-US"/>
+          </a:p>
+        </p:txBody>
+      </p:sp>
+      <p:sp>
+        <p:nvSpPr>
+          <p:cNvPr id="3" name="Vertical Text Placeholder 2"/>
           <p:cNvSpPr>
             <a:spLocks noGrp="1"/>
           </p:cNvSpPr>
@@ -410,6 +751,7 @@
           <a:bodyPr vert="eaVert"/>
           <a:lstStyle/>
           <a:p>
+            <a:pPr lvl="0"/>
             <a:r>
               <a:rPr lang="fr-FR"/>
               <a:t>Modifier les styles du texte du masque
@@ -418,18 +760,13 @@
 Quatrième niveau
 Cinquième niveau</a:t>
             </a:r>
-          </a:p>
-        </p:txBody>
-      </p:sp>
-      <p:sp>
-        <p:nvSpPr>
-          <p:cNvPr id="4" name="Espace réservé de la date 3">
-            <a:extLst>
-              <a:ext uri="{FF2B5EF4-FFF2-40B4-BE49-F238E27FC236}">
-                <a16:creationId xmlns:a16="http://schemas.microsoft.com/office/drawing/2014/main" id="{FB6BA1C2-F2AB-DE44-A56A-FA430A243455}"/>
-              </a:ext>
-            </a:extLst>
-          </p:cNvPr>
+            <a:endParaRPr lang="en-US"/>
+          </a:p>
+        </p:txBody>
+      </p:sp>
+      <p:sp>
+        <p:nvSpPr>
+          <p:cNvPr id="4" name="Date Placeholder 3"/>
           <p:cNvSpPr>
             <a:spLocks noGrp="1"/>
           </p:cNvSpPr>
@@ -452,13 +789,7 @@
       </p:sp>
       <p:sp>
         <p:nvSpPr>
-          <p:cNvPr id="5" name="Espace réservé du pied de page 4">
-            <a:extLst>
-              <a:ext uri="{FF2B5EF4-FFF2-40B4-BE49-F238E27FC236}">
-                <a16:creationId xmlns:a16="http://schemas.microsoft.com/office/drawing/2014/main" id="{631BBD17-6266-3F4C-8DE2-4C494DE5BACD}"/>
-              </a:ext>
-            </a:extLst>
-          </p:cNvPr>
+          <p:cNvPr id="5" name="Footer Placeholder 4"/>
           <p:cNvSpPr>
             <a:spLocks noGrp="1"/>
           </p:cNvSpPr>
@@ -477,13 +808,7 @@
       </p:sp>
       <p:sp>
         <p:nvSpPr>
-          <p:cNvPr id="6" name="Espace réservé du numéro de diapositive 5">
-            <a:extLst>
-              <a:ext uri="{FF2B5EF4-FFF2-40B4-BE49-F238E27FC236}">
-                <a16:creationId xmlns:a16="http://schemas.microsoft.com/office/drawing/2014/main" id="{4C6F2933-4CC4-514F-9A28-AE3FDC80D8EC}"/>
-              </a:ext>
-            </a:extLst>
-          </p:cNvPr>
+          <p:cNvPr id="6" name="Slide Number Placeholder 5"/>
           <p:cNvSpPr>
             <a:spLocks noGrp="1"/>
           </p:cNvSpPr>
@@ -507,7 +832,7 @@
     </p:spTree>
     <p:extLst>
       <p:ext uri="{BB962C8B-B14F-4D97-AF65-F5344CB8AC3E}">
-        <p14:creationId xmlns:p14="http://schemas.microsoft.com/office/powerpoint/2010/main" val="1605192643"/>
+        <p14:creationId xmlns:p14="http://schemas.microsoft.com/office/powerpoint/2010/main" val="2375429261"/>
       </p:ext>
     </p:extLst>
   </p:cSld>
@@ -536,13 +861,7 @@
       </p:grpSpPr>
       <p:sp>
         <p:nvSpPr>
-          <p:cNvPr id="2" name="Titre vertical 1">
-            <a:extLst>
-              <a:ext uri="{FF2B5EF4-FFF2-40B4-BE49-F238E27FC236}">
-                <a16:creationId xmlns:a16="http://schemas.microsoft.com/office/drawing/2014/main" id="{3A48D9E7-74A9-5943-903A-D7F838157F83}"/>
-              </a:ext>
-            </a:extLst>
-          </p:cNvPr>
+          <p:cNvPr id="2" name="Vertical Title 1"/>
           <p:cNvSpPr>
             <a:spLocks noGrp="1"/>
           </p:cNvSpPr>
@@ -552,8 +871,8 @@
         </p:nvSpPr>
         <p:spPr>
           <a:xfrm>
-            <a:off x="8724900" y="365125"/>
-            <a:ext cx="2628900" cy="5811838"/>
+            <a:off x="8724900" y="533400"/>
+            <a:ext cx="2552700" cy="5638800"/>
           </a:xfrm>
         </p:spPr>
         <p:txBody>
@@ -564,18 +883,13 @@
               <a:rPr lang="fr-FR"/>
               <a:t>Modifiez le style du titre</a:t>
             </a:r>
-          </a:p>
-        </p:txBody>
-      </p:sp>
-      <p:sp>
-        <p:nvSpPr>
-          <p:cNvPr id="3" name="Espace réservé du texte vertical 2">
-            <a:extLst>
-              <a:ext uri="{FF2B5EF4-FFF2-40B4-BE49-F238E27FC236}">
-                <a16:creationId xmlns:a16="http://schemas.microsoft.com/office/drawing/2014/main" id="{4CCF0F2E-F192-7546-8C5A-F8FD5AAB3ED3}"/>
-              </a:ext>
-            </a:extLst>
-          </p:cNvPr>
+            <a:endParaRPr lang="en-US" dirty="0"/>
+          </a:p>
+        </p:txBody>
+      </p:sp>
+      <p:sp>
+        <p:nvSpPr>
+          <p:cNvPr id="3" name="Vertical Text Placeholder 2"/>
           <p:cNvSpPr>
             <a:spLocks noGrp="1"/>
           </p:cNvSpPr>
@@ -585,14 +899,15 @@
         </p:nvSpPr>
         <p:spPr>
           <a:xfrm>
-            <a:off x="838200" y="365125"/>
-            <a:ext cx="7734300" cy="5811838"/>
+            <a:off x="1066800" y="533400"/>
+            <a:ext cx="7505700" cy="5638800"/>
           </a:xfrm>
         </p:spPr>
         <p:txBody>
           <a:bodyPr vert="eaVert"/>
           <a:lstStyle/>
           <a:p>
+            <a:pPr lvl="0"/>
             <a:r>
               <a:rPr lang="fr-FR"/>
               <a:t>Modifier les styles du texte du masque
@@ -601,18 +916,13 @@
 Quatrième niveau
 Cinquième niveau</a:t>
             </a:r>
-          </a:p>
-        </p:txBody>
-      </p:sp>
-      <p:sp>
-        <p:nvSpPr>
-          <p:cNvPr id="4" name="Espace réservé de la date 3">
-            <a:extLst>
-              <a:ext uri="{FF2B5EF4-FFF2-40B4-BE49-F238E27FC236}">
-                <a16:creationId xmlns:a16="http://schemas.microsoft.com/office/drawing/2014/main" id="{1D1CB9BB-2277-564B-BE96-2CC8C819F781}"/>
-              </a:ext>
-            </a:extLst>
-          </p:cNvPr>
+            <a:endParaRPr lang="en-US" dirty="0"/>
+          </a:p>
+        </p:txBody>
+      </p:sp>
+      <p:sp>
+        <p:nvSpPr>
+          <p:cNvPr id="4" name="Date Placeholder 3"/>
           <p:cNvSpPr>
             <a:spLocks noGrp="1"/>
           </p:cNvSpPr>
@@ -635,13 +945,7 @@
       </p:sp>
       <p:sp>
         <p:nvSpPr>
-          <p:cNvPr id="5" name="Espace réservé du pied de page 4">
-            <a:extLst>
-              <a:ext uri="{FF2B5EF4-FFF2-40B4-BE49-F238E27FC236}">
-                <a16:creationId xmlns:a16="http://schemas.microsoft.com/office/drawing/2014/main" id="{ED2B0156-413A-8D4F-9680-5C6CFE8CC614}"/>
-              </a:ext>
-            </a:extLst>
-          </p:cNvPr>
+          <p:cNvPr id="5" name="Footer Placeholder 4"/>
           <p:cNvSpPr>
             <a:spLocks noGrp="1"/>
           </p:cNvSpPr>
@@ -660,13 +964,7 @@
       </p:sp>
       <p:sp>
         <p:nvSpPr>
-          <p:cNvPr id="6" name="Espace réservé du numéro de diapositive 5">
-            <a:extLst>
-              <a:ext uri="{FF2B5EF4-FFF2-40B4-BE49-F238E27FC236}">
-                <a16:creationId xmlns:a16="http://schemas.microsoft.com/office/drawing/2014/main" id="{99FB3285-B7A6-2D46-9CDD-3C66D2C3BEBF}"/>
-              </a:ext>
-            </a:extLst>
-          </p:cNvPr>
+          <p:cNvPr id="6" name="Slide Number Placeholder 5"/>
           <p:cNvSpPr>
             <a:spLocks noGrp="1"/>
           </p:cNvSpPr>
@@ -690,7 +988,7 @@
     </p:spTree>
     <p:extLst>
       <p:ext uri="{BB962C8B-B14F-4D97-AF65-F5344CB8AC3E}">
-        <p14:creationId xmlns:p14="http://schemas.microsoft.com/office/powerpoint/2010/main" val="516063556"/>
+        <p14:creationId xmlns:p14="http://schemas.microsoft.com/office/powerpoint/2010/main" val="3698892662"/>
       </p:ext>
     </p:extLst>
   </p:cSld>
@@ -719,13 +1017,7 @@
       </p:grpSpPr>
       <p:sp>
         <p:nvSpPr>
-          <p:cNvPr id="2" name="Titre 1">
-            <a:extLst>
-              <a:ext uri="{FF2B5EF4-FFF2-40B4-BE49-F238E27FC236}">
-                <a16:creationId xmlns:a16="http://schemas.microsoft.com/office/drawing/2014/main" id="{C0405B24-6A8B-9C43-922D-04FB31298865}"/>
-              </a:ext>
-            </a:extLst>
-          </p:cNvPr>
+          <p:cNvPr id="2" name="Title 1"/>
           <p:cNvSpPr>
             <a:spLocks noGrp="1"/>
           </p:cNvSpPr>
@@ -742,18 +1034,13 @@
               <a:rPr lang="fr-FR"/>
               <a:t>Modifiez le style du titre</a:t>
             </a:r>
-          </a:p>
-        </p:txBody>
-      </p:sp>
-      <p:sp>
-        <p:nvSpPr>
-          <p:cNvPr id="3" name="Espace réservé du contenu 2">
-            <a:extLst>
-              <a:ext uri="{FF2B5EF4-FFF2-40B4-BE49-F238E27FC236}">
-                <a16:creationId xmlns:a16="http://schemas.microsoft.com/office/drawing/2014/main" id="{FCBA1C22-6ECB-EF4A-956C-E66A7B45C0F9}"/>
-              </a:ext>
-            </a:extLst>
-          </p:cNvPr>
+            <a:endParaRPr lang="en-US" dirty="0"/>
+          </a:p>
+        </p:txBody>
+      </p:sp>
+      <p:sp>
+        <p:nvSpPr>
+          <p:cNvPr id="3" name="Content Placeholder 2"/>
           <p:cNvSpPr>
             <a:spLocks noGrp="1"/>
           </p:cNvSpPr>
@@ -766,6 +1053,7 @@
           <a:bodyPr/>
           <a:lstStyle/>
           <a:p>
+            <a:pPr lvl="0"/>
             <a:r>
               <a:rPr lang="fr-FR"/>
               <a:t>Modifier les styles du texte du masque
@@ -774,18 +1062,13 @@
 Quatrième niveau
 Cinquième niveau</a:t>
             </a:r>
-          </a:p>
-        </p:txBody>
-      </p:sp>
-      <p:sp>
-        <p:nvSpPr>
-          <p:cNvPr id="4" name="Espace réservé de la date 3">
-            <a:extLst>
-              <a:ext uri="{FF2B5EF4-FFF2-40B4-BE49-F238E27FC236}">
-                <a16:creationId xmlns:a16="http://schemas.microsoft.com/office/drawing/2014/main" id="{E7FE5D01-9419-904C-B727-6D23A2559561}"/>
-              </a:ext>
-            </a:extLst>
-          </p:cNvPr>
+            <a:endParaRPr lang="en-US" dirty="0"/>
+          </a:p>
+        </p:txBody>
+      </p:sp>
+      <p:sp>
+        <p:nvSpPr>
+          <p:cNvPr id="4" name="Date Placeholder 3"/>
           <p:cNvSpPr>
             <a:spLocks noGrp="1"/>
           </p:cNvSpPr>
@@ -808,13 +1091,7 @@
       </p:sp>
       <p:sp>
         <p:nvSpPr>
-          <p:cNvPr id="5" name="Espace réservé du pied de page 4">
-            <a:extLst>
-              <a:ext uri="{FF2B5EF4-FFF2-40B4-BE49-F238E27FC236}">
-                <a16:creationId xmlns:a16="http://schemas.microsoft.com/office/drawing/2014/main" id="{B2E00B91-5C5D-2D42-A106-88E0C406A565}"/>
-              </a:ext>
-            </a:extLst>
-          </p:cNvPr>
+          <p:cNvPr id="5" name="Footer Placeholder 4"/>
           <p:cNvSpPr>
             <a:spLocks noGrp="1"/>
           </p:cNvSpPr>
@@ -833,13 +1110,7 @@
       </p:sp>
       <p:sp>
         <p:nvSpPr>
-          <p:cNvPr id="6" name="Espace réservé du numéro de diapositive 5">
-            <a:extLst>
-              <a:ext uri="{FF2B5EF4-FFF2-40B4-BE49-F238E27FC236}">
-                <a16:creationId xmlns:a16="http://schemas.microsoft.com/office/drawing/2014/main" id="{6EB10374-C7FC-A541-8EEC-8B16BFD997E2}"/>
-              </a:ext>
-            </a:extLst>
-          </p:cNvPr>
+          <p:cNvPr id="6" name="Slide Number Placeholder 5"/>
           <p:cNvSpPr>
             <a:spLocks noGrp="1"/>
           </p:cNvSpPr>
@@ -863,7 +1134,7 @@
     </p:spTree>
     <p:extLst>
       <p:ext uri="{BB962C8B-B14F-4D97-AF65-F5344CB8AC3E}">
-        <p14:creationId xmlns:p14="http://schemas.microsoft.com/office/powerpoint/2010/main" val="2866576304"/>
+        <p14:creationId xmlns:p14="http://schemas.microsoft.com/office/powerpoint/2010/main" val="1087109571"/>
       </p:ext>
     </p:extLst>
   </p:cSld>
@@ -874,7 +1145,7 @@
 </file>
 
 <file path=ppt/slideLayouts/slideLayout3.xml><?xml version="1.0" encoding="utf-8"?>
-<p:sldLayout xmlns:a="http://schemas.openxmlformats.org/drawingml/2006/main" xmlns:r="http://schemas.openxmlformats.org/officeDocument/2006/relationships" xmlns:p="http://schemas.openxmlformats.org/presentationml/2006/main" type="secHead" preserve="1">
+<p:sldLayout xmlns:a="http://schemas.openxmlformats.org/drawingml/2006/main" xmlns:r="http://schemas.openxmlformats.org/officeDocument/2006/relationships" xmlns:p="http://schemas.openxmlformats.org/presentationml/2006/main" showMasterSp="0" type="secHead" preserve="1">
   <p:cSld name="Titre de section">
     <p:spTree>
       <p:nvGrpSpPr>
@@ -892,31 +1163,95 @@
       </p:grpSpPr>
       <p:sp>
         <p:nvSpPr>
-          <p:cNvPr id="2" name="Titre 1">
-            <a:extLst>
-              <a:ext uri="{FF2B5EF4-FFF2-40B4-BE49-F238E27FC236}">
-                <a16:creationId xmlns:a16="http://schemas.microsoft.com/office/drawing/2014/main" id="{4EEC4AFD-3085-2E49-9E1F-8AC7EC3A0F42}"/>
-              </a:ext>
-            </a:extLst>
-          </p:cNvPr>
-          <p:cNvSpPr>
-            <a:spLocks noGrp="1"/>
-          </p:cNvSpPr>
-          <p:nvPr>
-            <p:ph type="title"/>
-          </p:nvPr>
+          <p:cNvPr id="7" name="Rectangle 6"/>
+          <p:cNvSpPr/>
+          <p:nvPr/>
         </p:nvSpPr>
         <p:spPr>
           <a:xfrm>
-            <a:off x="831850" y="1709738"/>
-            <a:ext cx="10515600" cy="2852737"/>
+            <a:off x="0" y="4917989"/>
+            <a:ext cx="12192000" cy="1940010"/>
+          </a:xfrm>
+          <a:prstGeom prst="rect">
+            <a:avLst/>
+          </a:prstGeom>
+          <a:blipFill dpi="0" rotWithShape="1">
+            <a:blip r:embed="rId2">
+              <a:alphaModFix amt="85000"/>
+              <a:lum bright="70000" contrast="-70000"/>
+              <a:extLst>
+                <a:ext uri="{BEBA8EAE-BF5A-486C-A8C5-ECC9F3942E4B}">
+                  <a14:imgProps xmlns:a14="http://schemas.microsoft.com/office/drawing/2010/main">
+                    <a14:imgLayer r:embed="rId3">
+                      <a14:imgEffect>
+                        <a14:sharpenSoften amount="61000"/>
+                      </a14:imgEffect>
+                    </a14:imgLayer>
+                  </a14:imgProps>
+                </a:ext>
+                <a:ext uri="{28A0092B-C50C-407E-A947-70E740481C1C}">
+                  <a14:useLocalDpi xmlns:a14="http://schemas.microsoft.com/office/drawing/2010/main" val="0"/>
+                </a:ext>
+              </a:extLst>
+            </a:blip>
+            <a:srcRect/>
+            <a:tile tx="0" ty="-704850" sx="92000" sy="89000" flip="xy" algn="ctr"/>
+          </a:blipFill>
+          <a:ln>
+            <a:noFill/>
+          </a:ln>
+        </p:spPr>
+        <p:style>
+          <a:lnRef idx="2">
+            <a:schemeClr val="accent1">
+              <a:shade val="50000"/>
+            </a:schemeClr>
+          </a:lnRef>
+          <a:fillRef idx="1">
+            <a:schemeClr val="accent1"/>
+          </a:fillRef>
+          <a:effectRef idx="0">
+            <a:schemeClr val="accent1"/>
+          </a:effectRef>
+          <a:fontRef idx="minor">
+            <a:schemeClr val="lt1"/>
+          </a:fontRef>
+        </p:style>
+        <p:txBody>
+          <a:bodyPr rtlCol="0" anchor="ctr"/>
+          <a:lstStyle/>
+          <a:p>
+            <a:pPr algn="ctr"/>
+            <a:endParaRPr lang="en-US"/>
+          </a:p>
+        </p:txBody>
+      </p:sp>
+      <p:sp>
+        <p:nvSpPr>
+          <p:cNvPr id="2" name="Title 1"/>
+          <p:cNvSpPr>
+            <a:spLocks noGrp="1"/>
+          </p:cNvSpPr>
+          <p:nvPr>
+            <p:ph type="title"/>
+          </p:nvPr>
+        </p:nvSpPr>
+        <p:spPr>
+          <a:xfrm>
+            <a:off x="2167128" y="1225296"/>
+            <a:ext cx="9281160" cy="3520440"/>
           </a:xfrm>
         </p:spPr>
         <p:txBody>
-          <a:bodyPr anchor="b"/>
+          <a:bodyPr anchor="ctr">
+            <a:normAutofit/>
+          </a:bodyPr>
           <a:lstStyle>
             <a:lvl1pPr>
-              <a:defRPr sz="6000"/>
+              <a:lnSpc>
+                <a:spcPct val="80000"/>
+              </a:lnSpc>
+              <a:defRPr sz="8000" b="0"/>
             </a:lvl1pPr>
           </a:lstStyle>
           <a:p>
@@ -924,18 +1259,13 @@
               <a:rPr lang="fr-FR"/>
               <a:t>Modifiez le style du titre</a:t>
             </a:r>
-          </a:p>
-        </p:txBody>
-      </p:sp>
-      <p:sp>
-        <p:nvSpPr>
-          <p:cNvPr id="3" name="Espace réservé du texte 2">
-            <a:extLst>
-              <a:ext uri="{FF2B5EF4-FFF2-40B4-BE49-F238E27FC236}">
-                <a16:creationId xmlns:a16="http://schemas.microsoft.com/office/drawing/2014/main" id="{0FA73124-B31F-7F48-8AA2-74DDDED2F9FE}"/>
-              </a:ext>
-            </a:extLst>
-          </p:cNvPr>
+            <a:endParaRPr lang="en-US" dirty="0"/>
+          </a:p>
+        </p:txBody>
+      </p:sp>
+      <p:sp>
+        <p:nvSpPr>
+          <p:cNvPr id="3" name="Text Placeholder 2"/>
           <p:cNvSpPr>
             <a:spLocks noGrp="1"/>
           </p:cNvSpPr>
@@ -945,26 +1275,26 @@
         </p:nvSpPr>
         <p:spPr>
           <a:xfrm>
-            <a:off x="831850" y="4589463"/>
-            <a:ext cx="10515600" cy="1500187"/>
+            <a:off x="2165774" y="5020056"/>
+            <a:ext cx="9052560" cy="1066800"/>
           </a:xfrm>
         </p:spPr>
         <p:txBody>
-          <a:bodyPr/>
+          <a:bodyPr anchor="t">
+            <a:normAutofit/>
+          </a:bodyPr>
           <a:lstStyle>
             <a:lvl1pPr marL="0" indent="0">
               <a:buNone/>
-              <a:defRPr sz="2400">
+              <a:defRPr sz="2000">
                 <a:solidFill>
-                  <a:schemeClr val="tx1">
-                    <a:tint val="75000"/>
-                  </a:schemeClr>
+                  <a:schemeClr val="tx1"/>
                 </a:solidFill>
               </a:defRPr>
             </a:lvl1pPr>
             <a:lvl2pPr marL="457200" indent="0">
               <a:buNone/>
-              <a:defRPr sz="2000">
+              <a:defRPr sz="1800">
                 <a:solidFill>
                   <a:schemeClr val="tx1">
                     <a:tint val="75000"/>
@@ -974,7 +1304,7 @@
             </a:lvl2pPr>
             <a:lvl3pPr marL="914400" indent="0">
               <a:buNone/>
-              <a:defRPr sz="1800">
+              <a:defRPr sz="1600">
                 <a:solidFill>
                   <a:schemeClr val="tx1">
                     <a:tint val="75000"/>
@@ -984,7 +1314,7 @@
             </a:lvl3pPr>
             <a:lvl4pPr marL="1371600" indent="0">
               <a:buNone/>
-              <a:defRPr sz="1600">
+              <a:defRPr sz="1400">
                 <a:solidFill>
                   <a:schemeClr val="tx1">
                     <a:tint val="75000"/>
@@ -994,7 +1324,7 @@
             </a:lvl4pPr>
             <a:lvl5pPr marL="1828800" indent="0">
               <a:buNone/>
-              <a:defRPr sz="1600">
+              <a:defRPr sz="1400">
                 <a:solidFill>
                   <a:schemeClr val="tx1">
                     <a:tint val="75000"/>
@@ -1004,7 +1334,7 @@
             </a:lvl5pPr>
             <a:lvl6pPr marL="2286000" indent="0">
               <a:buNone/>
-              <a:defRPr sz="1600">
+              <a:defRPr sz="1400">
                 <a:solidFill>
                   <a:schemeClr val="tx1">
                     <a:tint val="75000"/>
@@ -1014,7 +1344,7 @@
             </a:lvl6pPr>
             <a:lvl7pPr marL="2743200" indent="0">
               <a:buNone/>
-              <a:defRPr sz="1600">
+              <a:defRPr sz="1400">
                 <a:solidFill>
                   <a:schemeClr val="tx1">
                     <a:tint val="75000"/>
@@ -1024,7 +1354,7 @@
             </a:lvl7pPr>
             <a:lvl8pPr marL="3200400" indent="0">
               <a:buNone/>
-              <a:defRPr sz="1600">
+              <a:defRPr sz="1400">
                 <a:solidFill>
                   <a:schemeClr val="tx1">
                     <a:tint val="75000"/>
@@ -1034,7 +1364,7 @@
             </a:lvl8pPr>
             <a:lvl9pPr marL="3657600" indent="0">
               <a:buNone/>
-              <a:defRPr sz="1600">
+              <a:defRPr sz="1400">
                 <a:solidFill>
                   <a:schemeClr val="tx1">
                     <a:tint val="75000"/>
@@ -1044,6 +1374,7 @@
             </a:lvl9pPr>
           </a:lstStyle>
           <a:p>
+            <a:pPr lvl="0"/>
             <a:r>
               <a:rPr lang="fr-FR"/>
               <a:t>Modifier les styles du texte du masque
@@ -1052,18 +1383,13 @@
 Quatrième niveau
 Cinquième niveau</a:t>
             </a:r>
-          </a:p>
-        </p:txBody>
-      </p:sp>
-      <p:sp>
-        <p:nvSpPr>
-          <p:cNvPr id="4" name="Espace réservé de la date 3">
-            <a:extLst>
-              <a:ext uri="{FF2B5EF4-FFF2-40B4-BE49-F238E27FC236}">
-                <a16:creationId xmlns:a16="http://schemas.microsoft.com/office/drawing/2014/main" id="{50925F3E-E38C-8E47-9326-C4446029D2F4}"/>
-              </a:ext>
-            </a:extLst>
-          </p:cNvPr>
+            <a:endParaRPr lang="en-US"/>
+          </a:p>
+        </p:txBody>
+      </p:sp>
+      <p:sp>
+        <p:nvSpPr>
+          <p:cNvPr id="4" name="Date Placeholder 3"/>
           <p:cNvSpPr>
             <a:spLocks noGrp="1"/>
           </p:cNvSpPr>
@@ -1071,7 +1397,12 @@
             <p:ph type="dt" sz="half" idx="10"/>
           </p:nvPr>
         </p:nvSpPr>
-        <p:spPr/>
+        <p:spPr>
+          <a:xfrm>
+            <a:off x="8593667" y="6272784"/>
+            <a:ext cx="2644309" cy="365125"/>
+          </a:xfrm>
+        </p:spPr>
         <p:txBody>
           <a:bodyPr/>
           <a:lstStyle/>
@@ -1086,13 +1417,7 @@
       </p:sp>
       <p:sp>
         <p:nvSpPr>
-          <p:cNvPr id="5" name="Espace réservé du pied de page 4">
-            <a:extLst>
-              <a:ext uri="{FF2B5EF4-FFF2-40B4-BE49-F238E27FC236}">
-                <a16:creationId xmlns:a16="http://schemas.microsoft.com/office/drawing/2014/main" id="{9A4F77D7-5865-F24C-A14D-745730FB5D8F}"/>
-              </a:ext>
-            </a:extLst>
-          </p:cNvPr>
+          <p:cNvPr id="5" name="Footer Placeholder 4"/>
           <p:cNvSpPr>
             <a:spLocks noGrp="1"/>
           </p:cNvSpPr>
@@ -1100,7 +1425,12 @@
             <p:ph type="ftr" sz="quarter" idx="11"/>
           </p:nvPr>
         </p:nvSpPr>
-        <p:spPr/>
+        <p:spPr>
+          <a:xfrm>
+            <a:off x="2182708" y="6272784"/>
+            <a:ext cx="6327648" cy="365125"/>
+          </a:xfrm>
+        </p:spPr>
         <p:txBody>
           <a:bodyPr/>
           <a:lstStyle/>
@@ -1109,15 +1439,167 @@
           </a:p>
         </p:txBody>
       </p:sp>
-      <p:sp>
-        <p:nvSpPr>
-          <p:cNvPr id="6" name="Espace réservé du numéro de diapositive 5">
-            <a:extLst>
-              <a:ext uri="{FF2B5EF4-FFF2-40B4-BE49-F238E27FC236}">
-                <a16:creationId xmlns:a16="http://schemas.microsoft.com/office/drawing/2014/main" id="{7CC22854-30F3-B143-8EBB-29E4AE98B1C8}"/>
-              </a:ext>
-            </a:extLst>
-          </p:cNvPr>
+      <p:grpSp>
+        <p:nvGrpSpPr>
+          <p:cNvPr id="8" name="Group 7"/>
+          <p:cNvGrpSpPr/>
+          <p:nvPr/>
+        </p:nvGrpSpPr>
+        <p:grpSpPr>
+          <a:xfrm>
+            <a:off x="897399" y="2325848"/>
+            <a:ext cx="1080904" cy="1080902"/>
+            <a:chOff x="9685338" y="4460675"/>
+            <a:chExt cx="1080904" cy="1080902"/>
+          </a:xfrm>
+        </p:grpSpPr>
+        <p:sp>
+          <p:nvSpPr>
+            <p:cNvPr id="9" name="Oval 8"/>
+            <p:cNvSpPr/>
+            <p:nvPr/>
+          </p:nvSpPr>
+          <p:spPr>
+            <a:xfrm>
+              <a:off x="9685338" y="4460675"/>
+              <a:ext cx="1080904" cy="1080902"/>
+            </a:xfrm>
+            <a:prstGeom prst="ellipse">
+              <a:avLst/>
+            </a:prstGeom>
+            <a:blipFill dpi="0" rotWithShape="1">
+              <a:blip r:embed="rId4">
+                <a:duotone>
+                  <a:schemeClr val="accent1">
+                    <a:shade val="45000"/>
+                    <a:satMod val="135000"/>
+                  </a:schemeClr>
+                  <a:prstClr val="white"/>
+                </a:duotone>
+                <a:extLst>
+                  <a:ext uri="{BEBA8EAE-BF5A-486C-A8C5-ECC9F3942E4B}">
+                    <a14:imgProps xmlns:a14="http://schemas.microsoft.com/office/drawing/2010/main">
+                      <a14:imgLayer r:embed="rId5">
+                        <a14:imgEffect>
+                          <a14:saturation sat="95000"/>
+                        </a14:imgEffect>
+                      </a14:imgLayer>
+                    </a14:imgProps>
+                  </a:ext>
+                </a:extLst>
+              </a:blip>
+              <a:srcRect/>
+              <a:tile tx="0" ty="0" sx="85000" sy="85000" flip="none" algn="tl"/>
+            </a:blipFill>
+            <a:ln w="25400" cap="flat" cmpd="sng" algn="ctr">
+              <a:noFill/>
+              <a:prstDash val="solid"/>
+            </a:ln>
+            <a:effectLst/>
+          </p:spPr>
+          <p:txBody>
+            <a:bodyPr lIns="0" tIns="0" rIns="0" bIns="0" rtlCol="0" anchor="ctr"/>
+            <a:lstStyle/>
+            <a:p>
+              <a:pPr marL="0" marR="0" lvl="0" indent="0" algn="ctr" defTabSz="914400" eaLnBrk="1" fontAlgn="auto" latinLnBrk="0" hangingPunct="1">
+                <a:lnSpc>
+                  <a:spcPct val="100000"/>
+                </a:lnSpc>
+                <a:spcBef>
+                  <a:spcPts val="0"/>
+                </a:spcBef>
+                <a:spcAft>
+                  <a:spcPts val="0"/>
+                </a:spcAft>
+                <a:buClrTx/>
+                <a:buSzTx/>
+                <a:buFontTx/>
+                <a:buNone/>
+                <a:tabLst/>
+                <a:defRPr/>
+              </a:pPr>
+              <a:endParaRPr kumimoji="0" lang="en-US" sz="2000" b="0" i="0" u="none" strike="noStrike" kern="0" cap="none" spc="0" normalizeH="0" baseline="0" noProof="0" dirty="0">
+                <a:ln>
+                  <a:noFill/>
+                </a:ln>
+                <a:solidFill>
+                  <a:prstClr val="white"/>
+                </a:solidFill>
+                <a:effectLst/>
+                <a:uLnTx/>
+                <a:uFillTx/>
+                <a:latin typeface="Rockwell Extra Bold" pitchFamily="18" charset="0"/>
+                <a:ea typeface="+mn-ea"/>
+                <a:cs typeface="+mn-cs"/>
+              </a:endParaRPr>
+            </a:p>
+          </p:txBody>
+        </p:sp>
+        <p:sp>
+          <p:nvSpPr>
+            <p:cNvPr id="10" name="Oval 9"/>
+            <p:cNvSpPr/>
+            <p:nvPr/>
+          </p:nvSpPr>
+          <p:spPr>
+            <a:xfrm>
+              <a:off x="9793429" y="4568765"/>
+              <a:ext cx="864723" cy="864722"/>
+            </a:xfrm>
+            <a:prstGeom prst="ellipse">
+              <a:avLst/>
+            </a:prstGeom>
+            <a:noFill/>
+            <a:ln w="25400" cap="flat" cmpd="sng" algn="ctr">
+              <a:solidFill>
+                <a:sysClr val="window" lastClr="FFFFFF"/>
+              </a:solidFill>
+              <a:prstDash val="solid"/>
+            </a:ln>
+            <a:effectLst/>
+          </p:spPr>
+          <p:txBody>
+            <a:bodyPr rtlCol="0" anchor="ctr"/>
+            <a:lstStyle/>
+            <a:p>
+              <a:pPr marL="0" marR="0" lvl="0" indent="0" algn="ctr" defTabSz="914400" eaLnBrk="1" fontAlgn="auto" latinLnBrk="0" hangingPunct="1">
+                <a:lnSpc>
+                  <a:spcPct val="100000"/>
+                </a:lnSpc>
+                <a:spcBef>
+                  <a:spcPts val="0"/>
+                </a:spcBef>
+                <a:spcAft>
+                  <a:spcPts val="0"/>
+                </a:spcAft>
+                <a:buClrTx/>
+                <a:buSzTx/>
+                <a:buFontTx/>
+                <a:buNone/>
+                <a:tabLst/>
+                <a:defRPr/>
+              </a:pPr>
+              <a:endParaRPr kumimoji="0" lang="en-US" sz="1800" b="0" i="0" u="none" strike="noStrike" kern="0" cap="none" spc="0" normalizeH="0" baseline="0" noProof="0" dirty="0">
+                <a:ln>
+                  <a:noFill/>
+                </a:ln>
+                <a:solidFill>
+                  <a:prstClr val="white"/>
+                </a:solidFill>
+                <a:effectLst/>
+                <a:uLnTx/>
+                <a:uFillTx/>
+                <a:latin typeface="Calibri"/>
+                <a:ea typeface="+mn-ea"/>
+                <a:cs typeface="+mn-cs"/>
+              </a:endParaRPr>
+            </a:p>
+          </p:txBody>
+        </p:sp>
+      </p:grpSp>
+      <p:sp>
+        <p:nvSpPr>
+          <p:cNvPr id="6" name="Slide Number Placeholder 5"/>
           <p:cNvSpPr>
             <a:spLocks noGrp="1"/>
           </p:cNvSpPr>
@@ -1125,10 +1607,19 @@
             <p:ph type="sldNum" sz="quarter" idx="12"/>
           </p:nvPr>
         </p:nvSpPr>
-        <p:spPr/>
+        <p:spPr>
+          <a:xfrm>
+            <a:off x="843702" y="2506133"/>
+            <a:ext cx="1188298" cy="720332"/>
+          </a:xfrm>
+        </p:spPr>
         <p:txBody>
           <a:bodyPr/>
-          <a:lstStyle/>
+          <a:lstStyle>
+            <a:lvl1pPr>
+              <a:defRPr sz="2800"/>
+            </a:lvl1pPr>
+          </a:lstStyle>
           <a:p>
             <a:fld id="{6E6F63EE-3895-C843-9FCD-A4155B4DE333}" type="slidenum">
               <a:rPr lang="fr-FR" smtClean="0"/>
@@ -1141,7 +1632,7 @@
     </p:spTree>
     <p:extLst>
       <p:ext uri="{BB962C8B-B14F-4D97-AF65-F5344CB8AC3E}">
-        <p14:creationId xmlns:p14="http://schemas.microsoft.com/office/powerpoint/2010/main" val="4079845423"/>
+        <p14:creationId xmlns:p14="http://schemas.microsoft.com/office/powerpoint/2010/main" val="1869046854"/>
       </p:ext>
     </p:extLst>
   </p:cSld>
@@ -1170,13 +1661,7 @@
       </p:grpSpPr>
       <p:sp>
         <p:nvSpPr>
-          <p:cNvPr id="2" name="Titre 1">
-            <a:extLst>
-              <a:ext uri="{FF2B5EF4-FFF2-40B4-BE49-F238E27FC236}">
-                <a16:creationId xmlns:a16="http://schemas.microsoft.com/office/drawing/2014/main" id="{6BB101C5-C1E1-EB41-84C6-B4F708BFA4E3}"/>
-              </a:ext>
-            </a:extLst>
-          </p:cNvPr>
+          <p:cNvPr id="2" name="Title 1"/>
           <p:cNvSpPr>
             <a:spLocks noGrp="1"/>
           </p:cNvSpPr>
@@ -1193,18 +1678,13 @@
               <a:rPr lang="fr-FR"/>
               <a:t>Modifiez le style du titre</a:t>
             </a:r>
-          </a:p>
-        </p:txBody>
-      </p:sp>
-      <p:sp>
-        <p:nvSpPr>
-          <p:cNvPr id="3" name="Espace réservé du contenu 2">
-            <a:extLst>
-              <a:ext uri="{FF2B5EF4-FFF2-40B4-BE49-F238E27FC236}">
-                <a16:creationId xmlns:a16="http://schemas.microsoft.com/office/drawing/2014/main" id="{03D628AD-2317-524C-9D4C-9977C094B43E}"/>
-              </a:ext>
-            </a:extLst>
-          </p:cNvPr>
+            <a:endParaRPr lang="en-US" dirty="0"/>
+          </a:p>
+        </p:txBody>
+      </p:sp>
+      <p:sp>
+        <p:nvSpPr>
+          <p:cNvPr id="3" name="Content Placeholder 2"/>
           <p:cNvSpPr>
             <a:spLocks noGrp="1"/>
           </p:cNvSpPr>
@@ -1214,14 +1694,43 @@
         </p:nvSpPr>
         <p:spPr>
           <a:xfrm>
-            <a:off x="838200" y="1825625"/>
-            <a:ext cx="5181600" cy="4351338"/>
+            <a:off x="1069848" y="2194560"/>
+            <a:ext cx="4754880" cy="3977640"/>
           </a:xfrm>
         </p:spPr>
         <p:txBody>
           <a:bodyPr/>
-          <a:lstStyle/>
-          <a:p>
+          <a:lstStyle>
+            <a:lvl1pPr>
+              <a:defRPr sz="2000"/>
+            </a:lvl1pPr>
+            <a:lvl2pPr>
+              <a:defRPr sz="1800"/>
+            </a:lvl2pPr>
+            <a:lvl3pPr>
+              <a:defRPr sz="1600"/>
+            </a:lvl3pPr>
+            <a:lvl4pPr>
+              <a:defRPr sz="1600"/>
+            </a:lvl4pPr>
+            <a:lvl5pPr>
+              <a:defRPr sz="1600"/>
+            </a:lvl5pPr>
+            <a:lvl6pPr>
+              <a:defRPr sz="1800"/>
+            </a:lvl6pPr>
+            <a:lvl7pPr>
+              <a:defRPr sz="1800"/>
+            </a:lvl7pPr>
+            <a:lvl8pPr>
+              <a:defRPr sz="1800"/>
+            </a:lvl8pPr>
+            <a:lvl9pPr>
+              <a:defRPr sz="1800"/>
+            </a:lvl9pPr>
+          </a:lstStyle>
+          <a:p>
+            <a:pPr lvl="0"/>
             <a:r>
               <a:rPr lang="fr-FR"/>
               <a:t>Modifier les styles du texte du masque
@@ -1230,18 +1739,13 @@
 Quatrième niveau
 Cinquième niveau</a:t>
             </a:r>
-          </a:p>
-        </p:txBody>
-      </p:sp>
-      <p:sp>
-        <p:nvSpPr>
-          <p:cNvPr id="4" name="Espace réservé du contenu 3">
-            <a:extLst>
-              <a:ext uri="{FF2B5EF4-FFF2-40B4-BE49-F238E27FC236}">
-                <a16:creationId xmlns:a16="http://schemas.microsoft.com/office/drawing/2014/main" id="{15D5550D-1D53-BC40-A4D7-7481642961A4}"/>
-              </a:ext>
-            </a:extLst>
-          </p:cNvPr>
+            <a:endParaRPr lang="en-US" dirty="0"/>
+          </a:p>
+        </p:txBody>
+      </p:sp>
+      <p:sp>
+        <p:nvSpPr>
+          <p:cNvPr id="4" name="Content Placeholder 3"/>
           <p:cNvSpPr>
             <a:spLocks noGrp="1"/>
           </p:cNvSpPr>
@@ -1251,14 +1755,43 @@
         </p:nvSpPr>
         <p:spPr>
           <a:xfrm>
-            <a:off x="6172200" y="1825625"/>
-            <a:ext cx="5181600" cy="4351338"/>
+            <a:off x="6364224" y="2194560"/>
+            <a:ext cx="4754880" cy="3977640"/>
           </a:xfrm>
         </p:spPr>
         <p:txBody>
           <a:bodyPr/>
-          <a:lstStyle/>
-          <a:p>
+          <a:lstStyle>
+            <a:lvl1pPr>
+              <a:defRPr sz="2000"/>
+            </a:lvl1pPr>
+            <a:lvl2pPr>
+              <a:defRPr sz="1800"/>
+            </a:lvl2pPr>
+            <a:lvl3pPr>
+              <a:defRPr sz="1600"/>
+            </a:lvl3pPr>
+            <a:lvl4pPr>
+              <a:defRPr sz="1600"/>
+            </a:lvl4pPr>
+            <a:lvl5pPr>
+              <a:defRPr sz="1600"/>
+            </a:lvl5pPr>
+            <a:lvl6pPr>
+              <a:defRPr sz="1800"/>
+            </a:lvl6pPr>
+            <a:lvl7pPr>
+              <a:defRPr sz="1800"/>
+            </a:lvl7pPr>
+            <a:lvl8pPr>
+              <a:defRPr sz="1800"/>
+            </a:lvl8pPr>
+            <a:lvl9pPr>
+              <a:defRPr sz="1800"/>
+            </a:lvl9pPr>
+          </a:lstStyle>
+          <a:p>
+            <a:pPr lvl="0"/>
             <a:r>
               <a:rPr lang="fr-FR"/>
               <a:t>Modifier les styles du texte du masque
@@ -1267,18 +1800,13 @@
 Quatrième niveau
 Cinquième niveau</a:t>
             </a:r>
-          </a:p>
-        </p:txBody>
-      </p:sp>
-      <p:sp>
-        <p:nvSpPr>
-          <p:cNvPr id="5" name="Espace réservé de la date 4">
-            <a:extLst>
-              <a:ext uri="{FF2B5EF4-FFF2-40B4-BE49-F238E27FC236}">
-                <a16:creationId xmlns:a16="http://schemas.microsoft.com/office/drawing/2014/main" id="{D15CAE3C-89F1-384E-81C6-D41C76F7C606}"/>
-              </a:ext>
-            </a:extLst>
-          </p:cNvPr>
+            <a:endParaRPr lang="en-US" dirty="0"/>
+          </a:p>
+        </p:txBody>
+      </p:sp>
+      <p:sp>
+        <p:nvSpPr>
+          <p:cNvPr id="5" name="Date Placeholder 4"/>
           <p:cNvSpPr>
             <a:spLocks noGrp="1"/>
           </p:cNvSpPr>
@@ -1301,13 +1829,7 @@
       </p:sp>
       <p:sp>
         <p:nvSpPr>
-          <p:cNvPr id="6" name="Espace réservé du pied de page 5">
-            <a:extLst>
-              <a:ext uri="{FF2B5EF4-FFF2-40B4-BE49-F238E27FC236}">
-                <a16:creationId xmlns:a16="http://schemas.microsoft.com/office/drawing/2014/main" id="{3C460386-D3AC-1B4F-A003-FD61A52865B8}"/>
-              </a:ext>
-            </a:extLst>
-          </p:cNvPr>
+          <p:cNvPr id="6" name="Footer Placeholder 5"/>
           <p:cNvSpPr>
             <a:spLocks noGrp="1"/>
           </p:cNvSpPr>
@@ -1326,13 +1848,7 @@
       </p:sp>
       <p:sp>
         <p:nvSpPr>
-          <p:cNvPr id="7" name="Espace réservé du numéro de diapositive 6">
-            <a:extLst>
-              <a:ext uri="{FF2B5EF4-FFF2-40B4-BE49-F238E27FC236}">
-                <a16:creationId xmlns:a16="http://schemas.microsoft.com/office/drawing/2014/main" id="{F945017B-DC17-FE48-8678-57AEFA8F1DB4}"/>
-              </a:ext>
-            </a:extLst>
-          </p:cNvPr>
+          <p:cNvPr id="7" name="Slide Number Placeholder 6"/>
           <p:cNvSpPr>
             <a:spLocks noGrp="1"/>
           </p:cNvSpPr>
@@ -1356,7 +1872,7 @@
     </p:spTree>
     <p:extLst>
       <p:ext uri="{BB962C8B-B14F-4D97-AF65-F5344CB8AC3E}">
-        <p14:creationId xmlns:p14="http://schemas.microsoft.com/office/powerpoint/2010/main" val="1900433011"/>
+        <p14:creationId xmlns:p14="http://schemas.microsoft.com/office/powerpoint/2010/main" val="2808827846"/>
       </p:ext>
     </p:extLst>
   </p:cSld>
@@ -1367,7 +1883,7 @@
 </file>
 
 <file path=ppt/slideLayouts/slideLayout5.xml><?xml version="1.0" encoding="utf-8"?>
-<p:sldLayout xmlns:a="http://schemas.openxmlformats.org/drawingml/2006/main" xmlns:r="http://schemas.openxmlformats.org/officeDocument/2006/relationships" xmlns:p="http://schemas.openxmlformats.org/presentationml/2006/main" type="twoTxTwoObj" preserve="1">
+<p:sldLayout xmlns:a="http://schemas.openxmlformats.org/drawingml/2006/main" xmlns:r="http://schemas.openxmlformats.org/officeDocument/2006/relationships" xmlns:p="http://schemas.openxmlformats.org/presentationml/2006/main" preserve="1">
   <p:cSld name="Comparaison">
     <p:spTree>
       <p:nvGrpSpPr>
@@ -1385,65 +1901,34 @@
       </p:grpSpPr>
       <p:sp>
         <p:nvSpPr>
-          <p:cNvPr id="2" name="Titre 1">
-            <a:extLst>
-              <a:ext uri="{FF2B5EF4-FFF2-40B4-BE49-F238E27FC236}">
-                <a16:creationId xmlns:a16="http://schemas.microsoft.com/office/drawing/2014/main" id="{FE1CAA1A-8B3F-8F40-A23B-2FBF586184BB}"/>
-              </a:ext>
-            </a:extLst>
-          </p:cNvPr>
-          <p:cNvSpPr>
-            <a:spLocks noGrp="1"/>
-          </p:cNvSpPr>
-          <p:nvPr>
-            <p:ph type="title"/>
+          <p:cNvPr id="3" name="Text Placeholder 2"/>
+          <p:cNvSpPr>
+            <a:spLocks noGrp="1"/>
+          </p:cNvSpPr>
+          <p:nvPr>
+            <p:ph type="body" idx="1"/>
           </p:nvPr>
         </p:nvSpPr>
         <p:spPr>
           <a:xfrm>
-            <a:off x="839788" y="365125"/>
-            <a:ext cx="10515600" cy="1325563"/>
+            <a:off x="1066800" y="2048256"/>
+            <a:ext cx="4754880" cy="640080"/>
           </a:xfrm>
         </p:spPr>
         <p:txBody>
-          <a:bodyPr/>
-          <a:lstStyle/>
-          <a:p>
-            <a:r>
-              <a:rPr lang="fr-FR"/>
-              <a:t>Modifiez le style du titre</a:t>
-            </a:r>
-          </a:p>
-        </p:txBody>
-      </p:sp>
-      <p:sp>
-        <p:nvSpPr>
-          <p:cNvPr id="3" name="Espace réservé du texte 2">
-            <a:extLst>
-              <a:ext uri="{FF2B5EF4-FFF2-40B4-BE49-F238E27FC236}">
-                <a16:creationId xmlns:a16="http://schemas.microsoft.com/office/drawing/2014/main" id="{57DCA065-53DC-654F-89E8-8FB4EBA991FC}"/>
-              </a:ext>
-            </a:extLst>
-          </p:cNvPr>
-          <p:cNvSpPr>
-            <a:spLocks noGrp="1"/>
-          </p:cNvSpPr>
-          <p:nvPr>
-            <p:ph type="body" idx="1"/>
-          </p:nvPr>
-        </p:nvSpPr>
-        <p:spPr>
-          <a:xfrm>
-            <a:off x="839788" y="1681163"/>
-            <a:ext cx="5157787" cy="823912"/>
-          </a:xfrm>
-        </p:spPr>
-        <p:txBody>
-          <a:bodyPr anchor="b"/>
+          <a:bodyPr anchor="ctr">
+            <a:normAutofit/>
+          </a:bodyPr>
           <a:lstStyle>
             <a:lvl1pPr marL="0" indent="0">
               <a:buNone/>
-              <a:defRPr sz="2400" b="1"/>
+              <a:defRPr sz="2000" b="1">
+                <a:solidFill>
+                  <a:schemeClr val="accent1">
+                    <a:lumMod val="75000"/>
+                  </a:schemeClr>
+                </a:solidFill>
+              </a:defRPr>
             </a:lvl1pPr>
             <a:lvl2pPr marL="457200" indent="0">
               <a:buNone/>
@@ -1479,6 +1964,7 @@
             </a:lvl9pPr>
           </a:lstStyle>
           <a:p>
+            <a:pPr lvl="0"/>
             <a:r>
               <a:rPr lang="fr-FR"/>
               <a:t>Modifier les styles du texte du masque
@@ -1487,18 +1973,13 @@
 Quatrième niveau
 Cinquième niveau</a:t>
             </a:r>
-          </a:p>
-        </p:txBody>
-      </p:sp>
-      <p:sp>
-        <p:nvSpPr>
-          <p:cNvPr id="4" name="Espace réservé du contenu 3">
-            <a:extLst>
-              <a:ext uri="{FF2B5EF4-FFF2-40B4-BE49-F238E27FC236}">
-                <a16:creationId xmlns:a16="http://schemas.microsoft.com/office/drawing/2014/main" id="{E5DCF2A6-3B94-9C4C-BF26-5901184E5CA9}"/>
-              </a:ext>
-            </a:extLst>
-          </p:cNvPr>
+            <a:endParaRPr lang="en-US"/>
+          </a:p>
+        </p:txBody>
+      </p:sp>
+      <p:sp>
+        <p:nvSpPr>
+          <p:cNvPr id="4" name="Content Placeholder 3"/>
           <p:cNvSpPr>
             <a:spLocks noGrp="1"/>
           </p:cNvSpPr>
@@ -1508,14 +1989,43 @@
         </p:nvSpPr>
         <p:spPr>
           <a:xfrm>
-            <a:off x="839788" y="2505075"/>
-            <a:ext cx="5157787" cy="3684588"/>
+            <a:off x="1069848" y="2743200"/>
+            <a:ext cx="4754880" cy="3291840"/>
           </a:xfrm>
         </p:spPr>
         <p:txBody>
           <a:bodyPr/>
-          <a:lstStyle/>
-          <a:p>
+          <a:lstStyle>
+            <a:lvl1pPr>
+              <a:defRPr sz="2000"/>
+            </a:lvl1pPr>
+            <a:lvl2pPr>
+              <a:defRPr sz="1800"/>
+            </a:lvl2pPr>
+            <a:lvl3pPr>
+              <a:defRPr sz="1600"/>
+            </a:lvl3pPr>
+            <a:lvl4pPr>
+              <a:defRPr sz="1600"/>
+            </a:lvl4pPr>
+            <a:lvl5pPr>
+              <a:defRPr sz="1600"/>
+            </a:lvl5pPr>
+            <a:lvl6pPr>
+              <a:defRPr sz="1600"/>
+            </a:lvl6pPr>
+            <a:lvl7pPr>
+              <a:defRPr sz="1600"/>
+            </a:lvl7pPr>
+            <a:lvl8pPr>
+              <a:defRPr sz="1600"/>
+            </a:lvl8pPr>
+            <a:lvl9pPr>
+              <a:defRPr sz="1600"/>
+            </a:lvl9pPr>
+          </a:lstStyle>
+          <a:p>
+            <a:pPr lvl="0"/>
             <a:r>
               <a:rPr lang="fr-FR"/>
               <a:t>Modifier les styles du texte du masque
@@ -1524,18 +2034,13 @@
 Quatrième niveau
 Cinquième niveau</a:t>
             </a:r>
-          </a:p>
-        </p:txBody>
-      </p:sp>
-      <p:sp>
-        <p:nvSpPr>
-          <p:cNvPr id="5" name="Espace réservé du texte 4">
-            <a:extLst>
-              <a:ext uri="{FF2B5EF4-FFF2-40B4-BE49-F238E27FC236}">
-                <a16:creationId xmlns:a16="http://schemas.microsoft.com/office/drawing/2014/main" id="{529999A8-15FE-704E-B7D9-6B026EA7E5F1}"/>
-              </a:ext>
-            </a:extLst>
-          </p:cNvPr>
+            <a:endParaRPr lang="en-US" dirty="0"/>
+          </a:p>
+        </p:txBody>
+      </p:sp>
+      <p:sp>
+        <p:nvSpPr>
+          <p:cNvPr id="5" name="Text Placeholder 4"/>
           <p:cNvSpPr>
             <a:spLocks noGrp="1"/>
           </p:cNvSpPr>
@@ -1545,16 +2050,24 @@
         </p:nvSpPr>
         <p:spPr>
           <a:xfrm>
-            <a:off x="6172200" y="1681163"/>
-            <a:ext cx="5183188" cy="823912"/>
+            <a:off x="6364224" y="2048256"/>
+            <a:ext cx="4754880" cy="640080"/>
           </a:xfrm>
         </p:spPr>
         <p:txBody>
-          <a:bodyPr anchor="b"/>
+          <a:bodyPr anchor="ctr">
+            <a:normAutofit/>
+          </a:bodyPr>
           <a:lstStyle>
             <a:lvl1pPr marL="0" indent="0">
               <a:buNone/>
-              <a:defRPr sz="2400" b="1"/>
+              <a:defRPr sz="2000" b="1">
+                <a:solidFill>
+                  <a:schemeClr val="accent1">
+                    <a:lumMod val="75000"/>
+                  </a:schemeClr>
+                </a:solidFill>
+              </a:defRPr>
             </a:lvl1pPr>
             <a:lvl2pPr marL="457200" indent="0">
               <a:buNone/>
@@ -1590,6 +2103,7 @@
             </a:lvl9pPr>
           </a:lstStyle>
           <a:p>
+            <a:pPr lvl="0"/>
             <a:r>
               <a:rPr lang="fr-FR"/>
               <a:t>Modifier les styles du texte du masque
@@ -1598,18 +2112,13 @@
 Quatrième niveau
 Cinquième niveau</a:t>
             </a:r>
-          </a:p>
-        </p:txBody>
-      </p:sp>
-      <p:sp>
-        <p:nvSpPr>
-          <p:cNvPr id="6" name="Espace réservé du contenu 5">
-            <a:extLst>
-              <a:ext uri="{FF2B5EF4-FFF2-40B4-BE49-F238E27FC236}">
-                <a16:creationId xmlns:a16="http://schemas.microsoft.com/office/drawing/2014/main" id="{6A98EA48-C55F-294F-88ED-2056C9F641A3}"/>
-              </a:ext>
-            </a:extLst>
-          </p:cNvPr>
+            <a:endParaRPr lang="en-US"/>
+          </a:p>
+        </p:txBody>
+      </p:sp>
+      <p:sp>
+        <p:nvSpPr>
+          <p:cNvPr id="6" name="Content Placeholder 5"/>
           <p:cNvSpPr>
             <a:spLocks noGrp="1"/>
           </p:cNvSpPr>
@@ -1619,14 +2128,43 @@
         </p:nvSpPr>
         <p:spPr>
           <a:xfrm>
-            <a:off x="6172200" y="2505075"/>
-            <a:ext cx="5183188" cy="3684588"/>
+            <a:off x="6364224" y="2743200"/>
+            <a:ext cx="4754880" cy="3291840"/>
           </a:xfrm>
         </p:spPr>
         <p:txBody>
           <a:bodyPr/>
-          <a:lstStyle/>
-          <a:p>
+          <a:lstStyle>
+            <a:lvl1pPr>
+              <a:defRPr sz="2000"/>
+            </a:lvl1pPr>
+            <a:lvl2pPr>
+              <a:defRPr sz="1800"/>
+            </a:lvl2pPr>
+            <a:lvl3pPr>
+              <a:defRPr sz="1600"/>
+            </a:lvl3pPr>
+            <a:lvl4pPr>
+              <a:defRPr sz="1600"/>
+            </a:lvl4pPr>
+            <a:lvl5pPr>
+              <a:defRPr sz="1600"/>
+            </a:lvl5pPr>
+            <a:lvl6pPr>
+              <a:defRPr sz="1600"/>
+            </a:lvl6pPr>
+            <a:lvl7pPr>
+              <a:defRPr sz="1600"/>
+            </a:lvl7pPr>
+            <a:lvl8pPr>
+              <a:defRPr sz="1600"/>
+            </a:lvl8pPr>
+            <a:lvl9pPr>
+              <a:defRPr sz="1600"/>
+            </a:lvl9pPr>
+          </a:lstStyle>
+          <a:p>
+            <a:pPr lvl="0"/>
             <a:r>
               <a:rPr lang="fr-FR"/>
               <a:t>Modifier les styles du texte du masque
@@ -1635,18 +2173,13 @@
 Quatrième niveau
 Cinquième niveau</a:t>
             </a:r>
-          </a:p>
-        </p:txBody>
-      </p:sp>
-      <p:sp>
-        <p:nvSpPr>
-          <p:cNvPr id="7" name="Espace réservé de la date 6">
-            <a:extLst>
-              <a:ext uri="{FF2B5EF4-FFF2-40B4-BE49-F238E27FC236}">
-                <a16:creationId xmlns:a16="http://schemas.microsoft.com/office/drawing/2014/main" id="{4191DFE3-B576-A344-A4D8-6A895E74439D}"/>
-              </a:ext>
-            </a:extLst>
-          </p:cNvPr>
+            <a:endParaRPr lang="en-US" dirty="0"/>
+          </a:p>
+        </p:txBody>
+      </p:sp>
+      <p:sp>
+        <p:nvSpPr>
+          <p:cNvPr id="7" name="Date Placeholder 6"/>
           <p:cNvSpPr>
             <a:spLocks noGrp="1"/>
           </p:cNvSpPr>
@@ -1669,13 +2202,7 @@
       </p:sp>
       <p:sp>
         <p:nvSpPr>
-          <p:cNvPr id="8" name="Espace réservé du pied de page 7">
-            <a:extLst>
-              <a:ext uri="{FF2B5EF4-FFF2-40B4-BE49-F238E27FC236}">
-                <a16:creationId xmlns:a16="http://schemas.microsoft.com/office/drawing/2014/main" id="{9617EB89-76FD-A94E-9FD1-FD4611E3200A}"/>
-              </a:ext>
-            </a:extLst>
-          </p:cNvPr>
+          <p:cNvPr id="8" name="Footer Placeholder 7"/>
           <p:cNvSpPr>
             <a:spLocks noGrp="1"/>
           </p:cNvSpPr>
@@ -1694,13 +2221,7 @@
       </p:sp>
       <p:sp>
         <p:nvSpPr>
-          <p:cNvPr id="9" name="Espace réservé du numéro de diapositive 8">
-            <a:extLst>
-              <a:ext uri="{FF2B5EF4-FFF2-40B4-BE49-F238E27FC236}">
-                <a16:creationId xmlns:a16="http://schemas.microsoft.com/office/drawing/2014/main" id="{79FB0F2B-E114-0245-AC71-32D3A7F87AE9}"/>
-              </a:ext>
-            </a:extLst>
-          </p:cNvPr>
+          <p:cNvPr id="9" name="Slide Number Placeholder 8"/>
           <p:cNvSpPr>
             <a:spLocks noGrp="1"/>
           </p:cNvSpPr>
@@ -1721,10 +2242,33 @@
           </a:p>
         </p:txBody>
       </p:sp>
+      <p:sp>
+        <p:nvSpPr>
+          <p:cNvPr id="10" name="Title 9"/>
+          <p:cNvSpPr>
+            <a:spLocks noGrp="1"/>
+          </p:cNvSpPr>
+          <p:nvPr>
+            <p:ph type="title"/>
+          </p:nvPr>
+        </p:nvSpPr>
+        <p:spPr/>
+        <p:txBody>
+          <a:bodyPr/>
+          <a:lstStyle/>
+          <a:p>
+            <a:r>
+              <a:rPr lang="fr-FR"/>
+              <a:t>Modifiez le style du titre</a:t>
+            </a:r>
+            <a:endParaRPr lang="en-US" dirty="0"/>
+          </a:p>
+        </p:txBody>
+      </p:sp>
     </p:spTree>
     <p:extLst>
       <p:ext uri="{BB962C8B-B14F-4D97-AF65-F5344CB8AC3E}">
-        <p14:creationId xmlns:p14="http://schemas.microsoft.com/office/powerpoint/2010/main" val="2856001080"/>
+        <p14:creationId xmlns:p14="http://schemas.microsoft.com/office/powerpoint/2010/main" val="1409644640"/>
       </p:ext>
     </p:extLst>
   </p:cSld>
@@ -1735,7 +2279,7 @@
 </file>
 
 <file path=ppt/slideLayouts/slideLayout6.xml><?xml version="1.0" encoding="utf-8"?>
-<p:sldLayout xmlns:a="http://schemas.openxmlformats.org/drawingml/2006/main" xmlns:r="http://schemas.openxmlformats.org/officeDocument/2006/relationships" xmlns:p="http://schemas.openxmlformats.org/presentationml/2006/main" type="titleOnly" preserve="1">
+<p:sldLayout xmlns:a="http://schemas.openxmlformats.org/drawingml/2006/main" xmlns:r="http://schemas.openxmlformats.org/officeDocument/2006/relationships" xmlns:p="http://schemas.openxmlformats.org/presentationml/2006/main" preserve="1">
   <p:cSld name="Titre seul">
     <p:spTree>
       <p:nvGrpSpPr>
@@ -1753,41 +2297,7 @@
       </p:grpSpPr>
       <p:sp>
         <p:nvSpPr>
-          <p:cNvPr id="2" name="Titre 1">
-            <a:extLst>
-              <a:ext uri="{FF2B5EF4-FFF2-40B4-BE49-F238E27FC236}">
-                <a16:creationId xmlns:a16="http://schemas.microsoft.com/office/drawing/2014/main" id="{B671A3B8-29BF-D242-BBDA-7720FDBAF6F6}"/>
-              </a:ext>
-            </a:extLst>
-          </p:cNvPr>
-          <p:cNvSpPr>
-            <a:spLocks noGrp="1"/>
-          </p:cNvSpPr>
-          <p:nvPr>
-            <p:ph type="title"/>
-          </p:nvPr>
-        </p:nvSpPr>
-        <p:spPr/>
-        <p:txBody>
-          <a:bodyPr/>
-          <a:lstStyle/>
-          <a:p>
-            <a:r>
-              <a:rPr lang="fr-FR"/>
-              <a:t>Modifiez le style du titre</a:t>
-            </a:r>
-          </a:p>
-        </p:txBody>
-      </p:sp>
-      <p:sp>
-        <p:nvSpPr>
-          <p:cNvPr id="3" name="Espace réservé de la date 2">
-            <a:extLst>
-              <a:ext uri="{FF2B5EF4-FFF2-40B4-BE49-F238E27FC236}">
-                <a16:creationId xmlns:a16="http://schemas.microsoft.com/office/drawing/2014/main" id="{E8F3D8D3-6631-BC40-949F-714C587C1009}"/>
-              </a:ext>
-            </a:extLst>
-          </p:cNvPr>
+          <p:cNvPr id="3" name="Date Placeholder 2"/>
           <p:cNvSpPr>
             <a:spLocks noGrp="1"/>
           </p:cNvSpPr>
@@ -1810,13 +2320,7 @@
       </p:sp>
       <p:sp>
         <p:nvSpPr>
-          <p:cNvPr id="4" name="Espace réservé du pied de page 3">
-            <a:extLst>
-              <a:ext uri="{FF2B5EF4-FFF2-40B4-BE49-F238E27FC236}">
-                <a16:creationId xmlns:a16="http://schemas.microsoft.com/office/drawing/2014/main" id="{50FD8906-BACC-9147-87F6-64F97D97D70F}"/>
-              </a:ext>
-            </a:extLst>
-          </p:cNvPr>
+          <p:cNvPr id="4" name="Footer Placeholder 3"/>
           <p:cNvSpPr>
             <a:spLocks noGrp="1"/>
           </p:cNvSpPr>
@@ -1835,13 +2339,7 @@
       </p:sp>
       <p:sp>
         <p:nvSpPr>
-          <p:cNvPr id="5" name="Espace réservé du numéro de diapositive 4">
-            <a:extLst>
-              <a:ext uri="{FF2B5EF4-FFF2-40B4-BE49-F238E27FC236}">
-                <a16:creationId xmlns:a16="http://schemas.microsoft.com/office/drawing/2014/main" id="{A0A01E0A-74D1-CB4E-9432-BCB9BF3791BA}"/>
-              </a:ext>
-            </a:extLst>
-          </p:cNvPr>
+          <p:cNvPr id="5" name="Slide Number Placeholder 4"/>
           <p:cNvSpPr>
             <a:spLocks noGrp="1"/>
           </p:cNvSpPr>
@@ -1862,10 +2360,33 @@
           </a:p>
         </p:txBody>
       </p:sp>
+      <p:sp>
+        <p:nvSpPr>
+          <p:cNvPr id="6" name="Title 5"/>
+          <p:cNvSpPr>
+            <a:spLocks noGrp="1"/>
+          </p:cNvSpPr>
+          <p:nvPr>
+            <p:ph type="title"/>
+          </p:nvPr>
+        </p:nvSpPr>
+        <p:spPr/>
+        <p:txBody>
+          <a:bodyPr/>
+          <a:lstStyle/>
+          <a:p>
+            <a:r>
+              <a:rPr lang="fr-FR"/>
+              <a:t>Modifiez le style du titre</a:t>
+            </a:r>
+            <a:endParaRPr lang="en-US"/>
+          </a:p>
+        </p:txBody>
+      </p:sp>
     </p:spTree>
     <p:extLst>
       <p:ext uri="{BB962C8B-B14F-4D97-AF65-F5344CB8AC3E}">
-        <p14:creationId xmlns:p14="http://schemas.microsoft.com/office/powerpoint/2010/main" val="3667416345"/>
+        <p14:creationId xmlns:p14="http://schemas.microsoft.com/office/powerpoint/2010/main" val="3186565786"/>
       </p:ext>
     </p:extLst>
   </p:cSld>
@@ -1894,13 +2415,7 @@
       </p:grpSpPr>
       <p:sp>
         <p:nvSpPr>
-          <p:cNvPr id="2" name="Espace réservé de la date 1">
-            <a:extLst>
-              <a:ext uri="{FF2B5EF4-FFF2-40B4-BE49-F238E27FC236}">
-                <a16:creationId xmlns:a16="http://schemas.microsoft.com/office/drawing/2014/main" id="{66AD8366-BA17-3D41-95C4-D701F2EF2F55}"/>
-              </a:ext>
-            </a:extLst>
-          </p:cNvPr>
+          <p:cNvPr id="2" name="Date Placeholder 1"/>
           <p:cNvSpPr>
             <a:spLocks noGrp="1"/>
           </p:cNvSpPr>
@@ -1923,13 +2438,7 @@
       </p:sp>
       <p:sp>
         <p:nvSpPr>
-          <p:cNvPr id="3" name="Espace réservé du pied de page 2">
-            <a:extLst>
-              <a:ext uri="{FF2B5EF4-FFF2-40B4-BE49-F238E27FC236}">
-                <a16:creationId xmlns:a16="http://schemas.microsoft.com/office/drawing/2014/main" id="{8CDC38D7-4E19-D449-8F85-9047160025A1}"/>
-              </a:ext>
-            </a:extLst>
-          </p:cNvPr>
+          <p:cNvPr id="3" name="Footer Placeholder 2"/>
           <p:cNvSpPr>
             <a:spLocks noGrp="1"/>
           </p:cNvSpPr>
@@ -1948,13 +2457,7 @@
       </p:sp>
       <p:sp>
         <p:nvSpPr>
-          <p:cNvPr id="4" name="Espace réservé du numéro de diapositive 3">
-            <a:extLst>
-              <a:ext uri="{FF2B5EF4-FFF2-40B4-BE49-F238E27FC236}">
-                <a16:creationId xmlns:a16="http://schemas.microsoft.com/office/drawing/2014/main" id="{AC8FBAAC-0E42-F646-A9F6-6770A202CA9B}"/>
-              </a:ext>
-            </a:extLst>
-          </p:cNvPr>
+          <p:cNvPr id="4" name="Slide Number Placeholder 3"/>
           <p:cNvSpPr>
             <a:spLocks noGrp="1"/>
           </p:cNvSpPr>
@@ -1978,7 +2481,7 @@
     </p:spTree>
     <p:extLst>
       <p:ext uri="{BB962C8B-B14F-4D97-AF65-F5344CB8AC3E}">
-        <p14:creationId xmlns:p14="http://schemas.microsoft.com/office/powerpoint/2010/main" val="3759685846"/>
+        <p14:creationId xmlns:p14="http://schemas.microsoft.com/office/powerpoint/2010/main" val="1284053644"/>
       </p:ext>
     </p:extLst>
   </p:cSld>
@@ -1989,7 +2492,7 @@
 </file>
 
 <file path=ppt/slideLayouts/slideLayout8.xml><?xml version="1.0" encoding="utf-8"?>
-<p:sldLayout xmlns:a="http://schemas.openxmlformats.org/drawingml/2006/main" xmlns:r="http://schemas.openxmlformats.org/officeDocument/2006/relationships" xmlns:p="http://schemas.openxmlformats.org/presentationml/2006/main" type="objTx" preserve="1">
+<p:sldLayout xmlns:a="http://schemas.openxmlformats.org/drawingml/2006/main" xmlns:r="http://schemas.openxmlformats.org/officeDocument/2006/relationships" xmlns:p="http://schemas.openxmlformats.org/presentationml/2006/main" showMasterSp="0" type="objTx" preserve="1">
   <p:cSld name="Contenu avec légende">
     <p:spTree>
       <p:nvGrpSpPr>
@@ -2007,31 +2510,92 @@
       </p:grpSpPr>
       <p:sp>
         <p:nvSpPr>
-          <p:cNvPr id="2" name="Titre 1">
-            <a:extLst>
-              <a:ext uri="{FF2B5EF4-FFF2-40B4-BE49-F238E27FC236}">
-                <a16:creationId xmlns:a16="http://schemas.microsoft.com/office/drawing/2014/main" id="{1CC25FE0-49AA-F74C-AB46-81D1C55D9EAB}"/>
-              </a:ext>
-            </a:extLst>
-          </p:cNvPr>
-          <p:cNvSpPr>
-            <a:spLocks noGrp="1"/>
-          </p:cNvSpPr>
-          <p:nvPr>
-            <p:ph type="title"/>
-          </p:nvPr>
+          <p:cNvPr id="8" name="Rectangle 7"/>
+          <p:cNvSpPr/>
+          <p:nvPr/>
         </p:nvSpPr>
         <p:spPr>
           <a:xfrm>
-            <a:off x="839788" y="457200"/>
-            <a:ext cx="3932237" cy="1600200"/>
+            <a:off x="8303740" y="0"/>
+            <a:ext cx="3888259" cy="6857999"/>
+          </a:xfrm>
+          <a:prstGeom prst="rect">
+            <a:avLst/>
+          </a:prstGeom>
+          <a:blipFill dpi="0" rotWithShape="1">
+            <a:blip r:embed="rId2">
+              <a:alphaModFix amt="60000"/>
+              <a:lum bright="70000" contrast="-70000"/>
+              <a:extLst>
+                <a:ext uri="{BEBA8EAE-BF5A-486C-A8C5-ECC9F3942E4B}">
+                  <a14:imgProps xmlns:a14="http://schemas.microsoft.com/office/drawing/2010/main">
+                    <a14:imgLayer r:embed="rId3">
+                      <a14:imgEffect>
+                        <a14:sharpenSoften amount="61000"/>
+                      </a14:imgEffect>
+                    </a14:imgLayer>
+                  </a14:imgProps>
+                </a:ext>
+                <a:ext uri="{28A0092B-C50C-407E-A947-70E740481C1C}">
+                  <a14:useLocalDpi xmlns:a14="http://schemas.microsoft.com/office/drawing/2010/main" val="0"/>
+                </a:ext>
+              </a:extLst>
+            </a:blip>
+            <a:srcRect/>
+            <a:tile tx="0" ty="-704850" sx="92000" sy="89000" flip="xy" algn="ctr"/>
+          </a:blipFill>
+          <a:ln>
+            <a:noFill/>
+          </a:ln>
+        </p:spPr>
+        <p:style>
+          <a:lnRef idx="2">
+            <a:schemeClr val="accent1">
+              <a:shade val="50000"/>
+            </a:schemeClr>
+          </a:lnRef>
+          <a:fillRef idx="1">
+            <a:schemeClr val="accent1"/>
+          </a:fillRef>
+          <a:effectRef idx="0">
+            <a:schemeClr val="accent1"/>
+          </a:effectRef>
+          <a:fontRef idx="minor">
+            <a:schemeClr val="lt1"/>
+          </a:fontRef>
+        </p:style>
+        <p:txBody>
+          <a:bodyPr rtlCol="0" anchor="ctr"/>
+          <a:lstStyle/>
+          <a:p>
+            <a:pPr algn="ctr"/>
+            <a:endParaRPr lang="en-US"/>
+          </a:p>
+        </p:txBody>
+      </p:sp>
+      <p:sp>
+        <p:nvSpPr>
+          <p:cNvPr id="2" name="Title 1"/>
+          <p:cNvSpPr>
+            <a:spLocks noGrp="1"/>
+          </p:cNvSpPr>
+          <p:nvPr>
+            <p:ph type="title"/>
+          </p:nvPr>
+        </p:nvSpPr>
+        <p:spPr>
+          <a:xfrm>
+            <a:off x="8549640" y="685800"/>
+            <a:ext cx="3200400" cy="1737360"/>
           </a:xfrm>
         </p:spPr>
         <p:txBody>
-          <a:bodyPr anchor="b"/>
+          <a:bodyPr anchor="b">
+            <a:normAutofit/>
+          </a:bodyPr>
           <a:lstStyle>
             <a:lvl1pPr>
-              <a:defRPr sz="3200"/>
+              <a:defRPr sz="3200" b="1"/>
             </a:lvl1pPr>
           </a:lstStyle>
           <a:p>
@@ -2039,18 +2603,13 @@
               <a:rPr lang="fr-FR"/>
               <a:t>Modifiez le style du titre</a:t>
             </a:r>
-          </a:p>
-        </p:txBody>
-      </p:sp>
-      <p:sp>
-        <p:nvSpPr>
-          <p:cNvPr id="3" name="Espace réservé du contenu 2">
-            <a:extLst>
-              <a:ext uri="{FF2B5EF4-FFF2-40B4-BE49-F238E27FC236}">
-                <a16:creationId xmlns:a16="http://schemas.microsoft.com/office/drawing/2014/main" id="{16500128-9187-174B-BB54-5EB66624A4F4}"/>
-              </a:ext>
-            </a:extLst>
-          </p:cNvPr>
+            <a:endParaRPr lang="en-US" dirty="0"/>
+          </a:p>
+        </p:txBody>
+      </p:sp>
+      <p:sp>
+        <p:nvSpPr>
+          <p:cNvPr id="3" name="Content Placeholder 2"/>
           <p:cNvSpPr>
             <a:spLocks noGrp="1"/>
           </p:cNvSpPr>
@@ -2060,27 +2619,27 @@
         </p:nvSpPr>
         <p:spPr>
           <a:xfrm>
-            <a:off x="5183188" y="987425"/>
-            <a:ext cx="6172200" cy="4873625"/>
+            <a:off x="838200" y="685800"/>
+            <a:ext cx="6711696" cy="5020056"/>
           </a:xfrm>
         </p:spPr>
         <p:txBody>
           <a:bodyPr/>
           <a:lstStyle>
             <a:lvl1pPr>
-              <a:defRPr sz="3200"/>
+              <a:defRPr sz="2000"/>
             </a:lvl1pPr>
             <a:lvl2pPr>
-              <a:defRPr sz="2800"/>
+              <a:defRPr sz="1800"/>
             </a:lvl2pPr>
             <a:lvl3pPr>
-              <a:defRPr sz="2400"/>
+              <a:defRPr sz="1600"/>
             </a:lvl3pPr>
             <a:lvl4pPr>
-              <a:defRPr sz="2000"/>
+              <a:defRPr sz="1600"/>
             </a:lvl4pPr>
             <a:lvl5pPr>
-              <a:defRPr sz="2000"/>
+              <a:defRPr sz="1600"/>
             </a:lvl5pPr>
             <a:lvl6pPr>
               <a:defRPr sz="2000"/>
@@ -2096,6 +2655,7 @@
             </a:lvl9pPr>
           </a:lstStyle>
           <a:p>
+            <a:pPr lvl="0"/>
             <a:r>
               <a:rPr lang="fr-FR"/>
               <a:t>Modifier les styles du texte du masque
@@ -2104,18 +2664,13 @@
 Quatrième niveau
 Cinquième niveau</a:t>
             </a:r>
-          </a:p>
-        </p:txBody>
-      </p:sp>
-      <p:sp>
-        <p:nvSpPr>
-          <p:cNvPr id="4" name="Espace réservé du texte 3">
-            <a:extLst>
-              <a:ext uri="{FF2B5EF4-FFF2-40B4-BE49-F238E27FC236}">
-                <a16:creationId xmlns:a16="http://schemas.microsoft.com/office/drawing/2014/main" id="{A4F6A7D0-ADC6-4446-8A1A-478EAEF87D21}"/>
-              </a:ext>
-            </a:extLst>
-          </p:cNvPr>
+            <a:endParaRPr lang="en-US" dirty="0"/>
+          </a:p>
+        </p:txBody>
+      </p:sp>
+      <p:sp>
+        <p:nvSpPr>
+          <p:cNvPr id="4" name="Text Placeholder 3"/>
           <p:cNvSpPr>
             <a:spLocks noGrp="1"/>
           </p:cNvSpPr>
@@ -2125,51 +2680,66 @@
         </p:nvSpPr>
         <p:spPr>
           <a:xfrm>
-            <a:off x="839788" y="2057400"/>
-            <a:ext cx="3932237" cy="3811588"/>
+            <a:off x="8549640" y="2423160"/>
+            <a:ext cx="3200400" cy="3291840"/>
           </a:xfrm>
         </p:spPr>
         <p:txBody>
-          <a:bodyPr/>
+          <a:bodyPr>
+            <a:normAutofit/>
+          </a:bodyPr>
           <a:lstStyle>
             <a:lvl1pPr marL="0" indent="0">
+              <a:lnSpc>
+                <a:spcPct val="100000"/>
+              </a:lnSpc>
+              <a:spcBef>
+                <a:spcPts val="1000"/>
+              </a:spcBef>
               <a:buNone/>
-              <a:defRPr sz="1600"/>
+              <a:defRPr sz="1400">
+                <a:solidFill>
+                  <a:schemeClr val="accent1">
+                    <a:lumMod val="75000"/>
+                  </a:schemeClr>
+                </a:solidFill>
+              </a:defRPr>
             </a:lvl1pPr>
             <a:lvl2pPr marL="457200" indent="0">
               <a:buNone/>
-              <a:defRPr sz="1400"/>
+              <a:defRPr sz="1200"/>
             </a:lvl2pPr>
             <a:lvl3pPr marL="914400" indent="0">
               <a:buNone/>
-              <a:defRPr sz="1200"/>
+              <a:defRPr sz="1000"/>
             </a:lvl3pPr>
             <a:lvl4pPr marL="1371600" indent="0">
               <a:buNone/>
-              <a:defRPr sz="1000"/>
+              <a:defRPr sz="900"/>
             </a:lvl4pPr>
             <a:lvl5pPr marL="1828800" indent="0">
               <a:buNone/>
-              <a:defRPr sz="1000"/>
+              <a:defRPr sz="900"/>
             </a:lvl5pPr>
             <a:lvl6pPr marL="2286000" indent="0">
               <a:buNone/>
-              <a:defRPr sz="1000"/>
+              <a:defRPr sz="900"/>
             </a:lvl6pPr>
             <a:lvl7pPr marL="2743200" indent="0">
               <a:buNone/>
-              <a:defRPr sz="1000"/>
+              <a:defRPr sz="900"/>
             </a:lvl7pPr>
             <a:lvl8pPr marL="3200400" indent="0">
               <a:buNone/>
-              <a:defRPr sz="1000"/>
+              <a:defRPr sz="900"/>
             </a:lvl8pPr>
             <a:lvl9pPr marL="3657600" indent="0">
               <a:buNone/>
-              <a:defRPr sz="1000"/>
+              <a:defRPr sz="900"/>
             </a:lvl9pPr>
           </a:lstStyle>
           <a:p>
+            <a:pPr lvl="0"/>
             <a:r>
               <a:rPr lang="fr-FR"/>
               <a:t>Modifier les styles du texte du masque
@@ -2178,18 +2748,13 @@
 Quatrième niveau
 Cinquième niveau</a:t>
             </a:r>
-          </a:p>
-        </p:txBody>
-      </p:sp>
-      <p:sp>
-        <p:nvSpPr>
-          <p:cNvPr id="5" name="Espace réservé de la date 4">
-            <a:extLst>
-              <a:ext uri="{FF2B5EF4-FFF2-40B4-BE49-F238E27FC236}">
-                <a16:creationId xmlns:a16="http://schemas.microsoft.com/office/drawing/2014/main" id="{8DD1D3D3-286B-714D-BCF6-4CBE3737ED0D}"/>
-              </a:ext>
-            </a:extLst>
-          </p:cNvPr>
+            <a:endParaRPr lang="en-US"/>
+          </a:p>
+        </p:txBody>
+      </p:sp>
+      <p:sp>
+        <p:nvSpPr>
+          <p:cNvPr id="5" name="Date Placeholder 4"/>
           <p:cNvSpPr>
             <a:spLocks noGrp="1"/>
           </p:cNvSpPr>
@@ -2212,13 +2777,7 @@
       </p:sp>
       <p:sp>
         <p:nvSpPr>
-          <p:cNvPr id="6" name="Espace réservé du pied de page 5">
-            <a:extLst>
-              <a:ext uri="{FF2B5EF4-FFF2-40B4-BE49-F238E27FC236}">
-                <a16:creationId xmlns:a16="http://schemas.microsoft.com/office/drawing/2014/main" id="{06D6470D-D273-C14F-BF99-CEC9ADBA84E3}"/>
-              </a:ext>
-            </a:extLst>
-          </p:cNvPr>
+          <p:cNvPr id="6" name="Footer Placeholder 5"/>
           <p:cNvSpPr>
             <a:spLocks noGrp="1"/>
           </p:cNvSpPr>
@@ -2235,15 +2794,172 @@
           </a:p>
         </p:txBody>
       </p:sp>
-      <p:sp>
-        <p:nvSpPr>
-          <p:cNvPr id="7" name="Espace réservé du numéro de diapositive 6">
-            <a:extLst>
-              <a:ext uri="{FF2B5EF4-FFF2-40B4-BE49-F238E27FC236}">
-                <a16:creationId xmlns:a16="http://schemas.microsoft.com/office/drawing/2014/main" id="{D05441FB-DB4E-B645-8844-2DF8A0B24804}"/>
-              </a:ext>
-            </a:extLst>
-          </p:cNvPr>
+      <p:grpSp>
+        <p:nvGrpSpPr>
+          <p:cNvPr id="9" name="Group 8"/>
+          <p:cNvGrpSpPr>
+            <a:grpSpLocks noChangeAspect="1"/>
+          </p:cNvGrpSpPr>
+          <p:nvPr/>
+        </p:nvGrpSpPr>
+        <p:grpSpPr>
+          <a:xfrm>
+            <a:off x="11401725" y="6229681"/>
+            <a:ext cx="457200" cy="457200"/>
+            <a:chOff x="11361456" y="6195813"/>
+            <a:chExt cx="548640" cy="548640"/>
+          </a:xfrm>
+        </p:grpSpPr>
+        <p:sp>
+          <p:nvSpPr>
+            <p:cNvPr id="10" name="Oval 9"/>
+            <p:cNvSpPr/>
+            <p:nvPr/>
+          </p:nvSpPr>
+          <p:spPr>
+            <a:xfrm>
+              <a:off x="11361456" y="6195813"/>
+              <a:ext cx="548640" cy="548640"/>
+            </a:xfrm>
+            <a:prstGeom prst="ellipse">
+              <a:avLst/>
+            </a:prstGeom>
+            <a:blipFill dpi="0" rotWithShape="1">
+              <a:blip r:embed="rId4">
+                <a:duotone>
+                  <a:schemeClr val="accent1">
+                    <a:shade val="45000"/>
+                    <a:satMod val="135000"/>
+                  </a:schemeClr>
+                  <a:prstClr val="white"/>
+                </a:duotone>
+                <a:extLst>
+                  <a:ext uri="{BEBA8EAE-BF5A-486C-A8C5-ECC9F3942E4B}">
+                    <a14:imgProps xmlns:a14="http://schemas.microsoft.com/office/drawing/2010/main">
+                      <a14:imgLayer r:embed="rId5">
+                        <a14:imgEffect>
+                          <a14:saturation sat="95000"/>
+                        </a14:imgEffect>
+                        <a14:imgEffect>
+                          <a14:brightnessContrast bright="-40000" contrast="20000"/>
+                        </a14:imgEffect>
+                      </a14:imgLayer>
+                    </a14:imgProps>
+                  </a:ext>
+                </a:extLst>
+              </a:blip>
+              <a:srcRect/>
+              <a:tile tx="50800" ty="0" sx="85000" sy="85000" flip="none" algn="tl"/>
+            </a:blipFill>
+            <a:ln w="25400" cap="flat" cmpd="sng" algn="ctr">
+              <a:noFill/>
+              <a:prstDash val="solid"/>
+            </a:ln>
+            <a:effectLst/>
+          </p:spPr>
+          <p:txBody>
+            <a:bodyPr lIns="0" tIns="0" rIns="0" bIns="0" rtlCol="0" anchor="ctr"/>
+            <a:lstStyle/>
+            <a:p>
+              <a:pPr marL="0" marR="0" lvl="0" indent="0" algn="ctr" defTabSz="914400" eaLnBrk="1" fontAlgn="auto" latinLnBrk="0" hangingPunct="1">
+                <a:lnSpc>
+                  <a:spcPct val="100000"/>
+                </a:lnSpc>
+                <a:spcBef>
+                  <a:spcPts val="0"/>
+                </a:spcBef>
+                <a:spcAft>
+                  <a:spcPts val="0"/>
+                </a:spcAft>
+                <a:buClrTx/>
+                <a:buSzTx/>
+                <a:buFontTx/>
+                <a:buNone/>
+                <a:tabLst/>
+                <a:defRPr/>
+              </a:pPr>
+              <a:endParaRPr kumimoji="0" lang="en-US" sz="2000" b="0" i="0" u="none" strike="noStrike" kern="0" cap="none" spc="0" normalizeH="0" baseline="0" noProof="0" dirty="0">
+                <a:ln>
+                  <a:noFill/>
+                </a:ln>
+                <a:solidFill>
+                  <a:prstClr val="white"/>
+                </a:solidFill>
+                <a:effectLst/>
+                <a:uLnTx/>
+                <a:uFillTx/>
+                <a:latin typeface="Rockwell Extra Bold" pitchFamily="18" charset="0"/>
+                <a:ea typeface="+mn-ea"/>
+                <a:cs typeface="+mn-cs"/>
+              </a:endParaRPr>
+            </a:p>
+          </p:txBody>
+        </p:sp>
+        <p:sp>
+          <p:nvSpPr>
+            <p:cNvPr id="11" name="Oval 10"/>
+            <p:cNvSpPr/>
+            <p:nvPr/>
+          </p:nvSpPr>
+          <p:spPr>
+            <a:xfrm>
+              <a:off x="11396488" y="6230844"/>
+              <a:ext cx="478576" cy="478578"/>
+            </a:xfrm>
+            <a:prstGeom prst="ellipse">
+              <a:avLst/>
+            </a:prstGeom>
+            <a:noFill/>
+            <a:ln w="12700" cap="flat" cmpd="sng" algn="ctr">
+              <a:solidFill>
+                <a:sysClr val="window" lastClr="FFFFFF"/>
+              </a:solidFill>
+              <a:prstDash val="solid"/>
+            </a:ln>
+            <a:effectLst/>
+          </p:spPr>
+          <p:txBody>
+            <a:bodyPr rtlCol="0" anchor="ctr"/>
+            <a:lstStyle/>
+            <a:p>
+              <a:pPr marL="0" marR="0" lvl="0" indent="0" algn="ctr" defTabSz="914400" eaLnBrk="1" fontAlgn="auto" latinLnBrk="0" hangingPunct="1">
+                <a:lnSpc>
+                  <a:spcPct val="100000"/>
+                </a:lnSpc>
+                <a:spcBef>
+                  <a:spcPts val="0"/>
+                </a:spcBef>
+                <a:spcAft>
+                  <a:spcPts val="0"/>
+                </a:spcAft>
+                <a:buClrTx/>
+                <a:buSzTx/>
+                <a:buFontTx/>
+                <a:buNone/>
+                <a:tabLst/>
+                <a:defRPr/>
+              </a:pPr>
+              <a:endParaRPr kumimoji="0" lang="en-US" sz="1800" b="0" i="0" u="none" strike="noStrike" kern="0" cap="none" spc="0" normalizeH="0" baseline="0" noProof="0" dirty="0">
+                <a:ln>
+                  <a:noFill/>
+                </a:ln>
+                <a:solidFill>
+                  <a:prstClr val="white"/>
+                </a:solidFill>
+                <a:effectLst/>
+                <a:uLnTx/>
+                <a:uFillTx/>
+                <a:latin typeface="Calibri"/>
+                <a:ea typeface="+mn-ea"/>
+                <a:cs typeface="+mn-cs"/>
+              </a:endParaRPr>
+            </a:p>
+          </p:txBody>
+        </p:sp>
+      </p:grpSp>
+      <p:sp>
+        <p:nvSpPr>
+          <p:cNvPr id="7" name="Slide Number Placeholder 6"/>
           <p:cNvSpPr>
             <a:spLocks noGrp="1"/>
           </p:cNvSpPr>
@@ -2267,7 +2983,7 @@
     </p:spTree>
     <p:extLst>
       <p:ext uri="{BB962C8B-B14F-4D97-AF65-F5344CB8AC3E}">
-        <p14:creationId xmlns:p14="http://schemas.microsoft.com/office/powerpoint/2010/main" val="2537216640"/>
+        <p14:creationId xmlns:p14="http://schemas.microsoft.com/office/powerpoint/2010/main" val="171498126"/>
       </p:ext>
     </p:extLst>
   </p:cSld>
@@ -2278,7 +2994,7 @@
 </file>
 
 <file path=ppt/slideLayouts/slideLayout9.xml><?xml version="1.0" encoding="utf-8"?>
-<p:sldLayout xmlns:a="http://schemas.openxmlformats.org/drawingml/2006/main" xmlns:r="http://schemas.openxmlformats.org/officeDocument/2006/relationships" xmlns:p="http://schemas.openxmlformats.org/presentationml/2006/main" type="picTx" preserve="1">
+<p:sldLayout xmlns:a="http://schemas.openxmlformats.org/drawingml/2006/main" xmlns:r="http://schemas.openxmlformats.org/officeDocument/2006/relationships" xmlns:p="http://schemas.openxmlformats.org/presentationml/2006/main" showMasterSp="0" type="picTx" preserve="1">
   <p:cSld name="Image avec légende">
     <p:spTree>
       <p:nvGrpSpPr>
@@ -2296,31 +3012,92 @@
       </p:grpSpPr>
       <p:sp>
         <p:nvSpPr>
-          <p:cNvPr id="2" name="Titre 1">
-            <a:extLst>
-              <a:ext uri="{FF2B5EF4-FFF2-40B4-BE49-F238E27FC236}">
-                <a16:creationId xmlns:a16="http://schemas.microsoft.com/office/drawing/2014/main" id="{F46986C3-9601-C843-8CBC-8C6C3D5362A4}"/>
-              </a:ext>
-            </a:extLst>
-          </p:cNvPr>
-          <p:cNvSpPr>
-            <a:spLocks noGrp="1"/>
-          </p:cNvSpPr>
-          <p:nvPr>
-            <p:ph type="title"/>
-          </p:nvPr>
+          <p:cNvPr id="11" name="Rectangle 10"/>
+          <p:cNvSpPr/>
+          <p:nvPr/>
         </p:nvSpPr>
         <p:spPr>
           <a:xfrm>
-            <a:off x="839788" y="457200"/>
-            <a:ext cx="3932237" cy="1600200"/>
+            <a:off x="8303740" y="0"/>
+            <a:ext cx="3888259" cy="6857999"/>
+          </a:xfrm>
+          <a:prstGeom prst="rect">
+            <a:avLst/>
+          </a:prstGeom>
+          <a:blipFill dpi="0" rotWithShape="1">
+            <a:blip r:embed="rId2">
+              <a:alphaModFix amt="60000"/>
+              <a:lum bright="70000" contrast="-70000"/>
+              <a:extLst>
+                <a:ext uri="{BEBA8EAE-BF5A-486C-A8C5-ECC9F3942E4B}">
+                  <a14:imgProps xmlns:a14="http://schemas.microsoft.com/office/drawing/2010/main">
+                    <a14:imgLayer r:embed="rId3">
+                      <a14:imgEffect>
+                        <a14:sharpenSoften amount="61000"/>
+                      </a14:imgEffect>
+                    </a14:imgLayer>
+                  </a14:imgProps>
+                </a:ext>
+                <a:ext uri="{28A0092B-C50C-407E-A947-70E740481C1C}">
+                  <a14:useLocalDpi xmlns:a14="http://schemas.microsoft.com/office/drawing/2010/main" val="0"/>
+                </a:ext>
+              </a:extLst>
+            </a:blip>
+            <a:srcRect/>
+            <a:tile tx="0" ty="-704850" sx="92000" sy="89000" flip="xy" algn="ctr"/>
+          </a:blipFill>
+          <a:ln>
+            <a:noFill/>
+          </a:ln>
+        </p:spPr>
+        <p:style>
+          <a:lnRef idx="2">
+            <a:schemeClr val="accent1">
+              <a:shade val="50000"/>
+            </a:schemeClr>
+          </a:lnRef>
+          <a:fillRef idx="1">
+            <a:schemeClr val="accent1"/>
+          </a:fillRef>
+          <a:effectRef idx="0">
+            <a:schemeClr val="accent1"/>
+          </a:effectRef>
+          <a:fontRef idx="minor">
+            <a:schemeClr val="lt1"/>
+          </a:fontRef>
+        </p:style>
+        <p:txBody>
+          <a:bodyPr rtlCol="0" anchor="ctr"/>
+          <a:lstStyle/>
+          <a:p>
+            <a:pPr algn="ctr"/>
+            <a:endParaRPr lang="en-US"/>
+          </a:p>
+        </p:txBody>
+      </p:sp>
+      <p:sp>
+        <p:nvSpPr>
+          <p:cNvPr id="2" name="Title 1"/>
+          <p:cNvSpPr>
+            <a:spLocks noGrp="1"/>
+          </p:cNvSpPr>
+          <p:nvPr>
+            <p:ph type="title"/>
+          </p:nvPr>
+        </p:nvSpPr>
+        <p:spPr>
+          <a:xfrm>
+            <a:off x="8549640" y="685800"/>
+            <a:ext cx="3200400" cy="1737360"/>
           </a:xfrm>
         </p:spPr>
         <p:txBody>
-          <a:bodyPr anchor="b"/>
+          <a:bodyPr anchor="b">
+            <a:normAutofit/>
+          </a:bodyPr>
           <a:lstStyle>
             <a:lvl1pPr>
-              <a:defRPr sz="3200"/>
+              <a:defRPr sz="3200" b="1"/>
             </a:lvl1pPr>
           </a:lstStyle>
           <a:p>
@@ -2328,18 +3105,13 @@
               <a:rPr lang="fr-FR"/>
               <a:t>Modifiez le style du titre</a:t>
             </a:r>
-          </a:p>
-        </p:txBody>
-      </p:sp>
-      <p:sp>
-        <p:nvSpPr>
-          <p:cNvPr id="3" name="Espace réservé pour une image  2">
-            <a:extLst>
-              <a:ext uri="{FF2B5EF4-FFF2-40B4-BE49-F238E27FC236}">
-                <a16:creationId xmlns:a16="http://schemas.microsoft.com/office/drawing/2014/main" id="{C04E00C9-C902-C645-84D0-B66A957D1801}"/>
-              </a:ext>
-            </a:extLst>
-          </p:cNvPr>
+            <a:endParaRPr lang="en-US" dirty="0"/>
+          </a:p>
+        </p:txBody>
+      </p:sp>
+      <p:sp>
+        <p:nvSpPr>
+          <p:cNvPr id="3" name="Picture Placeholder 2"/>
           <p:cNvSpPr>
             <a:spLocks noGrp="1"/>
           </p:cNvSpPr>
@@ -2349,9 +3121,15 @@
         </p:nvSpPr>
         <p:spPr>
           <a:xfrm>
-            <a:off x="5183188" y="987425"/>
-            <a:ext cx="6172200" cy="4873625"/>
+            <a:off x="0" y="0"/>
+            <a:ext cx="8303740" cy="6858000"/>
           </a:xfrm>
+          <a:solidFill>
+            <a:schemeClr val="tx2">
+              <a:lumMod val="20000"/>
+              <a:lumOff val="80000"/>
+            </a:schemeClr>
+          </a:solidFill>
         </p:spPr>
         <p:txBody>
           <a:bodyPr/>
@@ -2394,19 +3172,17 @@
             </a:lvl9pPr>
           </a:lstStyle>
           <a:p>
-            <a:endParaRPr lang="fr-FR"/>
-          </a:p>
-        </p:txBody>
-      </p:sp>
-      <p:sp>
-        <p:nvSpPr>
-          <p:cNvPr id="4" name="Espace réservé du texte 3">
-            <a:extLst>
-              <a:ext uri="{FF2B5EF4-FFF2-40B4-BE49-F238E27FC236}">
-                <a16:creationId xmlns:a16="http://schemas.microsoft.com/office/drawing/2014/main" id="{E3AFD6A5-8126-EA4A-949B-F899AE0C6877}"/>
-              </a:ext>
-            </a:extLst>
-          </p:cNvPr>
+            <a:r>
+              <a:rPr lang="fr-FR"/>
+              <a:t>Cliquez sur l'icône pour ajouter une image</a:t>
+            </a:r>
+            <a:endParaRPr lang="en-US" dirty="0"/>
+          </a:p>
+        </p:txBody>
+      </p:sp>
+      <p:sp>
+        <p:nvSpPr>
+          <p:cNvPr id="4" name="Text Placeholder 3"/>
           <p:cNvSpPr>
             <a:spLocks noGrp="1"/>
           </p:cNvSpPr>
@@ -2416,51 +3192,66 @@
         </p:nvSpPr>
         <p:spPr>
           <a:xfrm>
-            <a:off x="839788" y="2057400"/>
-            <a:ext cx="3932237" cy="3811588"/>
+            <a:off x="8549640" y="2423160"/>
+            <a:ext cx="3200400" cy="3291840"/>
           </a:xfrm>
         </p:spPr>
         <p:txBody>
-          <a:bodyPr/>
+          <a:bodyPr>
+            <a:normAutofit/>
+          </a:bodyPr>
           <a:lstStyle>
             <a:lvl1pPr marL="0" indent="0">
+              <a:lnSpc>
+                <a:spcPct val="100000"/>
+              </a:lnSpc>
+              <a:spcBef>
+                <a:spcPts val="1000"/>
+              </a:spcBef>
               <a:buNone/>
-              <a:defRPr sz="1600"/>
+              <a:defRPr sz="1400">
+                <a:solidFill>
+                  <a:schemeClr val="accent1">
+                    <a:lumMod val="75000"/>
+                  </a:schemeClr>
+                </a:solidFill>
+              </a:defRPr>
             </a:lvl1pPr>
             <a:lvl2pPr marL="457200" indent="0">
               <a:buNone/>
-              <a:defRPr sz="1400"/>
+              <a:defRPr sz="1200"/>
             </a:lvl2pPr>
             <a:lvl3pPr marL="914400" indent="0">
               <a:buNone/>
-              <a:defRPr sz="1200"/>
+              <a:defRPr sz="1000"/>
             </a:lvl3pPr>
             <a:lvl4pPr marL="1371600" indent="0">
               <a:buNone/>
-              <a:defRPr sz="1000"/>
+              <a:defRPr sz="900"/>
             </a:lvl4pPr>
             <a:lvl5pPr marL="1828800" indent="0">
               <a:buNone/>
-              <a:defRPr sz="1000"/>
+              <a:defRPr sz="900"/>
             </a:lvl5pPr>
             <a:lvl6pPr marL="2286000" indent="0">
               <a:buNone/>
-              <a:defRPr sz="1000"/>
+              <a:defRPr sz="900"/>
             </a:lvl6pPr>
             <a:lvl7pPr marL="2743200" indent="0">
               <a:buNone/>
-              <a:defRPr sz="1000"/>
+              <a:defRPr sz="900"/>
             </a:lvl7pPr>
             <a:lvl8pPr marL="3200400" indent="0">
               <a:buNone/>
-              <a:defRPr sz="1000"/>
+              <a:defRPr sz="900"/>
             </a:lvl8pPr>
             <a:lvl9pPr marL="3657600" indent="0">
               <a:buNone/>
-              <a:defRPr sz="1000"/>
+              <a:defRPr sz="900"/>
             </a:lvl9pPr>
           </a:lstStyle>
           <a:p>
+            <a:pPr lvl="0"/>
             <a:r>
               <a:rPr lang="fr-FR"/>
               <a:t>Modifier les styles du texte du masque
@@ -2469,18 +3260,13 @@
 Quatrième niveau
 Cinquième niveau</a:t>
             </a:r>
-          </a:p>
-        </p:txBody>
-      </p:sp>
-      <p:sp>
-        <p:nvSpPr>
-          <p:cNvPr id="5" name="Espace réservé de la date 4">
-            <a:extLst>
-              <a:ext uri="{FF2B5EF4-FFF2-40B4-BE49-F238E27FC236}">
-                <a16:creationId xmlns:a16="http://schemas.microsoft.com/office/drawing/2014/main" id="{190C4374-7040-5049-8FD7-FBB2C5465F0F}"/>
-              </a:ext>
-            </a:extLst>
-          </p:cNvPr>
+            <a:endParaRPr lang="en-US"/>
+          </a:p>
+        </p:txBody>
+      </p:sp>
+      <p:sp>
+        <p:nvSpPr>
+          <p:cNvPr id="5" name="Date Placeholder 4"/>
           <p:cNvSpPr>
             <a:spLocks noGrp="1"/>
           </p:cNvSpPr>
@@ -2501,40 +3287,172 @@
           </a:p>
         </p:txBody>
       </p:sp>
-      <p:sp>
-        <p:nvSpPr>
-          <p:cNvPr id="6" name="Espace réservé du pied de page 5">
-            <a:extLst>
-              <a:ext uri="{FF2B5EF4-FFF2-40B4-BE49-F238E27FC236}">
-                <a16:creationId xmlns:a16="http://schemas.microsoft.com/office/drawing/2014/main" id="{41F2AFC5-4CB7-EA48-B5BD-731840BCF67C}"/>
-              </a:ext>
-            </a:extLst>
-          </p:cNvPr>
-          <p:cNvSpPr>
-            <a:spLocks noGrp="1"/>
-          </p:cNvSpPr>
-          <p:nvPr>
-            <p:ph type="ftr" sz="quarter" idx="11"/>
-          </p:nvPr>
-        </p:nvSpPr>
-        <p:spPr/>
-        <p:txBody>
-          <a:bodyPr/>
-          <a:lstStyle/>
-          <a:p>
-            <a:endParaRPr lang="fr-FR"/>
-          </a:p>
-        </p:txBody>
-      </p:sp>
-      <p:sp>
-        <p:nvSpPr>
-          <p:cNvPr id="7" name="Espace réservé du numéro de diapositive 6">
-            <a:extLst>
-              <a:ext uri="{FF2B5EF4-FFF2-40B4-BE49-F238E27FC236}">
-                <a16:creationId xmlns:a16="http://schemas.microsoft.com/office/drawing/2014/main" id="{236186C6-1144-A945-B8D0-0806D425DFD9}"/>
-              </a:ext>
-            </a:extLst>
-          </p:cNvPr>
+      <p:grpSp>
+        <p:nvGrpSpPr>
+          <p:cNvPr id="8" name="Group 7"/>
+          <p:cNvGrpSpPr>
+            <a:grpSpLocks noChangeAspect="1"/>
+          </p:cNvGrpSpPr>
+          <p:nvPr/>
+        </p:nvGrpSpPr>
+        <p:grpSpPr>
+          <a:xfrm>
+            <a:off x="11401725" y="6229681"/>
+            <a:ext cx="457200" cy="457200"/>
+            <a:chOff x="11361456" y="6195813"/>
+            <a:chExt cx="548640" cy="548640"/>
+          </a:xfrm>
+        </p:grpSpPr>
+        <p:sp>
+          <p:nvSpPr>
+            <p:cNvPr id="9" name="Oval 8"/>
+            <p:cNvSpPr/>
+            <p:nvPr/>
+          </p:nvSpPr>
+          <p:spPr>
+            <a:xfrm>
+              <a:off x="11361456" y="6195813"/>
+              <a:ext cx="548640" cy="548640"/>
+            </a:xfrm>
+            <a:prstGeom prst="ellipse">
+              <a:avLst/>
+            </a:prstGeom>
+            <a:blipFill dpi="0" rotWithShape="1">
+              <a:blip r:embed="rId4">
+                <a:duotone>
+                  <a:schemeClr val="accent1">
+                    <a:shade val="45000"/>
+                    <a:satMod val="135000"/>
+                  </a:schemeClr>
+                  <a:prstClr val="white"/>
+                </a:duotone>
+                <a:extLst>
+                  <a:ext uri="{BEBA8EAE-BF5A-486C-A8C5-ECC9F3942E4B}">
+                    <a14:imgProps xmlns:a14="http://schemas.microsoft.com/office/drawing/2010/main">
+                      <a14:imgLayer r:embed="rId5">
+                        <a14:imgEffect>
+                          <a14:saturation sat="95000"/>
+                        </a14:imgEffect>
+                        <a14:imgEffect>
+                          <a14:brightnessContrast bright="-40000" contrast="20000"/>
+                        </a14:imgEffect>
+                      </a14:imgLayer>
+                    </a14:imgProps>
+                  </a:ext>
+                </a:extLst>
+              </a:blip>
+              <a:srcRect/>
+              <a:tile tx="50800" ty="0" sx="85000" sy="85000" flip="none" algn="tl"/>
+            </a:blipFill>
+            <a:ln w="25400" cap="flat" cmpd="sng" algn="ctr">
+              <a:noFill/>
+              <a:prstDash val="solid"/>
+            </a:ln>
+            <a:effectLst/>
+          </p:spPr>
+          <p:txBody>
+            <a:bodyPr lIns="0" tIns="0" rIns="0" bIns="0" rtlCol="0" anchor="ctr"/>
+            <a:lstStyle/>
+            <a:p>
+              <a:pPr marL="0" marR="0" lvl="0" indent="0" algn="ctr" defTabSz="914400" eaLnBrk="1" fontAlgn="auto" latinLnBrk="0" hangingPunct="1">
+                <a:lnSpc>
+                  <a:spcPct val="100000"/>
+                </a:lnSpc>
+                <a:spcBef>
+                  <a:spcPts val="0"/>
+                </a:spcBef>
+                <a:spcAft>
+                  <a:spcPts val="0"/>
+                </a:spcAft>
+                <a:buClrTx/>
+                <a:buSzTx/>
+                <a:buFontTx/>
+                <a:buNone/>
+                <a:tabLst/>
+                <a:defRPr/>
+              </a:pPr>
+              <a:endParaRPr kumimoji="0" lang="en-US" sz="2000" b="0" i="0" u="none" strike="noStrike" kern="0" cap="none" spc="0" normalizeH="0" baseline="0" noProof="0" dirty="0">
+                <a:ln>
+                  <a:noFill/>
+                </a:ln>
+                <a:solidFill>
+                  <a:prstClr val="white"/>
+                </a:solidFill>
+                <a:effectLst/>
+                <a:uLnTx/>
+                <a:uFillTx/>
+                <a:latin typeface="Rockwell Extra Bold" pitchFamily="18" charset="0"/>
+                <a:ea typeface="+mn-ea"/>
+                <a:cs typeface="+mn-cs"/>
+              </a:endParaRPr>
+            </a:p>
+          </p:txBody>
+        </p:sp>
+        <p:sp>
+          <p:nvSpPr>
+            <p:cNvPr id="10" name="Oval 9"/>
+            <p:cNvSpPr/>
+            <p:nvPr/>
+          </p:nvSpPr>
+          <p:spPr>
+            <a:xfrm>
+              <a:off x="11396488" y="6230844"/>
+              <a:ext cx="478576" cy="478578"/>
+            </a:xfrm>
+            <a:prstGeom prst="ellipse">
+              <a:avLst/>
+            </a:prstGeom>
+            <a:noFill/>
+            <a:ln w="12700" cap="flat" cmpd="sng" algn="ctr">
+              <a:solidFill>
+                <a:sysClr val="window" lastClr="FFFFFF"/>
+              </a:solidFill>
+              <a:prstDash val="solid"/>
+            </a:ln>
+            <a:effectLst/>
+          </p:spPr>
+          <p:txBody>
+            <a:bodyPr rtlCol="0" anchor="ctr"/>
+            <a:lstStyle/>
+            <a:p>
+              <a:pPr marL="0" marR="0" lvl="0" indent="0" algn="ctr" defTabSz="914400" eaLnBrk="1" fontAlgn="auto" latinLnBrk="0" hangingPunct="1">
+                <a:lnSpc>
+                  <a:spcPct val="100000"/>
+                </a:lnSpc>
+                <a:spcBef>
+                  <a:spcPts val="0"/>
+                </a:spcBef>
+                <a:spcAft>
+                  <a:spcPts val="0"/>
+                </a:spcAft>
+                <a:buClrTx/>
+                <a:buSzTx/>
+                <a:buFontTx/>
+                <a:buNone/>
+                <a:tabLst/>
+                <a:defRPr/>
+              </a:pPr>
+              <a:endParaRPr kumimoji="0" lang="en-US" sz="1800" b="0" i="0" u="none" strike="noStrike" kern="0" cap="none" spc="0" normalizeH="0" baseline="0" noProof="0" dirty="0">
+                <a:ln>
+                  <a:noFill/>
+                </a:ln>
+                <a:solidFill>
+                  <a:prstClr val="white"/>
+                </a:solidFill>
+                <a:effectLst/>
+                <a:uLnTx/>
+                <a:uFillTx/>
+                <a:latin typeface="Calibri"/>
+                <a:ea typeface="+mn-ea"/>
+                <a:cs typeface="+mn-cs"/>
+              </a:endParaRPr>
+            </a:p>
+          </p:txBody>
+        </p:sp>
+      </p:grpSp>
+      <p:sp>
+        <p:nvSpPr>
+          <p:cNvPr id="7" name="Slide Number Placeholder 6"/>
           <p:cNvSpPr>
             <a:spLocks noGrp="1"/>
           </p:cNvSpPr>
@@ -2558,7 +3476,7 @@
     </p:spTree>
     <p:extLst>
       <p:ext uri="{BB962C8B-B14F-4D97-AF65-F5344CB8AC3E}">
-        <p14:creationId xmlns:p14="http://schemas.microsoft.com/office/powerpoint/2010/main" val="2250852521"/>
+        <p14:creationId xmlns:p14="http://schemas.microsoft.com/office/powerpoint/2010/main" val="3433182387"/>
       </p:ext>
     </p:extLst>
   </p:cSld>
@@ -2592,13 +3510,7 @@
       </p:grpSpPr>
       <p:sp>
         <p:nvSpPr>
-          <p:cNvPr id="2" name="Espace réservé du titre 1">
-            <a:extLst>
-              <a:ext uri="{FF2B5EF4-FFF2-40B4-BE49-F238E27FC236}">
-                <a16:creationId xmlns:a16="http://schemas.microsoft.com/office/drawing/2014/main" id="{2D7A4DB9-3916-824F-9213-865678D24E2E}"/>
-              </a:ext>
-            </a:extLst>
-          </p:cNvPr>
+          <p:cNvPr id="2" name="Title Placeholder 1"/>
           <p:cNvSpPr>
             <a:spLocks noGrp="1"/>
           </p:cNvSpPr>
@@ -2608,8 +3520,8 @@
         </p:nvSpPr>
         <p:spPr>
           <a:xfrm>
-            <a:off x="838200" y="365125"/>
-            <a:ext cx="10515600" cy="1325563"/>
+            <a:off x="1069848" y="484632"/>
+            <a:ext cx="10058400" cy="1609344"/>
           </a:xfrm>
           <a:prstGeom prst="rect">
             <a:avLst/>
@@ -2625,18 +3537,13 @@
               <a:rPr lang="fr-FR"/>
               <a:t>Modifiez le style du titre</a:t>
             </a:r>
-          </a:p>
-        </p:txBody>
-      </p:sp>
-      <p:sp>
-        <p:nvSpPr>
-          <p:cNvPr id="3" name="Espace réservé du texte 2">
-            <a:extLst>
-              <a:ext uri="{FF2B5EF4-FFF2-40B4-BE49-F238E27FC236}">
-                <a16:creationId xmlns:a16="http://schemas.microsoft.com/office/drawing/2014/main" id="{22069896-392B-EF4D-9C53-7D83E84F1A7B}"/>
-              </a:ext>
-            </a:extLst>
-          </p:cNvPr>
+            <a:endParaRPr lang="en-US" dirty="0"/>
+          </a:p>
+        </p:txBody>
+      </p:sp>
+      <p:sp>
+        <p:nvSpPr>
+          <p:cNvPr id="3" name="Text Placeholder 2"/>
           <p:cNvSpPr>
             <a:spLocks noGrp="1"/>
           </p:cNvSpPr>
@@ -2646,8 +3553,8 @@
         </p:nvSpPr>
         <p:spPr>
           <a:xfrm>
-            <a:off x="838200" y="1825625"/>
-            <a:ext cx="10515600" cy="4351338"/>
+            <a:off x="1069848" y="2121408"/>
+            <a:ext cx="10058400" cy="4050792"/>
           </a:xfrm>
           <a:prstGeom prst="rect">
             <a:avLst/>
@@ -2659,6 +3566,7 @@
           </a:bodyPr>
           <a:lstStyle/>
           <a:p>
+            <a:pPr lvl="0"/>
             <a:r>
               <a:rPr lang="fr-FR"/>
               <a:t>Modifier les styles du texte du masque
@@ -2667,18 +3575,13 @@
 Quatrième niveau
 Cinquième niveau</a:t>
             </a:r>
-          </a:p>
-        </p:txBody>
-      </p:sp>
-      <p:sp>
-        <p:nvSpPr>
-          <p:cNvPr id="4" name="Espace réservé de la date 3">
-            <a:extLst>
-              <a:ext uri="{FF2B5EF4-FFF2-40B4-BE49-F238E27FC236}">
-                <a16:creationId xmlns:a16="http://schemas.microsoft.com/office/drawing/2014/main" id="{75C1830B-DF4D-E943-9C10-89099666041E}"/>
-              </a:ext>
-            </a:extLst>
-          </p:cNvPr>
+            <a:endParaRPr lang="en-US" dirty="0"/>
+          </a:p>
+        </p:txBody>
+      </p:sp>
+      <p:sp>
+        <p:nvSpPr>
+          <p:cNvPr id="4" name="Date Placeholder 3"/>
           <p:cNvSpPr>
             <a:spLocks noGrp="1"/>
           </p:cNvSpPr>
@@ -2688,8 +3591,8 @@
         </p:nvSpPr>
         <p:spPr>
           <a:xfrm>
-            <a:off x="838200" y="6356350"/>
-            <a:ext cx="2743200" cy="365125"/>
+            <a:off x="7964424" y="6272784"/>
+            <a:ext cx="3273552" cy="365125"/>
           </a:xfrm>
           <a:prstGeom prst="rect">
             <a:avLst/>
@@ -2698,12 +3601,10 @@
         <p:txBody>
           <a:bodyPr vert="horz" lIns="91440" tIns="45720" rIns="91440" bIns="45720" rtlCol="0" anchor="ctr"/>
           <a:lstStyle>
-            <a:lvl1pPr algn="l">
-              <a:defRPr sz="1200">
+            <a:lvl1pPr algn="r">
+              <a:defRPr sz="1100">
                 <a:solidFill>
-                  <a:schemeClr val="tx1">
-                    <a:tint val="75000"/>
-                  </a:schemeClr>
+                  <a:schemeClr val="tx2"/>
                 </a:solidFill>
               </a:defRPr>
             </a:lvl1pPr>
@@ -2719,13 +3620,7 @@
       </p:sp>
       <p:sp>
         <p:nvSpPr>
-          <p:cNvPr id="5" name="Espace réservé du pied de page 4">
-            <a:extLst>
-              <a:ext uri="{FF2B5EF4-FFF2-40B4-BE49-F238E27FC236}">
-                <a16:creationId xmlns:a16="http://schemas.microsoft.com/office/drawing/2014/main" id="{7316B66C-1D7A-024E-9205-56C037156A04}"/>
-              </a:ext>
-            </a:extLst>
-          </p:cNvPr>
+          <p:cNvPr id="5" name="Footer Placeholder 4"/>
           <p:cNvSpPr>
             <a:spLocks noGrp="1"/>
           </p:cNvSpPr>
@@ -2735,8 +3630,8 @@
         </p:nvSpPr>
         <p:spPr>
           <a:xfrm>
-            <a:off x="4038600" y="6356350"/>
-            <a:ext cx="4114800" cy="365125"/>
+            <a:off x="1088136" y="6272784"/>
+            <a:ext cx="6327648" cy="365125"/>
           </a:xfrm>
           <a:prstGeom prst="rect">
             <a:avLst/>
@@ -2745,12 +3640,10 @@
         <p:txBody>
           <a:bodyPr vert="horz" lIns="91440" tIns="45720" rIns="91440" bIns="45720" rtlCol="0" anchor="ctr"/>
           <a:lstStyle>
-            <a:lvl1pPr algn="ctr">
-              <a:defRPr sz="1200">
+            <a:lvl1pPr algn="l">
+              <a:defRPr sz="1100">
                 <a:solidFill>
-                  <a:schemeClr val="tx1">
-                    <a:tint val="75000"/>
-                  </a:schemeClr>
+                  <a:schemeClr val="tx2"/>
                 </a:solidFill>
               </a:defRPr>
             </a:lvl1pPr>
@@ -2760,15 +3653,172 @@
           </a:p>
         </p:txBody>
       </p:sp>
-      <p:sp>
-        <p:nvSpPr>
-          <p:cNvPr id="6" name="Espace réservé du numéro de diapositive 5">
-            <a:extLst>
-              <a:ext uri="{FF2B5EF4-FFF2-40B4-BE49-F238E27FC236}">
-                <a16:creationId xmlns:a16="http://schemas.microsoft.com/office/drawing/2014/main" id="{8748CE1A-9329-A943-BD93-894868265C55}"/>
-              </a:ext>
-            </a:extLst>
-          </p:cNvPr>
+      <p:grpSp>
+        <p:nvGrpSpPr>
+          <p:cNvPr id="7" name="Group 6"/>
+          <p:cNvGrpSpPr>
+            <a:grpSpLocks noChangeAspect="1"/>
+          </p:cNvGrpSpPr>
+          <p:nvPr/>
+        </p:nvGrpSpPr>
+        <p:grpSpPr>
+          <a:xfrm>
+            <a:off x="11401725" y="6229681"/>
+            <a:ext cx="457200" cy="457200"/>
+            <a:chOff x="11361456" y="6195813"/>
+            <a:chExt cx="548640" cy="548640"/>
+          </a:xfrm>
+        </p:grpSpPr>
+        <p:sp>
+          <p:nvSpPr>
+            <p:cNvPr id="8" name="Oval 7"/>
+            <p:cNvSpPr/>
+            <p:nvPr/>
+          </p:nvSpPr>
+          <p:spPr>
+            <a:xfrm>
+              <a:off x="11361456" y="6195813"/>
+              <a:ext cx="548640" cy="548640"/>
+            </a:xfrm>
+            <a:prstGeom prst="ellipse">
+              <a:avLst/>
+            </a:prstGeom>
+            <a:blipFill dpi="0" rotWithShape="1">
+              <a:blip r:embed="rId13">
+                <a:duotone>
+                  <a:schemeClr val="accent1">
+                    <a:shade val="45000"/>
+                    <a:satMod val="135000"/>
+                  </a:schemeClr>
+                  <a:prstClr val="white"/>
+                </a:duotone>
+                <a:extLst>
+                  <a:ext uri="{BEBA8EAE-BF5A-486C-A8C5-ECC9F3942E4B}">
+                    <a14:imgProps xmlns:a14="http://schemas.microsoft.com/office/drawing/2010/main">
+                      <a14:imgLayer r:embed="rId14">
+                        <a14:imgEffect>
+                          <a14:saturation sat="95000"/>
+                        </a14:imgEffect>
+                        <a14:imgEffect>
+                          <a14:brightnessContrast bright="-40000" contrast="20000"/>
+                        </a14:imgEffect>
+                      </a14:imgLayer>
+                    </a14:imgProps>
+                  </a:ext>
+                </a:extLst>
+              </a:blip>
+              <a:srcRect/>
+              <a:tile tx="50800" ty="0" sx="85000" sy="85000" flip="none" algn="tl"/>
+            </a:blipFill>
+            <a:ln w="25400" cap="flat" cmpd="sng" algn="ctr">
+              <a:noFill/>
+              <a:prstDash val="solid"/>
+            </a:ln>
+            <a:effectLst/>
+          </p:spPr>
+          <p:txBody>
+            <a:bodyPr lIns="0" tIns="0" rIns="0" bIns="0" rtlCol="0" anchor="ctr"/>
+            <a:lstStyle/>
+            <a:p>
+              <a:pPr marL="0" marR="0" lvl="0" indent="0" algn="ctr" defTabSz="914400" eaLnBrk="1" fontAlgn="auto" latinLnBrk="0" hangingPunct="1">
+                <a:lnSpc>
+                  <a:spcPct val="100000"/>
+                </a:lnSpc>
+                <a:spcBef>
+                  <a:spcPts val="0"/>
+                </a:spcBef>
+                <a:spcAft>
+                  <a:spcPts val="0"/>
+                </a:spcAft>
+                <a:buClrTx/>
+                <a:buSzTx/>
+                <a:buFontTx/>
+                <a:buNone/>
+                <a:tabLst/>
+                <a:defRPr/>
+              </a:pPr>
+              <a:endParaRPr kumimoji="0" lang="en-US" sz="2000" b="0" i="0" u="none" strike="noStrike" kern="0" cap="none" spc="0" normalizeH="0" baseline="0" noProof="0" dirty="0">
+                <a:ln>
+                  <a:noFill/>
+                </a:ln>
+                <a:solidFill>
+                  <a:prstClr val="white"/>
+                </a:solidFill>
+                <a:effectLst/>
+                <a:uLnTx/>
+                <a:uFillTx/>
+                <a:latin typeface="Rockwell Extra Bold" pitchFamily="18" charset="0"/>
+                <a:ea typeface="+mn-ea"/>
+                <a:cs typeface="+mn-cs"/>
+              </a:endParaRPr>
+            </a:p>
+          </p:txBody>
+        </p:sp>
+        <p:sp>
+          <p:nvSpPr>
+            <p:cNvPr id="9" name="Oval 8"/>
+            <p:cNvSpPr/>
+            <p:nvPr/>
+          </p:nvSpPr>
+          <p:spPr>
+            <a:xfrm>
+              <a:off x="11396488" y="6230844"/>
+              <a:ext cx="478576" cy="478578"/>
+            </a:xfrm>
+            <a:prstGeom prst="ellipse">
+              <a:avLst/>
+            </a:prstGeom>
+            <a:noFill/>
+            <a:ln w="12700" cap="flat" cmpd="sng" algn="ctr">
+              <a:solidFill>
+                <a:srgbClr val="FFFFFF"/>
+              </a:solidFill>
+              <a:prstDash val="solid"/>
+            </a:ln>
+            <a:effectLst/>
+          </p:spPr>
+          <p:txBody>
+            <a:bodyPr rtlCol="0" anchor="ctr"/>
+            <a:lstStyle/>
+            <a:p>
+              <a:pPr marL="0" marR="0" lvl="0" indent="0" algn="ctr" defTabSz="914400" eaLnBrk="1" fontAlgn="auto" latinLnBrk="0" hangingPunct="1">
+                <a:lnSpc>
+                  <a:spcPct val="100000"/>
+                </a:lnSpc>
+                <a:spcBef>
+                  <a:spcPts val="0"/>
+                </a:spcBef>
+                <a:spcAft>
+                  <a:spcPts val="0"/>
+                </a:spcAft>
+                <a:buClrTx/>
+                <a:buSzTx/>
+                <a:buFontTx/>
+                <a:buNone/>
+                <a:tabLst/>
+                <a:defRPr/>
+              </a:pPr>
+              <a:endParaRPr kumimoji="0" lang="en-US" sz="1800" b="0" i="0" u="none" strike="noStrike" kern="0" cap="none" spc="0" normalizeH="0" baseline="0" noProof="0" dirty="0">
+                <a:ln>
+                  <a:noFill/>
+                </a:ln>
+                <a:solidFill>
+                  <a:prstClr val="white"/>
+                </a:solidFill>
+                <a:effectLst/>
+                <a:uLnTx/>
+                <a:uFillTx/>
+                <a:latin typeface="Calibri"/>
+                <a:ea typeface="+mn-ea"/>
+                <a:cs typeface="+mn-cs"/>
+              </a:endParaRPr>
+            </a:p>
+          </p:txBody>
+        </p:sp>
+      </p:grpSp>
+      <p:sp>
+        <p:nvSpPr>
+          <p:cNvPr id="6" name="Slide Number Placeholder 5"/>
           <p:cNvSpPr>
             <a:spLocks noGrp="1"/>
           </p:cNvSpPr>
@@ -2778,8 +3828,8 @@
         </p:nvSpPr>
         <p:spPr>
           <a:xfrm>
-            <a:off x="8610600" y="6356350"/>
-            <a:ext cx="2743200" cy="365125"/>
+            <a:off x="11311128" y="6272784"/>
+            <a:ext cx="640080" cy="365125"/>
           </a:xfrm>
           <a:prstGeom prst="rect">
             <a:avLst/>
@@ -2788,13 +3838,12 @@
         <p:txBody>
           <a:bodyPr vert="horz" lIns="91440" tIns="45720" rIns="91440" bIns="45720" rtlCol="0" anchor="ctr"/>
           <a:lstStyle>
-            <a:lvl1pPr algn="r">
-              <a:defRPr sz="1200">
+            <a:lvl1pPr algn="ctr">
+              <a:defRPr sz="1400" b="1">
                 <a:solidFill>
-                  <a:schemeClr val="tx1">
-                    <a:tint val="75000"/>
-                  </a:schemeClr>
+                  <a:srgbClr val="FFFFFF"/>
                 </a:solidFill>
+                <a:latin typeface="+mj-lt"/>
               </a:defRPr>
             </a:lvl1pPr>
           </a:lstStyle>
@@ -2810,23 +3859,23 @@
     </p:spTree>
     <p:extLst>
       <p:ext uri="{BB962C8B-B14F-4D97-AF65-F5344CB8AC3E}">
-        <p14:creationId xmlns:p14="http://schemas.microsoft.com/office/powerpoint/2010/main" val="2739830650"/>
+        <p14:creationId xmlns:p14="http://schemas.microsoft.com/office/powerpoint/2010/main" val="3613306881"/>
       </p:ext>
     </p:extLst>
   </p:cSld>
   <p:clrMap bg1="lt1" tx1="dk1" bg2="lt2" tx2="dk2" accent1="accent1" accent2="accent2" accent3="accent3" accent4="accent4" accent5="accent5" accent6="accent6" hlink="hlink" folHlink="folHlink"/>
   <p:sldLayoutIdLst>
-    <p:sldLayoutId id="2147483649" r:id="rId1"/>
-    <p:sldLayoutId id="2147483650" r:id="rId2"/>
-    <p:sldLayoutId id="2147483651" r:id="rId3"/>
-    <p:sldLayoutId id="2147483652" r:id="rId4"/>
-    <p:sldLayoutId id="2147483653" r:id="rId5"/>
-    <p:sldLayoutId id="2147483654" r:id="rId6"/>
-    <p:sldLayoutId id="2147483655" r:id="rId7"/>
-    <p:sldLayoutId id="2147483656" r:id="rId8"/>
-    <p:sldLayoutId id="2147483657" r:id="rId9"/>
-    <p:sldLayoutId id="2147483658" r:id="rId10"/>
-    <p:sldLayoutId id="2147483659" r:id="rId11"/>
+    <p:sldLayoutId id="2147483736" r:id="rId1"/>
+    <p:sldLayoutId id="2147483737" r:id="rId2"/>
+    <p:sldLayoutId id="2147483738" r:id="rId3"/>
+    <p:sldLayoutId id="2147483739" r:id="rId4"/>
+    <p:sldLayoutId id="2147483740" r:id="rId5"/>
+    <p:sldLayoutId id="2147483741" r:id="rId6"/>
+    <p:sldLayoutId id="2147483742" r:id="rId7"/>
+    <p:sldLayoutId id="2147483743" r:id="rId8"/>
+    <p:sldLayoutId id="2147483744" r:id="rId9"/>
+    <p:sldLayoutId id="2147483745" r:id="rId10"/>
+    <p:sldLayoutId id="2147483746" r:id="rId11"/>
   </p:sldLayoutIdLst>
   <p:txStyles>
     <p:titleStyle>
@@ -2838,10 +3887,17 @@
           <a:spcPct val="0"/>
         </a:spcBef>
         <a:buNone/>
-        <a:defRPr sz="4400" kern="1200">
-          <a:solidFill>
-            <a:schemeClr val="tx1"/>
-          </a:solidFill>
+        <a:defRPr sz="5400" kern="1200" cap="all" baseline="0">
+          <a:blipFill>
+            <a:blip r:embed="rId15">
+              <a:extLst>
+                <a:ext uri="{28A0092B-C50C-407E-A947-70E740481C1C}">
+                  <a14:useLocalDpi xmlns:a14="http://schemas.microsoft.com/office/drawing/2010/main" val="0"/>
+                </a:ext>
+              </a:extLst>
+            </a:blip>
+            <a:tile tx="6350" ty="-127000" sx="65000" sy="64000" flip="none" algn="tl"/>
+          </a:blipFill>
           <a:latin typeface="+mj-lt"/>
           <a:ea typeface="+mj-ea"/>
           <a:cs typeface="+mj-cs"/>
@@ -2849,16 +3905,22 @@
       </a:lvl1pPr>
     </p:titleStyle>
     <p:bodyStyle>
-      <a:lvl1pPr marL="228600" indent="-228600" algn="l" defTabSz="914400" rtl="0" eaLnBrk="1" latinLnBrk="0" hangingPunct="1">
+      <a:lvl1pPr marL="182880" indent="-182880" algn="l" defTabSz="914400" rtl="0" eaLnBrk="1" latinLnBrk="0" hangingPunct="1">
         <a:lnSpc>
           <a:spcPct val="90000"/>
         </a:lnSpc>
         <a:spcBef>
-          <a:spcPts val="1000"/>
+          <a:spcPts val="1200"/>
         </a:spcBef>
-        <a:buFont typeface="Arial" panose="020B0604020202020204" pitchFamily="34" charset="0"/>
-        <a:buChar char="•"/>
-        <a:defRPr sz="2800" kern="1200">
+        <a:buClr>
+          <a:schemeClr val="accent1">
+            <a:lumMod val="75000"/>
+          </a:schemeClr>
+        </a:buClr>
+        <a:buSzPct val="85000"/>
+        <a:buFont typeface="Wingdings" pitchFamily="2" charset="2"/>
+        <a:buChar char="§"/>
+        <a:defRPr sz="2000" kern="1200">
           <a:solidFill>
             <a:schemeClr val="tx1"/>
           </a:solidFill>
@@ -2867,16 +3929,25 @@
           <a:cs typeface="+mn-cs"/>
         </a:defRPr>
       </a:lvl1pPr>
-      <a:lvl2pPr marL="685800" indent="-228600" algn="l" defTabSz="914400" rtl="0" eaLnBrk="1" latinLnBrk="0" hangingPunct="1">
+      <a:lvl2pPr marL="457200" indent="-182880" algn="l" defTabSz="914400" rtl="0" eaLnBrk="1" latinLnBrk="0" hangingPunct="1">
         <a:lnSpc>
           <a:spcPct val="90000"/>
         </a:lnSpc>
         <a:spcBef>
-          <a:spcPts val="500"/>
+          <a:spcPts val="400"/>
         </a:spcBef>
-        <a:buFont typeface="Arial" panose="020B0604020202020204" pitchFamily="34" charset="0"/>
-        <a:buChar char="•"/>
-        <a:defRPr sz="2400" kern="1200">
+        <a:spcAft>
+          <a:spcPts val="200"/>
+        </a:spcAft>
+        <a:buClr>
+          <a:schemeClr val="accent1">
+            <a:lumMod val="75000"/>
+          </a:schemeClr>
+        </a:buClr>
+        <a:buSzPct val="85000"/>
+        <a:buFont typeface="Wingdings" pitchFamily="2" charset="2"/>
+        <a:buChar char="§"/>
+        <a:defRPr sz="1800" kern="1200">
           <a:solidFill>
             <a:schemeClr val="tx1"/>
           </a:solidFill>
@@ -2885,16 +3956,25 @@
           <a:cs typeface="+mn-cs"/>
         </a:defRPr>
       </a:lvl2pPr>
-      <a:lvl3pPr marL="1143000" indent="-228600" algn="l" defTabSz="914400" rtl="0" eaLnBrk="1" latinLnBrk="0" hangingPunct="1">
+      <a:lvl3pPr marL="731520" indent="-182880" algn="l" defTabSz="914400" rtl="0" eaLnBrk="1" latinLnBrk="0" hangingPunct="1">
         <a:lnSpc>
           <a:spcPct val="90000"/>
         </a:lnSpc>
         <a:spcBef>
-          <a:spcPts val="500"/>
+          <a:spcPts val="400"/>
         </a:spcBef>
-        <a:buFont typeface="Arial" panose="020B0604020202020204" pitchFamily="34" charset="0"/>
-        <a:buChar char="•"/>
-        <a:defRPr sz="2000" kern="1200">
+        <a:spcAft>
+          <a:spcPts val="200"/>
+        </a:spcAft>
+        <a:buClr>
+          <a:schemeClr val="accent1">
+            <a:lumMod val="75000"/>
+          </a:schemeClr>
+        </a:buClr>
+        <a:buSzPct val="85000"/>
+        <a:buFont typeface="Wingdings" pitchFamily="2" charset="2"/>
+        <a:buChar char="§"/>
+        <a:defRPr sz="1600" kern="1200">
           <a:solidFill>
             <a:schemeClr val="tx1"/>
           </a:solidFill>
@@ -2903,16 +3983,25 @@
           <a:cs typeface="+mn-cs"/>
         </a:defRPr>
       </a:lvl3pPr>
-      <a:lvl4pPr marL="1600200" indent="-228600" algn="l" defTabSz="914400" rtl="0" eaLnBrk="1" latinLnBrk="0" hangingPunct="1">
+      <a:lvl4pPr marL="1005840" indent="-182880" algn="l" defTabSz="914400" rtl="0" eaLnBrk="1" latinLnBrk="0" hangingPunct="1">
         <a:lnSpc>
           <a:spcPct val="90000"/>
         </a:lnSpc>
         <a:spcBef>
-          <a:spcPts val="500"/>
+          <a:spcPts val="400"/>
         </a:spcBef>
-        <a:buFont typeface="Arial" panose="020B0604020202020204" pitchFamily="34" charset="0"/>
-        <a:buChar char="•"/>
-        <a:defRPr sz="1800" kern="1200">
+        <a:spcAft>
+          <a:spcPts val="200"/>
+        </a:spcAft>
+        <a:buClr>
+          <a:schemeClr val="accent1">
+            <a:lumMod val="75000"/>
+          </a:schemeClr>
+        </a:buClr>
+        <a:buSzPct val="85000"/>
+        <a:buFont typeface="Wingdings" pitchFamily="2" charset="2"/>
+        <a:buChar char="§"/>
+        <a:defRPr sz="1600" kern="1200">
           <a:solidFill>
             <a:schemeClr val="tx1"/>
           </a:solidFill>
@@ -2921,16 +4010,25 @@
           <a:cs typeface="+mn-cs"/>
         </a:defRPr>
       </a:lvl4pPr>
-      <a:lvl5pPr marL="2057400" indent="-228600" algn="l" defTabSz="914400" rtl="0" eaLnBrk="1" latinLnBrk="0" hangingPunct="1">
+      <a:lvl5pPr marL="1280160" indent="-182880" algn="l" defTabSz="914400" rtl="0" eaLnBrk="1" latinLnBrk="0" hangingPunct="1">
         <a:lnSpc>
           <a:spcPct val="90000"/>
         </a:lnSpc>
         <a:spcBef>
-          <a:spcPts val="500"/>
+          <a:spcPts val="400"/>
         </a:spcBef>
-        <a:buFont typeface="Arial" panose="020B0604020202020204" pitchFamily="34" charset="0"/>
-        <a:buChar char="•"/>
-        <a:defRPr sz="1800" kern="1200">
+        <a:spcAft>
+          <a:spcPts val="200"/>
+        </a:spcAft>
+        <a:buClr>
+          <a:schemeClr val="accent1">
+            <a:lumMod val="75000"/>
+          </a:schemeClr>
+        </a:buClr>
+        <a:buSzPct val="85000"/>
+        <a:buFont typeface="Wingdings" pitchFamily="2" charset="2"/>
+        <a:buChar char="§"/>
+        <a:defRPr sz="1600" kern="1200">
           <a:solidFill>
             <a:schemeClr val="tx1"/>
           </a:solidFill>
@@ -2939,16 +4037,25 @@
           <a:cs typeface="+mn-cs"/>
         </a:defRPr>
       </a:lvl5pPr>
-      <a:lvl6pPr marL="2514600" indent="-228600" algn="l" defTabSz="914400" rtl="0" eaLnBrk="1" latinLnBrk="0" hangingPunct="1">
+      <a:lvl6pPr marL="1600000" indent="-228600" algn="l" defTabSz="914400" rtl="0" eaLnBrk="1" latinLnBrk="0" hangingPunct="1">
         <a:lnSpc>
           <a:spcPct val="90000"/>
         </a:lnSpc>
         <a:spcBef>
-          <a:spcPts val="500"/>
+          <a:spcPts val="400"/>
         </a:spcBef>
-        <a:buFont typeface="Arial" panose="020B0604020202020204" pitchFamily="34" charset="0"/>
-        <a:buChar char="•"/>
-        <a:defRPr sz="1800" kern="1200">
+        <a:spcAft>
+          <a:spcPts val="200"/>
+        </a:spcAft>
+        <a:buClr>
+          <a:schemeClr val="accent1">
+            <a:lumMod val="75000"/>
+          </a:schemeClr>
+        </a:buClr>
+        <a:buSzPct val="85000"/>
+        <a:buFont typeface="Wingdings" pitchFamily="2" charset="2"/>
+        <a:buChar char="§"/>
+        <a:defRPr sz="1600" kern="1200">
           <a:solidFill>
             <a:schemeClr val="tx1"/>
           </a:solidFill>
@@ -2957,16 +4064,25 @@
           <a:cs typeface="+mn-cs"/>
         </a:defRPr>
       </a:lvl6pPr>
-      <a:lvl7pPr marL="2971800" indent="-228600" algn="l" defTabSz="914400" rtl="0" eaLnBrk="1" latinLnBrk="0" hangingPunct="1">
+      <a:lvl7pPr marL="1900000" indent="-228600" algn="l" defTabSz="914400" rtl="0" eaLnBrk="1" latinLnBrk="0" hangingPunct="1">
         <a:lnSpc>
           <a:spcPct val="90000"/>
         </a:lnSpc>
         <a:spcBef>
-          <a:spcPts val="500"/>
+          <a:spcPts val="400"/>
         </a:spcBef>
-        <a:buFont typeface="Arial" panose="020B0604020202020204" pitchFamily="34" charset="0"/>
-        <a:buChar char="•"/>
-        <a:defRPr sz="1800" kern="1200">
+        <a:spcAft>
+          <a:spcPts val="200"/>
+        </a:spcAft>
+        <a:buClr>
+          <a:schemeClr val="accent1">
+            <a:lumMod val="75000"/>
+          </a:schemeClr>
+        </a:buClr>
+        <a:buSzPct val="85000"/>
+        <a:buFont typeface="Wingdings" pitchFamily="2" charset="2"/>
+        <a:buChar char="§"/>
+        <a:defRPr sz="1600" kern="1200">
           <a:solidFill>
             <a:schemeClr val="tx1"/>
           </a:solidFill>
@@ -2975,16 +4091,25 @@
           <a:cs typeface="+mn-cs"/>
         </a:defRPr>
       </a:lvl7pPr>
-      <a:lvl8pPr marL="3429000" indent="-228600" algn="l" defTabSz="914400" rtl="0" eaLnBrk="1" latinLnBrk="0" hangingPunct="1">
+      <a:lvl8pPr marL="2200000" indent="-228600" algn="l" defTabSz="914400" rtl="0" eaLnBrk="1" latinLnBrk="0" hangingPunct="1">
         <a:lnSpc>
           <a:spcPct val="90000"/>
         </a:lnSpc>
         <a:spcBef>
-          <a:spcPts val="500"/>
+          <a:spcPts val="400"/>
         </a:spcBef>
-        <a:buFont typeface="Arial" panose="020B0604020202020204" pitchFamily="34" charset="0"/>
-        <a:buChar char="•"/>
-        <a:defRPr sz="1800" kern="1200">
+        <a:spcAft>
+          <a:spcPts val="200"/>
+        </a:spcAft>
+        <a:buClr>
+          <a:schemeClr val="accent1">
+            <a:lumMod val="75000"/>
+          </a:schemeClr>
+        </a:buClr>
+        <a:buSzPct val="85000"/>
+        <a:buFont typeface="Wingdings" pitchFamily="2" charset="2"/>
+        <a:buChar char="§"/>
+        <a:defRPr sz="1600" kern="1200">
           <a:solidFill>
             <a:schemeClr val="tx1"/>
           </a:solidFill>
@@ -2993,16 +4118,25 @@
           <a:cs typeface="+mn-cs"/>
         </a:defRPr>
       </a:lvl8pPr>
-      <a:lvl9pPr marL="3886200" indent="-228600" algn="l" defTabSz="914400" rtl="0" eaLnBrk="1" latinLnBrk="0" hangingPunct="1">
+      <a:lvl9pPr marL="2500000" indent="-228600" algn="l" defTabSz="914400" rtl="0" eaLnBrk="1" latinLnBrk="0" hangingPunct="1">
         <a:lnSpc>
           <a:spcPct val="90000"/>
         </a:lnSpc>
         <a:spcBef>
-          <a:spcPts val="500"/>
+          <a:spcPts val="400"/>
         </a:spcBef>
-        <a:buFont typeface="Arial" panose="020B0604020202020204" pitchFamily="34" charset="0"/>
-        <a:buChar char="•"/>
-        <a:defRPr sz="1800" kern="1200">
+        <a:spcAft>
+          <a:spcPts val="200"/>
+        </a:spcAft>
+        <a:buClr>
+          <a:schemeClr val="accent1">
+            <a:lumMod val="75000"/>
+          </a:schemeClr>
+        </a:buClr>
+        <a:buSzPct val="85000"/>
+        <a:buFont typeface="Wingdings" pitchFamily="2" charset="2"/>
+        <a:buChar char="§"/>
+        <a:defRPr sz="1600" kern="1200">
           <a:solidFill>
             <a:schemeClr val="tx1"/>
           </a:solidFill>
@@ -3014,7 +4148,7 @@
     </p:bodyStyle>
     <p:otherStyle>
       <a:defPPr>
-        <a:defRPr lang="fr-FR"/>
+        <a:defRPr lang="en-US"/>
       </a:defPPr>
       <a:lvl1pPr marL="0" algn="l" defTabSz="914400" rtl="0" eaLnBrk="1" latinLnBrk="0" hangingPunct="1">
         <a:defRPr sz="1800" kern="1200">
@@ -3174,7 +4308,9 @@
         </p:nvSpPr>
         <p:spPr/>
         <p:txBody>
-          <a:bodyPr/>
+          <a:bodyPr>
+            <a:normAutofit fontScale="92500" lnSpcReduction="10000"/>
+          </a:bodyPr>
           <a:lstStyle/>
           <a:p>
             <a:r>
@@ -3285,6 +4421,41 @@
           </a:xfrm>
         </p:spPr>
       </p:pic>
+      <p:sp>
+        <p:nvSpPr>
+          <p:cNvPr id="4" name="ZoneTexte 3">
+            <a:extLst>
+              <a:ext uri="{FF2B5EF4-FFF2-40B4-BE49-F238E27FC236}">
+                <a16:creationId xmlns:a16="http://schemas.microsoft.com/office/drawing/2014/main" id="{63C15B25-0680-6643-8404-70E2E53F6F2B}"/>
+              </a:ext>
+            </a:extLst>
+          </p:cNvPr>
+          <p:cNvSpPr txBox="1"/>
+          <p:nvPr/>
+        </p:nvSpPr>
+        <p:spPr>
+          <a:xfrm>
+            <a:off x="11406908" y="6297888"/>
+            <a:ext cx="457176" cy="369332"/>
+          </a:xfrm>
+          <a:prstGeom prst="rect">
+            <a:avLst/>
+          </a:prstGeom>
+          <a:noFill/>
+        </p:spPr>
+        <p:txBody>
+          <a:bodyPr wrap="none" rtlCol="0">
+            <a:spAutoFit/>
+          </a:bodyPr>
+          <a:lstStyle/>
+          <a:p>
+            <a:r>
+              <a:rPr lang="fr-FR" dirty="0"/>
+              <a:t>10</a:t>
+            </a:r>
+          </a:p>
+        </p:txBody>
+      </p:sp>
     </p:spTree>
     <p:extLst>
       <p:ext uri="{BB962C8B-B14F-4D97-AF65-F5344CB8AC3E}">
@@ -3376,7 +4547,48 @@
             </a:r>
           </a:p>
           <a:p>
+            <a:r>
+              <a:rPr lang="fr-FR" dirty="0"/>
+              <a:t>Quantité calculée différemment pour chaque millésime </a:t>
+            </a:r>
+          </a:p>
+          <a:p>
             <a:endParaRPr lang="fr-FR" dirty="0"/>
+          </a:p>
+        </p:txBody>
+      </p:sp>
+      <p:sp>
+        <p:nvSpPr>
+          <p:cNvPr id="4" name="ZoneTexte 3">
+            <a:extLst>
+              <a:ext uri="{FF2B5EF4-FFF2-40B4-BE49-F238E27FC236}">
+                <a16:creationId xmlns:a16="http://schemas.microsoft.com/office/drawing/2014/main" id="{1FF094D3-3976-D34E-8F62-C3C0E6D70E94}"/>
+              </a:ext>
+            </a:extLst>
+          </p:cNvPr>
+          <p:cNvSpPr txBox="1"/>
+          <p:nvPr/>
+        </p:nvSpPr>
+        <p:spPr>
+          <a:xfrm>
+            <a:off x="11406908" y="6297888"/>
+            <a:ext cx="457176" cy="369332"/>
+          </a:xfrm>
+          <a:prstGeom prst="rect">
+            <a:avLst/>
+          </a:prstGeom>
+          <a:noFill/>
+        </p:spPr>
+        <p:txBody>
+          <a:bodyPr wrap="none" rtlCol="0">
+            <a:spAutoFit/>
+          </a:bodyPr>
+          <a:lstStyle/>
+          <a:p>
+            <a:r>
+              <a:rPr lang="fr-FR" dirty="0"/>
+              <a:t>11</a:t>
+            </a:r>
           </a:p>
         </p:txBody>
       </p:sp>
@@ -3467,11 +4679,7 @@
           <a:p>
             <a:r>
               <a:rPr lang="fr-FR" dirty="0"/>
-              <a:t>Page de login sur </a:t>
-            </a:r>
-            <a:r>
-              <a:rPr lang="fr-FR"/>
-              <a:t>l’application mobile </a:t>
+              <a:t>Page de login sur l’application mobile </a:t>
             </a:r>
           </a:p>
           <a:p>
@@ -3482,6 +4690,41 @@
           </a:p>
           <a:p>
             <a:endParaRPr lang="fr-FR" dirty="0"/>
+          </a:p>
+        </p:txBody>
+      </p:sp>
+      <p:sp>
+        <p:nvSpPr>
+          <p:cNvPr id="4" name="ZoneTexte 3">
+            <a:extLst>
+              <a:ext uri="{FF2B5EF4-FFF2-40B4-BE49-F238E27FC236}">
+                <a16:creationId xmlns:a16="http://schemas.microsoft.com/office/drawing/2014/main" id="{606F2F88-F5E1-3A45-AE9A-E264E472064C}"/>
+              </a:ext>
+            </a:extLst>
+          </p:cNvPr>
+          <p:cNvSpPr txBox="1"/>
+          <p:nvPr/>
+        </p:nvSpPr>
+        <p:spPr>
+          <a:xfrm>
+            <a:off x="11406908" y="6297888"/>
+            <a:ext cx="457176" cy="369332"/>
+          </a:xfrm>
+          <a:prstGeom prst="rect">
+            <a:avLst/>
+          </a:prstGeom>
+          <a:noFill/>
+        </p:spPr>
+        <p:txBody>
+          <a:bodyPr wrap="none" rtlCol="0">
+            <a:spAutoFit/>
+          </a:bodyPr>
+          <a:lstStyle/>
+          <a:p>
+            <a:r>
+              <a:rPr lang="fr-FR" dirty="0"/>
+              <a:t>12</a:t>
+            </a:r>
           </a:p>
         </p:txBody>
       </p:sp>
@@ -3615,10 +4858,163 @@
           </a:p>
         </p:txBody>
       </p:sp>
+      <p:sp>
+        <p:nvSpPr>
+          <p:cNvPr id="4" name="ZoneTexte 3">
+            <a:extLst>
+              <a:ext uri="{FF2B5EF4-FFF2-40B4-BE49-F238E27FC236}">
+                <a16:creationId xmlns:a16="http://schemas.microsoft.com/office/drawing/2014/main" id="{BE8C7BE7-4894-4940-9575-A47B9ECC3D90}"/>
+              </a:ext>
+            </a:extLst>
+          </p:cNvPr>
+          <p:cNvSpPr txBox="1"/>
+          <p:nvPr/>
+        </p:nvSpPr>
+        <p:spPr>
+          <a:xfrm>
+            <a:off x="11406908" y="6297888"/>
+            <a:ext cx="457176" cy="369332"/>
+          </a:xfrm>
+          <a:prstGeom prst="rect">
+            <a:avLst/>
+          </a:prstGeom>
+          <a:noFill/>
+        </p:spPr>
+        <p:txBody>
+          <a:bodyPr wrap="none" rtlCol="0">
+            <a:spAutoFit/>
+          </a:bodyPr>
+          <a:lstStyle/>
+          <a:p>
+            <a:r>
+              <a:rPr lang="fr-FR" dirty="0"/>
+              <a:t>13</a:t>
+            </a:r>
+          </a:p>
+        </p:txBody>
+      </p:sp>
     </p:spTree>
     <p:extLst>
       <p:ext uri="{BB962C8B-B14F-4D97-AF65-F5344CB8AC3E}">
         <p14:creationId xmlns:p14="http://schemas.microsoft.com/office/powerpoint/2010/main" val="4202757423"/>
+      </p:ext>
+    </p:extLst>
+  </p:cSld>
+  <p:clrMapOvr>
+    <a:masterClrMapping/>
+  </p:clrMapOvr>
+</p:sld>
+</file>
+
+<file path=ppt/slides/slide14.xml><?xml version="1.0" encoding="utf-8"?>
+<p:sld xmlns:a="http://schemas.openxmlformats.org/drawingml/2006/main" xmlns:r="http://schemas.openxmlformats.org/officeDocument/2006/relationships" xmlns:p="http://schemas.openxmlformats.org/presentationml/2006/main">
+  <p:cSld>
+    <p:spTree>
+      <p:nvGrpSpPr>
+        <p:cNvPr id="1" name=""/>
+        <p:cNvGrpSpPr/>
+        <p:nvPr/>
+      </p:nvGrpSpPr>
+      <p:grpSpPr>
+        <a:xfrm>
+          <a:off x="0" y="0"/>
+          <a:ext cx="0" cy="0"/>
+          <a:chOff x="0" y="0"/>
+          <a:chExt cx="0" cy="0"/>
+        </a:xfrm>
+      </p:grpSpPr>
+      <p:sp>
+        <p:nvSpPr>
+          <p:cNvPr id="2" name="Titre 1">
+            <a:extLst>
+              <a:ext uri="{FF2B5EF4-FFF2-40B4-BE49-F238E27FC236}">
+                <a16:creationId xmlns:a16="http://schemas.microsoft.com/office/drawing/2014/main" id="{75E1B9BB-D0F5-8740-88DE-6961715A23F3}"/>
+              </a:ext>
+            </a:extLst>
+          </p:cNvPr>
+          <p:cNvSpPr>
+            <a:spLocks noGrp="1"/>
+          </p:cNvSpPr>
+          <p:nvPr>
+            <p:ph type="title"/>
+          </p:nvPr>
+        </p:nvSpPr>
+        <p:spPr/>
+        <p:txBody>
+          <a:bodyPr/>
+          <a:lstStyle/>
+          <a:p>
+            <a:r>
+              <a:rPr lang="fr-FR" dirty="0"/>
+              <a:t>Questions ?</a:t>
+            </a:r>
+          </a:p>
+        </p:txBody>
+      </p:sp>
+      <p:sp>
+        <p:nvSpPr>
+          <p:cNvPr id="3" name="Espace réservé du contenu 2">
+            <a:extLst>
+              <a:ext uri="{FF2B5EF4-FFF2-40B4-BE49-F238E27FC236}">
+                <a16:creationId xmlns:a16="http://schemas.microsoft.com/office/drawing/2014/main" id="{6C57822B-04F7-EA40-8AA1-E9842AE8BBAA}"/>
+              </a:ext>
+            </a:extLst>
+          </p:cNvPr>
+          <p:cNvSpPr>
+            <a:spLocks noGrp="1"/>
+          </p:cNvSpPr>
+          <p:nvPr>
+            <p:ph idx="1"/>
+          </p:nvPr>
+        </p:nvSpPr>
+        <p:spPr/>
+        <p:txBody>
+          <a:bodyPr/>
+          <a:lstStyle/>
+          <a:p>
+            <a:endParaRPr lang="fr-FR"/>
+          </a:p>
+        </p:txBody>
+      </p:sp>
+      <p:sp>
+        <p:nvSpPr>
+          <p:cNvPr id="4" name="ZoneTexte 3">
+            <a:extLst>
+              <a:ext uri="{FF2B5EF4-FFF2-40B4-BE49-F238E27FC236}">
+                <a16:creationId xmlns:a16="http://schemas.microsoft.com/office/drawing/2014/main" id="{5F8F30CE-4293-2041-B7A3-B6539329FCAB}"/>
+              </a:ext>
+            </a:extLst>
+          </p:cNvPr>
+          <p:cNvSpPr txBox="1"/>
+          <p:nvPr/>
+        </p:nvSpPr>
+        <p:spPr>
+          <a:xfrm>
+            <a:off x="11406908" y="6297888"/>
+            <a:ext cx="457176" cy="369332"/>
+          </a:xfrm>
+          <a:prstGeom prst="rect">
+            <a:avLst/>
+          </a:prstGeom>
+          <a:noFill/>
+        </p:spPr>
+        <p:txBody>
+          <a:bodyPr wrap="none" rtlCol="0">
+            <a:spAutoFit/>
+          </a:bodyPr>
+          <a:lstStyle/>
+          <a:p>
+            <a:r>
+              <a:rPr lang="fr-FR" dirty="0"/>
+              <a:t>14</a:t>
+            </a:r>
+          </a:p>
+        </p:txBody>
+      </p:sp>
+    </p:spTree>
+    <p:extLst>
+      <p:ext uri="{BB962C8B-B14F-4D97-AF65-F5344CB8AC3E}">
+        <p14:creationId xmlns:p14="http://schemas.microsoft.com/office/powerpoint/2010/main" val="152265451"/>
       </p:ext>
     </p:extLst>
   </p:cSld>
@@ -3733,6 +5129,41 @@
             <a:r>
               <a:rPr lang="fr-FR" dirty="0"/>
               <a:t>Tâche de faire ce projet</a:t>
+            </a:r>
+          </a:p>
+        </p:txBody>
+      </p:sp>
+      <p:sp>
+        <p:nvSpPr>
+          <p:cNvPr id="4" name="ZoneTexte 3">
+            <a:extLst>
+              <a:ext uri="{FF2B5EF4-FFF2-40B4-BE49-F238E27FC236}">
+                <a16:creationId xmlns:a16="http://schemas.microsoft.com/office/drawing/2014/main" id="{CE59A308-95E8-B34E-BC94-40485EE01DB6}"/>
+              </a:ext>
+            </a:extLst>
+          </p:cNvPr>
+          <p:cNvSpPr txBox="1"/>
+          <p:nvPr/>
+        </p:nvSpPr>
+        <p:spPr>
+          <a:xfrm>
+            <a:off x="11480799" y="6289963"/>
+            <a:ext cx="320922" cy="369332"/>
+          </a:xfrm>
+          <a:prstGeom prst="rect">
+            <a:avLst/>
+          </a:prstGeom>
+          <a:noFill/>
+        </p:spPr>
+        <p:txBody>
+          <a:bodyPr wrap="none" rtlCol="0">
+            <a:spAutoFit/>
+          </a:bodyPr>
+          <a:lstStyle/>
+          <a:p>
+            <a:r>
+              <a:rPr lang="fr-FR" dirty="0"/>
+              <a:t>2</a:t>
             </a:r>
           </a:p>
         </p:txBody>
@@ -3818,7 +5249,7 @@
         </p:blipFill>
         <p:spPr>
           <a:xfrm rot="5400000">
-            <a:off x="5291683" y="804317"/>
+            <a:off x="5827392" y="804317"/>
             <a:ext cx="6866434" cy="5257800"/>
           </a:xfrm>
         </p:spPr>
@@ -3837,8 +5268,8 @@
         </p:nvSpPr>
         <p:spPr>
           <a:xfrm>
-            <a:off x="838200" y="2909997"/>
-            <a:ext cx="3699510" cy="523220"/>
+            <a:off x="1069848" y="2909997"/>
+            <a:ext cx="4102516" cy="523220"/>
           </a:xfrm>
           <a:prstGeom prst="rect">
             <a:avLst/>
@@ -3851,6 +5282,10 @@
           </a:bodyPr>
           <a:lstStyle/>
           <a:p>
+            <a:pPr marL="457200" indent="-457200">
+              <a:buFont typeface="Arial" panose="020B0604020202020204" pitchFamily="34" charset="0"/>
+              <a:buChar char="•"/>
+            </a:pPr>
             <a:r>
               <a:rPr lang="fr-FR" sz="2800" dirty="0"/>
               <a:t>Ancienne méthode</a:t>
@@ -3974,6 +5409,41 @@
           </a:p>
         </p:txBody>
       </p:sp>
+      <p:sp>
+        <p:nvSpPr>
+          <p:cNvPr id="4" name="ZoneTexte 3">
+            <a:extLst>
+              <a:ext uri="{FF2B5EF4-FFF2-40B4-BE49-F238E27FC236}">
+                <a16:creationId xmlns:a16="http://schemas.microsoft.com/office/drawing/2014/main" id="{3D95E02C-40C9-E14E-981E-D63D89649598}"/>
+              </a:ext>
+            </a:extLst>
+          </p:cNvPr>
+          <p:cNvSpPr txBox="1"/>
+          <p:nvPr/>
+        </p:nvSpPr>
+        <p:spPr>
+          <a:xfrm>
+            <a:off x="11480799" y="6289963"/>
+            <a:ext cx="320922" cy="369332"/>
+          </a:xfrm>
+          <a:prstGeom prst="rect">
+            <a:avLst/>
+          </a:prstGeom>
+          <a:noFill/>
+        </p:spPr>
+        <p:txBody>
+          <a:bodyPr wrap="none" rtlCol="0">
+            <a:spAutoFit/>
+          </a:bodyPr>
+          <a:lstStyle/>
+          <a:p>
+            <a:r>
+              <a:rPr lang="fr-FR" dirty="0"/>
+              <a:t>4</a:t>
+            </a:r>
+          </a:p>
+        </p:txBody>
+      </p:sp>
     </p:spTree>
     <p:extLst>
       <p:ext uri="{BB962C8B-B14F-4D97-AF65-F5344CB8AC3E}">
@@ -4050,7 +5520,9 @@
         </p:nvSpPr>
         <p:spPr/>
         <p:txBody>
-          <a:bodyPr/>
+          <a:bodyPr>
+            <a:normAutofit/>
+          </a:bodyPr>
           <a:lstStyle/>
           <a:p>
             <a:r>
@@ -4167,6 +5639,41 @@
           </a:p>
           <a:p>
             <a:endParaRPr lang="fr-FR" dirty="0"/>
+          </a:p>
+        </p:txBody>
+      </p:sp>
+      <p:sp>
+        <p:nvSpPr>
+          <p:cNvPr id="4" name="ZoneTexte 3">
+            <a:extLst>
+              <a:ext uri="{FF2B5EF4-FFF2-40B4-BE49-F238E27FC236}">
+                <a16:creationId xmlns:a16="http://schemas.microsoft.com/office/drawing/2014/main" id="{DAB237E0-DC7A-2142-B087-C9FA96C24443}"/>
+              </a:ext>
+            </a:extLst>
+          </p:cNvPr>
+          <p:cNvSpPr txBox="1"/>
+          <p:nvPr/>
+        </p:nvSpPr>
+        <p:spPr>
+          <a:xfrm>
+            <a:off x="11480799" y="6289963"/>
+            <a:ext cx="320922" cy="369332"/>
+          </a:xfrm>
+          <a:prstGeom prst="rect">
+            <a:avLst/>
+          </a:prstGeom>
+          <a:noFill/>
+        </p:spPr>
+        <p:txBody>
+          <a:bodyPr wrap="none" rtlCol="0">
+            <a:spAutoFit/>
+          </a:bodyPr>
+          <a:lstStyle/>
+          <a:p>
+            <a:r>
+              <a:rPr lang="fr-FR" dirty="0"/>
+              <a:t>5</a:t>
+            </a:r>
           </a:p>
         </p:txBody>
       </p:sp>
@@ -4247,7 +5754,7 @@
         <p:spPr/>
         <p:txBody>
           <a:bodyPr>
-            <a:normAutofit fontScale="92500" lnSpcReduction="10000"/>
+            <a:normAutofit/>
           </a:bodyPr>
           <a:lstStyle/>
           <a:p>
@@ -4327,6 +5834,41 @@
             <a:r>
               <a:rPr lang="fr-FR" dirty="0"/>
               <a:t> </a:t>
+            </a:r>
+          </a:p>
+        </p:txBody>
+      </p:sp>
+      <p:sp>
+        <p:nvSpPr>
+          <p:cNvPr id="4" name="ZoneTexte 3">
+            <a:extLst>
+              <a:ext uri="{FF2B5EF4-FFF2-40B4-BE49-F238E27FC236}">
+                <a16:creationId xmlns:a16="http://schemas.microsoft.com/office/drawing/2014/main" id="{D461D988-6C99-7C4E-9800-FF4E410A7027}"/>
+              </a:ext>
+            </a:extLst>
+          </p:cNvPr>
+          <p:cNvSpPr txBox="1"/>
+          <p:nvPr/>
+        </p:nvSpPr>
+        <p:spPr>
+          <a:xfrm>
+            <a:off x="11480799" y="6289963"/>
+            <a:ext cx="320922" cy="369332"/>
+          </a:xfrm>
+          <a:prstGeom prst="rect">
+            <a:avLst/>
+          </a:prstGeom>
+          <a:noFill/>
+        </p:spPr>
+        <p:txBody>
+          <a:bodyPr wrap="none" rtlCol="0">
+            <a:spAutoFit/>
+          </a:bodyPr>
+          <a:lstStyle/>
+          <a:p>
+            <a:r>
+              <a:rPr lang="fr-FR" dirty="0"/>
+              <a:t>6</a:t>
             </a:r>
           </a:p>
         </p:txBody>
@@ -4423,6 +5965,41 @@
           </a:p>
         </p:txBody>
       </p:sp>
+      <p:sp>
+        <p:nvSpPr>
+          <p:cNvPr id="4" name="ZoneTexte 3">
+            <a:extLst>
+              <a:ext uri="{FF2B5EF4-FFF2-40B4-BE49-F238E27FC236}">
+                <a16:creationId xmlns:a16="http://schemas.microsoft.com/office/drawing/2014/main" id="{0E0A15B4-89D1-F441-8AED-091A97B8FB0D}"/>
+              </a:ext>
+            </a:extLst>
+          </p:cNvPr>
+          <p:cNvSpPr txBox="1"/>
+          <p:nvPr/>
+        </p:nvSpPr>
+        <p:spPr>
+          <a:xfrm>
+            <a:off x="11480799" y="6289963"/>
+            <a:ext cx="320922" cy="369332"/>
+          </a:xfrm>
+          <a:prstGeom prst="rect">
+            <a:avLst/>
+          </a:prstGeom>
+          <a:noFill/>
+        </p:spPr>
+        <p:txBody>
+          <a:bodyPr wrap="none" rtlCol="0">
+            <a:spAutoFit/>
+          </a:bodyPr>
+          <a:lstStyle/>
+          <a:p>
+            <a:r>
+              <a:rPr lang="fr-FR" dirty="0"/>
+              <a:t>7</a:t>
+            </a:r>
+          </a:p>
+        </p:txBody>
+      </p:sp>
     </p:spTree>
     <p:extLst>
       <p:ext uri="{BB962C8B-B14F-4D97-AF65-F5344CB8AC3E}">
@@ -4525,8 +6102,8 @@
         </p:blipFill>
         <p:spPr>
           <a:xfrm>
-            <a:off x="0" y="365125"/>
-            <a:ext cx="3460878" cy="6155748"/>
+            <a:off x="-1" y="365125"/>
+            <a:ext cx="3554299" cy="6321912"/>
           </a:xfrm>
           <a:prstGeom prst="rect">
             <a:avLst/>
@@ -4547,7 +6124,7 @@
         </p:nvSpPr>
         <p:spPr>
           <a:xfrm>
-            <a:off x="3627771" y="3301171"/>
+            <a:off x="3786557" y="3951866"/>
             <a:ext cx="738909" cy="389876"/>
           </a:xfrm>
           <a:prstGeom prst="rightArrow">
@@ -4601,8 +6178,8 @@
         </p:blipFill>
         <p:spPr>
           <a:xfrm>
-            <a:off x="4851145" y="365125"/>
-            <a:ext cx="3460877" cy="6155748"/>
+            <a:off x="4757725" y="365125"/>
+            <a:ext cx="3554298" cy="6321912"/>
           </a:xfrm>
           <a:prstGeom prst="rect">
             <a:avLst/>
@@ -4631,8 +6208,8 @@
         </p:blipFill>
         <p:spPr>
           <a:xfrm>
-            <a:off x="8731122" y="365125"/>
-            <a:ext cx="3460878" cy="6155748"/>
+            <a:off x="8637701" y="365124"/>
+            <a:ext cx="3554299" cy="6321913"/>
           </a:xfrm>
           <a:prstGeom prst="rect">
             <a:avLst/>
@@ -4741,8 +6318,8 @@
         </p:blipFill>
         <p:spPr>
           <a:xfrm>
-            <a:off x="838200" y="365124"/>
-            <a:ext cx="3484418" cy="6197617"/>
+            <a:off x="1069848" y="361878"/>
+            <a:ext cx="3561368" cy="6334485"/>
           </a:xfrm>
           <a:prstGeom prst="rect">
             <a:avLst/>
@@ -4817,14 +6394,49 @@
         </p:blipFill>
         <p:spPr>
           <a:xfrm>
-            <a:off x="7867558" y="365124"/>
-            <a:ext cx="3486242" cy="6200862"/>
+            <a:off x="7566881" y="361878"/>
+            <a:ext cx="3561367" cy="6334485"/>
           </a:xfrm>
           <a:prstGeom prst="rect">
             <a:avLst/>
           </a:prstGeom>
         </p:spPr>
       </p:pic>
+      <p:sp>
+        <p:nvSpPr>
+          <p:cNvPr id="7" name="ZoneTexte 6">
+            <a:extLst>
+              <a:ext uri="{FF2B5EF4-FFF2-40B4-BE49-F238E27FC236}">
+                <a16:creationId xmlns:a16="http://schemas.microsoft.com/office/drawing/2014/main" id="{83347568-6032-D941-A165-3672C09BFF86}"/>
+              </a:ext>
+            </a:extLst>
+          </p:cNvPr>
+          <p:cNvSpPr txBox="1"/>
+          <p:nvPr/>
+        </p:nvSpPr>
+        <p:spPr>
+          <a:xfrm>
+            <a:off x="11480799" y="6289963"/>
+            <a:ext cx="320922" cy="369332"/>
+          </a:xfrm>
+          <a:prstGeom prst="rect">
+            <a:avLst/>
+          </a:prstGeom>
+          <a:noFill/>
+        </p:spPr>
+        <p:txBody>
+          <a:bodyPr wrap="none" rtlCol="0">
+            <a:spAutoFit/>
+          </a:bodyPr>
+          <a:lstStyle/>
+          <a:p>
+            <a:r>
+              <a:rPr lang="fr-FR" dirty="0"/>
+              <a:t>9</a:t>
+            </a:r>
+          </a:p>
+        </p:txBody>
+      </p:sp>
     </p:spTree>
     <p:extLst>
       <p:ext uri="{BB962C8B-B14F-4D97-AF65-F5344CB8AC3E}">
@@ -4839,9 +6451,9 @@
 </file>
 
 <file path=ppt/theme/theme1.xml><?xml version="1.0" encoding="utf-8"?>
-<a:theme xmlns:a="http://schemas.openxmlformats.org/drawingml/2006/main" name="Thème Office">
+<a:theme xmlns:a="http://schemas.openxmlformats.org/drawingml/2006/main" name="Type de bois">
   <a:themeElements>
-    <a:clrScheme name="Office">
+    <a:clrScheme name="Type de bois">
       <a:dk1>
         <a:sysClr val="windowText" lastClr="000000"/>
       </a:dk1>
@@ -4849,48 +6461,86 @@
         <a:sysClr val="window" lastClr="FFFFFF"/>
       </a:lt1>
       <a:dk2>
-        <a:srgbClr val="44546A"/>
+        <a:srgbClr val="696464"/>
       </a:dk2>
       <a:lt2>
-        <a:srgbClr val="E7E6E6"/>
+        <a:srgbClr val="E9E5DC"/>
       </a:lt2>
       <a:accent1>
-        <a:srgbClr val="4472C4"/>
+        <a:srgbClr val="D34817"/>
       </a:accent1>
       <a:accent2>
-        <a:srgbClr val="ED7D31"/>
+        <a:srgbClr val="9B2D1F"/>
       </a:accent2>
       <a:accent3>
-        <a:srgbClr val="A5A5A5"/>
+        <a:srgbClr val="A28E6A"/>
       </a:accent3>
       <a:accent4>
-        <a:srgbClr val="FFC000"/>
+        <a:srgbClr val="956251"/>
       </a:accent4>
       <a:accent5>
-        <a:srgbClr val="5B9BD5"/>
+        <a:srgbClr val="918485"/>
       </a:accent5>
       <a:accent6>
-        <a:srgbClr val="70AD47"/>
+        <a:srgbClr val="855D5D"/>
       </a:accent6>
       <a:hlink>
-        <a:srgbClr val="0563C1"/>
+        <a:srgbClr val="CC9900"/>
       </a:hlink>
       <a:folHlink>
-        <a:srgbClr val="954F72"/>
+        <a:srgbClr val="96A9A9"/>
       </a:folHlink>
     </a:clrScheme>
-    <a:fontScheme name="Office">
+    <a:fontScheme name="Type de bois">
       <a:majorFont>
-        <a:latin typeface="Calibri Light" panose="020F0302020204030204"/>
+        <a:latin typeface="Rockwell Condensed" panose="02060603050405020104"/>
         <a:ea typeface=""/>
         <a:cs typeface=""/>
-        <a:font script="Jpan" typeface="游ゴシック Light"/>
-        <a:font script="Hang" typeface="맑은 고딕"/>
-        <a:font script="Hans" typeface="等线 Light"/>
-        <a:font script="Hant" typeface="新細明體"/>
+        <a:font script="Grek" typeface="Cambria"/>
+        <a:font script="Cyrl" typeface="Cambria"/>
+        <a:font script="Jpan" typeface="HG明朝B"/>
+        <a:font script="Hang" typeface="바탕"/>
+        <a:font script="Hans" typeface="方正姚体"/>
+        <a:font script="Hant" typeface="微軟正黑體"/>
         <a:font script="Arab" typeface="Times New Roman"/>
-        <a:font script="Hebr" typeface="Times New Roman"/>
-        <a:font script="Thai" typeface="Angsana New"/>
+        <a:font script="Hebr" typeface="David"/>
+        <a:font script="Thai" typeface="JasmineUPC"/>
+        <a:font script="Ethi" typeface="Nyala"/>
+        <a:font script="Beng" typeface="Vrinda"/>
+        <a:font script="Gujr" typeface="Shruti"/>
+        <a:font script="Khmr" typeface="MoolBoran"/>
+        <a:font script="Knda" typeface="Tunga"/>
+        <a:font script="Guru" typeface="Raavi"/>
+        <a:font script="Cans" typeface="Euphemia"/>
+        <a:font script="Cher" typeface="Plantagenet Cherokee"/>
+        <a:font script="Yiii" typeface="Microsoft Yi Baiti"/>
+        <a:font script="Tibt" typeface="Microsoft Himalaya"/>
+        <a:font script="Thaa" typeface="MV Boli"/>
+        <a:font script="Deva" typeface="Mangal"/>
+        <a:font script="Telu" typeface="Gautami"/>
+        <a:font script="Taml" typeface="Latha"/>
+        <a:font script="Syrc" typeface="Estrangelo Edessa"/>
+        <a:font script="Orya" typeface="Kalinga"/>
+        <a:font script="Mlym" typeface="Kartika"/>
+        <a:font script="Laoo" typeface="DokChampa"/>
+        <a:font script="Sinh" typeface="Iskoola Pota"/>
+        <a:font script="Mong" typeface="Mongolian Baiti"/>
+        <a:font script="Viet" typeface="Arial"/>
+        <a:font script="Uigh" typeface="Microsoft Uighur"/>
+      </a:majorFont>
+      <a:minorFont>
+        <a:latin typeface="Rockwell" panose="02060603020205020403"/>
+        <a:ea typeface=""/>
+        <a:cs typeface=""/>
+        <a:font script="Grek" typeface="Cambria"/>
+        <a:font script="Cyrl" typeface="Cambria"/>
+        <a:font script="Jpan" typeface="HG明朝B"/>
+        <a:font script="Hang" typeface="바탕"/>
+        <a:font script="Hans" typeface="方正姚体"/>
+        <a:font script="Hant" typeface="標楷體"/>
+        <a:font script="Arab" typeface="Times New Roman"/>
+        <a:font script="Hebr" typeface="David"/>
+        <a:font script="Thai" typeface="JasmineUPC"/>
         <a:font script="Ethi" typeface="Nyala"/>
         <a:font script="Beng" typeface="Vrinda"/>
         <a:font script="Gujr" typeface="Shruti"/>
@@ -4913,135 +6563,42 @@
         <a:font script="Mong" typeface="Mongolian Baiti"/>
         <a:font script="Viet" typeface="Times New Roman"/>
         <a:font script="Uigh" typeface="Microsoft Uighur"/>
-        <a:font script="Geor" typeface="Sylfaen"/>
-        <a:font script="Armn" typeface="Arial"/>
-        <a:font script="Bugi" typeface="Leelawadee UI"/>
-        <a:font script="Bopo" typeface="Microsoft JhengHei"/>
-        <a:font script="Java" typeface="Javanese Text"/>
-        <a:font script="Lisu" typeface="Segoe UI"/>
-        <a:font script="Mymr" typeface="Myanmar Text"/>
-        <a:font script="Nkoo" typeface="Ebrima"/>
-        <a:font script="Olck" typeface="Nirmala UI"/>
-        <a:font script="Osma" typeface="Ebrima"/>
-        <a:font script="Phag" typeface="Phagspa"/>
-        <a:font script="Syrn" typeface="Estrangelo Edessa"/>
-        <a:font script="Syrj" typeface="Estrangelo Edessa"/>
-        <a:font script="Syre" typeface="Estrangelo Edessa"/>
-        <a:font script="Sora" typeface="Nirmala UI"/>
-        <a:font script="Tale" typeface="Microsoft Tai Le"/>
-        <a:font script="Talu" typeface="Microsoft New Tai Lue"/>
-        <a:font script="Tfng" typeface="Ebrima"/>
-      </a:majorFont>
-      <a:minorFont>
-        <a:latin typeface="Calibri" panose="020F0502020204030204"/>
-        <a:ea typeface=""/>
-        <a:cs typeface=""/>
-        <a:font script="Jpan" typeface="游ゴシック"/>
-        <a:font script="Hang" typeface="맑은 고딕"/>
-        <a:font script="Hans" typeface="等线"/>
-        <a:font script="Hant" typeface="新細明體"/>
-        <a:font script="Arab" typeface="Arial"/>
-        <a:font script="Hebr" typeface="Arial"/>
-        <a:font script="Thai" typeface="Cordia New"/>
-        <a:font script="Ethi" typeface="Nyala"/>
-        <a:font script="Beng" typeface="Vrinda"/>
-        <a:font script="Gujr" typeface="Shruti"/>
-        <a:font script="Khmr" typeface="DaunPenh"/>
-        <a:font script="Knda" typeface="Tunga"/>
-        <a:font script="Guru" typeface="Raavi"/>
-        <a:font script="Cans" typeface="Euphemia"/>
-        <a:font script="Cher" typeface="Plantagenet Cherokee"/>
-        <a:font script="Yiii" typeface="Microsoft Yi Baiti"/>
-        <a:font script="Tibt" typeface="Microsoft Himalaya"/>
-        <a:font script="Thaa" typeface="MV Boli"/>
-        <a:font script="Deva" typeface="Mangal"/>
-        <a:font script="Telu" typeface="Gautami"/>
-        <a:font script="Taml" typeface="Latha"/>
-        <a:font script="Syrc" typeface="Estrangelo Edessa"/>
-        <a:font script="Orya" typeface="Kalinga"/>
-        <a:font script="Mlym" typeface="Kartika"/>
-        <a:font script="Laoo" typeface="DokChampa"/>
-        <a:font script="Sinh" typeface="Iskoola Pota"/>
-        <a:font script="Mong" typeface="Mongolian Baiti"/>
-        <a:font script="Viet" typeface="Arial"/>
-        <a:font script="Uigh" typeface="Microsoft Uighur"/>
-        <a:font script="Geor" typeface="Sylfaen"/>
-        <a:font script="Armn" typeface="Arial"/>
-        <a:font script="Bugi" typeface="Leelawadee UI"/>
-        <a:font script="Bopo" typeface="Microsoft JhengHei"/>
-        <a:font script="Java" typeface="Javanese Text"/>
-        <a:font script="Lisu" typeface="Segoe UI"/>
-        <a:font script="Mymr" typeface="Myanmar Text"/>
-        <a:font script="Nkoo" typeface="Ebrima"/>
-        <a:font script="Olck" typeface="Nirmala UI"/>
-        <a:font script="Osma" typeface="Ebrima"/>
-        <a:font script="Phag" typeface="Phagspa"/>
-        <a:font script="Syrn" typeface="Estrangelo Edessa"/>
-        <a:font script="Syrj" typeface="Estrangelo Edessa"/>
-        <a:font script="Syre" typeface="Estrangelo Edessa"/>
-        <a:font script="Sora" typeface="Nirmala UI"/>
-        <a:font script="Tale" typeface="Microsoft Tai Le"/>
-        <a:font script="Talu" typeface="Microsoft New Tai Lue"/>
-        <a:font script="Tfng" typeface="Ebrima"/>
       </a:minorFont>
     </a:fontScheme>
-    <a:fmtScheme name="Office">
+    <a:fmtScheme name="Type de bois">
       <a:fillStyleLst>
         <a:solidFill>
           <a:schemeClr val="phClr"/>
         </a:solidFill>
-        <a:gradFill rotWithShape="1">
-          <a:gsLst>
-            <a:gs pos="0">
+        <a:blipFill rotWithShape="1">
+          <a:blip xmlns:r="http://schemas.openxmlformats.org/officeDocument/2006/relationships" r:embed="rId1">
+            <a:duotone>
               <a:schemeClr val="phClr">
-                <a:lumMod val="110000"/>
-                <a:satMod val="105000"/>
-                <a:tint val="67000"/>
+                <a:tint val="70000"/>
+                <a:shade val="63000"/>
               </a:schemeClr>
-            </a:gs>
-            <a:gs pos="50000">
               <a:schemeClr val="phClr">
-                <a:lumMod val="105000"/>
-                <a:satMod val="103000"/>
-                <a:tint val="73000"/>
+                <a:tint val="10000"/>
+                <a:satMod val="150000"/>
               </a:schemeClr>
-            </a:gs>
-            <a:gs pos="100000">
+            </a:duotone>
+          </a:blip>
+          <a:tile tx="0" ty="0" sx="60000" sy="59000" flip="none" algn="tl"/>
+        </a:blipFill>
+        <a:blipFill rotWithShape="1">
+          <a:blip xmlns:r="http://schemas.openxmlformats.org/officeDocument/2006/relationships" r:embed="rId1">
+            <a:duotone>
               <a:schemeClr val="phClr">
-                <a:lumMod val="105000"/>
-                <a:satMod val="109000"/>
-                <a:tint val="81000"/>
+                <a:shade val="36000"/>
+                <a:satMod val="120000"/>
               </a:schemeClr>
-            </a:gs>
-          </a:gsLst>
-          <a:lin ang="5400000" scaled="0"/>
-        </a:gradFill>
-        <a:gradFill rotWithShape="1">
-          <a:gsLst>
-            <a:gs pos="0">
               <a:schemeClr val="phClr">
-                <a:satMod val="103000"/>
-                <a:lumMod val="102000"/>
-                <a:tint val="94000"/>
+                <a:tint val="40000"/>
               </a:schemeClr>
-            </a:gs>
-            <a:gs pos="50000">
-              <a:schemeClr val="phClr">
-                <a:satMod val="110000"/>
-                <a:lumMod val="100000"/>
-                <a:shade val="100000"/>
-              </a:schemeClr>
-            </a:gs>
-            <a:gs pos="100000">
-              <a:schemeClr val="phClr">
-                <a:lumMod val="99000"/>
-                <a:satMod val="120000"/>
-                <a:shade val="78000"/>
-              </a:schemeClr>
-            </a:gs>
-          </a:gsLst>
-          <a:lin ang="5400000" scaled="0"/>
-        </a:gradFill>
+            </a:duotone>
+          </a:blip>
+          <a:tile tx="0" ty="0" sx="60000" sy="59000" flip="none" algn="tl"/>
+        </a:blipFill>
       </a:fillStyleLst>
       <a:lnStyleLst>
         <a:ln w="6350" cap="flat" cmpd="sng" algn="ctr">
@@ -5049,21 +6606,18 @@
             <a:schemeClr val="phClr"/>
           </a:solidFill>
           <a:prstDash val="solid"/>
-          <a:miter lim="800000"/>
         </a:ln>
         <a:ln w="12700" cap="flat" cmpd="sng" algn="ctr">
           <a:solidFill>
             <a:schemeClr val="phClr"/>
           </a:solidFill>
           <a:prstDash val="solid"/>
-          <a:miter lim="800000"/>
         </a:ln>
         <a:ln w="19050" cap="flat" cmpd="sng" algn="ctr">
           <a:solidFill>
             <a:schemeClr val="phClr"/>
           </a:solidFill>
           <a:prstDash val="solid"/>
-          <a:miter lim="800000"/>
         </a:ln>
       </a:lnStyleLst>
       <a:effectStyleLst>
@@ -5071,15 +6625,18 @@
           <a:effectLst/>
         </a:effectStyle>
         <a:effectStyle>
-          <a:effectLst/>
+          <a:effectLst>
+            <a:softEdge rad="12700"/>
+          </a:effectLst>
         </a:effectStyle>
         <a:effectStyle>
           <a:effectLst>
-            <a:outerShdw blurRad="57150" dist="19050" dir="5400000" algn="ctr" rotWithShape="0">
+            <a:outerShdw blurRad="50800" dist="19050" dir="5400000" algn="tl" rotWithShape="0">
               <a:srgbClr val="000000">
-                <a:alpha val="63000"/>
+                <a:alpha val="60000"/>
               </a:srgbClr>
             </a:outerShdw>
+            <a:softEdge rad="12700"/>
           </a:effectLst>
         </a:effectStyle>
       </a:effectStyleLst>
@@ -5089,37 +6646,26 @@
         </a:solidFill>
         <a:solidFill>
           <a:schemeClr val="phClr">
-            <a:tint val="95000"/>
-            <a:satMod val="170000"/>
+            <a:shade val="97000"/>
+            <a:satMod val="150000"/>
           </a:schemeClr>
         </a:solidFill>
-        <a:gradFill rotWithShape="1">
-          <a:gsLst>
-            <a:gs pos="0">
+        <a:blipFill rotWithShape="1">
+          <a:blip xmlns:r="http://schemas.openxmlformats.org/officeDocument/2006/relationships" r:embed="rId1">
+            <a:duotone>
               <a:schemeClr val="phClr">
-                <a:tint val="93000"/>
-                <a:satMod val="150000"/>
-                <a:shade val="98000"/>
-                <a:lumMod val="102000"/>
-              </a:schemeClr>
-            </a:gs>
-            <a:gs pos="50000">
-              <a:schemeClr val="phClr">
-                <a:tint val="98000"/>
-                <a:satMod val="130000"/>
-                <a:shade val="90000"/>
-                <a:lumMod val="103000"/>
-              </a:schemeClr>
-            </a:gs>
-            <a:gs pos="100000">
-              <a:schemeClr val="phClr">
-                <a:shade val="63000"/>
+                <a:tint val="75000"/>
+                <a:shade val="58000"/>
                 <a:satMod val="120000"/>
               </a:schemeClr>
-            </a:gs>
-          </a:gsLst>
-          <a:lin ang="5400000" scaled="0"/>
-        </a:gradFill>
+              <a:schemeClr val="phClr">
+                <a:tint val="50000"/>
+                <a:shade val="96000"/>
+              </a:schemeClr>
+            </a:duotone>
+          </a:blip>
+          <a:tile tx="0" ty="0" sx="100000" sy="100000" flip="none" algn="tl"/>
+        </a:blipFill>
       </a:bgFillStyleLst>
     </a:fmtScheme>
   </a:themeElements>
@@ -5127,7 +6673,7 @@
   <a:extraClrSchemeLst/>
   <a:extLst>
     <a:ext uri="{05A4C25C-085E-4340-85A3-A5531E510DB2}">
-      <thm15:themeFamily xmlns:thm15="http://schemas.microsoft.com/office/thememl/2012/main" name="Office Theme" id="{62F939B6-93AF-4DB8-9C6B-D6C7DFDC589F}" vid="{4A3C46E8-61CC-4603-A589-7422A47A8E4A}"/>
+      <thm15:themeFamily xmlns:thm15="http://schemas.microsoft.com/office/thememl/2012/main" name="Wood Type" id="{7ACABC62-BF99-48CF-A9DC-4DB89C7B13DC}" vid="{142A1326-48AB-42A9-8428-CB14AA30176D}"/>
     </a:ext>
   </a:extLst>
 </a:theme>

--- a/Documentation/Présentation/présentation.pptx
+++ b/Documentation/Présentation/présentation.pptx
@@ -6,19 +6,25 @@
   </p:sldMasterIdLst>
   <p:sldIdLst>
     <p:sldId id="256" r:id="rId2"/>
-    <p:sldId id="262" r:id="rId3"/>
-    <p:sldId id="266" r:id="rId4"/>
-    <p:sldId id="258" r:id="rId5"/>
-    <p:sldId id="257" r:id="rId6"/>
-    <p:sldId id="260" r:id="rId7"/>
-    <p:sldId id="263" r:id="rId8"/>
-    <p:sldId id="264" r:id="rId9"/>
-    <p:sldId id="261" r:id="rId10"/>
-    <p:sldId id="265" r:id="rId11"/>
-    <p:sldId id="259" r:id="rId12"/>
-    <p:sldId id="267" r:id="rId13"/>
-    <p:sldId id="268" r:id="rId14"/>
-    <p:sldId id="269" r:id="rId15"/>
+    <p:sldId id="272" r:id="rId3"/>
+    <p:sldId id="273" r:id="rId4"/>
+    <p:sldId id="262" r:id="rId5"/>
+    <p:sldId id="266" r:id="rId6"/>
+    <p:sldId id="270" r:id="rId7"/>
+    <p:sldId id="271" r:id="rId8"/>
+    <p:sldId id="274" r:id="rId9"/>
+    <p:sldId id="258" r:id="rId10"/>
+    <p:sldId id="257" r:id="rId11"/>
+    <p:sldId id="260" r:id="rId12"/>
+    <p:sldId id="263" r:id="rId13"/>
+    <p:sldId id="264" r:id="rId14"/>
+    <p:sldId id="261" r:id="rId15"/>
+    <p:sldId id="265" r:id="rId16"/>
+    <p:sldId id="275" r:id="rId17"/>
+    <p:sldId id="259" r:id="rId18"/>
+    <p:sldId id="267" r:id="rId19"/>
+    <p:sldId id="268" r:id="rId20"/>
+    <p:sldId id="269" r:id="rId21"/>
   </p:sldIdLst>
   <p:sldSz cx="12192000" cy="6858000"/>
   <p:notesSz cx="6858000" cy="9144000"/>
@@ -4285,7 +4291,7 @@
           <a:p>
             <a:r>
               <a:rPr lang="fr-FR" dirty="0"/>
-              <a:t>TPI</a:t>
+              <a:t>TPI - Gestion de cave</a:t>
             </a:r>
           </a:p>
         </p:txBody>
@@ -4309,15 +4315,9 @@
         <p:spPr/>
         <p:txBody>
           <a:bodyPr>
-            <a:normAutofit fontScale="92500" lnSpcReduction="10000"/>
+            <a:normAutofit/>
           </a:bodyPr>
           <a:lstStyle/>
-          <a:p>
-            <a:r>
-              <a:rPr lang="fr-FR" dirty="0"/>
-              <a:t>Gestion de cave</a:t>
-            </a:r>
-          </a:p>
           <a:p>
             <a:r>
               <a:rPr lang="fr-FR" sz="1800" dirty="0"/>
@@ -4372,7 +4372,7 @@
           <p:cNvPr id="2" name="Titre 1">
             <a:extLst>
               <a:ext uri="{FF2B5EF4-FFF2-40B4-BE49-F238E27FC236}">
-                <a16:creationId xmlns:a16="http://schemas.microsoft.com/office/drawing/2014/main" id="{9B8AD4FD-586B-BE4F-998B-B7E4791A1369}"/>
+                <a16:creationId xmlns:a16="http://schemas.microsoft.com/office/drawing/2014/main" id="{20C5F73D-F677-7341-8DE8-52EF740466AA}"/>
               </a:ext>
             </a:extLst>
           </p:cNvPr>
@@ -4388,45 +4388,159 @@
           <a:bodyPr/>
           <a:lstStyle/>
           <a:p>
-            <a:endParaRPr lang="fr-FR"/>
-          </a:p>
-        </p:txBody>
-      </p:sp>
-      <p:pic>
-        <p:nvPicPr>
-          <p:cNvPr id="5" name="Espace réservé du contenu 4">
+            <a:r>
+              <a:rPr lang="fr-FR" dirty="0"/>
+              <a:t>Mise en production </a:t>
+            </a:r>
+          </a:p>
+        </p:txBody>
+      </p:sp>
+      <p:sp>
+        <p:nvSpPr>
+          <p:cNvPr id="3" name="Espace réservé du contenu 2">
             <a:extLst>
               <a:ext uri="{FF2B5EF4-FFF2-40B4-BE49-F238E27FC236}">
-                <a16:creationId xmlns:a16="http://schemas.microsoft.com/office/drawing/2014/main" id="{A15FD77F-FB94-9647-B51F-9460DAB4FAFA}"/>
+                <a16:creationId xmlns:a16="http://schemas.microsoft.com/office/drawing/2014/main" id="{E76336E2-2F50-3E45-B944-ABFC072AD902}"/>
               </a:ext>
             </a:extLst>
           </p:cNvPr>
-          <p:cNvPicPr>
-            <a:picLocks noGrp="1" noChangeAspect="1"/>
-          </p:cNvPicPr>
+          <p:cNvSpPr>
+            <a:spLocks noGrp="1"/>
+          </p:cNvSpPr>
           <p:nvPr>
             <p:ph idx="1"/>
           </p:nvPr>
-        </p:nvPicPr>
-        <p:blipFill>
-          <a:blip r:embed="rId2"/>
-          <a:stretch>
-            <a:fillRect/>
-          </a:stretch>
-        </p:blipFill>
-        <p:spPr>
-          <a:xfrm>
-            <a:off x="4355561" y="291233"/>
-            <a:ext cx="3480877" cy="6191321"/>
-          </a:xfrm>
-        </p:spPr>
-      </p:pic>
+        </p:nvSpPr>
+        <p:spPr/>
+        <p:txBody>
+          <a:bodyPr>
+            <a:normAutofit/>
+          </a:bodyPr>
+          <a:lstStyle/>
+          <a:p>
+            <a:r>
+              <a:rPr lang="fr-FR" dirty="0"/>
+              <a:t>Problème avec le fichier .</a:t>
+            </a:r>
+            <a:r>
+              <a:rPr lang="fr-FR" dirty="0" err="1"/>
+              <a:t>htaccess</a:t>
+            </a:r>
+            <a:endParaRPr lang="fr-FR" dirty="0"/>
+          </a:p>
+          <a:p>
+            <a:r>
+              <a:rPr lang="fr-FR" dirty="0"/>
+              <a:t>J’ai mis les chemins comme on nous avait appris en cours d’apache</a:t>
+            </a:r>
+          </a:p>
+          <a:p>
+            <a:r>
+              <a:rPr lang="fr-FR" dirty="0"/>
+              <a:t>En regardant la documentation sur Infomaniak j’ai vu qu’il fallait mettre le chemin absolu vers le fichier où sont stockés les logins </a:t>
+            </a:r>
+          </a:p>
+          <a:p>
+            <a:r>
+              <a:rPr lang="fr-FR" dirty="0"/>
+              <a:t>J’ai dû connaître le chemin absolu de mon dossier avec une fonction </a:t>
+            </a:r>
+            <a:r>
+              <a:rPr lang="fr-FR" dirty="0" err="1"/>
+              <a:t>php</a:t>
+            </a:r>
+            <a:r>
+              <a:rPr lang="fr-FR" dirty="0"/>
+              <a:t> : </a:t>
+            </a:r>
+            <a:r>
+              <a:rPr lang="fr-CH" dirty="0" err="1"/>
+              <a:t>echo</a:t>
+            </a:r>
+            <a:r>
+              <a:rPr lang="fr-CH" dirty="0"/>
+              <a:t> </a:t>
+            </a:r>
+            <a:r>
+              <a:rPr lang="fr-CH" dirty="0" err="1"/>
+              <a:t>realpath</a:t>
+            </a:r>
+            <a:r>
+              <a:rPr lang="fr-CH" dirty="0"/>
+              <a:t>('</a:t>
+            </a:r>
+            <a:r>
+              <a:rPr lang="fr-CH" dirty="0" err="1"/>
+              <a:t>path.php</a:t>
+            </a:r>
+            <a:r>
+              <a:rPr lang="fr-CH" dirty="0"/>
+              <a:t>’);</a:t>
+            </a:r>
+          </a:p>
+          <a:p>
+            <a:r>
+              <a:rPr lang="fr-FR" dirty="0"/>
+              <a:t>Ensuite j’ai dû créer le mot de passe crypté : </a:t>
+            </a:r>
+            <a:r>
+              <a:rPr lang="fr-CH" dirty="0" err="1"/>
+              <a:t>echo</a:t>
+            </a:r>
+            <a:r>
+              <a:rPr lang="fr-CH" dirty="0"/>
+              <a:t> </a:t>
+            </a:r>
+            <a:r>
+              <a:rPr lang="fr-CH" dirty="0" err="1"/>
+              <a:t>crypt</a:t>
+            </a:r>
+            <a:r>
+              <a:rPr lang="fr-CH" dirty="0"/>
+              <a:t>('</a:t>
+            </a:r>
+            <a:r>
+              <a:rPr lang="fr-CH" dirty="0" err="1"/>
+              <a:t>mdp</a:t>
+            </a:r>
+            <a:r>
+              <a:rPr lang="fr-CH" dirty="0"/>
+              <a:t>’);</a:t>
+            </a:r>
+          </a:p>
+          <a:p>
+            <a:r>
+              <a:rPr lang="fr-FR" dirty="0"/>
+              <a:t>Créer le fichier .</a:t>
+            </a:r>
+            <a:r>
+              <a:rPr lang="fr-FR" dirty="0" err="1"/>
+              <a:t>htaccess</a:t>
+            </a:r>
+            <a:r>
+              <a:rPr lang="fr-FR" dirty="0"/>
+              <a:t> avec le chemin absolu sur mon fichier des </a:t>
+            </a:r>
+            <a:r>
+              <a:rPr lang="fr-FR" dirty="0" err="1"/>
+              <a:t>mdp</a:t>
+            </a:r>
+            <a:r>
+              <a:rPr lang="fr-FR" dirty="0"/>
+              <a:t> + login </a:t>
+            </a:r>
+          </a:p>
+          <a:p>
+            <a:endParaRPr lang="fr-FR" dirty="0"/>
+          </a:p>
+        </p:txBody>
+      </p:sp>
       <p:sp>
         <p:nvSpPr>
           <p:cNvPr id="4" name="ZoneTexte 3">
             <a:extLst>
               <a:ext uri="{FF2B5EF4-FFF2-40B4-BE49-F238E27FC236}">
-                <a16:creationId xmlns:a16="http://schemas.microsoft.com/office/drawing/2014/main" id="{63C15B25-0680-6643-8404-70E2E53F6F2B}"/>
+                <a16:creationId xmlns:a16="http://schemas.microsoft.com/office/drawing/2014/main" id="{DAB237E0-DC7A-2142-B087-C9FA96C24443}"/>
               </a:ext>
             </a:extLst>
           </p:cNvPr>
@@ -4435,8 +4549,8 @@
         </p:nvSpPr>
         <p:spPr>
           <a:xfrm>
-            <a:off x="11406908" y="6297888"/>
-            <a:ext cx="457176" cy="369332"/>
+            <a:off x="11480799" y="6289963"/>
+            <a:ext cx="320922" cy="369332"/>
           </a:xfrm>
           <a:prstGeom prst="rect">
             <a:avLst/>
@@ -4451,7 +4565,7 @@
           <a:p>
             <a:r>
               <a:rPr lang="fr-FR" dirty="0"/>
-              <a:t>10</a:t>
+              <a:t>5</a:t>
             </a:r>
           </a:p>
         </p:txBody>
@@ -4459,7 +4573,7 @@
     </p:spTree>
     <p:extLst>
       <p:ext uri="{BB962C8B-B14F-4D97-AF65-F5344CB8AC3E}">
-        <p14:creationId xmlns:p14="http://schemas.microsoft.com/office/powerpoint/2010/main" val="2552274360"/>
+        <p14:creationId xmlns:p14="http://schemas.microsoft.com/office/powerpoint/2010/main" val="3329647417"/>
       </p:ext>
     </p:extLst>
   </p:cSld>
@@ -4491,7 +4605,7 @@
           <p:cNvPr id="2" name="Titre 1">
             <a:extLst>
               <a:ext uri="{FF2B5EF4-FFF2-40B4-BE49-F238E27FC236}">
-                <a16:creationId xmlns:a16="http://schemas.microsoft.com/office/drawing/2014/main" id="{113484F7-246E-4B4F-8622-DDF8EEDBD389}"/>
+                <a16:creationId xmlns:a16="http://schemas.microsoft.com/office/drawing/2014/main" id="{DFB0DF4F-35E7-324B-B65F-FC5443FE5A58}"/>
               </a:ext>
             </a:extLst>
           </p:cNvPr>
@@ -4509,7 +4623,7 @@
           <a:p>
             <a:r>
               <a:rPr lang="fr-FR" dirty="0"/>
-              <a:t>Difficultés rencontrées</a:t>
+              <a:t>Entretien avec le client </a:t>
             </a:r>
           </a:p>
         </p:txBody>
@@ -4519,7 +4633,7 @@
           <p:cNvPr id="3" name="Espace réservé du contenu 2">
             <a:extLst>
               <a:ext uri="{FF2B5EF4-FFF2-40B4-BE49-F238E27FC236}">
-                <a16:creationId xmlns:a16="http://schemas.microsoft.com/office/drawing/2014/main" id="{24DAE48B-6DF2-5548-9109-AE2164F4DA9B}"/>
+                <a16:creationId xmlns:a16="http://schemas.microsoft.com/office/drawing/2014/main" id="{15477CC0-CA05-F344-93E7-4BEDFEF7C8BE}"/>
               </a:ext>
             </a:extLst>
           </p:cNvPr>
@@ -4532,28 +4646,88 @@
         </p:nvSpPr>
         <p:spPr/>
         <p:txBody>
-          <a:bodyPr/>
-          <a:lstStyle/>
-          <a:p>
-            <a:r>
-              <a:rPr lang="fr-FR" dirty="0"/>
-              <a:t>Gros changement dans la base de données le vendredi avant de rendre le TPI</a:t>
-            </a:r>
-          </a:p>
-          <a:p>
-            <a:r>
-              <a:rPr lang="fr-FR" dirty="0"/>
-              <a:t>Refaire la moitié des fonctions sur le site ainsi que sur l’application mobile </a:t>
-            </a:r>
-          </a:p>
-          <a:p>
-            <a:r>
-              <a:rPr lang="fr-FR" dirty="0"/>
-              <a:t>Quantité calculée différemment pour chaque millésime </a:t>
-            </a:r>
-          </a:p>
-          <a:p>
+          <a:bodyPr>
+            <a:normAutofit/>
+          </a:bodyPr>
+          <a:lstStyle/>
+          <a:p>
+            <a:r>
+              <a:rPr lang="fr-FR" dirty="0"/>
+              <a:t>Ajout du compte du M. Louis Pache dans le fichier .</a:t>
+            </a:r>
+            <a:r>
+              <a:rPr lang="fr-FR" dirty="0" err="1"/>
+              <a:t>htpassword</a:t>
+            </a:r>
             <a:endParaRPr lang="fr-FR" dirty="0"/>
+          </a:p>
+          <a:p>
+            <a:pPr lvl="1"/>
+            <a:r>
+              <a:rPr lang="fr-FR" dirty="0"/>
+              <a:t>Il pourra se connecter dessus avec sur le site </a:t>
+            </a:r>
+          </a:p>
+          <a:p>
+            <a:r>
+              <a:rPr lang="fr-FR" dirty="0"/>
+              <a:t>Installation de </a:t>
+            </a:r>
+            <a:r>
+              <a:rPr lang="fr-FR" dirty="0" err="1"/>
+              <a:t>Ionic</a:t>
+            </a:r>
+            <a:r>
+              <a:rPr lang="fr-FR" dirty="0"/>
+              <a:t> </a:t>
+            </a:r>
+            <a:r>
+              <a:rPr lang="fr-FR" dirty="0" err="1"/>
+              <a:t>View</a:t>
+            </a:r>
+            <a:r>
+              <a:rPr lang="fr-FR" dirty="0"/>
+              <a:t> pour l’application mobile </a:t>
+            </a:r>
+          </a:p>
+          <a:p>
+            <a:pPr lvl="1"/>
+            <a:r>
+              <a:rPr lang="fr-FR" dirty="0"/>
+              <a:t>Entrer le code de l’application pour qu’il l’ait dans la liste </a:t>
+            </a:r>
+          </a:p>
+          <a:p>
+            <a:r>
+              <a:rPr lang="fr-FR" dirty="0"/>
+              <a:t>Explication du fonctionnement de l’application</a:t>
+            </a:r>
+          </a:p>
+          <a:p>
+            <a:r>
+              <a:rPr lang="fr-FR" dirty="0"/>
+              <a:t>Explication du fonctionnement du site </a:t>
+            </a:r>
+          </a:p>
+          <a:p>
+            <a:r>
+              <a:rPr lang="fr-FR" dirty="0"/>
+              <a:t>Il fera des tests avec la base de données actuels, quand il aura suffisamment pris la main sur le site et l’application je lui remettrai une BD vierge</a:t>
+            </a:r>
+          </a:p>
+          <a:p>
+            <a:r>
+              <a:rPr lang="fr-FR" dirty="0"/>
+              <a:t>Après les tests qu’il aura fait il me dira les bugs qu’il trouvera et je ferai ensuite les changements </a:t>
+            </a:r>
+            <a:r>
+              <a:rPr lang="fr-FR" dirty="0" err="1"/>
+              <a:t>adécuats</a:t>
+            </a:r>
+            <a:r>
+              <a:rPr lang="fr-FR" dirty="0"/>
+              <a:t> </a:t>
+            </a:r>
           </a:p>
         </p:txBody>
       </p:sp>
@@ -4562,7 +4736,7 @@
           <p:cNvPr id="4" name="ZoneTexte 3">
             <a:extLst>
               <a:ext uri="{FF2B5EF4-FFF2-40B4-BE49-F238E27FC236}">
-                <a16:creationId xmlns:a16="http://schemas.microsoft.com/office/drawing/2014/main" id="{1FF094D3-3976-D34E-8F62-C3C0E6D70E94}"/>
+                <a16:creationId xmlns:a16="http://schemas.microsoft.com/office/drawing/2014/main" id="{D461D988-6C99-7C4E-9800-FF4E410A7027}"/>
               </a:ext>
             </a:extLst>
           </p:cNvPr>
@@ -4571,8 +4745,8 @@
         </p:nvSpPr>
         <p:spPr>
           <a:xfrm>
-            <a:off x="11406908" y="6297888"/>
-            <a:ext cx="457176" cy="369332"/>
+            <a:off x="11480799" y="6289963"/>
+            <a:ext cx="320922" cy="369332"/>
           </a:xfrm>
           <a:prstGeom prst="rect">
             <a:avLst/>
@@ -4587,7 +4761,7 @@
           <a:p>
             <a:r>
               <a:rPr lang="fr-FR" dirty="0"/>
-              <a:t>11</a:t>
+              <a:t>6</a:t>
             </a:r>
           </a:p>
         </p:txBody>
@@ -4595,7 +4769,7 @@
     </p:spTree>
     <p:extLst>
       <p:ext uri="{BB962C8B-B14F-4D97-AF65-F5344CB8AC3E}">
-        <p14:creationId xmlns:p14="http://schemas.microsoft.com/office/powerpoint/2010/main" val="3377292038"/>
+        <p14:creationId xmlns:p14="http://schemas.microsoft.com/office/powerpoint/2010/main" val="2737234727"/>
       </p:ext>
     </p:extLst>
   </p:cSld>
@@ -4627,1287 +4801,6 @@
           <p:cNvPr id="2" name="Titre 1">
             <a:extLst>
               <a:ext uri="{FF2B5EF4-FFF2-40B4-BE49-F238E27FC236}">
-                <a16:creationId xmlns:a16="http://schemas.microsoft.com/office/drawing/2014/main" id="{F0EEA0CA-3B16-D14F-8FC8-2069CE075D37}"/>
-              </a:ext>
-            </a:extLst>
-          </p:cNvPr>
-          <p:cNvSpPr>
-            <a:spLocks noGrp="1"/>
-          </p:cNvSpPr>
-          <p:nvPr>
-            <p:ph type="title"/>
-          </p:nvPr>
-        </p:nvSpPr>
-        <p:spPr/>
-        <p:txBody>
-          <a:bodyPr/>
-          <a:lstStyle/>
-          <a:p>
-            <a:r>
-              <a:rPr lang="fr-FR" dirty="0"/>
-              <a:t>Améliorations</a:t>
-            </a:r>
-          </a:p>
-        </p:txBody>
-      </p:sp>
-      <p:sp>
-        <p:nvSpPr>
-          <p:cNvPr id="3" name="Espace réservé du contenu 2">
-            <a:extLst>
-              <a:ext uri="{FF2B5EF4-FFF2-40B4-BE49-F238E27FC236}">
-                <a16:creationId xmlns:a16="http://schemas.microsoft.com/office/drawing/2014/main" id="{04EE4C1D-CCA0-E04B-A878-8ECCE60137BF}"/>
-              </a:ext>
-            </a:extLst>
-          </p:cNvPr>
-          <p:cNvSpPr>
-            <a:spLocks noGrp="1"/>
-          </p:cNvSpPr>
-          <p:nvPr>
-            <p:ph idx="1"/>
-          </p:nvPr>
-        </p:nvSpPr>
-        <p:spPr/>
-        <p:txBody>
-          <a:bodyPr/>
-          <a:lstStyle/>
-          <a:p>
-            <a:r>
-              <a:rPr lang="fr-FR" dirty="0"/>
-              <a:t>Page permettant de créer des utilisateurs ainsi qu’un mot de passe crypté</a:t>
-            </a:r>
-          </a:p>
-          <a:p>
-            <a:r>
-              <a:rPr lang="fr-FR" dirty="0"/>
-              <a:t>Page de login sur l’application mobile </a:t>
-            </a:r>
-          </a:p>
-          <a:p>
-            <a:endParaRPr lang="fr-FR" dirty="0"/>
-          </a:p>
-          <a:p>
-            <a:endParaRPr lang="fr-FR" dirty="0"/>
-          </a:p>
-          <a:p>
-            <a:endParaRPr lang="fr-FR" dirty="0"/>
-          </a:p>
-        </p:txBody>
-      </p:sp>
-      <p:sp>
-        <p:nvSpPr>
-          <p:cNvPr id="4" name="ZoneTexte 3">
-            <a:extLst>
-              <a:ext uri="{FF2B5EF4-FFF2-40B4-BE49-F238E27FC236}">
-                <a16:creationId xmlns:a16="http://schemas.microsoft.com/office/drawing/2014/main" id="{606F2F88-F5E1-3A45-AE9A-E264E472064C}"/>
-              </a:ext>
-            </a:extLst>
-          </p:cNvPr>
-          <p:cNvSpPr txBox="1"/>
-          <p:nvPr/>
-        </p:nvSpPr>
-        <p:spPr>
-          <a:xfrm>
-            <a:off x="11406908" y="6297888"/>
-            <a:ext cx="457176" cy="369332"/>
-          </a:xfrm>
-          <a:prstGeom prst="rect">
-            <a:avLst/>
-          </a:prstGeom>
-          <a:noFill/>
-        </p:spPr>
-        <p:txBody>
-          <a:bodyPr wrap="none" rtlCol="0">
-            <a:spAutoFit/>
-          </a:bodyPr>
-          <a:lstStyle/>
-          <a:p>
-            <a:r>
-              <a:rPr lang="fr-FR" dirty="0"/>
-              <a:t>12</a:t>
-            </a:r>
-          </a:p>
-        </p:txBody>
-      </p:sp>
-    </p:spTree>
-    <p:extLst>
-      <p:ext uri="{BB962C8B-B14F-4D97-AF65-F5344CB8AC3E}">
-        <p14:creationId xmlns:p14="http://schemas.microsoft.com/office/powerpoint/2010/main" val="3966416713"/>
-      </p:ext>
-    </p:extLst>
-  </p:cSld>
-  <p:clrMapOvr>
-    <a:masterClrMapping/>
-  </p:clrMapOvr>
-</p:sld>
-</file>
-
-<file path=ppt/slides/slide13.xml><?xml version="1.0" encoding="utf-8"?>
-<p:sld xmlns:a="http://schemas.openxmlformats.org/drawingml/2006/main" xmlns:r="http://schemas.openxmlformats.org/officeDocument/2006/relationships" xmlns:p="http://schemas.openxmlformats.org/presentationml/2006/main">
-  <p:cSld>
-    <p:spTree>
-      <p:nvGrpSpPr>
-        <p:cNvPr id="1" name=""/>
-        <p:cNvGrpSpPr/>
-        <p:nvPr/>
-      </p:nvGrpSpPr>
-      <p:grpSpPr>
-        <a:xfrm>
-          <a:off x="0" y="0"/>
-          <a:ext cx="0" cy="0"/>
-          <a:chOff x="0" y="0"/>
-          <a:chExt cx="0" cy="0"/>
-        </a:xfrm>
-      </p:grpSpPr>
-      <p:sp>
-        <p:nvSpPr>
-          <p:cNvPr id="2" name="Titre 1">
-            <a:extLst>
-              <a:ext uri="{FF2B5EF4-FFF2-40B4-BE49-F238E27FC236}">
-                <a16:creationId xmlns:a16="http://schemas.microsoft.com/office/drawing/2014/main" id="{EFAF7BC5-DCD3-A14B-B2DC-605CFAE91FD0}"/>
-              </a:ext>
-            </a:extLst>
-          </p:cNvPr>
-          <p:cNvSpPr>
-            <a:spLocks noGrp="1"/>
-          </p:cNvSpPr>
-          <p:nvPr>
-            <p:ph type="title"/>
-          </p:nvPr>
-        </p:nvSpPr>
-        <p:spPr/>
-        <p:txBody>
-          <a:bodyPr/>
-          <a:lstStyle/>
-          <a:p>
-            <a:r>
-              <a:rPr lang="fr-FR" dirty="0"/>
-              <a:t>Points positifs</a:t>
-            </a:r>
-          </a:p>
-        </p:txBody>
-      </p:sp>
-      <p:sp>
-        <p:nvSpPr>
-          <p:cNvPr id="3" name="Espace réservé du contenu 2">
-            <a:extLst>
-              <a:ext uri="{FF2B5EF4-FFF2-40B4-BE49-F238E27FC236}">
-                <a16:creationId xmlns:a16="http://schemas.microsoft.com/office/drawing/2014/main" id="{6950E3C6-DEC8-D84A-B8D3-01DD72CA2F8A}"/>
-              </a:ext>
-            </a:extLst>
-          </p:cNvPr>
-          <p:cNvSpPr>
-            <a:spLocks noGrp="1"/>
-          </p:cNvSpPr>
-          <p:nvPr>
-            <p:ph idx="1"/>
-          </p:nvPr>
-        </p:nvSpPr>
-        <p:spPr/>
-        <p:txBody>
-          <a:bodyPr/>
-          <a:lstStyle/>
-          <a:p>
-            <a:r>
-              <a:rPr lang="fr-FR" dirty="0"/>
-              <a:t>Apprentissage approfondit avec </a:t>
-            </a:r>
-            <a:r>
-              <a:rPr lang="fr-FR" dirty="0" err="1"/>
-              <a:t>ionic</a:t>
-            </a:r>
-            <a:r>
-              <a:rPr lang="fr-FR" dirty="0"/>
-              <a:t> </a:t>
-            </a:r>
-          </a:p>
-          <a:p>
-            <a:r>
-              <a:rPr lang="fr-FR" dirty="0"/>
-              <a:t>Apprentissage de nouvelles fonctions en PHP</a:t>
-            </a:r>
-          </a:p>
-          <a:p>
-            <a:r>
-              <a:rPr lang="fr-FR" dirty="0"/>
-              <a:t>Le stresse pour finir tout à temps</a:t>
-            </a:r>
-          </a:p>
-          <a:p>
-            <a:r>
-              <a:rPr lang="fr-FR" dirty="0"/>
-              <a:t>Le client </a:t>
-            </a:r>
-          </a:p>
-          <a:p>
-            <a:r>
-              <a:rPr lang="fr-FR" dirty="0"/>
-              <a:t>Faire un projet concret qui sera utilisé </a:t>
-            </a:r>
-          </a:p>
-          <a:p>
-            <a:endParaRPr lang="fr-FR" dirty="0"/>
-          </a:p>
-          <a:p>
-            <a:endParaRPr lang="fr-FR" dirty="0"/>
-          </a:p>
-          <a:p>
-            <a:endParaRPr lang="fr-FR" dirty="0"/>
-          </a:p>
-          <a:p>
-            <a:endParaRPr lang="fr-FR" dirty="0"/>
-          </a:p>
-        </p:txBody>
-      </p:sp>
-      <p:sp>
-        <p:nvSpPr>
-          <p:cNvPr id="4" name="ZoneTexte 3">
-            <a:extLst>
-              <a:ext uri="{FF2B5EF4-FFF2-40B4-BE49-F238E27FC236}">
-                <a16:creationId xmlns:a16="http://schemas.microsoft.com/office/drawing/2014/main" id="{BE8C7BE7-4894-4940-9575-A47B9ECC3D90}"/>
-              </a:ext>
-            </a:extLst>
-          </p:cNvPr>
-          <p:cNvSpPr txBox="1"/>
-          <p:nvPr/>
-        </p:nvSpPr>
-        <p:spPr>
-          <a:xfrm>
-            <a:off x="11406908" y="6297888"/>
-            <a:ext cx="457176" cy="369332"/>
-          </a:xfrm>
-          <a:prstGeom prst="rect">
-            <a:avLst/>
-          </a:prstGeom>
-          <a:noFill/>
-        </p:spPr>
-        <p:txBody>
-          <a:bodyPr wrap="none" rtlCol="0">
-            <a:spAutoFit/>
-          </a:bodyPr>
-          <a:lstStyle/>
-          <a:p>
-            <a:r>
-              <a:rPr lang="fr-FR" dirty="0"/>
-              <a:t>13</a:t>
-            </a:r>
-          </a:p>
-        </p:txBody>
-      </p:sp>
-    </p:spTree>
-    <p:extLst>
-      <p:ext uri="{BB962C8B-B14F-4D97-AF65-F5344CB8AC3E}">
-        <p14:creationId xmlns:p14="http://schemas.microsoft.com/office/powerpoint/2010/main" val="4202757423"/>
-      </p:ext>
-    </p:extLst>
-  </p:cSld>
-  <p:clrMapOvr>
-    <a:masterClrMapping/>
-  </p:clrMapOvr>
-</p:sld>
-</file>
-
-<file path=ppt/slides/slide14.xml><?xml version="1.0" encoding="utf-8"?>
-<p:sld xmlns:a="http://schemas.openxmlformats.org/drawingml/2006/main" xmlns:r="http://schemas.openxmlformats.org/officeDocument/2006/relationships" xmlns:p="http://schemas.openxmlformats.org/presentationml/2006/main">
-  <p:cSld>
-    <p:spTree>
-      <p:nvGrpSpPr>
-        <p:cNvPr id="1" name=""/>
-        <p:cNvGrpSpPr/>
-        <p:nvPr/>
-      </p:nvGrpSpPr>
-      <p:grpSpPr>
-        <a:xfrm>
-          <a:off x="0" y="0"/>
-          <a:ext cx="0" cy="0"/>
-          <a:chOff x="0" y="0"/>
-          <a:chExt cx="0" cy="0"/>
-        </a:xfrm>
-      </p:grpSpPr>
-      <p:sp>
-        <p:nvSpPr>
-          <p:cNvPr id="2" name="Titre 1">
-            <a:extLst>
-              <a:ext uri="{FF2B5EF4-FFF2-40B4-BE49-F238E27FC236}">
-                <a16:creationId xmlns:a16="http://schemas.microsoft.com/office/drawing/2014/main" id="{75E1B9BB-D0F5-8740-88DE-6961715A23F3}"/>
-              </a:ext>
-            </a:extLst>
-          </p:cNvPr>
-          <p:cNvSpPr>
-            <a:spLocks noGrp="1"/>
-          </p:cNvSpPr>
-          <p:nvPr>
-            <p:ph type="title"/>
-          </p:nvPr>
-        </p:nvSpPr>
-        <p:spPr/>
-        <p:txBody>
-          <a:bodyPr/>
-          <a:lstStyle/>
-          <a:p>
-            <a:r>
-              <a:rPr lang="fr-FR" dirty="0"/>
-              <a:t>Questions ?</a:t>
-            </a:r>
-          </a:p>
-        </p:txBody>
-      </p:sp>
-      <p:sp>
-        <p:nvSpPr>
-          <p:cNvPr id="3" name="Espace réservé du contenu 2">
-            <a:extLst>
-              <a:ext uri="{FF2B5EF4-FFF2-40B4-BE49-F238E27FC236}">
-                <a16:creationId xmlns:a16="http://schemas.microsoft.com/office/drawing/2014/main" id="{6C57822B-04F7-EA40-8AA1-E9842AE8BBAA}"/>
-              </a:ext>
-            </a:extLst>
-          </p:cNvPr>
-          <p:cNvSpPr>
-            <a:spLocks noGrp="1"/>
-          </p:cNvSpPr>
-          <p:nvPr>
-            <p:ph idx="1"/>
-          </p:nvPr>
-        </p:nvSpPr>
-        <p:spPr/>
-        <p:txBody>
-          <a:bodyPr/>
-          <a:lstStyle/>
-          <a:p>
-            <a:endParaRPr lang="fr-FR"/>
-          </a:p>
-        </p:txBody>
-      </p:sp>
-      <p:sp>
-        <p:nvSpPr>
-          <p:cNvPr id="4" name="ZoneTexte 3">
-            <a:extLst>
-              <a:ext uri="{FF2B5EF4-FFF2-40B4-BE49-F238E27FC236}">
-                <a16:creationId xmlns:a16="http://schemas.microsoft.com/office/drawing/2014/main" id="{5F8F30CE-4293-2041-B7A3-B6539329FCAB}"/>
-              </a:ext>
-            </a:extLst>
-          </p:cNvPr>
-          <p:cNvSpPr txBox="1"/>
-          <p:nvPr/>
-        </p:nvSpPr>
-        <p:spPr>
-          <a:xfrm>
-            <a:off x="11406908" y="6297888"/>
-            <a:ext cx="457176" cy="369332"/>
-          </a:xfrm>
-          <a:prstGeom prst="rect">
-            <a:avLst/>
-          </a:prstGeom>
-          <a:noFill/>
-        </p:spPr>
-        <p:txBody>
-          <a:bodyPr wrap="none" rtlCol="0">
-            <a:spAutoFit/>
-          </a:bodyPr>
-          <a:lstStyle/>
-          <a:p>
-            <a:r>
-              <a:rPr lang="fr-FR" dirty="0"/>
-              <a:t>14</a:t>
-            </a:r>
-          </a:p>
-        </p:txBody>
-      </p:sp>
-    </p:spTree>
-    <p:extLst>
-      <p:ext uri="{BB962C8B-B14F-4D97-AF65-F5344CB8AC3E}">
-        <p14:creationId xmlns:p14="http://schemas.microsoft.com/office/powerpoint/2010/main" val="152265451"/>
-      </p:ext>
-    </p:extLst>
-  </p:cSld>
-  <p:clrMapOvr>
-    <a:masterClrMapping/>
-  </p:clrMapOvr>
-</p:sld>
-</file>
-
-<file path=ppt/slides/slide2.xml><?xml version="1.0" encoding="utf-8"?>
-<p:sld xmlns:a="http://schemas.openxmlformats.org/drawingml/2006/main" xmlns:r="http://schemas.openxmlformats.org/officeDocument/2006/relationships" xmlns:p="http://schemas.openxmlformats.org/presentationml/2006/main">
-  <p:cSld>
-    <p:spTree>
-      <p:nvGrpSpPr>
-        <p:cNvPr id="1" name=""/>
-        <p:cNvGrpSpPr/>
-        <p:nvPr/>
-      </p:nvGrpSpPr>
-      <p:grpSpPr>
-        <a:xfrm>
-          <a:off x="0" y="0"/>
-          <a:ext cx="0" cy="0"/>
-          <a:chOff x="0" y="0"/>
-          <a:chExt cx="0" cy="0"/>
-        </a:xfrm>
-      </p:grpSpPr>
-      <p:sp>
-        <p:nvSpPr>
-          <p:cNvPr id="2" name="Titre 1">
-            <a:extLst>
-              <a:ext uri="{FF2B5EF4-FFF2-40B4-BE49-F238E27FC236}">
-                <a16:creationId xmlns:a16="http://schemas.microsoft.com/office/drawing/2014/main" id="{152591FC-1002-5842-83F0-7D8B0E5A9D14}"/>
-              </a:ext>
-            </a:extLst>
-          </p:cNvPr>
-          <p:cNvSpPr>
-            <a:spLocks noGrp="1"/>
-          </p:cNvSpPr>
-          <p:nvPr>
-            <p:ph type="title"/>
-          </p:nvPr>
-        </p:nvSpPr>
-        <p:spPr/>
-        <p:txBody>
-          <a:bodyPr/>
-          <a:lstStyle/>
-          <a:p>
-            <a:r>
-              <a:rPr lang="fr-FR" dirty="0"/>
-              <a:t>Introduction</a:t>
-            </a:r>
-          </a:p>
-        </p:txBody>
-      </p:sp>
-      <p:sp>
-        <p:nvSpPr>
-          <p:cNvPr id="3" name="Espace réservé du contenu 2">
-            <a:extLst>
-              <a:ext uri="{FF2B5EF4-FFF2-40B4-BE49-F238E27FC236}">
-                <a16:creationId xmlns:a16="http://schemas.microsoft.com/office/drawing/2014/main" id="{1939E1C6-9CE1-3649-902D-F9F092FC4373}"/>
-              </a:ext>
-            </a:extLst>
-          </p:cNvPr>
-          <p:cNvSpPr>
-            <a:spLocks noGrp="1"/>
-          </p:cNvSpPr>
-          <p:nvPr>
-            <p:ph idx="1"/>
-          </p:nvPr>
-        </p:nvSpPr>
-        <p:spPr/>
-        <p:txBody>
-          <a:bodyPr/>
-          <a:lstStyle/>
-          <a:p>
-            <a:r>
-              <a:rPr lang="fr-FR" dirty="0"/>
-              <a:t>1 client, M. Louis Pache</a:t>
-            </a:r>
-          </a:p>
-          <a:p>
-            <a:r>
-              <a:rPr lang="fr-FR" dirty="0"/>
-              <a:t>Cercle d’Yverdon </a:t>
-            </a:r>
-          </a:p>
-          <a:p>
-            <a:r>
-              <a:rPr lang="fr-FR" dirty="0"/>
-              <a:t>Gestion de cave </a:t>
-            </a:r>
-          </a:p>
-          <a:p>
-            <a:r>
-              <a:rPr lang="fr-FR" dirty="0"/>
-              <a:t>Aide au CPNV</a:t>
-            </a:r>
-          </a:p>
-          <a:p>
-            <a:r>
-              <a:rPr lang="fr-FR" dirty="0"/>
-              <a:t>Application mobile et site web </a:t>
-            </a:r>
-          </a:p>
-          <a:p>
-            <a:r>
-              <a:rPr lang="fr-FR" dirty="0"/>
-              <a:t>Pré-TPI, site + application mobile</a:t>
-            </a:r>
-          </a:p>
-          <a:p>
-            <a:r>
-              <a:rPr lang="fr-FR" dirty="0"/>
-              <a:t>Tâche de faire ce projet</a:t>
-            </a:r>
-          </a:p>
-        </p:txBody>
-      </p:sp>
-      <p:sp>
-        <p:nvSpPr>
-          <p:cNvPr id="4" name="ZoneTexte 3">
-            <a:extLst>
-              <a:ext uri="{FF2B5EF4-FFF2-40B4-BE49-F238E27FC236}">
-                <a16:creationId xmlns:a16="http://schemas.microsoft.com/office/drawing/2014/main" id="{CE59A308-95E8-B34E-BC94-40485EE01DB6}"/>
-              </a:ext>
-            </a:extLst>
-          </p:cNvPr>
-          <p:cNvSpPr txBox="1"/>
-          <p:nvPr/>
-        </p:nvSpPr>
-        <p:spPr>
-          <a:xfrm>
-            <a:off x="11480799" y="6289963"/>
-            <a:ext cx="320922" cy="369332"/>
-          </a:xfrm>
-          <a:prstGeom prst="rect">
-            <a:avLst/>
-          </a:prstGeom>
-          <a:noFill/>
-        </p:spPr>
-        <p:txBody>
-          <a:bodyPr wrap="none" rtlCol="0">
-            <a:spAutoFit/>
-          </a:bodyPr>
-          <a:lstStyle/>
-          <a:p>
-            <a:r>
-              <a:rPr lang="fr-FR" dirty="0"/>
-              <a:t>2</a:t>
-            </a:r>
-          </a:p>
-        </p:txBody>
-      </p:sp>
-    </p:spTree>
-    <p:extLst>
-      <p:ext uri="{BB962C8B-B14F-4D97-AF65-F5344CB8AC3E}">
-        <p14:creationId xmlns:p14="http://schemas.microsoft.com/office/powerpoint/2010/main" val="1662323745"/>
-      </p:ext>
-    </p:extLst>
-  </p:cSld>
-  <p:clrMapOvr>
-    <a:masterClrMapping/>
-  </p:clrMapOvr>
-</p:sld>
-</file>
-
-<file path=ppt/slides/slide3.xml><?xml version="1.0" encoding="utf-8"?>
-<p:sld xmlns:a="http://schemas.openxmlformats.org/drawingml/2006/main" xmlns:r="http://schemas.openxmlformats.org/officeDocument/2006/relationships" xmlns:p="http://schemas.openxmlformats.org/presentationml/2006/main">
-  <p:cSld>
-    <p:spTree>
-      <p:nvGrpSpPr>
-        <p:cNvPr id="1" name=""/>
-        <p:cNvGrpSpPr/>
-        <p:nvPr/>
-      </p:nvGrpSpPr>
-      <p:grpSpPr>
-        <a:xfrm>
-          <a:off x="0" y="0"/>
-          <a:ext cx="0" cy="0"/>
-          <a:chOff x="0" y="0"/>
-          <a:chExt cx="0" cy="0"/>
-        </a:xfrm>
-      </p:grpSpPr>
-      <p:sp>
-        <p:nvSpPr>
-          <p:cNvPr id="2" name="Titre 1">
-            <a:extLst>
-              <a:ext uri="{FF2B5EF4-FFF2-40B4-BE49-F238E27FC236}">
-                <a16:creationId xmlns:a16="http://schemas.microsoft.com/office/drawing/2014/main" id="{ACD7763A-0C4E-AB40-BF95-242E25A615D2}"/>
-              </a:ext>
-            </a:extLst>
-          </p:cNvPr>
-          <p:cNvSpPr>
-            <a:spLocks noGrp="1"/>
-          </p:cNvSpPr>
-          <p:nvPr>
-            <p:ph type="title"/>
-          </p:nvPr>
-        </p:nvSpPr>
-        <p:spPr/>
-        <p:txBody>
-          <a:bodyPr/>
-          <a:lstStyle/>
-          <a:p>
-            <a:r>
-              <a:rPr lang="fr-FR" dirty="0"/>
-              <a:t>Gestion de la cave</a:t>
-            </a:r>
-          </a:p>
-        </p:txBody>
-      </p:sp>
-      <p:pic>
-        <p:nvPicPr>
-          <p:cNvPr id="5" name="Espace réservé du contenu 4">
-            <a:extLst>
-              <a:ext uri="{FF2B5EF4-FFF2-40B4-BE49-F238E27FC236}">
-                <a16:creationId xmlns:a16="http://schemas.microsoft.com/office/drawing/2014/main" id="{B229CE2C-2A87-1441-9757-97E10BD393B4}"/>
-              </a:ext>
-            </a:extLst>
-          </p:cNvPr>
-          <p:cNvPicPr>
-            <a:picLocks noGrp="1" noChangeAspect="1"/>
-          </p:cNvPicPr>
-          <p:nvPr>
-            <p:ph idx="1"/>
-          </p:nvPr>
-        </p:nvPicPr>
-        <p:blipFill rotWithShape="1">
-          <a:blip r:embed="rId2"/>
-          <a:srcRect l="5176" t="7554" r="9915" b="5755"/>
-          <a:stretch/>
-        </p:blipFill>
-        <p:spPr>
-          <a:xfrm rot="5400000">
-            <a:off x="5827392" y="804317"/>
-            <a:ext cx="6866434" cy="5257800"/>
-          </a:xfrm>
-        </p:spPr>
-      </p:pic>
-      <p:sp>
-        <p:nvSpPr>
-          <p:cNvPr id="6" name="ZoneTexte 5">
-            <a:extLst>
-              <a:ext uri="{FF2B5EF4-FFF2-40B4-BE49-F238E27FC236}">
-                <a16:creationId xmlns:a16="http://schemas.microsoft.com/office/drawing/2014/main" id="{FEF48E5C-53E8-7348-8E84-854C2A70E082}"/>
-              </a:ext>
-            </a:extLst>
-          </p:cNvPr>
-          <p:cNvSpPr txBox="1"/>
-          <p:nvPr/>
-        </p:nvSpPr>
-        <p:spPr>
-          <a:xfrm>
-            <a:off x="1069848" y="2909997"/>
-            <a:ext cx="4102516" cy="523220"/>
-          </a:xfrm>
-          <a:prstGeom prst="rect">
-            <a:avLst/>
-          </a:prstGeom>
-          <a:noFill/>
-        </p:spPr>
-        <p:txBody>
-          <a:bodyPr wrap="square" rtlCol="0">
-            <a:spAutoFit/>
-          </a:bodyPr>
-          <a:lstStyle/>
-          <a:p>
-            <a:pPr marL="457200" indent="-457200">
-              <a:buFont typeface="Arial" panose="020B0604020202020204" pitchFamily="34" charset="0"/>
-              <a:buChar char="•"/>
-            </a:pPr>
-            <a:r>
-              <a:rPr lang="fr-FR" sz="2800" dirty="0"/>
-              <a:t>Ancienne méthode</a:t>
-            </a:r>
-          </a:p>
-        </p:txBody>
-      </p:sp>
-    </p:spTree>
-    <p:extLst>
-      <p:ext uri="{BB962C8B-B14F-4D97-AF65-F5344CB8AC3E}">
-        <p14:creationId xmlns:p14="http://schemas.microsoft.com/office/powerpoint/2010/main" val="3437800917"/>
-      </p:ext>
-    </p:extLst>
-  </p:cSld>
-  <p:clrMapOvr>
-    <a:masterClrMapping/>
-  </p:clrMapOvr>
-</p:sld>
-</file>
-
-<file path=ppt/slides/slide4.xml><?xml version="1.0" encoding="utf-8"?>
-<p:sld xmlns:a="http://schemas.openxmlformats.org/drawingml/2006/main" xmlns:r="http://schemas.openxmlformats.org/officeDocument/2006/relationships" xmlns:p="http://schemas.openxmlformats.org/presentationml/2006/main">
-  <p:cSld>
-    <p:spTree>
-      <p:nvGrpSpPr>
-        <p:cNvPr id="1" name=""/>
-        <p:cNvGrpSpPr/>
-        <p:nvPr/>
-      </p:nvGrpSpPr>
-      <p:grpSpPr>
-        <a:xfrm>
-          <a:off x="0" y="0"/>
-          <a:ext cx="0" cy="0"/>
-          <a:chOff x="0" y="0"/>
-          <a:chExt cx="0" cy="0"/>
-        </a:xfrm>
-      </p:grpSpPr>
-      <p:sp>
-        <p:nvSpPr>
-          <p:cNvPr id="2" name="Titre 1">
-            <a:extLst>
-              <a:ext uri="{FF2B5EF4-FFF2-40B4-BE49-F238E27FC236}">
-                <a16:creationId xmlns:a16="http://schemas.microsoft.com/office/drawing/2014/main" id="{8291E58B-1C17-7F4A-812A-153FC31E9A54}"/>
-              </a:ext>
-            </a:extLst>
-          </p:cNvPr>
-          <p:cNvSpPr>
-            <a:spLocks noGrp="1"/>
-          </p:cNvSpPr>
-          <p:nvPr>
-            <p:ph type="title"/>
-          </p:nvPr>
-        </p:nvSpPr>
-        <p:spPr/>
-        <p:txBody>
-          <a:bodyPr/>
-          <a:lstStyle/>
-          <a:p>
-            <a:r>
-              <a:rPr lang="fr-FR" dirty="0"/>
-              <a:t>Mise en production </a:t>
-            </a:r>
-          </a:p>
-        </p:txBody>
-      </p:sp>
-      <p:sp>
-        <p:nvSpPr>
-          <p:cNvPr id="3" name="Espace réservé du contenu 2">
-            <a:extLst>
-              <a:ext uri="{FF2B5EF4-FFF2-40B4-BE49-F238E27FC236}">
-                <a16:creationId xmlns:a16="http://schemas.microsoft.com/office/drawing/2014/main" id="{62C846C1-C67B-364F-B695-0D4C539580A7}"/>
-              </a:ext>
-            </a:extLst>
-          </p:cNvPr>
-          <p:cNvSpPr>
-            <a:spLocks noGrp="1"/>
-          </p:cNvSpPr>
-          <p:nvPr>
-            <p:ph idx="1"/>
-          </p:nvPr>
-        </p:nvSpPr>
-        <p:spPr/>
-        <p:txBody>
-          <a:bodyPr/>
-          <a:lstStyle/>
-          <a:p>
-            <a:r>
-              <a:rPr lang="fr-FR" dirty="0"/>
-              <a:t>Ce qui était convenu avec le client c’est qu’on ne devait pas gérer les logins sur le site, vu qu’ils ont déjà un système de login sur le site. </a:t>
-            </a:r>
-          </a:p>
-          <a:p>
-            <a:r>
-              <a:rPr lang="fr-FR" dirty="0"/>
-              <a:t>Vu que le webmaster n’était pas au courant de ça j’ai créé une protection avec un fichier .</a:t>
-            </a:r>
-            <a:r>
-              <a:rPr lang="fr-FR" dirty="0" err="1"/>
-              <a:t>htaccess</a:t>
-            </a:r>
-            <a:r>
-              <a:rPr lang="fr-FR" dirty="0"/>
-              <a:t> qui demande un login + </a:t>
-            </a:r>
-            <a:r>
-              <a:rPr lang="fr-FR" dirty="0" err="1"/>
-              <a:t>mdp</a:t>
-            </a:r>
-            <a:r>
-              <a:rPr lang="fr-FR" dirty="0"/>
-              <a:t> qui sont stockés dans le fichier .</a:t>
-            </a:r>
-            <a:r>
-              <a:rPr lang="fr-FR" dirty="0" err="1"/>
-              <a:t>htpassword</a:t>
-            </a:r>
-            <a:r>
-              <a:rPr lang="fr-FR" dirty="0"/>
-              <a:t> lorsqu’on arrive sur ma partie du site.</a:t>
-            </a:r>
-          </a:p>
-        </p:txBody>
-      </p:sp>
-      <p:sp>
-        <p:nvSpPr>
-          <p:cNvPr id="4" name="ZoneTexte 3">
-            <a:extLst>
-              <a:ext uri="{FF2B5EF4-FFF2-40B4-BE49-F238E27FC236}">
-                <a16:creationId xmlns:a16="http://schemas.microsoft.com/office/drawing/2014/main" id="{3D95E02C-40C9-E14E-981E-D63D89649598}"/>
-              </a:ext>
-            </a:extLst>
-          </p:cNvPr>
-          <p:cNvSpPr txBox="1"/>
-          <p:nvPr/>
-        </p:nvSpPr>
-        <p:spPr>
-          <a:xfrm>
-            <a:off x="11480799" y="6289963"/>
-            <a:ext cx="320922" cy="369332"/>
-          </a:xfrm>
-          <a:prstGeom prst="rect">
-            <a:avLst/>
-          </a:prstGeom>
-          <a:noFill/>
-        </p:spPr>
-        <p:txBody>
-          <a:bodyPr wrap="none" rtlCol="0">
-            <a:spAutoFit/>
-          </a:bodyPr>
-          <a:lstStyle/>
-          <a:p>
-            <a:r>
-              <a:rPr lang="fr-FR" dirty="0"/>
-              <a:t>4</a:t>
-            </a:r>
-          </a:p>
-        </p:txBody>
-      </p:sp>
-    </p:spTree>
-    <p:extLst>
-      <p:ext uri="{BB962C8B-B14F-4D97-AF65-F5344CB8AC3E}">
-        <p14:creationId xmlns:p14="http://schemas.microsoft.com/office/powerpoint/2010/main" val="1776768230"/>
-      </p:ext>
-    </p:extLst>
-  </p:cSld>
-  <p:clrMapOvr>
-    <a:masterClrMapping/>
-  </p:clrMapOvr>
-</p:sld>
-</file>
-
-<file path=ppt/slides/slide5.xml><?xml version="1.0" encoding="utf-8"?>
-<p:sld xmlns:a="http://schemas.openxmlformats.org/drawingml/2006/main" xmlns:r="http://schemas.openxmlformats.org/officeDocument/2006/relationships" xmlns:p="http://schemas.openxmlformats.org/presentationml/2006/main">
-  <p:cSld>
-    <p:spTree>
-      <p:nvGrpSpPr>
-        <p:cNvPr id="1" name=""/>
-        <p:cNvGrpSpPr/>
-        <p:nvPr/>
-      </p:nvGrpSpPr>
-      <p:grpSpPr>
-        <a:xfrm>
-          <a:off x="0" y="0"/>
-          <a:ext cx="0" cy="0"/>
-          <a:chOff x="0" y="0"/>
-          <a:chExt cx="0" cy="0"/>
-        </a:xfrm>
-      </p:grpSpPr>
-      <p:sp>
-        <p:nvSpPr>
-          <p:cNvPr id="2" name="Titre 1">
-            <a:extLst>
-              <a:ext uri="{FF2B5EF4-FFF2-40B4-BE49-F238E27FC236}">
-                <a16:creationId xmlns:a16="http://schemas.microsoft.com/office/drawing/2014/main" id="{20C5F73D-F677-7341-8DE8-52EF740466AA}"/>
-              </a:ext>
-            </a:extLst>
-          </p:cNvPr>
-          <p:cNvSpPr>
-            <a:spLocks noGrp="1"/>
-          </p:cNvSpPr>
-          <p:nvPr>
-            <p:ph type="title"/>
-          </p:nvPr>
-        </p:nvSpPr>
-        <p:spPr/>
-        <p:txBody>
-          <a:bodyPr/>
-          <a:lstStyle/>
-          <a:p>
-            <a:r>
-              <a:rPr lang="fr-FR" dirty="0"/>
-              <a:t>Mise en production </a:t>
-            </a:r>
-          </a:p>
-        </p:txBody>
-      </p:sp>
-      <p:sp>
-        <p:nvSpPr>
-          <p:cNvPr id="3" name="Espace réservé du contenu 2">
-            <a:extLst>
-              <a:ext uri="{FF2B5EF4-FFF2-40B4-BE49-F238E27FC236}">
-                <a16:creationId xmlns:a16="http://schemas.microsoft.com/office/drawing/2014/main" id="{E76336E2-2F50-3E45-B944-ABFC072AD902}"/>
-              </a:ext>
-            </a:extLst>
-          </p:cNvPr>
-          <p:cNvSpPr>
-            <a:spLocks noGrp="1"/>
-          </p:cNvSpPr>
-          <p:nvPr>
-            <p:ph idx="1"/>
-          </p:nvPr>
-        </p:nvSpPr>
-        <p:spPr/>
-        <p:txBody>
-          <a:bodyPr>
-            <a:normAutofit/>
-          </a:bodyPr>
-          <a:lstStyle/>
-          <a:p>
-            <a:r>
-              <a:rPr lang="fr-FR" dirty="0"/>
-              <a:t>Problème avec le fichier .</a:t>
-            </a:r>
-            <a:r>
-              <a:rPr lang="fr-FR" dirty="0" err="1"/>
-              <a:t>htaccess</a:t>
-            </a:r>
-            <a:endParaRPr lang="fr-FR" dirty="0"/>
-          </a:p>
-          <a:p>
-            <a:r>
-              <a:rPr lang="fr-FR" dirty="0"/>
-              <a:t>J’ai mis les chemins comme on nous avait appris en cours d’apache</a:t>
-            </a:r>
-          </a:p>
-          <a:p>
-            <a:r>
-              <a:rPr lang="fr-FR" dirty="0"/>
-              <a:t>En regardant la documentation sur Infomaniak j’ai vu qu’il fallait mettre le chemin absolu vers le fichier où sont stockés les logins </a:t>
-            </a:r>
-          </a:p>
-          <a:p>
-            <a:r>
-              <a:rPr lang="fr-FR" dirty="0"/>
-              <a:t>J’ai dû connaître le chemin absolu de mon dossier avec une fonction </a:t>
-            </a:r>
-            <a:r>
-              <a:rPr lang="fr-FR" dirty="0" err="1"/>
-              <a:t>php</a:t>
-            </a:r>
-            <a:r>
-              <a:rPr lang="fr-FR" dirty="0"/>
-              <a:t> : </a:t>
-            </a:r>
-            <a:r>
-              <a:rPr lang="fr-CH" dirty="0" err="1"/>
-              <a:t>echo</a:t>
-            </a:r>
-            <a:r>
-              <a:rPr lang="fr-CH" dirty="0"/>
-              <a:t> </a:t>
-            </a:r>
-            <a:r>
-              <a:rPr lang="fr-CH" dirty="0" err="1"/>
-              <a:t>realpath</a:t>
-            </a:r>
-            <a:r>
-              <a:rPr lang="fr-CH" dirty="0"/>
-              <a:t>('</a:t>
-            </a:r>
-            <a:r>
-              <a:rPr lang="fr-CH" dirty="0" err="1"/>
-              <a:t>path.php</a:t>
-            </a:r>
-            <a:r>
-              <a:rPr lang="fr-CH" dirty="0"/>
-              <a:t>’);</a:t>
-            </a:r>
-          </a:p>
-          <a:p>
-            <a:r>
-              <a:rPr lang="fr-FR" dirty="0"/>
-              <a:t>Ensuite j’ai dû créer le mot de passe crypté : </a:t>
-            </a:r>
-            <a:r>
-              <a:rPr lang="fr-CH" dirty="0" err="1"/>
-              <a:t>echo</a:t>
-            </a:r>
-            <a:r>
-              <a:rPr lang="fr-CH" dirty="0"/>
-              <a:t> </a:t>
-            </a:r>
-            <a:r>
-              <a:rPr lang="fr-CH" dirty="0" err="1"/>
-              <a:t>crypt</a:t>
-            </a:r>
-            <a:r>
-              <a:rPr lang="fr-CH" dirty="0"/>
-              <a:t>('</a:t>
-            </a:r>
-            <a:r>
-              <a:rPr lang="fr-CH" dirty="0" err="1"/>
-              <a:t>mdp</a:t>
-            </a:r>
-            <a:r>
-              <a:rPr lang="fr-CH" dirty="0"/>
-              <a:t>’);</a:t>
-            </a:r>
-          </a:p>
-          <a:p>
-            <a:r>
-              <a:rPr lang="fr-FR" dirty="0"/>
-              <a:t>Créer le fichier .</a:t>
-            </a:r>
-            <a:r>
-              <a:rPr lang="fr-FR" dirty="0" err="1"/>
-              <a:t>htaccess</a:t>
-            </a:r>
-            <a:r>
-              <a:rPr lang="fr-FR" dirty="0"/>
-              <a:t> avec le chemin absolu sur mon fichier des </a:t>
-            </a:r>
-            <a:r>
-              <a:rPr lang="fr-FR" dirty="0" err="1"/>
-              <a:t>mdp</a:t>
-            </a:r>
-            <a:r>
-              <a:rPr lang="fr-FR" dirty="0"/>
-              <a:t> + login </a:t>
-            </a:r>
-          </a:p>
-          <a:p>
-            <a:endParaRPr lang="fr-FR" dirty="0"/>
-          </a:p>
-        </p:txBody>
-      </p:sp>
-      <p:sp>
-        <p:nvSpPr>
-          <p:cNvPr id="4" name="ZoneTexte 3">
-            <a:extLst>
-              <a:ext uri="{FF2B5EF4-FFF2-40B4-BE49-F238E27FC236}">
-                <a16:creationId xmlns:a16="http://schemas.microsoft.com/office/drawing/2014/main" id="{DAB237E0-DC7A-2142-B087-C9FA96C24443}"/>
-              </a:ext>
-            </a:extLst>
-          </p:cNvPr>
-          <p:cNvSpPr txBox="1"/>
-          <p:nvPr/>
-        </p:nvSpPr>
-        <p:spPr>
-          <a:xfrm>
-            <a:off x="11480799" y="6289963"/>
-            <a:ext cx="320922" cy="369332"/>
-          </a:xfrm>
-          <a:prstGeom prst="rect">
-            <a:avLst/>
-          </a:prstGeom>
-          <a:noFill/>
-        </p:spPr>
-        <p:txBody>
-          <a:bodyPr wrap="none" rtlCol="0">
-            <a:spAutoFit/>
-          </a:bodyPr>
-          <a:lstStyle/>
-          <a:p>
-            <a:r>
-              <a:rPr lang="fr-FR" dirty="0"/>
-              <a:t>5</a:t>
-            </a:r>
-          </a:p>
-        </p:txBody>
-      </p:sp>
-    </p:spTree>
-    <p:extLst>
-      <p:ext uri="{BB962C8B-B14F-4D97-AF65-F5344CB8AC3E}">
-        <p14:creationId xmlns:p14="http://schemas.microsoft.com/office/powerpoint/2010/main" val="3329647417"/>
-      </p:ext>
-    </p:extLst>
-  </p:cSld>
-  <p:clrMapOvr>
-    <a:masterClrMapping/>
-  </p:clrMapOvr>
-</p:sld>
-</file>
-
-<file path=ppt/slides/slide6.xml><?xml version="1.0" encoding="utf-8"?>
-<p:sld xmlns:a="http://schemas.openxmlformats.org/drawingml/2006/main" xmlns:r="http://schemas.openxmlformats.org/officeDocument/2006/relationships" xmlns:p="http://schemas.openxmlformats.org/presentationml/2006/main">
-  <p:cSld>
-    <p:spTree>
-      <p:nvGrpSpPr>
-        <p:cNvPr id="1" name=""/>
-        <p:cNvGrpSpPr/>
-        <p:nvPr/>
-      </p:nvGrpSpPr>
-      <p:grpSpPr>
-        <a:xfrm>
-          <a:off x="0" y="0"/>
-          <a:ext cx="0" cy="0"/>
-          <a:chOff x="0" y="0"/>
-          <a:chExt cx="0" cy="0"/>
-        </a:xfrm>
-      </p:grpSpPr>
-      <p:sp>
-        <p:nvSpPr>
-          <p:cNvPr id="2" name="Titre 1">
-            <a:extLst>
-              <a:ext uri="{FF2B5EF4-FFF2-40B4-BE49-F238E27FC236}">
-                <a16:creationId xmlns:a16="http://schemas.microsoft.com/office/drawing/2014/main" id="{DFB0DF4F-35E7-324B-B65F-FC5443FE5A58}"/>
-              </a:ext>
-            </a:extLst>
-          </p:cNvPr>
-          <p:cNvSpPr>
-            <a:spLocks noGrp="1"/>
-          </p:cNvSpPr>
-          <p:nvPr>
-            <p:ph type="title"/>
-          </p:nvPr>
-        </p:nvSpPr>
-        <p:spPr/>
-        <p:txBody>
-          <a:bodyPr/>
-          <a:lstStyle/>
-          <a:p>
-            <a:r>
-              <a:rPr lang="fr-FR" dirty="0"/>
-              <a:t>Entretien avec le client </a:t>
-            </a:r>
-          </a:p>
-        </p:txBody>
-      </p:sp>
-      <p:sp>
-        <p:nvSpPr>
-          <p:cNvPr id="3" name="Espace réservé du contenu 2">
-            <a:extLst>
-              <a:ext uri="{FF2B5EF4-FFF2-40B4-BE49-F238E27FC236}">
-                <a16:creationId xmlns:a16="http://schemas.microsoft.com/office/drawing/2014/main" id="{15477CC0-CA05-F344-93E7-4BEDFEF7C8BE}"/>
-              </a:ext>
-            </a:extLst>
-          </p:cNvPr>
-          <p:cNvSpPr>
-            <a:spLocks noGrp="1"/>
-          </p:cNvSpPr>
-          <p:nvPr>
-            <p:ph idx="1"/>
-          </p:nvPr>
-        </p:nvSpPr>
-        <p:spPr/>
-        <p:txBody>
-          <a:bodyPr>
-            <a:normAutofit/>
-          </a:bodyPr>
-          <a:lstStyle/>
-          <a:p>
-            <a:r>
-              <a:rPr lang="fr-FR" dirty="0"/>
-              <a:t>Ajout du compte du M. Louis Pache dans le fichier .</a:t>
-            </a:r>
-            <a:r>
-              <a:rPr lang="fr-FR" dirty="0" err="1"/>
-              <a:t>htpassword</a:t>
-            </a:r>
-            <a:endParaRPr lang="fr-FR" dirty="0"/>
-          </a:p>
-          <a:p>
-            <a:pPr lvl="1"/>
-            <a:r>
-              <a:rPr lang="fr-FR" dirty="0"/>
-              <a:t>Il pourra se connecter dessus avec sur le site </a:t>
-            </a:r>
-          </a:p>
-          <a:p>
-            <a:r>
-              <a:rPr lang="fr-FR" dirty="0"/>
-              <a:t>Installation de </a:t>
-            </a:r>
-            <a:r>
-              <a:rPr lang="fr-FR" dirty="0" err="1"/>
-              <a:t>Ionic</a:t>
-            </a:r>
-            <a:r>
-              <a:rPr lang="fr-FR" dirty="0"/>
-              <a:t> </a:t>
-            </a:r>
-            <a:r>
-              <a:rPr lang="fr-FR" dirty="0" err="1"/>
-              <a:t>View</a:t>
-            </a:r>
-            <a:r>
-              <a:rPr lang="fr-FR" dirty="0"/>
-              <a:t> pour l’application mobile </a:t>
-            </a:r>
-          </a:p>
-          <a:p>
-            <a:pPr lvl="1"/>
-            <a:r>
-              <a:rPr lang="fr-FR" dirty="0"/>
-              <a:t>Entrer le code de l’application pour qu’il l’ait dans la liste </a:t>
-            </a:r>
-          </a:p>
-          <a:p>
-            <a:r>
-              <a:rPr lang="fr-FR" dirty="0"/>
-              <a:t>Explication du fonctionnement de l’application</a:t>
-            </a:r>
-          </a:p>
-          <a:p>
-            <a:r>
-              <a:rPr lang="fr-FR" dirty="0"/>
-              <a:t>Explication du fonctionnement du site </a:t>
-            </a:r>
-          </a:p>
-          <a:p>
-            <a:r>
-              <a:rPr lang="fr-FR" dirty="0"/>
-              <a:t>Il fera des tests avec la base de données actuels, quand il aura suffisamment pris la main sur le site et l’application je lui remettrai une BD vierge</a:t>
-            </a:r>
-          </a:p>
-          <a:p>
-            <a:r>
-              <a:rPr lang="fr-FR" dirty="0"/>
-              <a:t>Après les tests qu’il aura fait il me dira les bugs qu’il trouvera et je ferai ensuite les changements </a:t>
-            </a:r>
-            <a:r>
-              <a:rPr lang="fr-FR" dirty="0" err="1"/>
-              <a:t>adécuats</a:t>
-            </a:r>
-            <a:r>
-              <a:rPr lang="fr-FR" dirty="0"/>
-              <a:t> </a:t>
-            </a:r>
-          </a:p>
-        </p:txBody>
-      </p:sp>
-      <p:sp>
-        <p:nvSpPr>
-          <p:cNvPr id="4" name="ZoneTexte 3">
-            <a:extLst>
-              <a:ext uri="{FF2B5EF4-FFF2-40B4-BE49-F238E27FC236}">
-                <a16:creationId xmlns:a16="http://schemas.microsoft.com/office/drawing/2014/main" id="{D461D988-6C99-7C4E-9800-FF4E410A7027}"/>
-              </a:ext>
-            </a:extLst>
-          </p:cNvPr>
-          <p:cNvSpPr txBox="1"/>
-          <p:nvPr/>
-        </p:nvSpPr>
-        <p:spPr>
-          <a:xfrm>
-            <a:off x="11480799" y="6289963"/>
-            <a:ext cx="320922" cy="369332"/>
-          </a:xfrm>
-          <a:prstGeom prst="rect">
-            <a:avLst/>
-          </a:prstGeom>
-          <a:noFill/>
-        </p:spPr>
-        <p:txBody>
-          <a:bodyPr wrap="none" rtlCol="0">
-            <a:spAutoFit/>
-          </a:bodyPr>
-          <a:lstStyle/>
-          <a:p>
-            <a:r>
-              <a:rPr lang="fr-FR" dirty="0"/>
-              <a:t>6</a:t>
-            </a:r>
-          </a:p>
-        </p:txBody>
-      </p:sp>
-    </p:spTree>
-    <p:extLst>
-      <p:ext uri="{BB962C8B-B14F-4D97-AF65-F5344CB8AC3E}">
-        <p14:creationId xmlns:p14="http://schemas.microsoft.com/office/powerpoint/2010/main" val="2737234727"/>
-      </p:ext>
-    </p:extLst>
-  </p:cSld>
-  <p:clrMapOvr>
-    <a:masterClrMapping/>
-  </p:clrMapOvr>
-</p:sld>
-</file>
-
-<file path=ppt/slides/slide7.xml><?xml version="1.0" encoding="utf-8"?>
-<p:sld xmlns:a="http://schemas.openxmlformats.org/drawingml/2006/main" xmlns:r="http://schemas.openxmlformats.org/officeDocument/2006/relationships" xmlns:p="http://schemas.openxmlformats.org/presentationml/2006/main">
-  <p:cSld>
-    <p:spTree>
-      <p:nvGrpSpPr>
-        <p:cNvPr id="1" name=""/>
-        <p:cNvGrpSpPr/>
-        <p:nvPr/>
-      </p:nvGrpSpPr>
-      <p:grpSpPr>
-        <a:xfrm>
-          <a:off x="0" y="0"/>
-          <a:ext cx="0" cy="0"/>
-          <a:chOff x="0" y="0"/>
-          <a:chExt cx="0" cy="0"/>
-        </a:xfrm>
-      </p:grpSpPr>
-      <p:sp>
-        <p:nvSpPr>
-          <p:cNvPr id="2" name="Titre 1">
-            <a:extLst>
-              <a:ext uri="{FF2B5EF4-FFF2-40B4-BE49-F238E27FC236}">
                 <a16:creationId xmlns:a16="http://schemas.microsoft.com/office/drawing/2014/main" id="{DEDF04B0-5015-C243-8D07-5B2CAB4B33AA}"/>
               </a:ext>
             </a:extLst>
@@ -6013,7 +4906,7 @@
 </p:sld>
 </file>
 
-<file path=ppt/slides/slide8.xml><?xml version="1.0" encoding="utf-8"?>
+<file path=ppt/slides/slide13.xml><?xml version="1.0" encoding="utf-8"?>
 <p:sld xmlns:a="http://schemas.openxmlformats.org/drawingml/2006/main" xmlns:r="http://schemas.openxmlformats.org/officeDocument/2006/relationships" xmlns:p="http://schemas.openxmlformats.org/presentationml/2006/main">
   <p:cSld>
     <p:spTree>
@@ -6229,7 +5122,7 @@
 </p:sld>
 </file>
 
-<file path=ppt/slides/slide9.xml><?xml version="1.0" encoding="utf-8"?>
+<file path=ppt/slides/slide14.xml><?xml version="1.0" encoding="utf-8"?>
 <p:sld xmlns:a="http://schemas.openxmlformats.org/drawingml/2006/main" xmlns:r="http://schemas.openxmlformats.org/officeDocument/2006/relationships" xmlns:p="http://schemas.openxmlformats.org/presentationml/2006/main">
   <p:cSld>
     <p:spTree>
@@ -6441,6 +5334,2775 @@
     <p:extLst>
       <p:ext uri="{BB962C8B-B14F-4D97-AF65-F5344CB8AC3E}">
         <p14:creationId xmlns:p14="http://schemas.microsoft.com/office/powerpoint/2010/main" val="4091710115"/>
+      </p:ext>
+    </p:extLst>
+  </p:cSld>
+  <p:clrMapOvr>
+    <a:masterClrMapping/>
+  </p:clrMapOvr>
+</p:sld>
+</file>
+
+<file path=ppt/slides/slide15.xml><?xml version="1.0" encoding="utf-8"?>
+<p:sld xmlns:a="http://schemas.openxmlformats.org/drawingml/2006/main" xmlns:r="http://schemas.openxmlformats.org/officeDocument/2006/relationships" xmlns:p="http://schemas.openxmlformats.org/presentationml/2006/main">
+  <p:cSld>
+    <p:spTree>
+      <p:nvGrpSpPr>
+        <p:cNvPr id="1" name=""/>
+        <p:cNvGrpSpPr/>
+        <p:nvPr/>
+      </p:nvGrpSpPr>
+      <p:grpSpPr>
+        <a:xfrm>
+          <a:off x="0" y="0"/>
+          <a:ext cx="0" cy="0"/>
+          <a:chOff x="0" y="0"/>
+          <a:chExt cx="0" cy="0"/>
+        </a:xfrm>
+      </p:grpSpPr>
+      <p:sp>
+        <p:nvSpPr>
+          <p:cNvPr id="2" name="Titre 1">
+            <a:extLst>
+              <a:ext uri="{FF2B5EF4-FFF2-40B4-BE49-F238E27FC236}">
+                <a16:creationId xmlns:a16="http://schemas.microsoft.com/office/drawing/2014/main" id="{9B8AD4FD-586B-BE4F-998B-B7E4791A1369}"/>
+              </a:ext>
+            </a:extLst>
+          </p:cNvPr>
+          <p:cNvSpPr>
+            <a:spLocks noGrp="1"/>
+          </p:cNvSpPr>
+          <p:nvPr>
+            <p:ph type="title"/>
+          </p:nvPr>
+        </p:nvSpPr>
+        <p:spPr/>
+        <p:txBody>
+          <a:bodyPr/>
+          <a:lstStyle/>
+          <a:p>
+            <a:endParaRPr lang="fr-FR"/>
+          </a:p>
+        </p:txBody>
+      </p:sp>
+      <p:pic>
+        <p:nvPicPr>
+          <p:cNvPr id="5" name="Espace réservé du contenu 4">
+            <a:extLst>
+              <a:ext uri="{FF2B5EF4-FFF2-40B4-BE49-F238E27FC236}">
+                <a16:creationId xmlns:a16="http://schemas.microsoft.com/office/drawing/2014/main" id="{A15FD77F-FB94-9647-B51F-9460DAB4FAFA}"/>
+              </a:ext>
+            </a:extLst>
+          </p:cNvPr>
+          <p:cNvPicPr>
+            <a:picLocks noGrp="1" noChangeAspect="1"/>
+          </p:cNvPicPr>
+          <p:nvPr>
+            <p:ph idx="1"/>
+          </p:nvPr>
+        </p:nvPicPr>
+        <p:blipFill>
+          <a:blip r:embed="rId2"/>
+          <a:stretch>
+            <a:fillRect/>
+          </a:stretch>
+        </p:blipFill>
+        <p:spPr>
+          <a:xfrm>
+            <a:off x="4355561" y="291233"/>
+            <a:ext cx="3480877" cy="6191321"/>
+          </a:xfrm>
+        </p:spPr>
+      </p:pic>
+      <p:sp>
+        <p:nvSpPr>
+          <p:cNvPr id="4" name="ZoneTexte 3">
+            <a:extLst>
+              <a:ext uri="{FF2B5EF4-FFF2-40B4-BE49-F238E27FC236}">
+                <a16:creationId xmlns:a16="http://schemas.microsoft.com/office/drawing/2014/main" id="{63C15B25-0680-6643-8404-70E2E53F6F2B}"/>
+              </a:ext>
+            </a:extLst>
+          </p:cNvPr>
+          <p:cNvSpPr txBox="1"/>
+          <p:nvPr/>
+        </p:nvSpPr>
+        <p:spPr>
+          <a:xfrm>
+            <a:off x="11406908" y="6297888"/>
+            <a:ext cx="457176" cy="369332"/>
+          </a:xfrm>
+          <a:prstGeom prst="rect">
+            <a:avLst/>
+          </a:prstGeom>
+          <a:noFill/>
+        </p:spPr>
+        <p:txBody>
+          <a:bodyPr wrap="none" rtlCol="0">
+            <a:spAutoFit/>
+          </a:bodyPr>
+          <a:lstStyle/>
+          <a:p>
+            <a:r>
+              <a:rPr lang="fr-FR" dirty="0"/>
+              <a:t>10</a:t>
+            </a:r>
+          </a:p>
+        </p:txBody>
+      </p:sp>
+    </p:spTree>
+    <p:extLst>
+      <p:ext uri="{BB962C8B-B14F-4D97-AF65-F5344CB8AC3E}">
+        <p14:creationId xmlns:p14="http://schemas.microsoft.com/office/powerpoint/2010/main" val="2552274360"/>
+      </p:ext>
+    </p:extLst>
+  </p:cSld>
+  <p:clrMapOvr>
+    <a:masterClrMapping/>
+  </p:clrMapOvr>
+</p:sld>
+</file>
+
+<file path=ppt/slides/slide16.xml><?xml version="1.0" encoding="utf-8"?>
+<p:sld xmlns:a="http://schemas.openxmlformats.org/drawingml/2006/main" xmlns:r="http://schemas.openxmlformats.org/officeDocument/2006/relationships" xmlns:p="http://schemas.openxmlformats.org/presentationml/2006/main">
+  <p:cSld>
+    <p:spTree>
+      <p:nvGrpSpPr>
+        <p:cNvPr id="1" name=""/>
+        <p:cNvGrpSpPr/>
+        <p:nvPr/>
+      </p:nvGrpSpPr>
+      <p:grpSpPr>
+        <a:xfrm>
+          <a:off x="0" y="0"/>
+          <a:ext cx="0" cy="0"/>
+          <a:chOff x="0" y="0"/>
+          <a:chExt cx="0" cy="0"/>
+        </a:xfrm>
+      </p:grpSpPr>
+      <p:sp>
+        <p:nvSpPr>
+          <p:cNvPr id="2" name="Titre 1">
+            <a:extLst>
+              <a:ext uri="{FF2B5EF4-FFF2-40B4-BE49-F238E27FC236}">
+                <a16:creationId xmlns:a16="http://schemas.microsoft.com/office/drawing/2014/main" id="{E070BD1A-F734-004D-8050-6B841AA1C839}"/>
+              </a:ext>
+            </a:extLst>
+          </p:cNvPr>
+          <p:cNvSpPr>
+            <a:spLocks noGrp="1"/>
+          </p:cNvSpPr>
+          <p:nvPr>
+            <p:ph type="title"/>
+          </p:nvPr>
+        </p:nvSpPr>
+        <p:spPr/>
+        <p:txBody>
+          <a:bodyPr/>
+          <a:lstStyle/>
+          <a:p>
+            <a:r>
+              <a:rPr lang="fr-FR" dirty="0"/>
+              <a:t>Déroulement</a:t>
+            </a:r>
+          </a:p>
+        </p:txBody>
+      </p:sp>
+      <p:sp>
+        <p:nvSpPr>
+          <p:cNvPr id="4" name="Rectangle à coins arrondis 3">
+            <a:extLst>
+              <a:ext uri="{FF2B5EF4-FFF2-40B4-BE49-F238E27FC236}">
+                <a16:creationId xmlns:a16="http://schemas.microsoft.com/office/drawing/2014/main" id="{5B325F03-6E49-054A-905C-229B8AB7FA24}"/>
+              </a:ext>
+            </a:extLst>
+          </p:cNvPr>
+          <p:cNvSpPr/>
+          <p:nvPr/>
+        </p:nvSpPr>
+        <p:spPr>
+          <a:xfrm>
+            <a:off x="663448" y="2675868"/>
+            <a:ext cx="2966443" cy="2265587"/>
+          </a:xfrm>
+          <a:prstGeom prst="roundRect">
+            <a:avLst/>
+          </a:prstGeom>
+        </p:spPr>
+        <p:style>
+          <a:lnRef idx="2">
+            <a:schemeClr val="dk1">
+              <a:shade val="50000"/>
+            </a:schemeClr>
+          </a:lnRef>
+          <a:fillRef idx="1">
+            <a:schemeClr val="dk1"/>
+          </a:fillRef>
+          <a:effectRef idx="0">
+            <a:schemeClr val="dk1"/>
+          </a:effectRef>
+          <a:fontRef idx="minor">
+            <a:schemeClr val="lt1"/>
+          </a:fontRef>
+        </p:style>
+        <p:txBody>
+          <a:bodyPr rtlCol="0" anchor="ctr"/>
+          <a:lstStyle/>
+          <a:p>
+            <a:pPr algn="ctr"/>
+            <a:r>
+              <a:rPr lang="fr-FR" dirty="0"/>
+              <a:t>Introduction</a:t>
+            </a:r>
+          </a:p>
+        </p:txBody>
+      </p:sp>
+      <p:sp>
+        <p:nvSpPr>
+          <p:cNvPr id="5" name="Rectangle à coins arrondis 4">
+            <a:extLst>
+              <a:ext uri="{FF2B5EF4-FFF2-40B4-BE49-F238E27FC236}">
+                <a16:creationId xmlns:a16="http://schemas.microsoft.com/office/drawing/2014/main" id="{455A8A4E-9290-E748-98D6-FAD839D8E76B}"/>
+              </a:ext>
+            </a:extLst>
+          </p:cNvPr>
+          <p:cNvSpPr/>
+          <p:nvPr/>
+        </p:nvSpPr>
+        <p:spPr>
+          <a:xfrm>
+            <a:off x="4607375" y="2675867"/>
+            <a:ext cx="2966443" cy="2265587"/>
+          </a:xfrm>
+          <a:prstGeom prst="roundRect">
+            <a:avLst/>
+          </a:prstGeom>
+        </p:spPr>
+        <p:style>
+          <a:lnRef idx="2">
+            <a:schemeClr val="dk1">
+              <a:shade val="50000"/>
+            </a:schemeClr>
+          </a:lnRef>
+          <a:fillRef idx="1">
+            <a:schemeClr val="dk1"/>
+          </a:fillRef>
+          <a:effectRef idx="0">
+            <a:schemeClr val="dk1"/>
+          </a:effectRef>
+          <a:fontRef idx="minor">
+            <a:schemeClr val="lt1"/>
+          </a:fontRef>
+        </p:style>
+        <p:txBody>
+          <a:bodyPr rtlCol="0" anchor="ctr"/>
+          <a:lstStyle/>
+          <a:p>
+            <a:pPr algn="ctr"/>
+            <a:r>
+              <a:rPr lang="fr-FR" dirty="0"/>
+              <a:t>Développement</a:t>
+            </a:r>
+          </a:p>
+        </p:txBody>
+      </p:sp>
+      <p:sp>
+        <p:nvSpPr>
+          <p:cNvPr id="6" name="Rectangle à coins arrondis 5">
+            <a:extLst>
+              <a:ext uri="{FF2B5EF4-FFF2-40B4-BE49-F238E27FC236}">
+                <a16:creationId xmlns:a16="http://schemas.microsoft.com/office/drawing/2014/main" id="{67A4D9A3-B83A-DF4A-9E34-A0EE7F640B95}"/>
+              </a:ext>
+            </a:extLst>
+          </p:cNvPr>
+          <p:cNvSpPr/>
+          <p:nvPr/>
+        </p:nvSpPr>
+        <p:spPr>
+          <a:xfrm>
+            <a:off x="8551303" y="2675868"/>
+            <a:ext cx="2966443" cy="2265587"/>
+          </a:xfrm>
+          <a:prstGeom prst="roundRect">
+            <a:avLst/>
+          </a:prstGeom>
+        </p:spPr>
+        <p:style>
+          <a:lnRef idx="2">
+            <a:schemeClr val="accent1">
+              <a:shade val="50000"/>
+            </a:schemeClr>
+          </a:lnRef>
+          <a:fillRef idx="1">
+            <a:schemeClr val="accent1"/>
+          </a:fillRef>
+          <a:effectRef idx="0">
+            <a:schemeClr val="accent1"/>
+          </a:effectRef>
+          <a:fontRef idx="minor">
+            <a:schemeClr val="lt1"/>
+          </a:fontRef>
+        </p:style>
+        <p:txBody>
+          <a:bodyPr rtlCol="0" anchor="ctr"/>
+          <a:lstStyle/>
+          <a:p>
+            <a:pPr algn="ctr"/>
+            <a:r>
+              <a:rPr lang="fr-FR" dirty="0"/>
+              <a:t>Conclusion</a:t>
+            </a:r>
+          </a:p>
+        </p:txBody>
+      </p:sp>
+    </p:spTree>
+    <p:extLst>
+      <p:ext uri="{BB962C8B-B14F-4D97-AF65-F5344CB8AC3E}">
+        <p14:creationId xmlns:p14="http://schemas.microsoft.com/office/powerpoint/2010/main" val="1793566351"/>
+      </p:ext>
+    </p:extLst>
+  </p:cSld>
+  <p:clrMapOvr>
+    <a:masterClrMapping/>
+  </p:clrMapOvr>
+</p:sld>
+</file>
+
+<file path=ppt/slides/slide17.xml><?xml version="1.0" encoding="utf-8"?>
+<p:sld xmlns:a="http://schemas.openxmlformats.org/drawingml/2006/main" xmlns:r="http://schemas.openxmlformats.org/officeDocument/2006/relationships" xmlns:p="http://schemas.openxmlformats.org/presentationml/2006/main">
+  <p:cSld>
+    <p:spTree>
+      <p:nvGrpSpPr>
+        <p:cNvPr id="1" name=""/>
+        <p:cNvGrpSpPr/>
+        <p:nvPr/>
+      </p:nvGrpSpPr>
+      <p:grpSpPr>
+        <a:xfrm>
+          <a:off x="0" y="0"/>
+          <a:ext cx="0" cy="0"/>
+          <a:chOff x="0" y="0"/>
+          <a:chExt cx="0" cy="0"/>
+        </a:xfrm>
+      </p:grpSpPr>
+      <p:sp>
+        <p:nvSpPr>
+          <p:cNvPr id="2" name="Titre 1">
+            <a:extLst>
+              <a:ext uri="{FF2B5EF4-FFF2-40B4-BE49-F238E27FC236}">
+                <a16:creationId xmlns:a16="http://schemas.microsoft.com/office/drawing/2014/main" id="{113484F7-246E-4B4F-8622-DDF8EEDBD389}"/>
+              </a:ext>
+            </a:extLst>
+          </p:cNvPr>
+          <p:cNvSpPr>
+            <a:spLocks noGrp="1"/>
+          </p:cNvSpPr>
+          <p:nvPr>
+            <p:ph type="title"/>
+          </p:nvPr>
+        </p:nvSpPr>
+        <p:spPr/>
+        <p:txBody>
+          <a:bodyPr/>
+          <a:lstStyle/>
+          <a:p>
+            <a:r>
+              <a:rPr lang="fr-FR" dirty="0"/>
+              <a:t>Difficultés rencontrées</a:t>
+            </a:r>
+          </a:p>
+        </p:txBody>
+      </p:sp>
+      <p:sp>
+        <p:nvSpPr>
+          <p:cNvPr id="3" name="Espace réservé du contenu 2">
+            <a:extLst>
+              <a:ext uri="{FF2B5EF4-FFF2-40B4-BE49-F238E27FC236}">
+                <a16:creationId xmlns:a16="http://schemas.microsoft.com/office/drawing/2014/main" id="{24DAE48B-6DF2-5548-9109-AE2164F4DA9B}"/>
+              </a:ext>
+            </a:extLst>
+          </p:cNvPr>
+          <p:cNvSpPr>
+            <a:spLocks noGrp="1"/>
+          </p:cNvSpPr>
+          <p:nvPr>
+            <p:ph idx="1"/>
+          </p:nvPr>
+        </p:nvSpPr>
+        <p:spPr/>
+        <p:txBody>
+          <a:bodyPr/>
+          <a:lstStyle/>
+          <a:p>
+            <a:r>
+              <a:rPr lang="fr-FR" dirty="0"/>
+              <a:t>Gros changement dans la base de données le vendredi avant de rendre le TPI</a:t>
+            </a:r>
+          </a:p>
+          <a:p>
+            <a:r>
+              <a:rPr lang="fr-FR" dirty="0"/>
+              <a:t>Refaire la moitié des fonctions sur le site ainsi que sur l’application mobile </a:t>
+            </a:r>
+          </a:p>
+          <a:p>
+            <a:r>
+              <a:rPr lang="fr-FR" dirty="0"/>
+              <a:t>Quantité calculée différemment pour chaque millésime </a:t>
+            </a:r>
+          </a:p>
+          <a:p>
+            <a:endParaRPr lang="fr-FR" dirty="0"/>
+          </a:p>
+        </p:txBody>
+      </p:sp>
+      <p:sp>
+        <p:nvSpPr>
+          <p:cNvPr id="4" name="ZoneTexte 3">
+            <a:extLst>
+              <a:ext uri="{FF2B5EF4-FFF2-40B4-BE49-F238E27FC236}">
+                <a16:creationId xmlns:a16="http://schemas.microsoft.com/office/drawing/2014/main" id="{1FF094D3-3976-D34E-8F62-C3C0E6D70E94}"/>
+              </a:ext>
+            </a:extLst>
+          </p:cNvPr>
+          <p:cNvSpPr txBox="1"/>
+          <p:nvPr/>
+        </p:nvSpPr>
+        <p:spPr>
+          <a:xfrm>
+            <a:off x="11406908" y="6297888"/>
+            <a:ext cx="457176" cy="369332"/>
+          </a:xfrm>
+          <a:prstGeom prst="rect">
+            <a:avLst/>
+          </a:prstGeom>
+          <a:noFill/>
+        </p:spPr>
+        <p:txBody>
+          <a:bodyPr wrap="none" rtlCol="0">
+            <a:spAutoFit/>
+          </a:bodyPr>
+          <a:lstStyle/>
+          <a:p>
+            <a:r>
+              <a:rPr lang="fr-FR" dirty="0"/>
+              <a:t>11</a:t>
+            </a:r>
+          </a:p>
+        </p:txBody>
+      </p:sp>
+    </p:spTree>
+    <p:extLst>
+      <p:ext uri="{BB962C8B-B14F-4D97-AF65-F5344CB8AC3E}">
+        <p14:creationId xmlns:p14="http://schemas.microsoft.com/office/powerpoint/2010/main" val="3377292038"/>
+      </p:ext>
+    </p:extLst>
+  </p:cSld>
+  <p:clrMapOvr>
+    <a:masterClrMapping/>
+  </p:clrMapOvr>
+</p:sld>
+</file>
+
+<file path=ppt/slides/slide18.xml><?xml version="1.0" encoding="utf-8"?>
+<p:sld xmlns:a="http://schemas.openxmlformats.org/drawingml/2006/main" xmlns:r="http://schemas.openxmlformats.org/officeDocument/2006/relationships" xmlns:p="http://schemas.openxmlformats.org/presentationml/2006/main">
+  <p:cSld>
+    <p:spTree>
+      <p:nvGrpSpPr>
+        <p:cNvPr id="1" name=""/>
+        <p:cNvGrpSpPr/>
+        <p:nvPr/>
+      </p:nvGrpSpPr>
+      <p:grpSpPr>
+        <a:xfrm>
+          <a:off x="0" y="0"/>
+          <a:ext cx="0" cy="0"/>
+          <a:chOff x="0" y="0"/>
+          <a:chExt cx="0" cy="0"/>
+        </a:xfrm>
+      </p:grpSpPr>
+      <p:sp>
+        <p:nvSpPr>
+          <p:cNvPr id="2" name="Titre 1">
+            <a:extLst>
+              <a:ext uri="{FF2B5EF4-FFF2-40B4-BE49-F238E27FC236}">
+                <a16:creationId xmlns:a16="http://schemas.microsoft.com/office/drawing/2014/main" id="{F0EEA0CA-3B16-D14F-8FC8-2069CE075D37}"/>
+              </a:ext>
+            </a:extLst>
+          </p:cNvPr>
+          <p:cNvSpPr>
+            <a:spLocks noGrp="1"/>
+          </p:cNvSpPr>
+          <p:nvPr>
+            <p:ph type="title"/>
+          </p:nvPr>
+        </p:nvSpPr>
+        <p:spPr/>
+        <p:txBody>
+          <a:bodyPr/>
+          <a:lstStyle/>
+          <a:p>
+            <a:r>
+              <a:rPr lang="fr-FR" dirty="0"/>
+              <a:t>Améliorations</a:t>
+            </a:r>
+          </a:p>
+        </p:txBody>
+      </p:sp>
+      <p:sp>
+        <p:nvSpPr>
+          <p:cNvPr id="3" name="Espace réservé du contenu 2">
+            <a:extLst>
+              <a:ext uri="{FF2B5EF4-FFF2-40B4-BE49-F238E27FC236}">
+                <a16:creationId xmlns:a16="http://schemas.microsoft.com/office/drawing/2014/main" id="{04EE4C1D-CCA0-E04B-A878-8ECCE60137BF}"/>
+              </a:ext>
+            </a:extLst>
+          </p:cNvPr>
+          <p:cNvSpPr>
+            <a:spLocks noGrp="1"/>
+          </p:cNvSpPr>
+          <p:nvPr>
+            <p:ph idx="1"/>
+          </p:nvPr>
+        </p:nvSpPr>
+        <p:spPr/>
+        <p:txBody>
+          <a:bodyPr/>
+          <a:lstStyle/>
+          <a:p>
+            <a:r>
+              <a:rPr lang="fr-FR" dirty="0"/>
+              <a:t>Page permettant de créer des utilisateurs ainsi qu’un mot de passe crypté</a:t>
+            </a:r>
+          </a:p>
+          <a:p>
+            <a:r>
+              <a:rPr lang="fr-FR" dirty="0"/>
+              <a:t>Page de login sur l’application mobile </a:t>
+            </a:r>
+          </a:p>
+          <a:p>
+            <a:endParaRPr lang="fr-FR" dirty="0"/>
+          </a:p>
+          <a:p>
+            <a:endParaRPr lang="fr-FR" dirty="0"/>
+          </a:p>
+          <a:p>
+            <a:endParaRPr lang="fr-FR" dirty="0"/>
+          </a:p>
+        </p:txBody>
+      </p:sp>
+      <p:sp>
+        <p:nvSpPr>
+          <p:cNvPr id="4" name="ZoneTexte 3">
+            <a:extLst>
+              <a:ext uri="{FF2B5EF4-FFF2-40B4-BE49-F238E27FC236}">
+                <a16:creationId xmlns:a16="http://schemas.microsoft.com/office/drawing/2014/main" id="{606F2F88-F5E1-3A45-AE9A-E264E472064C}"/>
+              </a:ext>
+            </a:extLst>
+          </p:cNvPr>
+          <p:cNvSpPr txBox="1"/>
+          <p:nvPr/>
+        </p:nvSpPr>
+        <p:spPr>
+          <a:xfrm>
+            <a:off x="11406908" y="6297888"/>
+            <a:ext cx="457176" cy="369332"/>
+          </a:xfrm>
+          <a:prstGeom prst="rect">
+            <a:avLst/>
+          </a:prstGeom>
+          <a:noFill/>
+        </p:spPr>
+        <p:txBody>
+          <a:bodyPr wrap="none" rtlCol="0">
+            <a:spAutoFit/>
+          </a:bodyPr>
+          <a:lstStyle/>
+          <a:p>
+            <a:r>
+              <a:rPr lang="fr-FR" dirty="0"/>
+              <a:t>12</a:t>
+            </a:r>
+          </a:p>
+        </p:txBody>
+      </p:sp>
+    </p:spTree>
+    <p:extLst>
+      <p:ext uri="{BB962C8B-B14F-4D97-AF65-F5344CB8AC3E}">
+        <p14:creationId xmlns:p14="http://schemas.microsoft.com/office/powerpoint/2010/main" val="3966416713"/>
+      </p:ext>
+    </p:extLst>
+  </p:cSld>
+  <p:clrMapOvr>
+    <a:masterClrMapping/>
+  </p:clrMapOvr>
+</p:sld>
+</file>
+
+<file path=ppt/slides/slide19.xml><?xml version="1.0" encoding="utf-8"?>
+<p:sld xmlns:a="http://schemas.openxmlformats.org/drawingml/2006/main" xmlns:r="http://schemas.openxmlformats.org/officeDocument/2006/relationships" xmlns:p="http://schemas.openxmlformats.org/presentationml/2006/main">
+  <p:cSld>
+    <p:spTree>
+      <p:nvGrpSpPr>
+        <p:cNvPr id="1" name=""/>
+        <p:cNvGrpSpPr/>
+        <p:nvPr/>
+      </p:nvGrpSpPr>
+      <p:grpSpPr>
+        <a:xfrm>
+          <a:off x="0" y="0"/>
+          <a:ext cx="0" cy="0"/>
+          <a:chOff x="0" y="0"/>
+          <a:chExt cx="0" cy="0"/>
+        </a:xfrm>
+      </p:grpSpPr>
+      <p:sp>
+        <p:nvSpPr>
+          <p:cNvPr id="2" name="Titre 1">
+            <a:extLst>
+              <a:ext uri="{FF2B5EF4-FFF2-40B4-BE49-F238E27FC236}">
+                <a16:creationId xmlns:a16="http://schemas.microsoft.com/office/drawing/2014/main" id="{EFAF7BC5-DCD3-A14B-B2DC-605CFAE91FD0}"/>
+              </a:ext>
+            </a:extLst>
+          </p:cNvPr>
+          <p:cNvSpPr>
+            <a:spLocks noGrp="1"/>
+          </p:cNvSpPr>
+          <p:nvPr>
+            <p:ph type="title"/>
+          </p:nvPr>
+        </p:nvSpPr>
+        <p:spPr/>
+        <p:txBody>
+          <a:bodyPr/>
+          <a:lstStyle/>
+          <a:p>
+            <a:r>
+              <a:rPr lang="fr-FR" dirty="0"/>
+              <a:t>Points positifs</a:t>
+            </a:r>
+          </a:p>
+        </p:txBody>
+      </p:sp>
+      <p:sp>
+        <p:nvSpPr>
+          <p:cNvPr id="3" name="Espace réservé du contenu 2">
+            <a:extLst>
+              <a:ext uri="{FF2B5EF4-FFF2-40B4-BE49-F238E27FC236}">
+                <a16:creationId xmlns:a16="http://schemas.microsoft.com/office/drawing/2014/main" id="{6950E3C6-DEC8-D84A-B8D3-01DD72CA2F8A}"/>
+              </a:ext>
+            </a:extLst>
+          </p:cNvPr>
+          <p:cNvSpPr>
+            <a:spLocks noGrp="1"/>
+          </p:cNvSpPr>
+          <p:nvPr>
+            <p:ph idx="1"/>
+          </p:nvPr>
+        </p:nvSpPr>
+        <p:spPr/>
+        <p:txBody>
+          <a:bodyPr/>
+          <a:lstStyle/>
+          <a:p>
+            <a:r>
+              <a:rPr lang="fr-FR" dirty="0"/>
+              <a:t>Apprentissage approfondit avec </a:t>
+            </a:r>
+            <a:r>
+              <a:rPr lang="fr-FR" dirty="0" err="1"/>
+              <a:t>ionic</a:t>
+            </a:r>
+            <a:r>
+              <a:rPr lang="fr-FR" dirty="0"/>
+              <a:t> </a:t>
+            </a:r>
+          </a:p>
+          <a:p>
+            <a:r>
+              <a:rPr lang="fr-FR" dirty="0"/>
+              <a:t>Apprentissage de nouvelles fonctions en PHP</a:t>
+            </a:r>
+          </a:p>
+          <a:p>
+            <a:r>
+              <a:rPr lang="fr-FR" dirty="0"/>
+              <a:t>Le stresse pour finir tout à temps</a:t>
+            </a:r>
+          </a:p>
+          <a:p>
+            <a:r>
+              <a:rPr lang="fr-FR" dirty="0"/>
+              <a:t>Le client </a:t>
+            </a:r>
+          </a:p>
+          <a:p>
+            <a:r>
+              <a:rPr lang="fr-FR" dirty="0"/>
+              <a:t>Faire un projet concret qui sera utilisé </a:t>
+            </a:r>
+          </a:p>
+          <a:p>
+            <a:endParaRPr lang="fr-FR" dirty="0"/>
+          </a:p>
+          <a:p>
+            <a:endParaRPr lang="fr-FR" dirty="0"/>
+          </a:p>
+          <a:p>
+            <a:endParaRPr lang="fr-FR" dirty="0"/>
+          </a:p>
+          <a:p>
+            <a:endParaRPr lang="fr-FR" dirty="0"/>
+          </a:p>
+        </p:txBody>
+      </p:sp>
+      <p:sp>
+        <p:nvSpPr>
+          <p:cNvPr id="4" name="ZoneTexte 3">
+            <a:extLst>
+              <a:ext uri="{FF2B5EF4-FFF2-40B4-BE49-F238E27FC236}">
+                <a16:creationId xmlns:a16="http://schemas.microsoft.com/office/drawing/2014/main" id="{BE8C7BE7-4894-4940-9575-A47B9ECC3D90}"/>
+              </a:ext>
+            </a:extLst>
+          </p:cNvPr>
+          <p:cNvSpPr txBox="1"/>
+          <p:nvPr/>
+        </p:nvSpPr>
+        <p:spPr>
+          <a:xfrm>
+            <a:off x="11406908" y="6297888"/>
+            <a:ext cx="457176" cy="369332"/>
+          </a:xfrm>
+          <a:prstGeom prst="rect">
+            <a:avLst/>
+          </a:prstGeom>
+          <a:noFill/>
+        </p:spPr>
+        <p:txBody>
+          <a:bodyPr wrap="none" rtlCol="0">
+            <a:spAutoFit/>
+          </a:bodyPr>
+          <a:lstStyle/>
+          <a:p>
+            <a:r>
+              <a:rPr lang="fr-FR" dirty="0"/>
+              <a:t>13</a:t>
+            </a:r>
+          </a:p>
+        </p:txBody>
+      </p:sp>
+    </p:spTree>
+    <p:extLst>
+      <p:ext uri="{BB962C8B-B14F-4D97-AF65-F5344CB8AC3E}">
+        <p14:creationId xmlns:p14="http://schemas.microsoft.com/office/powerpoint/2010/main" val="4202757423"/>
+      </p:ext>
+    </p:extLst>
+  </p:cSld>
+  <p:clrMapOvr>
+    <a:masterClrMapping/>
+  </p:clrMapOvr>
+</p:sld>
+</file>
+
+<file path=ppt/slides/slide2.xml><?xml version="1.0" encoding="utf-8"?>
+<p:sld xmlns:a="http://schemas.openxmlformats.org/drawingml/2006/main" xmlns:r="http://schemas.openxmlformats.org/officeDocument/2006/relationships" xmlns:p="http://schemas.openxmlformats.org/presentationml/2006/main">
+  <p:cSld>
+    <p:spTree>
+      <p:nvGrpSpPr>
+        <p:cNvPr id="1" name=""/>
+        <p:cNvGrpSpPr/>
+        <p:nvPr/>
+      </p:nvGrpSpPr>
+      <p:grpSpPr>
+        <a:xfrm>
+          <a:off x="0" y="0"/>
+          <a:ext cx="0" cy="0"/>
+          <a:chOff x="0" y="0"/>
+          <a:chExt cx="0" cy="0"/>
+        </a:xfrm>
+      </p:grpSpPr>
+      <p:sp>
+        <p:nvSpPr>
+          <p:cNvPr id="2" name="Titre 1">
+            <a:extLst>
+              <a:ext uri="{FF2B5EF4-FFF2-40B4-BE49-F238E27FC236}">
+                <a16:creationId xmlns:a16="http://schemas.microsoft.com/office/drawing/2014/main" id="{E070BD1A-F734-004D-8050-6B841AA1C839}"/>
+              </a:ext>
+            </a:extLst>
+          </p:cNvPr>
+          <p:cNvSpPr>
+            <a:spLocks noGrp="1"/>
+          </p:cNvSpPr>
+          <p:nvPr>
+            <p:ph type="title"/>
+          </p:nvPr>
+        </p:nvSpPr>
+        <p:spPr/>
+        <p:txBody>
+          <a:bodyPr/>
+          <a:lstStyle/>
+          <a:p>
+            <a:r>
+              <a:rPr lang="fr-FR" dirty="0"/>
+              <a:t>Sommaire</a:t>
+            </a:r>
+          </a:p>
+        </p:txBody>
+      </p:sp>
+      <p:sp>
+        <p:nvSpPr>
+          <p:cNvPr id="3" name="Espace réservé du contenu 2">
+            <a:extLst>
+              <a:ext uri="{FF2B5EF4-FFF2-40B4-BE49-F238E27FC236}">
+                <a16:creationId xmlns:a16="http://schemas.microsoft.com/office/drawing/2014/main" id="{8B5A76EA-F5AA-BA48-9198-30D590CD67D9}"/>
+              </a:ext>
+            </a:extLst>
+          </p:cNvPr>
+          <p:cNvSpPr>
+            <a:spLocks noGrp="1"/>
+          </p:cNvSpPr>
+          <p:nvPr>
+            <p:ph idx="1"/>
+          </p:nvPr>
+        </p:nvSpPr>
+        <p:spPr>
+          <a:xfrm>
+            <a:off x="709630" y="4736500"/>
+            <a:ext cx="3363608" cy="1597891"/>
+          </a:xfrm>
+        </p:spPr>
+        <p:txBody>
+          <a:bodyPr>
+            <a:normAutofit/>
+          </a:bodyPr>
+          <a:lstStyle/>
+          <a:p>
+            <a:r>
+              <a:rPr lang="fr-FR" sz="1800" dirty="0"/>
+              <a:t>Gestion au début de la cave</a:t>
+            </a:r>
+          </a:p>
+          <a:p>
+            <a:r>
+              <a:rPr lang="fr-FR" sz="1800" dirty="0"/>
+              <a:t>Objectifs du projet </a:t>
+            </a:r>
+          </a:p>
+          <a:p>
+            <a:pPr lvl="1"/>
+            <a:r>
+              <a:rPr lang="fr-FR" sz="1600" dirty="0"/>
+              <a:t>Site </a:t>
+            </a:r>
+          </a:p>
+          <a:p>
+            <a:pPr lvl="1"/>
+            <a:r>
+              <a:rPr lang="fr-FR" sz="1600" dirty="0"/>
+              <a:t>Application mobile </a:t>
+            </a:r>
+          </a:p>
+        </p:txBody>
+      </p:sp>
+      <p:sp>
+        <p:nvSpPr>
+          <p:cNvPr id="4" name="Rectangle à coins arrondis 3">
+            <a:extLst>
+              <a:ext uri="{FF2B5EF4-FFF2-40B4-BE49-F238E27FC236}">
+                <a16:creationId xmlns:a16="http://schemas.microsoft.com/office/drawing/2014/main" id="{5B325F03-6E49-054A-905C-229B8AB7FA24}"/>
+              </a:ext>
+            </a:extLst>
+          </p:cNvPr>
+          <p:cNvSpPr/>
+          <p:nvPr/>
+        </p:nvSpPr>
+        <p:spPr>
+          <a:xfrm>
+            <a:off x="709630" y="2093977"/>
+            <a:ext cx="2966443" cy="2265587"/>
+          </a:xfrm>
+          <a:prstGeom prst="roundRect">
+            <a:avLst/>
+          </a:prstGeom>
+        </p:spPr>
+        <p:style>
+          <a:lnRef idx="2">
+            <a:schemeClr val="accent1">
+              <a:shade val="50000"/>
+            </a:schemeClr>
+          </a:lnRef>
+          <a:fillRef idx="1">
+            <a:schemeClr val="accent1"/>
+          </a:fillRef>
+          <a:effectRef idx="0">
+            <a:schemeClr val="accent1"/>
+          </a:effectRef>
+          <a:fontRef idx="minor">
+            <a:schemeClr val="lt1"/>
+          </a:fontRef>
+        </p:style>
+        <p:txBody>
+          <a:bodyPr rtlCol="0" anchor="ctr"/>
+          <a:lstStyle/>
+          <a:p>
+            <a:pPr algn="ctr"/>
+            <a:r>
+              <a:rPr lang="fr-FR" dirty="0"/>
+              <a:t>Introduction</a:t>
+            </a:r>
+          </a:p>
+        </p:txBody>
+      </p:sp>
+      <p:sp>
+        <p:nvSpPr>
+          <p:cNvPr id="5" name="Rectangle à coins arrondis 4">
+            <a:extLst>
+              <a:ext uri="{FF2B5EF4-FFF2-40B4-BE49-F238E27FC236}">
+                <a16:creationId xmlns:a16="http://schemas.microsoft.com/office/drawing/2014/main" id="{455A8A4E-9290-E748-98D6-FAD839D8E76B}"/>
+              </a:ext>
+            </a:extLst>
+          </p:cNvPr>
+          <p:cNvSpPr/>
+          <p:nvPr/>
+        </p:nvSpPr>
+        <p:spPr>
+          <a:xfrm>
+            <a:off x="4653557" y="2093976"/>
+            <a:ext cx="2966443" cy="2265587"/>
+          </a:xfrm>
+          <a:prstGeom prst="roundRect">
+            <a:avLst/>
+          </a:prstGeom>
+        </p:spPr>
+        <p:style>
+          <a:lnRef idx="2">
+            <a:schemeClr val="accent1">
+              <a:shade val="50000"/>
+            </a:schemeClr>
+          </a:lnRef>
+          <a:fillRef idx="1">
+            <a:schemeClr val="accent1"/>
+          </a:fillRef>
+          <a:effectRef idx="0">
+            <a:schemeClr val="accent1"/>
+          </a:effectRef>
+          <a:fontRef idx="minor">
+            <a:schemeClr val="lt1"/>
+          </a:fontRef>
+        </p:style>
+        <p:txBody>
+          <a:bodyPr rtlCol="0" anchor="ctr"/>
+          <a:lstStyle/>
+          <a:p>
+            <a:pPr algn="ctr"/>
+            <a:r>
+              <a:rPr lang="fr-FR" dirty="0"/>
+              <a:t>Développement</a:t>
+            </a:r>
+          </a:p>
+        </p:txBody>
+      </p:sp>
+      <p:sp>
+        <p:nvSpPr>
+          <p:cNvPr id="6" name="Rectangle à coins arrondis 5">
+            <a:extLst>
+              <a:ext uri="{FF2B5EF4-FFF2-40B4-BE49-F238E27FC236}">
+                <a16:creationId xmlns:a16="http://schemas.microsoft.com/office/drawing/2014/main" id="{67A4D9A3-B83A-DF4A-9E34-A0EE7F640B95}"/>
+              </a:ext>
+            </a:extLst>
+          </p:cNvPr>
+          <p:cNvSpPr/>
+          <p:nvPr/>
+        </p:nvSpPr>
+        <p:spPr>
+          <a:xfrm>
+            <a:off x="8597485" y="2093977"/>
+            <a:ext cx="2966443" cy="2265587"/>
+          </a:xfrm>
+          <a:prstGeom prst="roundRect">
+            <a:avLst/>
+          </a:prstGeom>
+        </p:spPr>
+        <p:style>
+          <a:lnRef idx="2">
+            <a:schemeClr val="accent1">
+              <a:shade val="50000"/>
+            </a:schemeClr>
+          </a:lnRef>
+          <a:fillRef idx="1">
+            <a:schemeClr val="accent1"/>
+          </a:fillRef>
+          <a:effectRef idx="0">
+            <a:schemeClr val="accent1"/>
+          </a:effectRef>
+          <a:fontRef idx="minor">
+            <a:schemeClr val="lt1"/>
+          </a:fontRef>
+        </p:style>
+        <p:txBody>
+          <a:bodyPr rtlCol="0" anchor="ctr"/>
+          <a:lstStyle/>
+          <a:p>
+            <a:pPr algn="ctr"/>
+            <a:r>
+              <a:rPr lang="fr-FR" dirty="0"/>
+              <a:t>Conclusion</a:t>
+            </a:r>
+          </a:p>
+        </p:txBody>
+      </p:sp>
+      <p:sp>
+        <p:nvSpPr>
+          <p:cNvPr id="7" name="Espace réservé du contenu 2">
+            <a:extLst>
+              <a:ext uri="{FF2B5EF4-FFF2-40B4-BE49-F238E27FC236}">
+                <a16:creationId xmlns:a16="http://schemas.microsoft.com/office/drawing/2014/main" id="{7AD48F75-DEAA-9046-9C99-D5C08F4394B3}"/>
+              </a:ext>
+            </a:extLst>
+          </p:cNvPr>
+          <p:cNvSpPr txBox="1">
+            <a:spLocks/>
+          </p:cNvSpPr>
+          <p:nvPr/>
+        </p:nvSpPr>
+        <p:spPr>
+          <a:xfrm>
+            <a:off x="4653557" y="4736500"/>
+            <a:ext cx="2966443" cy="1076057"/>
+          </a:xfrm>
+          <a:prstGeom prst="rect">
+            <a:avLst/>
+          </a:prstGeom>
+        </p:spPr>
+        <p:txBody>
+          <a:bodyPr vert="horz" lIns="91440" tIns="45720" rIns="91440" bIns="45720" rtlCol="0">
+            <a:normAutofit/>
+          </a:bodyPr>
+          <a:lstStyle>
+            <a:lvl1pPr marL="182880" indent="-182880" algn="l" defTabSz="914400" rtl="0" eaLnBrk="1" latinLnBrk="0" hangingPunct="1">
+              <a:lnSpc>
+                <a:spcPct val="90000"/>
+              </a:lnSpc>
+              <a:spcBef>
+                <a:spcPts val="1200"/>
+              </a:spcBef>
+              <a:buClr>
+                <a:schemeClr val="accent1">
+                  <a:lumMod val="75000"/>
+                </a:schemeClr>
+              </a:buClr>
+              <a:buSzPct val="85000"/>
+              <a:buFont typeface="Wingdings" pitchFamily="2" charset="2"/>
+              <a:buChar char="§"/>
+              <a:defRPr sz="2000" kern="1200">
+                <a:solidFill>
+                  <a:schemeClr val="tx1"/>
+                </a:solidFill>
+                <a:latin typeface="+mn-lt"/>
+                <a:ea typeface="+mn-ea"/>
+                <a:cs typeface="+mn-cs"/>
+              </a:defRPr>
+            </a:lvl1pPr>
+            <a:lvl2pPr marL="457200" indent="-182880" algn="l" defTabSz="914400" rtl="0" eaLnBrk="1" latinLnBrk="0" hangingPunct="1">
+              <a:lnSpc>
+                <a:spcPct val="90000"/>
+              </a:lnSpc>
+              <a:spcBef>
+                <a:spcPts val="400"/>
+              </a:spcBef>
+              <a:spcAft>
+                <a:spcPts val="200"/>
+              </a:spcAft>
+              <a:buClr>
+                <a:schemeClr val="accent1">
+                  <a:lumMod val="75000"/>
+                </a:schemeClr>
+              </a:buClr>
+              <a:buSzPct val="85000"/>
+              <a:buFont typeface="Wingdings" pitchFamily="2" charset="2"/>
+              <a:buChar char="§"/>
+              <a:defRPr sz="1800" kern="1200">
+                <a:solidFill>
+                  <a:schemeClr val="tx1"/>
+                </a:solidFill>
+                <a:latin typeface="+mn-lt"/>
+                <a:ea typeface="+mn-ea"/>
+                <a:cs typeface="+mn-cs"/>
+              </a:defRPr>
+            </a:lvl2pPr>
+            <a:lvl3pPr marL="731520" indent="-182880" algn="l" defTabSz="914400" rtl="0" eaLnBrk="1" latinLnBrk="0" hangingPunct="1">
+              <a:lnSpc>
+                <a:spcPct val="90000"/>
+              </a:lnSpc>
+              <a:spcBef>
+                <a:spcPts val="400"/>
+              </a:spcBef>
+              <a:spcAft>
+                <a:spcPts val="200"/>
+              </a:spcAft>
+              <a:buClr>
+                <a:schemeClr val="accent1">
+                  <a:lumMod val="75000"/>
+                </a:schemeClr>
+              </a:buClr>
+              <a:buSzPct val="85000"/>
+              <a:buFont typeface="Wingdings" pitchFamily="2" charset="2"/>
+              <a:buChar char="§"/>
+              <a:defRPr sz="1600" kern="1200">
+                <a:solidFill>
+                  <a:schemeClr val="tx1"/>
+                </a:solidFill>
+                <a:latin typeface="+mn-lt"/>
+                <a:ea typeface="+mn-ea"/>
+                <a:cs typeface="+mn-cs"/>
+              </a:defRPr>
+            </a:lvl3pPr>
+            <a:lvl4pPr marL="1005840" indent="-182880" algn="l" defTabSz="914400" rtl="0" eaLnBrk="1" latinLnBrk="0" hangingPunct="1">
+              <a:lnSpc>
+                <a:spcPct val="90000"/>
+              </a:lnSpc>
+              <a:spcBef>
+                <a:spcPts val="400"/>
+              </a:spcBef>
+              <a:spcAft>
+                <a:spcPts val="200"/>
+              </a:spcAft>
+              <a:buClr>
+                <a:schemeClr val="accent1">
+                  <a:lumMod val="75000"/>
+                </a:schemeClr>
+              </a:buClr>
+              <a:buSzPct val="85000"/>
+              <a:buFont typeface="Wingdings" pitchFamily="2" charset="2"/>
+              <a:buChar char="§"/>
+              <a:defRPr sz="1600" kern="1200">
+                <a:solidFill>
+                  <a:schemeClr val="tx1"/>
+                </a:solidFill>
+                <a:latin typeface="+mn-lt"/>
+                <a:ea typeface="+mn-ea"/>
+                <a:cs typeface="+mn-cs"/>
+              </a:defRPr>
+            </a:lvl4pPr>
+            <a:lvl5pPr marL="1280160" indent="-182880" algn="l" defTabSz="914400" rtl="0" eaLnBrk="1" latinLnBrk="0" hangingPunct="1">
+              <a:lnSpc>
+                <a:spcPct val="90000"/>
+              </a:lnSpc>
+              <a:spcBef>
+                <a:spcPts val="400"/>
+              </a:spcBef>
+              <a:spcAft>
+                <a:spcPts val="200"/>
+              </a:spcAft>
+              <a:buClr>
+                <a:schemeClr val="accent1">
+                  <a:lumMod val="75000"/>
+                </a:schemeClr>
+              </a:buClr>
+              <a:buSzPct val="85000"/>
+              <a:buFont typeface="Wingdings" pitchFamily="2" charset="2"/>
+              <a:buChar char="§"/>
+              <a:defRPr sz="1600" kern="1200">
+                <a:solidFill>
+                  <a:schemeClr val="tx1"/>
+                </a:solidFill>
+                <a:latin typeface="+mn-lt"/>
+                <a:ea typeface="+mn-ea"/>
+                <a:cs typeface="+mn-cs"/>
+              </a:defRPr>
+            </a:lvl5pPr>
+            <a:lvl6pPr marL="1600000" indent="-228600" algn="l" defTabSz="914400" rtl="0" eaLnBrk="1" latinLnBrk="0" hangingPunct="1">
+              <a:lnSpc>
+                <a:spcPct val="90000"/>
+              </a:lnSpc>
+              <a:spcBef>
+                <a:spcPts val="400"/>
+              </a:spcBef>
+              <a:spcAft>
+                <a:spcPts val="200"/>
+              </a:spcAft>
+              <a:buClr>
+                <a:schemeClr val="accent1">
+                  <a:lumMod val="75000"/>
+                </a:schemeClr>
+              </a:buClr>
+              <a:buSzPct val="85000"/>
+              <a:buFont typeface="Wingdings" pitchFamily="2" charset="2"/>
+              <a:buChar char="§"/>
+              <a:defRPr sz="1600" kern="1200">
+                <a:solidFill>
+                  <a:schemeClr val="tx1"/>
+                </a:solidFill>
+                <a:latin typeface="+mn-lt"/>
+                <a:ea typeface="+mn-ea"/>
+                <a:cs typeface="+mn-cs"/>
+              </a:defRPr>
+            </a:lvl6pPr>
+            <a:lvl7pPr marL="1900000" indent="-228600" algn="l" defTabSz="914400" rtl="0" eaLnBrk="1" latinLnBrk="0" hangingPunct="1">
+              <a:lnSpc>
+                <a:spcPct val="90000"/>
+              </a:lnSpc>
+              <a:spcBef>
+                <a:spcPts val="400"/>
+              </a:spcBef>
+              <a:spcAft>
+                <a:spcPts val="200"/>
+              </a:spcAft>
+              <a:buClr>
+                <a:schemeClr val="accent1">
+                  <a:lumMod val="75000"/>
+                </a:schemeClr>
+              </a:buClr>
+              <a:buSzPct val="85000"/>
+              <a:buFont typeface="Wingdings" pitchFamily="2" charset="2"/>
+              <a:buChar char="§"/>
+              <a:defRPr sz="1600" kern="1200">
+                <a:solidFill>
+                  <a:schemeClr val="tx1"/>
+                </a:solidFill>
+                <a:latin typeface="+mn-lt"/>
+                <a:ea typeface="+mn-ea"/>
+                <a:cs typeface="+mn-cs"/>
+              </a:defRPr>
+            </a:lvl7pPr>
+            <a:lvl8pPr marL="2200000" indent="-228600" algn="l" defTabSz="914400" rtl="0" eaLnBrk="1" latinLnBrk="0" hangingPunct="1">
+              <a:lnSpc>
+                <a:spcPct val="90000"/>
+              </a:lnSpc>
+              <a:spcBef>
+                <a:spcPts val="400"/>
+              </a:spcBef>
+              <a:spcAft>
+                <a:spcPts val="200"/>
+              </a:spcAft>
+              <a:buClr>
+                <a:schemeClr val="accent1">
+                  <a:lumMod val="75000"/>
+                </a:schemeClr>
+              </a:buClr>
+              <a:buSzPct val="85000"/>
+              <a:buFont typeface="Wingdings" pitchFamily="2" charset="2"/>
+              <a:buChar char="§"/>
+              <a:defRPr sz="1600" kern="1200">
+                <a:solidFill>
+                  <a:schemeClr val="tx1"/>
+                </a:solidFill>
+                <a:latin typeface="+mn-lt"/>
+                <a:ea typeface="+mn-ea"/>
+                <a:cs typeface="+mn-cs"/>
+              </a:defRPr>
+            </a:lvl8pPr>
+            <a:lvl9pPr marL="2500000" indent="-228600" algn="l" defTabSz="914400" rtl="0" eaLnBrk="1" latinLnBrk="0" hangingPunct="1">
+              <a:lnSpc>
+                <a:spcPct val="90000"/>
+              </a:lnSpc>
+              <a:spcBef>
+                <a:spcPts val="400"/>
+              </a:spcBef>
+              <a:spcAft>
+                <a:spcPts val="200"/>
+              </a:spcAft>
+              <a:buClr>
+                <a:schemeClr val="accent1">
+                  <a:lumMod val="75000"/>
+                </a:schemeClr>
+              </a:buClr>
+              <a:buSzPct val="85000"/>
+              <a:buFont typeface="Wingdings" pitchFamily="2" charset="2"/>
+              <a:buChar char="§"/>
+              <a:defRPr sz="1600" kern="1200">
+                <a:solidFill>
+                  <a:schemeClr val="tx1"/>
+                </a:solidFill>
+                <a:latin typeface="+mn-lt"/>
+                <a:ea typeface="+mn-ea"/>
+                <a:cs typeface="+mn-cs"/>
+              </a:defRPr>
+            </a:lvl9pPr>
+          </a:lstStyle>
+          <a:p>
+            <a:r>
+              <a:rPr lang="fr-FR" sz="1800" dirty="0"/>
+              <a:t>Mise en production </a:t>
+            </a:r>
+          </a:p>
+          <a:p>
+            <a:r>
+              <a:rPr lang="fr-FR" sz="1800" dirty="0"/>
+              <a:t>Application mobile </a:t>
+            </a:r>
+          </a:p>
+        </p:txBody>
+      </p:sp>
+      <p:sp>
+        <p:nvSpPr>
+          <p:cNvPr id="8" name="Espace réservé du contenu 2">
+            <a:extLst>
+              <a:ext uri="{FF2B5EF4-FFF2-40B4-BE49-F238E27FC236}">
+                <a16:creationId xmlns:a16="http://schemas.microsoft.com/office/drawing/2014/main" id="{EC1E46D1-CB9E-8E4D-9C76-1E71E531D8D1}"/>
+              </a:ext>
+            </a:extLst>
+          </p:cNvPr>
+          <p:cNvSpPr txBox="1">
+            <a:spLocks/>
+          </p:cNvSpPr>
+          <p:nvPr/>
+        </p:nvSpPr>
+        <p:spPr>
+          <a:xfrm>
+            <a:off x="8375812" y="4736500"/>
+            <a:ext cx="3280479" cy="1232407"/>
+          </a:xfrm>
+          <a:prstGeom prst="rect">
+            <a:avLst/>
+          </a:prstGeom>
+        </p:spPr>
+        <p:txBody>
+          <a:bodyPr vert="horz" lIns="91440" tIns="45720" rIns="91440" bIns="45720" rtlCol="0">
+            <a:normAutofit/>
+          </a:bodyPr>
+          <a:lstStyle>
+            <a:lvl1pPr marL="182880" indent="-182880" algn="l" defTabSz="914400" rtl="0" eaLnBrk="1" latinLnBrk="0" hangingPunct="1">
+              <a:lnSpc>
+                <a:spcPct val="90000"/>
+              </a:lnSpc>
+              <a:spcBef>
+                <a:spcPts val="1200"/>
+              </a:spcBef>
+              <a:buClr>
+                <a:schemeClr val="accent1">
+                  <a:lumMod val="75000"/>
+                </a:schemeClr>
+              </a:buClr>
+              <a:buSzPct val="85000"/>
+              <a:buFont typeface="Wingdings" pitchFamily="2" charset="2"/>
+              <a:buChar char="§"/>
+              <a:defRPr sz="2000" kern="1200">
+                <a:solidFill>
+                  <a:schemeClr val="tx1"/>
+                </a:solidFill>
+                <a:latin typeface="+mn-lt"/>
+                <a:ea typeface="+mn-ea"/>
+                <a:cs typeface="+mn-cs"/>
+              </a:defRPr>
+            </a:lvl1pPr>
+            <a:lvl2pPr marL="457200" indent="-182880" algn="l" defTabSz="914400" rtl="0" eaLnBrk="1" latinLnBrk="0" hangingPunct="1">
+              <a:lnSpc>
+                <a:spcPct val="90000"/>
+              </a:lnSpc>
+              <a:spcBef>
+                <a:spcPts val="400"/>
+              </a:spcBef>
+              <a:spcAft>
+                <a:spcPts val="200"/>
+              </a:spcAft>
+              <a:buClr>
+                <a:schemeClr val="accent1">
+                  <a:lumMod val="75000"/>
+                </a:schemeClr>
+              </a:buClr>
+              <a:buSzPct val="85000"/>
+              <a:buFont typeface="Wingdings" pitchFamily="2" charset="2"/>
+              <a:buChar char="§"/>
+              <a:defRPr sz="1800" kern="1200">
+                <a:solidFill>
+                  <a:schemeClr val="tx1"/>
+                </a:solidFill>
+                <a:latin typeface="+mn-lt"/>
+                <a:ea typeface="+mn-ea"/>
+                <a:cs typeface="+mn-cs"/>
+              </a:defRPr>
+            </a:lvl2pPr>
+            <a:lvl3pPr marL="731520" indent="-182880" algn="l" defTabSz="914400" rtl="0" eaLnBrk="1" latinLnBrk="0" hangingPunct="1">
+              <a:lnSpc>
+                <a:spcPct val="90000"/>
+              </a:lnSpc>
+              <a:spcBef>
+                <a:spcPts val="400"/>
+              </a:spcBef>
+              <a:spcAft>
+                <a:spcPts val="200"/>
+              </a:spcAft>
+              <a:buClr>
+                <a:schemeClr val="accent1">
+                  <a:lumMod val="75000"/>
+                </a:schemeClr>
+              </a:buClr>
+              <a:buSzPct val="85000"/>
+              <a:buFont typeface="Wingdings" pitchFamily="2" charset="2"/>
+              <a:buChar char="§"/>
+              <a:defRPr sz="1600" kern="1200">
+                <a:solidFill>
+                  <a:schemeClr val="tx1"/>
+                </a:solidFill>
+                <a:latin typeface="+mn-lt"/>
+                <a:ea typeface="+mn-ea"/>
+                <a:cs typeface="+mn-cs"/>
+              </a:defRPr>
+            </a:lvl3pPr>
+            <a:lvl4pPr marL="1005840" indent="-182880" algn="l" defTabSz="914400" rtl="0" eaLnBrk="1" latinLnBrk="0" hangingPunct="1">
+              <a:lnSpc>
+                <a:spcPct val="90000"/>
+              </a:lnSpc>
+              <a:spcBef>
+                <a:spcPts val="400"/>
+              </a:spcBef>
+              <a:spcAft>
+                <a:spcPts val="200"/>
+              </a:spcAft>
+              <a:buClr>
+                <a:schemeClr val="accent1">
+                  <a:lumMod val="75000"/>
+                </a:schemeClr>
+              </a:buClr>
+              <a:buSzPct val="85000"/>
+              <a:buFont typeface="Wingdings" pitchFamily="2" charset="2"/>
+              <a:buChar char="§"/>
+              <a:defRPr sz="1600" kern="1200">
+                <a:solidFill>
+                  <a:schemeClr val="tx1"/>
+                </a:solidFill>
+                <a:latin typeface="+mn-lt"/>
+                <a:ea typeface="+mn-ea"/>
+                <a:cs typeface="+mn-cs"/>
+              </a:defRPr>
+            </a:lvl4pPr>
+            <a:lvl5pPr marL="1280160" indent="-182880" algn="l" defTabSz="914400" rtl="0" eaLnBrk="1" latinLnBrk="0" hangingPunct="1">
+              <a:lnSpc>
+                <a:spcPct val="90000"/>
+              </a:lnSpc>
+              <a:spcBef>
+                <a:spcPts val="400"/>
+              </a:spcBef>
+              <a:spcAft>
+                <a:spcPts val="200"/>
+              </a:spcAft>
+              <a:buClr>
+                <a:schemeClr val="accent1">
+                  <a:lumMod val="75000"/>
+                </a:schemeClr>
+              </a:buClr>
+              <a:buSzPct val="85000"/>
+              <a:buFont typeface="Wingdings" pitchFamily="2" charset="2"/>
+              <a:buChar char="§"/>
+              <a:defRPr sz="1600" kern="1200">
+                <a:solidFill>
+                  <a:schemeClr val="tx1"/>
+                </a:solidFill>
+                <a:latin typeface="+mn-lt"/>
+                <a:ea typeface="+mn-ea"/>
+                <a:cs typeface="+mn-cs"/>
+              </a:defRPr>
+            </a:lvl5pPr>
+            <a:lvl6pPr marL="1600000" indent="-228600" algn="l" defTabSz="914400" rtl="0" eaLnBrk="1" latinLnBrk="0" hangingPunct="1">
+              <a:lnSpc>
+                <a:spcPct val="90000"/>
+              </a:lnSpc>
+              <a:spcBef>
+                <a:spcPts val="400"/>
+              </a:spcBef>
+              <a:spcAft>
+                <a:spcPts val="200"/>
+              </a:spcAft>
+              <a:buClr>
+                <a:schemeClr val="accent1">
+                  <a:lumMod val="75000"/>
+                </a:schemeClr>
+              </a:buClr>
+              <a:buSzPct val="85000"/>
+              <a:buFont typeface="Wingdings" pitchFamily="2" charset="2"/>
+              <a:buChar char="§"/>
+              <a:defRPr sz="1600" kern="1200">
+                <a:solidFill>
+                  <a:schemeClr val="tx1"/>
+                </a:solidFill>
+                <a:latin typeface="+mn-lt"/>
+                <a:ea typeface="+mn-ea"/>
+                <a:cs typeface="+mn-cs"/>
+              </a:defRPr>
+            </a:lvl6pPr>
+            <a:lvl7pPr marL="1900000" indent="-228600" algn="l" defTabSz="914400" rtl="0" eaLnBrk="1" latinLnBrk="0" hangingPunct="1">
+              <a:lnSpc>
+                <a:spcPct val="90000"/>
+              </a:lnSpc>
+              <a:spcBef>
+                <a:spcPts val="400"/>
+              </a:spcBef>
+              <a:spcAft>
+                <a:spcPts val="200"/>
+              </a:spcAft>
+              <a:buClr>
+                <a:schemeClr val="accent1">
+                  <a:lumMod val="75000"/>
+                </a:schemeClr>
+              </a:buClr>
+              <a:buSzPct val="85000"/>
+              <a:buFont typeface="Wingdings" pitchFamily="2" charset="2"/>
+              <a:buChar char="§"/>
+              <a:defRPr sz="1600" kern="1200">
+                <a:solidFill>
+                  <a:schemeClr val="tx1"/>
+                </a:solidFill>
+                <a:latin typeface="+mn-lt"/>
+                <a:ea typeface="+mn-ea"/>
+                <a:cs typeface="+mn-cs"/>
+              </a:defRPr>
+            </a:lvl7pPr>
+            <a:lvl8pPr marL="2200000" indent="-228600" algn="l" defTabSz="914400" rtl="0" eaLnBrk="1" latinLnBrk="0" hangingPunct="1">
+              <a:lnSpc>
+                <a:spcPct val="90000"/>
+              </a:lnSpc>
+              <a:spcBef>
+                <a:spcPts val="400"/>
+              </a:spcBef>
+              <a:spcAft>
+                <a:spcPts val="200"/>
+              </a:spcAft>
+              <a:buClr>
+                <a:schemeClr val="accent1">
+                  <a:lumMod val="75000"/>
+                </a:schemeClr>
+              </a:buClr>
+              <a:buSzPct val="85000"/>
+              <a:buFont typeface="Wingdings" pitchFamily="2" charset="2"/>
+              <a:buChar char="§"/>
+              <a:defRPr sz="1600" kern="1200">
+                <a:solidFill>
+                  <a:schemeClr val="tx1"/>
+                </a:solidFill>
+                <a:latin typeface="+mn-lt"/>
+                <a:ea typeface="+mn-ea"/>
+                <a:cs typeface="+mn-cs"/>
+              </a:defRPr>
+            </a:lvl8pPr>
+            <a:lvl9pPr marL="2500000" indent="-228600" algn="l" defTabSz="914400" rtl="0" eaLnBrk="1" latinLnBrk="0" hangingPunct="1">
+              <a:lnSpc>
+                <a:spcPct val="90000"/>
+              </a:lnSpc>
+              <a:spcBef>
+                <a:spcPts val="400"/>
+              </a:spcBef>
+              <a:spcAft>
+                <a:spcPts val="200"/>
+              </a:spcAft>
+              <a:buClr>
+                <a:schemeClr val="accent1">
+                  <a:lumMod val="75000"/>
+                </a:schemeClr>
+              </a:buClr>
+              <a:buSzPct val="85000"/>
+              <a:buFont typeface="Wingdings" pitchFamily="2" charset="2"/>
+              <a:buChar char="§"/>
+              <a:defRPr sz="1600" kern="1200">
+                <a:solidFill>
+                  <a:schemeClr val="tx1"/>
+                </a:solidFill>
+                <a:latin typeface="+mn-lt"/>
+                <a:ea typeface="+mn-ea"/>
+                <a:cs typeface="+mn-cs"/>
+              </a:defRPr>
+            </a:lvl9pPr>
+          </a:lstStyle>
+          <a:p>
+            <a:r>
+              <a:rPr lang="fr-FR" sz="1800" dirty="0"/>
+              <a:t>Difficultés rencontrés </a:t>
+            </a:r>
+          </a:p>
+          <a:p>
+            <a:r>
+              <a:rPr lang="fr-FR" sz="1800" dirty="0"/>
+              <a:t>Améliorations</a:t>
+            </a:r>
+          </a:p>
+          <a:p>
+            <a:r>
+              <a:rPr lang="fr-FR" sz="1800" dirty="0"/>
+              <a:t>Points positifs</a:t>
+            </a:r>
+          </a:p>
+        </p:txBody>
+      </p:sp>
+    </p:spTree>
+    <p:extLst>
+      <p:ext uri="{BB962C8B-B14F-4D97-AF65-F5344CB8AC3E}">
+        <p14:creationId xmlns:p14="http://schemas.microsoft.com/office/powerpoint/2010/main" val="3285485381"/>
+      </p:ext>
+    </p:extLst>
+  </p:cSld>
+  <p:clrMapOvr>
+    <a:masterClrMapping/>
+  </p:clrMapOvr>
+</p:sld>
+</file>
+
+<file path=ppt/slides/slide20.xml><?xml version="1.0" encoding="utf-8"?>
+<p:sld xmlns:a="http://schemas.openxmlformats.org/drawingml/2006/main" xmlns:r="http://schemas.openxmlformats.org/officeDocument/2006/relationships" xmlns:p="http://schemas.openxmlformats.org/presentationml/2006/main">
+  <p:cSld>
+    <p:spTree>
+      <p:nvGrpSpPr>
+        <p:cNvPr id="1" name=""/>
+        <p:cNvGrpSpPr/>
+        <p:nvPr/>
+      </p:nvGrpSpPr>
+      <p:grpSpPr>
+        <a:xfrm>
+          <a:off x="0" y="0"/>
+          <a:ext cx="0" cy="0"/>
+          <a:chOff x="0" y="0"/>
+          <a:chExt cx="0" cy="0"/>
+        </a:xfrm>
+      </p:grpSpPr>
+      <p:sp>
+        <p:nvSpPr>
+          <p:cNvPr id="2" name="Titre 1">
+            <a:extLst>
+              <a:ext uri="{FF2B5EF4-FFF2-40B4-BE49-F238E27FC236}">
+                <a16:creationId xmlns:a16="http://schemas.microsoft.com/office/drawing/2014/main" id="{75E1B9BB-D0F5-8740-88DE-6961715A23F3}"/>
+              </a:ext>
+            </a:extLst>
+          </p:cNvPr>
+          <p:cNvSpPr>
+            <a:spLocks noGrp="1"/>
+          </p:cNvSpPr>
+          <p:nvPr>
+            <p:ph type="title"/>
+          </p:nvPr>
+        </p:nvSpPr>
+        <p:spPr/>
+        <p:txBody>
+          <a:bodyPr/>
+          <a:lstStyle/>
+          <a:p>
+            <a:r>
+              <a:rPr lang="fr-FR" dirty="0"/>
+              <a:t>Questions ?</a:t>
+            </a:r>
+          </a:p>
+        </p:txBody>
+      </p:sp>
+      <p:sp>
+        <p:nvSpPr>
+          <p:cNvPr id="3" name="Espace réservé du contenu 2">
+            <a:extLst>
+              <a:ext uri="{FF2B5EF4-FFF2-40B4-BE49-F238E27FC236}">
+                <a16:creationId xmlns:a16="http://schemas.microsoft.com/office/drawing/2014/main" id="{6C57822B-04F7-EA40-8AA1-E9842AE8BBAA}"/>
+              </a:ext>
+            </a:extLst>
+          </p:cNvPr>
+          <p:cNvSpPr>
+            <a:spLocks noGrp="1"/>
+          </p:cNvSpPr>
+          <p:nvPr>
+            <p:ph idx="1"/>
+          </p:nvPr>
+        </p:nvSpPr>
+        <p:spPr/>
+        <p:txBody>
+          <a:bodyPr/>
+          <a:lstStyle/>
+          <a:p>
+            <a:endParaRPr lang="fr-FR"/>
+          </a:p>
+        </p:txBody>
+      </p:sp>
+      <p:sp>
+        <p:nvSpPr>
+          <p:cNvPr id="4" name="ZoneTexte 3">
+            <a:extLst>
+              <a:ext uri="{FF2B5EF4-FFF2-40B4-BE49-F238E27FC236}">
+                <a16:creationId xmlns:a16="http://schemas.microsoft.com/office/drawing/2014/main" id="{5F8F30CE-4293-2041-B7A3-B6539329FCAB}"/>
+              </a:ext>
+            </a:extLst>
+          </p:cNvPr>
+          <p:cNvSpPr txBox="1"/>
+          <p:nvPr/>
+        </p:nvSpPr>
+        <p:spPr>
+          <a:xfrm>
+            <a:off x="11406908" y="6297888"/>
+            <a:ext cx="457176" cy="369332"/>
+          </a:xfrm>
+          <a:prstGeom prst="rect">
+            <a:avLst/>
+          </a:prstGeom>
+          <a:noFill/>
+        </p:spPr>
+        <p:txBody>
+          <a:bodyPr wrap="none" rtlCol="0">
+            <a:spAutoFit/>
+          </a:bodyPr>
+          <a:lstStyle/>
+          <a:p>
+            <a:r>
+              <a:rPr lang="fr-FR" dirty="0"/>
+              <a:t>14</a:t>
+            </a:r>
+          </a:p>
+        </p:txBody>
+      </p:sp>
+    </p:spTree>
+    <p:extLst>
+      <p:ext uri="{BB962C8B-B14F-4D97-AF65-F5344CB8AC3E}">
+        <p14:creationId xmlns:p14="http://schemas.microsoft.com/office/powerpoint/2010/main" val="152265451"/>
+      </p:ext>
+    </p:extLst>
+  </p:cSld>
+  <p:clrMapOvr>
+    <a:masterClrMapping/>
+  </p:clrMapOvr>
+</p:sld>
+</file>
+
+<file path=ppt/slides/slide3.xml><?xml version="1.0" encoding="utf-8"?>
+<p:sld xmlns:a="http://schemas.openxmlformats.org/drawingml/2006/main" xmlns:r="http://schemas.openxmlformats.org/officeDocument/2006/relationships" xmlns:p="http://schemas.openxmlformats.org/presentationml/2006/main">
+  <p:cSld>
+    <p:spTree>
+      <p:nvGrpSpPr>
+        <p:cNvPr id="1" name=""/>
+        <p:cNvGrpSpPr/>
+        <p:nvPr/>
+      </p:nvGrpSpPr>
+      <p:grpSpPr>
+        <a:xfrm>
+          <a:off x="0" y="0"/>
+          <a:ext cx="0" cy="0"/>
+          <a:chOff x="0" y="0"/>
+          <a:chExt cx="0" cy="0"/>
+        </a:xfrm>
+      </p:grpSpPr>
+      <p:sp>
+        <p:nvSpPr>
+          <p:cNvPr id="2" name="Titre 1">
+            <a:extLst>
+              <a:ext uri="{FF2B5EF4-FFF2-40B4-BE49-F238E27FC236}">
+                <a16:creationId xmlns:a16="http://schemas.microsoft.com/office/drawing/2014/main" id="{E070BD1A-F734-004D-8050-6B841AA1C839}"/>
+              </a:ext>
+            </a:extLst>
+          </p:cNvPr>
+          <p:cNvSpPr>
+            <a:spLocks noGrp="1"/>
+          </p:cNvSpPr>
+          <p:nvPr>
+            <p:ph type="title"/>
+          </p:nvPr>
+        </p:nvSpPr>
+        <p:spPr/>
+        <p:txBody>
+          <a:bodyPr/>
+          <a:lstStyle/>
+          <a:p>
+            <a:r>
+              <a:rPr lang="fr-FR" dirty="0"/>
+              <a:t>Déroulement</a:t>
+            </a:r>
+          </a:p>
+        </p:txBody>
+      </p:sp>
+      <p:sp>
+        <p:nvSpPr>
+          <p:cNvPr id="4" name="Rectangle à coins arrondis 3">
+            <a:extLst>
+              <a:ext uri="{FF2B5EF4-FFF2-40B4-BE49-F238E27FC236}">
+                <a16:creationId xmlns:a16="http://schemas.microsoft.com/office/drawing/2014/main" id="{5B325F03-6E49-054A-905C-229B8AB7FA24}"/>
+              </a:ext>
+            </a:extLst>
+          </p:cNvPr>
+          <p:cNvSpPr/>
+          <p:nvPr/>
+        </p:nvSpPr>
+        <p:spPr>
+          <a:xfrm>
+            <a:off x="663448" y="2675868"/>
+            <a:ext cx="2966443" cy="2265587"/>
+          </a:xfrm>
+          <a:prstGeom prst="roundRect">
+            <a:avLst/>
+          </a:prstGeom>
+        </p:spPr>
+        <p:style>
+          <a:lnRef idx="2">
+            <a:schemeClr val="accent1">
+              <a:shade val="50000"/>
+            </a:schemeClr>
+          </a:lnRef>
+          <a:fillRef idx="1">
+            <a:schemeClr val="accent1"/>
+          </a:fillRef>
+          <a:effectRef idx="0">
+            <a:schemeClr val="accent1"/>
+          </a:effectRef>
+          <a:fontRef idx="minor">
+            <a:schemeClr val="lt1"/>
+          </a:fontRef>
+        </p:style>
+        <p:txBody>
+          <a:bodyPr rtlCol="0" anchor="ctr"/>
+          <a:lstStyle/>
+          <a:p>
+            <a:pPr algn="ctr"/>
+            <a:r>
+              <a:rPr lang="fr-FR" dirty="0"/>
+              <a:t>Introduction</a:t>
+            </a:r>
+          </a:p>
+        </p:txBody>
+      </p:sp>
+      <p:sp>
+        <p:nvSpPr>
+          <p:cNvPr id="5" name="Rectangle à coins arrondis 4">
+            <a:extLst>
+              <a:ext uri="{FF2B5EF4-FFF2-40B4-BE49-F238E27FC236}">
+                <a16:creationId xmlns:a16="http://schemas.microsoft.com/office/drawing/2014/main" id="{455A8A4E-9290-E748-98D6-FAD839D8E76B}"/>
+              </a:ext>
+            </a:extLst>
+          </p:cNvPr>
+          <p:cNvSpPr/>
+          <p:nvPr/>
+        </p:nvSpPr>
+        <p:spPr>
+          <a:xfrm>
+            <a:off x="4607375" y="2675867"/>
+            <a:ext cx="2966443" cy="2265587"/>
+          </a:xfrm>
+          <a:prstGeom prst="roundRect">
+            <a:avLst/>
+          </a:prstGeom>
+        </p:spPr>
+        <p:style>
+          <a:lnRef idx="2">
+            <a:schemeClr val="dk1">
+              <a:shade val="50000"/>
+            </a:schemeClr>
+          </a:lnRef>
+          <a:fillRef idx="1">
+            <a:schemeClr val="dk1"/>
+          </a:fillRef>
+          <a:effectRef idx="0">
+            <a:schemeClr val="dk1"/>
+          </a:effectRef>
+          <a:fontRef idx="minor">
+            <a:schemeClr val="lt1"/>
+          </a:fontRef>
+        </p:style>
+        <p:txBody>
+          <a:bodyPr rtlCol="0" anchor="ctr"/>
+          <a:lstStyle/>
+          <a:p>
+            <a:pPr algn="ctr"/>
+            <a:r>
+              <a:rPr lang="fr-FR" dirty="0"/>
+              <a:t>Développement</a:t>
+            </a:r>
+          </a:p>
+        </p:txBody>
+      </p:sp>
+      <p:sp>
+        <p:nvSpPr>
+          <p:cNvPr id="6" name="Rectangle à coins arrondis 5">
+            <a:extLst>
+              <a:ext uri="{FF2B5EF4-FFF2-40B4-BE49-F238E27FC236}">
+                <a16:creationId xmlns:a16="http://schemas.microsoft.com/office/drawing/2014/main" id="{67A4D9A3-B83A-DF4A-9E34-A0EE7F640B95}"/>
+              </a:ext>
+            </a:extLst>
+          </p:cNvPr>
+          <p:cNvSpPr/>
+          <p:nvPr/>
+        </p:nvSpPr>
+        <p:spPr>
+          <a:xfrm>
+            <a:off x="8551303" y="2675868"/>
+            <a:ext cx="2966443" cy="2265587"/>
+          </a:xfrm>
+          <a:prstGeom prst="roundRect">
+            <a:avLst/>
+          </a:prstGeom>
+        </p:spPr>
+        <p:style>
+          <a:lnRef idx="2">
+            <a:schemeClr val="dk1">
+              <a:shade val="50000"/>
+            </a:schemeClr>
+          </a:lnRef>
+          <a:fillRef idx="1">
+            <a:schemeClr val="dk1"/>
+          </a:fillRef>
+          <a:effectRef idx="0">
+            <a:schemeClr val="dk1"/>
+          </a:effectRef>
+          <a:fontRef idx="minor">
+            <a:schemeClr val="lt1"/>
+          </a:fontRef>
+        </p:style>
+        <p:txBody>
+          <a:bodyPr rtlCol="0" anchor="ctr"/>
+          <a:lstStyle/>
+          <a:p>
+            <a:pPr algn="ctr"/>
+            <a:r>
+              <a:rPr lang="fr-FR" dirty="0"/>
+              <a:t>Conclusion</a:t>
+            </a:r>
+          </a:p>
+        </p:txBody>
+      </p:sp>
+    </p:spTree>
+    <p:extLst>
+      <p:ext uri="{BB962C8B-B14F-4D97-AF65-F5344CB8AC3E}">
+        <p14:creationId xmlns:p14="http://schemas.microsoft.com/office/powerpoint/2010/main" val="2508586254"/>
+      </p:ext>
+    </p:extLst>
+  </p:cSld>
+  <p:clrMapOvr>
+    <a:masterClrMapping/>
+  </p:clrMapOvr>
+</p:sld>
+</file>
+
+<file path=ppt/slides/slide4.xml><?xml version="1.0" encoding="utf-8"?>
+<p:sld xmlns:a="http://schemas.openxmlformats.org/drawingml/2006/main" xmlns:r="http://schemas.openxmlformats.org/officeDocument/2006/relationships" xmlns:p="http://schemas.openxmlformats.org/presentationml/2006/main">
+  <p:cSld>
+    <p:spTree>
+      <p:nvGrpSpPr>
+        <p:cNvPr id="1" name=""/>
+        <p:cNvGrpSpPr/>
+        <p:nvPr/>
+      </p:nvGrpSpPr>
+      <p:grpSpPr>
+        <a:xfrm>
+          <a:off x="0" y="0"/>
+          <a:ext cx="0" cy="0"/>
+          <a:chOff x="0" y="0"/>
+          <a:chExt cx="0" cy="0"/>
+        </a:xfrm>
+      </p:grpSpPr>
+      <p:sp>
+        <p:nvSpPr>
+          <p:cNvPr id="2" name="Titre 1">
+            <a:extLst>
+              <a:ext uri="{FF2B5EF4-FFF2-40B4-BE49-F238E27FC236}">
+                <a16:creationId xmlns:a16="http://schemas.microsoft.com/office/drawing/2014/main" id="{152591FC-1002-5842-83F0-7D8B0E5A9D14}"/>
+              </a:ext>
+            </a:extLst>
+          </p:cNvPr>
+          <p:cNvSpPr>
+            <a:spLocks noGrp="1"/>
+          </p:cNvSpPr>
+          <p:nvPr>
+            <p:ph type="title"/>
+          </p:nvPr>
+        </p:nvSpPr>
+        <p:spPr/>
+        <p:txBody>
+          <a:bodyPr/>
+          <a:lstStyle/>
+          <a:p>
+            <a:r>
+              <a:rPr lang="fr-FR" dirty="0"/>
+              <a:t>Introduction</a:t>
+            </a:r>
+          </a:p>
+        </p:txBody>
+      </p:sp>
+      <p:sp>
+        <p:nvSpPr>
+          <p:cNvPr id="3" name="Espace réservé du contenu 2">
+            <a:extLst>
+              <a:ext uri="{FF2B5EF4-FFF2-40B4-BE49-F238E27FC236}">
+                <a16:creationId xmlns:a16="http://schemas.microsoft.com/office/drawing/2014/main" id="{1939E1C6-9CE1-3649-902D-F9F092FC4373}"/>
+              </a:ext>
+            </a:extLst>
+          </p:cNvPr>
+          <p:cNvSpPr>
+            <a:spLocks noGrp="1"/>
+          </p:cNvSpPr>
+          <p:nvPr>
+            <p:ph idx="1"/>
+          </p:nvPr>
+        </p:nvSpPr>
+        <p:spPr/>
+        <p:txBody>
+          <a:bodyPr/>
+          <a:lstStyle/>
+          <a:p>
+            <a:r>
+              <a:rPr lang="fr-FR" dirty="0"/>
+              <a:t>1 client, M. Louis Pache</a:t>
+            </a:r>
+          </a:p>
+          <a:p>
+            <a:r>
+              <a:rPr lang="fr-FR" dirty="0"/>
+              <a:t>Cercle d’Yverdon </a:t>
+            </a:r>
+          </a:p>
+          <a:p>
+            <a:r>
+              <a:rPr lang="fr-FR" dirty="0"/>
+              <a:t>Gestion de cave </a:t>
+            </a:r>
+          </a:p>
+          <a:p>
+            <a:r>
+              <a:rPr lang="fr-FR" dirty="0"/>
+              <a:t>Aide au CPNV</a:t>
+            </a:r>
+          </a:p>
+          <a:p>
+            <a:r>
+              <a:rPr lang="fr-FR" dirty="0"/>
+              <a:t>Application mobile et site web </a:t>
+            </a:r>
+          </a:p>
+          <a:p>
+            <a:r>
+              <a:rPr lang="fr-FR" dirty="0"/>
+              <a:t>Pré-TPI, site + application mobile</a:t>
+            </a:r>
+          </a:p>
+          <a:p>
+            <a:r>
+              <a:rPr lang="fr-FR" dirty="0"/>
+              <a:t>Tâche de faire ce projet</a:t>
+            </a:r>
+          </a:p>
+        </p:txBody>
+      </p:sp>
+      <p:sp>
+        <p:nvSpPr>
+          <p:cNvPr id="4" name="ZoneTexte 3">
+            <a:extLst>
+              <a:ext uri="{FF2B5EF4-FFF2-40B4-BE49-F238E27FC236}">
+                <a16:creationId xmlns:a16="http://schemas.microsoft.com/office/drawing/2014/main" id="{CE59A308-95E8-B34E-BC94-40485EE01DB6}"/>
+              </a:ext>
+            </a:extLst>
+          </p:cNvPr>
+          <p:cNvSpPr txBox="1"/>
+          <p:nvPr/>
+        </p:nvSpPr>
+        <p:spPr>
+          <a:xfrm>
+            <a:off x="11480799" y="6289963"/>
+            <a:ext cx="320922" cy="369332"/>
+          </a:xfrm>
+          <a:prstGeom prst="rect">
+            <a:avLst/>
+          </a:prstGeom>
+          <a:noFill/>
+        </p:spPr>
+        <p:txBody>
+          <a:bodyPr wrap="none" rtlCol="0">
+            <a:spAutoFit/>
+          </a:bodyPr>
+          <a:lstStyle/>
+          <a:p>
+            <a:r>
+              <a:rPr lang="fr-FR" dirty="0"/>
+              <a:t>2</a:t>
+            </a:r>
+          </a:p>
+        </p:txBody>
+      </p:sp>
+    </p:spTree>
+    <p:extLst>
+      <p:ext uri="{BB962C8B-B14F-4D97-AF65-F5344CB8AC3E}">
+        <p14:creationId xmlns:p14="http://schemas.microsoft.com/office/powerpoint/2010/main" val="1662323745"/>
+      </p:ext>
+    </p:extLst>
+  </p:cSld>
+  <p:clrMapOvr>
+    <a:masterClrMapping/>
+  </p:clrMapOvr>
+</p:sld>
+</file>
+
+<file path=ppt/slides/slide5.xml><?xml version="1.0" encoding="utf-8"?>
+<p:sld xmlns:a="http://schemas.openxmlformats.org/drawingml/2006/main" xmlns:r="http://schemas.openxmlformats.org/officeDocument/2006/relationships" xmlns:p="http://schemas.openxmlformats.org/presentationml/2006/main">
+  <p:cSld>
+    <p:spTree>
+      <p:nvGrpSpPr>
+        <p:cNvPr id="1" name=""/>
+        <p:cNvGrpSpPr/>
+        <p:nvPr/>
+      </p:nvGrpSpPr>
+      <p:grpSpPr>
+        <a:xfrm>
+          <a:off x="0" y="0"/>
+          <a:ext cx="0" cy="0"/>
+          <a:chOff x="0" y="0"/>
+          <a:chExt cx="0" cy="0"/>
+        </a:xfrm>
+      </p:grpSpPr>
+      <p:sp>
+        <p:nvSpPr>
+          <p:cNvPr id="2" name="Titre 1">
+            <a:extLst>
+              <a:ext uri="{FF2B5EF4-FFF2-40B4-BE49-F238E27FC236}">
+                <a16:creationId xmlns:a16="http://schemas.microsoft.com/office/drawing/2014/main" id="{ACD7763A-0C4E-AB40-BF95-242E25A615D2}"/>
+              </a:ext>
+            </a:extLst>
+          </p:cNvPr>
+          <p:cNvSpPr>
+            <a:spLocks noGrp="1"/>
+          </p:cNvSpPr>
+          <p:nvPr>
+            <p:ph type="title"/>
+          </p:nvPr>
+        </p:nvSpPr>
+        <p:spPr/>
+        <p:txBody>
+          <a:bodyPr/>
+          <a:lstStyle/>
+          <a:p>
+            <a:r>
+              <a:rPr lang="fr-FR" dirty="0"/>
+              <a:t>Gestion de la cave</a:t>
+            </a:r>
+          </a:p>
+        </p:txBody>
+      </p:sp>
+      <p:pic>
+        <p:nvPicPr>
+          <p:cNvPr id="5" name="Espace réservé du contenu 4">
+            <a:extLst>
+              <a:ext uri="{FF2B5EF4-FFF2-40B4-BE49-F238E27FC236}">
+                <a16:creationId xmlns:a16="http://schemas.microsoft.com/office/drawing/2014/main" id="{B229CE2C-2A87-1441-9757-97E10BD393B4}"/>
+              </a:ext>
+            </a:extLst>
+          </p:cNvPr>
+          <p:cNvPicPr>
+            <a:picLocks noGrp="1" noChangeAspect="1"/>
+          </p:cNvPicPr>
+          <p:nvPr>
+            <p:ph idx="1"/>
+          </p:nvPr>
+        </p:nvPicPr>
+        <p:blipFill rotWithShape="1">
+          <a:blip r:embed="rId2"/>
+          <a:srcRect l="5176" t="7554" r="9915" b="5755"/>
+          <a:stretch/>
+        </p:blipFill>
+        <p:spPr>
+          <a:xfrm rot="5400000">
+            <a:off x="5827392" y="804317"/>
+            <a:ext cx="6866434" cy="5257800"/>
+          </a:xfrm>
+        </p:spPr>
+      </p:pic>
+      <p:sp>
+        <p:nvSpPr>
+          <p:cNvPr id="6" name="ZoneTexte 5">
+            <a:extLst>
+              <a:ext uri="{FF2B5EF4-FFF2-40B4-BE49-F238E27FC236}">
+                <a16:creationId xmlns:a16="http://schemas.microsoft.com/office/drawing/2014/main" id="{FEF48E5C-53E8-7348-8E84-854C2A70E082}"/>
+              </a:ext>
+            </a:extLst>
+          </p:cNvPr>
+          <p:cNvSpPr txBox="1"/>
+          <p:nvPr/>
+        </p:nvSpPr>
+        <p:spPr>
+          <a:xfrm>
+            <a:off x="1069848" y="2909997"/>
+            <a:ext cx="4102516" cy="523220"/>
+          </a:xfrm>
+          <a:prstGeom prst="rect">
+            <a:avLst/>
+          </a:prstGeom>
+          <a:noFill/>
+        </p:spPr>
+        <p:txBody>
+          <a:bodyPr wrap="square" rtlCol="0">
+            <a:spAutoFit/>
+          </a:bodyPr>
+          <a:lstStyle/>
+          <a:p>
+            <a:pPr marL="457200" indent="-457200">
+              <a:buFont typeface="Arial" panose="020B0604020202020204" pitchFamily="34" charset="0"/>
+              <a:buChar char="•"/>
+            </a:pPr>
+            <a:r>
+              <a:rPr lang="fr-FR" sz="2800" dirty="0"/>
+              <a:t>Ancienne méthode</a:t>
+            </a:r>
+          </a:p>
+        </p:txBody>
+      </p:sp>
+    </p:spTree>
+    <p:extLst>
+      <p:ext uri="{BB962C8B-B14F-4D97-AF65-F5344CB8AC3E}">
+        <p14:creationId xmlns:p14="http://schemas.microsoft.com/office/powerpoint/2010/main" val="3437800917"/>
+      </p:ext>
+    </p:extLst>
+  </p:cSld>
+  <p:clrMapOvr>
+    <a:masterClrMapping/>
+  </p:clrMapOvr>
+</p:sld>
+</file>
+
+<file path=ppt/slides/slide6.xml><?xml version="1.0" encoding="utf-8"?>
+<p:sld xmlns:a="http://schemas.openxmlformats.org/drawingml/2006/main" xmlns:r="http://schemas.openxmlformats.org/officeDocument/2006/relationships" xmlns:p="http://schemas.openxmlformats.org/presentationml/2006/main">
+  <p:cSld>
+    <p:spTree>
+      <p:nvGrpSpPr>
+        <p:cNvPr id="1" name=""/>
+        <p:cNvGrpSpPr/>
+        <p:nvPr/>
+      </p:nvGrpSpPr>
+      <p:grpSpPr>
+        <a:xfrm>
+          <a:off x="0" y="0"/>
+          <a:ext cx="0" cy="0"/>
+          <a:chOff x="0" y="0"/>
+          <a:chExt cx="0" cy="0"/>
+        </a:xfrm>
+      </p:grpSpPr>
+      <p:sp>
+        <p:nvSpPr>
+          <p:cNvPr id="2" name="Titre 1">
+            <a:extLst>
+              <a:ext uri="{FF2B5EF4-FFF2-40B4-BE49-F238E27FC236}">
+                <a16:creationId xmlns:a16="http://schemas.microsoft.com/office/drawing/2014/main" id="{83A9A594-5570-0649-BEB6-057C8F707B05}"/>
+              </a:ext>
+            </a:extLst>
+          </p:cNvPr>
+          <p:cNvSpPr>
+            <a:spLocks noGrp="1"/>
+          </p:cNvSpPr>
+          <p:nvPr>
+            <p:ph type="title"/>
+          </p:nvPr>
+        </p:nvSpPr>
+        <p:spPr/>
+        <p:txBody>
+          <a:bodyPr/>
+          <a:lstStyle/>
+          <a:p>
+            <a:r>
+              <a:rPr lang="fr-FR" dirty="0"/>
+              <a:t>Objectifs du site</a:t>
+            </a:r>
+          </a:p>
+        </p:txBody>
+      </p:sp>
+      <p:sp>
+        <p:nvSpPr>
+          <p:cNvPr id="3" name="Espace réservé du contenu 2">
+            <a:extLst>
+              <a:ext uri="{FF2B5EF4-FFF2-40B4-BE49-F238E27FC236}">
+                <a16:creationId xmlns:a16="http://schemas.microsoft.com/office/drawing/2014/main" id="{3E94145A-5012-FF43-9A80-63FDD4B7BEAE}"/>
+              </a:ext>
+            </a:extLst>
+          </p:cNvPr>
+          <p:cNvSpPr>
+            <a:spLocks noGrp="1"/>
+          </p:cNvSpPr>
+          <p:nvPr>
+            <p:ph idx="1"/>
+          </p:nvPr>
+        </p:nvSpPr>
+        <p:spPr/>
+        <p:txBody>
+          <a:bodyPr/>
+          <a:lstStyle/>
+          <a:p>
+            <a:r>
+              <a:rPr lang="fr-FR" dirty="0"/>
+              <a:t>Introduire un nouveau vin</a:t>
+            </a:r>
+          </a:p>
+          <a:p>
+            <a:r>
+              <a:rPr lang="fr-FR" dirty="0"/>
+              <a:t>Ajouter ou retirer un vin </a:t>
+            </a:r>
+          </a:p>
+          <a:p>
+            <a:r>
+              <a:rPr lang="fr-FR" dirty="0"/>
+              <a:t>Créer et imprimer des QR Code</a:t>
+            </a:r>
+          </a:p>
+          <a:p>
+            <a:r>
+              <a:rPr lang="fr-FR" dirty="0"/>
+              <a:t>Consulter le stock actuel</a:t>
+            </a:r>
+          </a:p>
+          <a:p>
+            <a:pPr lvl="1"/>
+            <a:r>
+              <a:rPr lang="fr-FR" dirty="0"/>
+              <a:t>À une date donnée</a:t>
+            </a:r>
+          </a:p>
+        </p:txBody>
+      </p:sp>
+    </p:spTree>
+    <p:extLst>
+      <p:ext uri="{BB962C8B-B14F-4D97-AF65-F5344CB8AC3E}">
+        <p14:creationId xmlns:p14="http://schemas.microsoft.com/office/powerpoint/2010/main" val="642289248"/>
+      </p:ext>
+    </p:extLst>
+  </p:cSld>
+  <p:clrMapOvr>
+    <a:masterClrMapping/>
+  </p:clrMapOvr>
+</p:sld>
+</file>
+
+<file path=ppt/slides/slide7.xml><?xml version="1.0" encoding="utf-8"?>
+<p:sld xmlns:a="http://schemas.openxmlformats.org/drawingml/2006/main" xmlns:r="http://schemas.openxmlformats.org/officeDocument/2006/relationships" xmlns:p="http://schemas.openxmlformats.org/presentationml/2006/main">
+  <p:cSld>
+    <p:spTree>
+      <p:nvGrpSpPr>
+        <p:cNvPr id="1" name=""/>
+        <p:cNvGrpSpPr/>
+        <p:nvPr/>
+      </p:nvGrpSpPr>
+      <p:grpSpPr>
+        <a:xfrm>
+          <a:off x="0" y="0"/>
+          <a:ext cx="0" cy="0"/>
+          <a:chOff x="0" y="0"/>
+          <a:chExt cx="0" cy="0"/>
+        </a:xfrm>
+      </p:grpSpPr>
+      <p:sp>
+        <p:nvSpPr>
+          <p:cNvPr id="2" name="Titre 1">
+            <a:extLst>
+              <a:ext uri="{FF2B5EF4-FFF2-40B4-BE49-F238E27FC236}">
+                <a16:creationId xmlns:a16="http://schemas.microsoft.com/office/drawing/2014/main" id="{FC677BBC-F3BB-654C-8462-852E7CD00AC0}"/>
+              </a:ext>
+            </a:extLst>
+          </p:cNvPr>
+          <p:cNvSpPr>
+            <a:spLocks noGrp="1"/>
+          </p:cNvSpPr>
+          <p:nvPr>
+            <p:ph type="title"/>
+          </p:nvPr>
+        </p:nvSpPr>
+        <p:spPr/>
+        <p:txBody>
+          <a:bodyPr/>
+          <a:lstStyle/>
+          <a:p>
+            <a:r>
+              <a:rPr lang="fr-FR" dirty="0"/>
+              <a:t>Objectifs de l’application mobile</a:t>
+            </a:r>
+          </a:p>
+        </p:txBody>
+      </p:sp>
+      <p:sp>
+        <p:nvSpPr>
+          <p:cNvPr id="3" name="Espace réservé du contenu 2">
+            <a:extLst>
+              <a:ext uri="{FF2B5EF4-FFF2-40B4-BE49-F238E27FC236}">
+                <a16:creationId xmlns:a16="http://schemas.microsoft.com/office/drawing/2014/main" id="{F11F9207-DA81-F94D-9D0C-70B259407CCF}"/>
+              </a:ext>
+            </a:extLst>
+          </p:cNvPr>
+          <p:cNvSpPr>
+            <a:spLocks noGrp="1"/>
+          </p:cNvSpPr>
+          <p:nvPr>
+            <p:ph idx="1"/>
+          </p:nvPr>
+        </p:nvSpPr>
+        <p:spPr/>
+        <p:txBody>
+          <a:bodyPr/>
+          <a:lstStyle/>
+          <a:p>
+            <a:r>
+              <a:rPr lang="fr-FR" dirty="0"/>
+              <a:t>Ajouter et retirer un vin</a:t>
+            </a:r>
+          </a:p>
+          <a:p>
+            <a:r>
+              <a:rPr lang="fr-FR" dirty="0"/>
+              <a:t>Faire des inventaires </a:t>
+            </a:r>
+          </a:p>
+          <a:p>
+            <a:r>
+              <a:rPr lang="fr-FR" dirty="0"/>
+              <a:t>Scanner des QR Code</a:t>
+            </a:r>
+          </a:p>
+          <a:p>
+            <a:r>
+              <a:rPr lang="fr-FR" dirty="0"/>
+              <a:t>Fonctionner sans connexion </a:t>
+            </a:r>
+          </a:p>
+        </p:txBody>
+      </p:sp>
+    </p:spTree>
+    <p:extLst>
+      <p:ext uri="{BB962C8B-B14F-4D97-AF65-F5344CB8AC3E}">
+        <p14:creationId xmlns:p14="http://schemas.microsoft.com/office/powerpoint/2010/main" val="1011802760"/>
+      </p:ext>
+    </p:extLst>
+  </p:cSld>
+  <p:clrMapOvr>
+    <a:masterClrMapping/>
+  </p:clrMapOvr>
+</p:sld>
+</file>
+
+<file path=ppt/slides/slide8.xml><?xml version="1.0" encoding="utf-8"?>
+<p:sld xmlns:a="http://schemas.openxmlformats.org/drawingml/2006/main" xmlns:r="http://schemas.openxmlformats.org/officeDocument/2006/relationships" xmlns:p="http://schemas.openxmlformats.org/presentationml/2006/main">
+  <p:cSld>
+    <p:spTree>
+      <p:nvGrpSpPr>
+        <p:cNvPr id="1" name=""/>
+        <p:cNvGrpSpPr/>
+        <p:nvPr/>
+      </p:nvGrpSpPr>
+      <p:grpSpPr>
+        <a:xfrm>
+          <a:off x="0" y="0"/>
+          <a:ext cx="0" cy="0"/>
+          <a:chOff x="0" y="0"/>
+          <a:chExt cx="0" cy="0"/>
+        </a:xfrm>
+      </p:grpSpPr>
+      <p:sp>
+        <p:nvSpPr>
+          <p:cNvPr id="2" name="Titre 1">
+            <a:extLst>
+              <a:ext uri="{FF2B5EF4-FFF2-40B4-BE49-F238E27FC236}">
+                <a16:creationId xmlns:a16="http://schemas.microsoft.com/office/drawing/2014/main" id="{E070BD1A-F734-004D-8050-6B841AA1C839}"/>
+              </a:ext>
+            </a:extLst>
+          </p:cNvPr>
+          <p:cNvSpPr>
+            <a:spLocks noGrp="1"/>
+          </p:cNvSpPr>
+          <p:nvPr>
+            <p:ph type="title"/>
+          </p:nvPr>
+        </p:nvSpPr>
+        <p:spPr/>
+        <p:txBody>
+          <a:bodyPr/>
+          <a:lstStyle/>
+          <a:p>
+            <a:r>
+              <a:rPr lang="fr-FR" dirty="0"/>
+              <a:t>Déroulement</a:t>
+            </a:r>
+          </a:p>
+        </p:txBody>
+      </p:sp>
+      <p:sp>
+        <p:nvSpPr>
+          <p:cNvPr id="4" name="Rectangle à coins arrondis 3">
+            <a:extLst>
+              <a:ext uri="{FF2B5EF4-FFF2-40B4-BE49-F238E27FC236}">
+                <a16:creationId xmlns:a16="http://schemas.microsoft.com/office/drawing/2014/main" id="{5B325F03-6E49-054A-905C-229B8AB7FA24}"/>
+              </a:ext>
+            </a:extLst>
+          </p:cNvPr>
+          <p:cNvSpPr/>
+          <p:nvPr/>
+        </p:nvSpPr>
+        <p:spPr>
+          <a:xfrm>
+            <a:off x="663448" y="2675868"/>
+            <a:ext cx="2966443" cy="2265587"/>
+          </a:xfrm>
+          <a:prstGeom prst="roundRect">
+            <a:avLst/>
+          </a:prstGeom>
+        </p:spPr>
+        <p:style>
+          <a:lnRef idx="2">
+            <a:schemeClr val="dk1">
+              <a:shade val="50000"/>
+            </a:schemeClr>
+          </a:lnRef>
+          <a:fillRef idx="1">
+            <a:schemeClr val="dk1"/>
+          </a:fillRef>
+          <a:effectRef idx="0">
+            <a:schemeClr val="dk1"/>
+          </a:effectRef>
+          <a:fontRef idx="minor">
+            <a:schemeClr val="lt1"/>
+          </a:fontRef>
+        </p:style>
+        <p:txBody>
+          <a:bodyPr rtlCol="0" anchor="ctr"/>
+          <a:lstStyle/>
+          <a:p>
+            <a:pPr algn="ctr"/>
+            <a:r>
+              <a:rPr lang="fr-FR" dirty="0"/>
+              <a:t>Introduction</a:t>
+            </a:r>
+          </a:p>
+        </p:txBody>
+      </p:sp>
+      <p:sp>
+        <p:nvSpPr>
+          <p:cNvPr id="5" name="Rectangle à coins arrondis 4">
+            <a:extLst>
+              <a:ext uri="{FF2B5EF4-FFF2-40B4-BE49-F238E27FC236}">
+                <a16:creationId xmlns:a16="http://schemas.microsoft.com/office/drawing/2014/main" id="{455A8A4E-9290-E748-98D6-FAD839D8E76B}"/>
+              </a:ext>
+            </a:extLst>
+          </p:cNvPr>
+          <p:cNvSpPr/>
+          <p:nvPr/>
+        </p:nvSpPr>
+        <p:spPr>
+          <a:xfrm>
+            <a:off x="4607375" y="2675867"/>
+            <a:ext cx="2966443" cy="2265587"/>
+          </a:xfrm>
+          <a:prstGeom prst="roundRect">
+            <a:avLst/>
+          </a:prstGeom>
+        </p:spPr>
+        <p:style>
+          <a:lnRef idx="2">
+            <a:schemeClr val="accent1">
+              <a:shade val="50000"/>
+            </a:schemeClr>
+          </a:lnRef>
+          <a:fillRef idx="1">
+            <a:schemeClr val="accent1"/>
+          </a:fillRef>
+          <a:effectRef idx="0">
+            <a:schemeClr val="accent1"/>
+          </a:effectRef>
+          <a:fontRef idx="minor">
+            <a:schemeClr val="lt1"/>
+          </a:fontRef>
+        </p:style>
+        <p:txBody>
+          <a:bodyPr rtlCol="0" anchor="ctr"/>
+          <a:lstStyle/>
+          <a:p>
+            <a:pPr algn="ctr"/>
+            <a:r>
+              <a:rPr lang="fr-FR" dirty="0"/>
+              <a:t>Développement</a:t>
+            </a:r>
+          </a:p>
+        </p:txBody>
+      </p:sp>
+      <p:sp>
+        <p:nvSpPr>
+          <p:cNvPr id="6" name="Rectangle à coins arrondis 5">
+            <a:extLst>
+              <a:ext uri="{FF2B5EF4-FFF2-40B4-BE49-F238E27FC236}">
+                <a16:creationId xmlns:a16="http://schemas.microsoft.com/office/drawing/2014/main" id="{67A4D9A3-B83A-DF4A-9E34-A0EE7F640B95}"/>
+              </a:ext>
+            </a:extLst>
+          </p:cNvPr>
+          <p:cNvSpPr/>
+          <p:nvPr/>
+        </p:nvSpPr>
+        <p:spPr>
+          <a:xfrm>
+            <a:off x="8551303" y="2675868"/>
+            <a:ext cx="2966443" cy="2265587"/>
+          </a:xfrm>
+          <a:prstGeom prst="roundRect">
+            <a:avLst/>
+          </a:prstGeom>
+        </p:spPr>
+        <p:style>
+          <a:lnRef idx="2">
+            <a:schemeClr val="dk1">
+              <a:shade val="50000"/>
+            </a:schemeClr>
+          </a:lnRef>
+          <a:fillRef idx="1">
+            <a:schemeClr val="dk1"/>
+          </a:fillRef>
+          <a:effectRef idx="0">
+            <a:schemeClr val="dk1"/>
+          </a:effectRef>
+          <a:fontRef idx="minor">
+            <a:schemeClr val="lt1"/>
+          </a:fontRef>
+        </p:style>
+        <p:txBody>
+          <a:bodyPr rtlCol="0" anchor="ctr"/>
+          <a:lstStyle/>
+          <a:p>
+            <a:pPr algn="ctr"/>
+            <a:r>
+              <a:rPr lang="fr-FR" dirty="0"/>
+              <a:t>Conclusion</a:t>
+            </a:r>
+          </a:p>
+        </p:txBody>
+      </p:sp>
+    </p:spTree>
+    <p:extLst>
+      <p:ext uri="{BB962C8B-B14F-4D97-AF65-F5344CB8AC3E}">
+        <p14:creationId xmlns:p14="http://schemas.microsoft.com/office/powerpoint/2010/main" val="1376849191"/>
+      </p:ext>
+    </p:extLst>
+  </p:cSld>
+  <p:clrMapOvr>
+    <a:masterClrMapping/>
+  </p:clrMapOvr>
+</p:sld>
+</file>
+
+<file path=ppt/slides/slide9.xml><?xml version="1.0" encoding="utf-8"?>
+<p:sld xmlns:a="http://schemas.openxmlformats.org/drawingml/2006/main" xmlns:r="http://schemas.openxmlformats.org/officeDocument/2006/relationships" xmlns:p="http://schemas.openxmlformats.org/presentationml/2006/main">
+  <p:cSld>
+    <p:spTree>
+      <p:nvGrpSpPr>
+        <p:cNvPr id="1" name=""/>
+        <p:cNvGrpSpPr/>
+        <p:nvPr/>
+      </p:nvGrpSpPr>
+      <p:grpSpPr>
+        <a:xfrm>
+          <a:off x="0" y="0"/>
+          <a:ext cx="0" cy="0"/>
+          <a:chOff x="0" y="0"/>
+          <a:chExt cx="0" cy="0"/>
+        </a:xfrm>
+      </p:grpSpPr>
+      <p:sp>
+        <p:nvSpPr>
+          <p:cNvPr id="2" name="Titre 1">
+            <a:extLst>
+              <a:ext uri="{FF2B5EF4-FFF2-40B4-BE49-F238E27FC236}">
+                <a16:creationId xmlns:a16="http://schemas.microsoft.com/office/drawing/2014/main" id="{8291E58B-1C17-7F4A-812A-153FC31E9A54}"/>
+              </a:ext>
+            </a:extLst>
+          </p:cNvPr>
+          <p:cNvSpPr>
+            <a:spLocks noGrp="1"/>
+          </p:cNvSpPr>
+          <p:nvPr>
+            <p:ph type="title"/>
+          </p:nvPr>
+        </p:nvSpPr>
+        <p:spPr/>
+        <p:txBody>
+          <a:bodyPr/>
+          <a:lstStyle/>
+          <a:p>
+            <a:r>
+              <a:rPr lang="fr-FR" dirty="0"/>
+              <a:t>Mise en production </a:t>
+            </a:r>
+          </a:p>
+        </p:txBody>
+      </p:sp>
+      <p:sp>
+        <p:nvSpPr>
+          <p:cNvPr id="3" name="Espace réservé du contenu 2">
+            <a:extLst>
+              <a:ext uri="{FF2B5EF4-FFF2-40B4-BE49-F238E27FC236}">
+                <a16:creationId xmlns:a16="http://schemas.microsoft.com/office/drawing/2014/main" id="{62C846C1-C67B-364F-B695-0D4C539580A7}"/>
+              </a:ext>
+            </a:extLst>
+          </p:cNvPr>
+          <p:cNvSpPr>
+            <a:spLocks noGrp="1"/>
+          </p:cNvSpPr>
+          <p:nvPr>
+            <p:ph idx="1"/>
+          </p:nvPr>
+        </p:nvSpPr>
+        <p:spPr/>
+        <p:txBody>
+          <a:bodyPr/>
+          <a:lstStyle/>
+          <a:p>
+            <a:r>
+              <a:rPr lang="fr-FR" dirty="0"/>
+              <a:t>Ce qui était convenu avec le client c’est qu’on ne devait pas gérer les logins sur le site, vu qu’ils ont déjà un système de login sur le site. </a:t>
+            </a:r>
+          </a:p>
+          <a:p>
+            <a:r>
+              <a:rPr lang="fr-FR" dirty="0"/>
+              <a:t>Vu que le webmaster n’était pas au courant de ça j’ai créé une protection avec un fichier .</a:t>
+            </a:r>
+            <a:r>
+              <a:rPr lang="fr-FR" dirty="0" err="1"/>
+              <a:t>htaccess</a:t>
+            </a:r>
+            <a:r>
+              <a:rPr lang="fr-FR" dirty="0"/>
+              <a:t> qui demande un login + </a:t>
+            </a:r>
+            <a:r>
+              <a:rPr lang="fr-FR" dirty="0" err="1"/>
+              <a:t>mdp</a:t>
+            </a:r>
+            <a:r>
+              <a:rPr lang="fr-FR" dirty="0"/>
+              <a:t> qui sont stockés dans le fichier .</a:t>
+            </a:r>
+            <a:r>
+              <a:rPr lang="fr-FR" dirty="0" err="1"/>
+              <a:t>htpassword</a:t>
+            </a:r>
+            <a:r>
+              <a:rPr lang="fr-FR" dirty="0"/>
+              <a:t> lorsqu’on arrive sur ma partie du site.</a:t>
+            </a:r>
+          </a:p>
+        </p:txBody>
+      </p:sp>
+      <p:sp>
+        <p:nvSpPr>
+          <p:cNvPr id="4" name="ZoneTexte 3">
+            <a:extLst>
+              <a:ext uri="{FF2B5EF4-FFF2-40B4-BE49-F238E27FC236}">
+                <a16:creationId xmlns:a16="http://schemas.microsoft.com/office/drawing/2014/main" id="{3D95E02C-40C9-E14E-981E-D63D89649598}"/>
+              </a:ext>
+            </a:extLst>
+          </p:cNvPr>
+          <p:cNvSpPr txBox="1"/>
+          <p:nvPr/>
+        </p:nvSpPr>
+        <p:spPr>
+          <a:xfrm>
+            <a:off x="11480799" y="6289963"/>
+            <a:ext cx="320922" cy="369332"/>
+          </a:xfrm>
+          <a:prstGeom prst="rect">
+            <a:avLst/>
+          </a:prstGeom>
+          <a:noFill/>
+        </p:spPr>
+        <p:txBody>
+          <a:bodyPr wrap="none" rtlCol="0">
+            <a:spAutoFit/>
+          </a:bodyPr>
+          <a:lstStyle/>
+          <a:p>
+            <a:r>
+              <a:rPr lang="fr-FR" dirty="0"/>
+              <a:t>4</a:t>
+            </a:r>
+          </a:p>
+        </p:txBody>
+      </p:sp>
+    </p:spTree>
+    <p:extLst>
+      <p:ext uri="{BB962C8B-B14F-4D97-AF65-F5344CB8AC3E}">
+        <p14:creationId xmlns:p14="http://schemas.microsoft.com/office/powerpoint/2010/main" val="1776768230"/>
       </p:ext>
     </p:extLst>
   </p:cSld>

--- a/Documentation/Présentation/présentation.pptx
+++ b/Documentation/Présentation/présentation.pptx
@@ -4,6 +4,9 @@
   <p:sldMasterIdLst>
     <p:sldMasterId id="2147483735" r:id="rId1"/>
   </p:sldMasterIdLst>
+  <p:notesMasterIdLst>
+    <p:notesMasterId r:id="rId24"/>
+  </p:notesMasterIdLst>
   <p:sldIdLst>
     <p:sldId id="256" r:id="rId2"/>
     <p:sldId id="272" r:id="rId3"/>
@@ -16,15 +19,17 @@
     <p:sldId id="258" r:id="rId10"/>
     <p:sldId id="257" r:id="rId11"/>
     <p:sldId id="260" r:id="rId12"/>
-    <p:sldId id="263" r:id="rId13"/>
-    <p:sldId id="264" r:id="rId14"/>
-    <p:sldId id="261" r:id="rId15"/>
-    <p:sldId id="265" r:id="rId16"/>
-    <p:sldId id="275" r:id="rId17"/>
-    <p:sldId id="259" r:id="rId18"/>
-    <p:sldId id="267" r:id="rId19"/>
-    <p:sldId id="268" r:id="rId20"/>
-    <p:sldId id="269" r:id="rId21"/>
+    <p:sldId id="277" r:id="rId13"/>
+    <p:sldId id="276" r:id="rId14"/>
+    <p:sldId id="263" r:id="rId15"/>
+    <p:sldId id="264" r:id="rId16"/>
+    <p:sldId id="261" r:id="rId17"/>
+    <p:sldId id="265" r:id="rId18"/>
+    <p:sldId id="275" r:id="rId19"/>
+    <p:sldId id="259" r:id="rId20"/>
+    <p:sldId id="267" r:id="rId21"/>
+    <p:sldId id="268" r:id="rId22"/>
+    <p:sldId id="269" r:id="rId23"/>
   </p:sldIdLst>
   <p:sldSz cx="12192000" cy="6858000"/>
   <p:notesSz cx="6858000" cy="9144000"/>
@@ -129,6 +134,596 @@
     </p:ext>
   </p:extLst>
 </p:presentation>
+</file>
+
+<file path=ppt/notesMasters/notesMaster1.xml><?xml version="1.0" encoding="utf-8"?>
+<p:notesMaster xmlns:a="http://schemas.openxmlformats.org/drawingml/2006/main" xmlns:r="http://schemas.openxmlformats.org/officeDocument/2006/relationships" xmlns:p="http://schemas.openxmlformats.org/presentationml/2006/main">
+  <p:cSld>
+    <p:bg>
+      <p:bgRef idx="1001">
+        <a:schemeClr val="bg1"/>
+      </p:bgRef>
+    </p:bg>
+    <p:spTree>
+      <p:nvGrpSpPr>
+        <p:cNvPr id="1" name=""/>
+        <p:cNvGrpSpPr/>
+        <p:nvPr/>
+      </p:nvGrpSpPr>
+      <p:grpSpPr>
+        <a:xfrm>
+          <a:off x="0" y="0"/>
+          <a:ext cx="0" cy="0"/>
+          <a:chOff x="0" y="0"/>
+          <a:chExt cx="0" cy="0"/>
+        </a:xfrm>
+      </p:grpSpPr>
+      <p:sp>
+        <p:nvSpPr>
+          <p:cNvPr id="2" name="Espace réservé de l'en-tête 1"/>
+          <p:cNvSpPr>
+            <a:spLocks noGrp="1"/>
+          </p:cNvSpPr>
+          <p:nvPr>
+            <p:ph type="hdr" sz="quarter"/>
+          </p:nvPr>
+        </p:nvSpPr>
+        <p:spPr>
+          <a:xfrm>
+            <a:off x="0" y="0"/>
+            <a:ext cx="2971800" cy="458788"/>
+          </a:xfrm>
+          <a:prstGeom prst="rect">
+            <a:avLst/>
+          </a:prstGeom>
+        </p:spPr>
+        <p:txBody>
+          <a:bodyPr vert="horz" lIns="91440" tIns="45720" rIns="91440" bIns="45720" rtlCol="0"/>
+          <a:lstStyle>
+            <a:lvl1pPr algn="l">
+              <a:defRPr sz="1200"/>
+            </a:lvl1pPr>
+          </a:lstStyle>
+          <a:p>
+            <a:endParaRPr lang="fr-FR"/>
+          </a:p>
+        </p:txBody>
+      </p:sp>
+      <p:sp>
+        <p:nvSpPr>
+          <p:cNvPr id="3" name="Espace réservé de la date 2"/>
+          <p:cNvSpPr>
+            <a:spLocks noGrp="1"/>
+          </p:cNvSpPr>
+          <p:nvPr>
+            <p:ph type="dt" idx="1"/>
+          </p:nvPr>
+        </p:nvSpPr>
+        <p:spPr>
+          <a:xfrm>
+            <a:off x="3884613" y="0"/>
+            <a:ext cx="2971800" cy="458788"/>
+          </a:xfrm>
+          <a:prstGeom prst="rect">
+            <a:avLst/>
+          </a:prstGeom>
+        </p:spPr>
+        <p:txBody>
+          <a:bodyPr vert="horz" lIns="91440" tIns="45720" rIns="91440" bIns="45720" rtlCol="0"/>
+          <a:lstStyle>
+            <a:lvl1pPr algn="r">
+              <a:defRPr sz="1200"/>
+            </a:lvl1pPr>
+          </a:lstStyle>
+          <a:p>
+            <a:fld id="{4C14F6FD-2DE5-FC4F-BBC6-0C5F356E1886}" type="datetimeFigureOut">
+              <a:rPr lang="fr-FR" smtClean="0"/>
+              <a:t>15/06/2018</a:t>
+            </a:fld>
+            <a:endParaRPr lang="fr-FR"/>
+          </a:p>
+        </p:txBody>
+      </p:sp>
+      <p:sp>
+        <p:nvSpPr>
+          <p:cNvPr id="4" name="Espace réservé de l'image des diapositives 3"/>
+          <p:cNvSpPr>
+            <a:spLocks noGrp="1" noRot="1" noChangeAspect="1"/>
+          </p:cNvSpPr>
+          <p:nvPr>
+            <p:ph type="sldImg" idx="2"/>
+          </p:nvPr>
+        </p:nvSpPr>
+        <p:spPr>
+          <a:xfrm>
+            <a:off x="685800" y="1143000"/>
+            <a:ext cx="5486400" cy="3086100"/>
+          </a:xfrm>
+          <a:prstGeom prst="rect">
+            <a:avLst/>
+          </a:prstGeom>
+          <a:noFill/>
+          <a:ln w="12700">
+            <a:solidFill>
+              <a:prstClr val="black"/>
+            </a:solidFill>
+          </a:ln>
+        </p:spPr>
+        <p:txBody>
+          <a:bodyPr vert="horz" lIns="91440" tIns="45720" rIns="91440" bIns="45720" rtlCol="0" anchor="ctr"/>
+          <a:lstStyle/>
+          <a:p>
+            <a:endParaRPr lang="fr-FR"/>
+          </a:p>
+        </p:txBody>
+      </p:sp>
+      <p:sp>
+        <p:nvSpPr>
+          <p:cNvPr id="5" name="Espace réservé des notes 4"/>
+          <p:cNvSpPr>
+            <a:spLocks noGrp="1"/>
+          </p:cNvSpPr>
+          <p:nvPr>
+            <p:ph type="body" sz="quarter" idx="3"/>
+          </p:nvPr>
+        </p:nvSpPr>
+        <p:spPr>
+          <a:xfrm>
+            <a:off x="685800" y="4400550"/>
+            <a:ext cx="5486400" cy="3600450"/>
+          </a:xfrm>
+          <a:prstGeom prst="rect">
+            <a:avLst/>
+          </a:prstGeom>
+        </p:spPr>
+        <p:txBody>
+          <a:bodyPr vert="horz" lIns="91440" tIns="45720" rIns="91440" bIns="45720" rtlCol="0"/>
+          <a:lstStyle/>
+          <a:p>
+            <a:r>
+              <a:rPr lang="fr-FR"/>
+              <a:t>Modifier les styles du texte du masque
+Deuxième niveau
+Troisième niveau
+Quatrième niveau
+Cinquième niveau</a:t>
+            </a:r>
+          </a:p>
+        </p:txBody>
+      </p:sp>
+      <p:sp>
+        <p:nvSpPr>
+          <p:cNvPr id="6" name="Espace réservé du pied de page 5"/>
+          <p:cNvSpPr>
+            <a:spLocks noGrp="1"/>
+          </p:cNvSpPr>
+          <p:nvPr>
+            <p:ph type="ftr" sz="quarter" idx="4"/>
+          </p:nvPr>
+        </p:nvSpPr>
+        <p:spPr>
+          <a:xfrm>
+            <a:off x="0" y="8685213"/>
+            <a:ext cx="2971800" cy="458787"/>
+          </a:xfrm>
+          <a:prstGeom prst="rect">
+            <a:avLst/>
+          </a:prstGeom>
+        </p:spPr>
+        <p:txBody>
+          <a:bodyPr vert="horz" lIns="91440" tIns="45720" rIns="91440" bIns="45720" rtlCol="0" anchor="b"/>
+          <a:lstStyle>
+            <a:lvl1pPr algn="l">
+              <a:defRPr sz="1200"/>
+            </a:lvl1pPr>
+          </a:lstStyle>
+          <a:p>
+            <a:endParaRPr lang="fr-FR"/>
+          </a:p>
+        </p:txBody>
+      </p:sp>
+      <p:sp>
+        <p:nvSpPr>
+          <p:cNvPr id="7" name="Espace réservé du numéro de diapositive 6"/>
+          <p:cNvSpPr>
+            <a:spLocks noGrp="1"/>
+          </p:cNvSpPr>
+          <p:nvPr>
+            <p:ph type="sldNum" sz="quarter" idx="5"/>
+          </p:nvPr>
+        </p:nvSpPr>
+        <p:spPr>
+          <a:xfrm>
+            <a:off x="3884613" y="8685213"/>
+            <a:ext cx="2971800" cy="458787"/>
+          </a:xfrm>
+          <a:prstGeom prst="rect">
+            <a:avLst/>
+          </a:prstGeom>
+        </p:spPr>
+        <p:txBody>
+          <a:bodyPr vert="horz" lIns="91440" tIns="45720" rIns="91440" bIns="45720" rtlCol="0" anchor="b"/>
+          <a:lstStyle>
+            <a:lvl1pPr algn="r">
+              <a:defRPr sz="1200"/>
+            </a:lvl1pPr>
+          </a:lstStyle>
+          <a:p>
+            <a:fld id="{A711455C-7F2E-904C-868C-0826B0FA359D}" type="slidenum">
+              <a:rPr lang="fr-FR" smtClean="0"/>
+              <a:t>‹N°›</a:t>
+            </a:fld>
+            <a:endParaRPr lang="fr-FR"/>
+          </a:p>
+        </p:txBody>
+      </p:sp>
+    </p:spTree>
+    <p:extLst>
+      <p:ext uri="{BB962C8B-B14F-4D97-AF65-F5344CB8AC3E}">
+        <p14:creationId xmlns:p14="http://schemas.microsoft.com/office/powerpoint/2010/main" val="118605585"/>
+      </p:ext>
+    </p:extLst>
+  </p:cSld>
+  <p:clrMap bg1="lt1" tx1="dk1" bg2="lt2" tx2="dk2" accent1="accent1" accent2="accent2" accent3="accent3" accent4="accent4" accent5="accent5" accent6="accent6" hlink="hlink" folHlink="folHlink"/>
+  <p:notesStyle>
+    <a:lvl1pPr marL="0" algn="l" defTabSz="914400" rtl="0" eaLnBrk="1" latinLnBrk="0" hangingPunct="1">
+      <a:defRPr sz="1200" kern="1200">
+        <a:solidFill>
+          <a:schemeClr val="tx1"/>
+        </a:solidFill>
+        <a:latin typeface="+mn-lt"/>
+        <a:ea typeface="+mn-ea"/>
+        <a:cs typeface="+mn-cs"/>
+      </a:defRPr>
+    </a:lvl1pPr>
+    <a:lvl2pPr marL="457200" algn="l" defTabSz="914400" rtl="0" eaLnBrk="1" latinLnBrk="0" hangingPunct="1">
+      <a:defRPr sz="1200" kern="1200">
+        <a:solidFill>
+          <a:schemeClr val="tx1"/>
+        </a:solidFill>
+        <a:latin typeface="+mn-lt"/>
+        <a:ea typeface="+mn-ea"/>
+        <a:cs typeface="+mn-cs"/>
+      </a:defRPr>
+    </a:lvl2pPr>
+    <a:lvl3pPr marL="914400" algn="l" defTabSz="914400" rtl="0" eaLnBrk="1" latinLnBrk="0" hangingPunct="1">
+      <a:defRPr sz="1200" kern="1200">
+        <a:solidFill>
+          <a:schemeClr val="tx1"/>
+        </a:solidFill>
+        <a:latin typeface="+mn-lt"/>
+        <a:ea typeface="+mn-ea"/>
+        <a:cs typeface="+mn-cs"/>
+      </a:defRPr>
+    </a:lvl3pPr>
+    <a:lvl4pPr marL="1371600" algn="l" defTabSz="914400" rtl="0" eaLnBrk="1" latinLnBrk="0" hangingPunct="1">
+      <a:defRPr sz="1200" kern="1200">
+        <a:solidFill>
+          <a:schemeClr val="tx1"/>
+        </a:solidFill>
+        <a:latin typeface="+mn-lt"/>
+        <a:ea typeface="+mn-ea"/>
+        <a:cs typeface="+mn-cs"/>
+      </a:defRPr>
+    </a:lvl4pPr>
+    <a:lvl5pPr marL="1828800" algn="l" defTabSz="914400" rtl="0" eaLnBrk="1" latinLnBrk="0" hangingPunct="1">
+      <a:defRPr sz="1200" kern="1200">
+        <a:solidFill>
+          <a:schemeClr val="tx1"/>
+        </a:solidFill>
+        <a:latin typeface="+mn-lt"/>
+        <a:ea typeface="+mn-ea"/>
+        <a:cs typeface="+mn-cs"/>
+      </a:defRPr>
+    </a:lvl5pPr>
+    <a:lvl6pPr marL="2286000" algn="l" defTabSz="914400" rtl="0" eaLnBrk="1" latinLnBrk="0" hangingPunct="1">
+      <a:defRPr sz="1200" kern="1200">
+        <a:solidFill>
+          <a:schemeClr val="tx1"/>
+        </a:solidFill>
+        <a:latin typeface="+mn-lt"/>
+        <a:ea typeface="+mn-ea"/>
+        <a:cs typeface="+mn-cs"/>
+      </a:defRPr>
+    </a:lvl6pPr>
+    <a:lvl7pPr marL="2743200" algn="l" defTabSz="914400" rtl="0" eaLnBrk="1" latinLnBrk="0" hangingPunct="1">
+      <a:defRPr sz="1200" kern="1200">
+        <a:solidFill>
+          <a:schemeClr val="tx1"/>
+        </a:solidFill>
+        <a:latin typeface="+mn-lt"/>
+        <a:ea typeface="+mn-ea"/>
+        <a:cs typeface="+mn-cs"/>
+      </a:defRPr>
+    </a:lvl7pPr>
+    <a:lvl8pPr marL="3200400" algn="l" defTabSz="914400" rtl="0" eaLnBrk="1" latinLnBrk="0" hangingPunct="1">
+      <a:defRPr sz="1200" kern="1200">
+        <a:solidFill>
+          <a:schemeClr val="tx1"/>
+        </a:solidFill>
+        <a:latin typeface="+mn-lt"/>
+        <a:ea typeface="+mn-ea"/>
+        <a:cs typeface="+mn-cs"/>
+      </a:defRPr>
+    </a:lvl8pPr>
+    <a:lvl9pPr marL="3657600" algn="l" defTabSz="914400" rtl="0" eaLnBrk="1" latinLnBrk="0" hangingPunct="1">
+      <a:defRPr sz="1200" kern="1200">
+        <a:solidFill>
+          <a:schemeClr val="tx1"/>
+        </a:solidFill>
+        <a:latin typeface="+mn-lt"/>
+        <a:ea typeface="+mn-ea"/>
+        <a:cs typeface="+mn-cs"/>
+      </a:defRPr>
+    </a:lvl9pPr>
+  </p:notesStyle>
+</p:notesMaster>
+</file>
+
+<file path=ppt/notesSlides/notesSlide1.xml><?xml version="1.0" encoding="utf-8"?>
+<p:notes xmlns:a="http://schemas.openxmlformats.org/drawingml/2006/main" xmlns:r="http://schemas.openxmlformats.org/officeDocument/2006/relationships" xmlns:p="http://schemas.openxmlformats.org/presentationml/2006/main">
+  <p:cSld>
+    <p:spTree>
+      <p:nvGrpSpPr>
+        <p:cNvPr id="1" name=""/>
+        <p:cNvGrpSpPr/>
+        <p:nvPr/>
+      </p:nvGrpSpPr>
+      <p:grpSpPr>
+        <a:xfrm>
+          <a:off x="0" y="0"/>
+          <a:ext cx="0" cy="0"/>
+          <a:chOff x="0" y="0"/>
+          <a:chExt cx="0" cy="0"/>
+        </a:xfrm>
+      </p:grpSpPr>
+      <p:sp>
+        <p:nvSpPr>
+          <p:cNvPr id="2" name="Espace réservé de l'image des diapositives 1"/>
+          <p:cNvSpPr>
+            <a:spLocks noGrp="1" noRot="1" noChangeAspect="1"/>
+          </p:cNvSpPr>
+          <p:nvPr>
+            <p:ph type="sldImg"/>
+          </p:nvPr>
+        </p:nvSpPr>
+        <p:spPr/>
+      </p:sp>
+      <p:sp>
+        <p:nvSpPr>
+          <p:cNvPr id="3" name="Espace réservé des notes 2"/>
+          <p:cNvSpPr>
+            <a:spLocks noGrp="1"/>
+          </p:cNvSpPr>
+          <p:nvPr>
+            <p:ph type="body" idx="1"/>
+          </p:nvPr>
+        </p:nvSpPr>
+        <p:spPr/>
+        <p:txBody>
+          <a:bodyPr/>
+          <a:lstStyle/>
+          <a:p>
+            <a:r>
+              <a:rPr lang="fr-FR" dirty="0"/>
+              <a:t>Corrections = script SQL majuscule dans le nom des tables, majuscules des images pour les QR Code </a:t>
+            </a:r>
+          </a:p>
+          <a:p>
+            <a:r>
+              <a:rPr lang="fr-FR" dirty="0" err="1"/>
+              <a:t>Htaccess</a:t>
+            </a:r>
+            <a:r>
+              <a:rPr lang="fr-FR" dirty="0"/>
+              <a:t> : </a:t>
+            </a:r>
+          </a:p>
+          <a:p>
+            <a:r>
+              <a:rPr lang="fr-FR" dirty="0" err="1"/>
+              <a:t>AuthName</a:t>
+            </a:r>
+            <a:r>
+              <a:rPr lang="fr-FR" dirty="0"/>
+              <a:t> "Page d'administration protégée"</a:t>
+            </a:r>
+          </a:p>
+          <a:p>
+            <a:r>
+              <a:rPr lang="fr-FR" dirty="0" err="1"/>
+              <a:t>AuthType</a:t>
+            </a:r>
+            <a:r>
+              <a:rPr lang="fr-FR" dirty="0"/>
+              <a:t> Basic</a:t>
+            </a:r>
+          </a:p>
+          <a:p>
+            <a:r>
+              <a:rPr lang="fr-FR" dirty="0" err="1"/>
+              <a:t>AuthUserFile</a:t>
+            </a:r>
+            <a:r>
+              <a:rPr lang="fr-FR" dirty="0"/>
+              <a:t> "/home/clients/e6951415df7397bf76619c54d93198c2/web/cave/site/.</a:t>
+            </a:r>
+            <a:r>
+              <a:rPr lang="fr-FR" dirty="0" err="1"/>
+              <a:t>htpassword</a:t>
+            </a:r>
+            <a:r>
+              <a:rPr lang="fr-FR" dirty="0"/>
+              <a:t>"</a:t>
+            </a:r>
+          </a:p>
+          <a:p>
+            <a:r>
+              <a:rPr lang="fr-FR" dirty="0" err="1"/>
+              <a:t>Require</a:t>
+            </a:r>
+            <a:r>
+              <a:rPr lang="fr-FR" dirty="0"/>
+              <a:t> </a:t>
+            </a:r>
+            <a:r>
+              <a:rPr lang="fr-FR" dirty="0" err="1"/>
+              <a:t>valid</a:t>
+            </a:r>
+            <a:r>
+              <a:rPr lang="fr-FR" dirty="0"/>
+              <a:t>-user</a:t>
+            </a:r>
+          </a:p>
+        </p:txBody>
+      </p:sp>
+      <p:sp>
+        <p:nvSpPr>
+          <p:cNvPr id="4" name="Espace réservé du numéro de diapositive 3"/>
+          <p:cNvSpPr>
+            <a:spLocks noGrp="1"/>
+          </p:cNvSpPr>
+          <p:nvPr>
+            <p:ph type="sldNum" sz="quarter" idx="10"/>
+          </p:nvPr>
+        </p:nvSpPr>
+        <p:spPr/>
+        <p:txBody>
+          <a:bodyPr/>
+          <a:lstStyle/>
+          <a:p>
+            <a:fld id="{A711455C-7F2E-904C-868C-0826B0FA359D}" type="slidenum">
+              <a:rPr lang="fr-FR" smtClean="0"/>
+              <a:t>9</a:t>
+            </a:fld>
+            <a:endParaRPr lang="fr-FR"/>
+          </a:p>
+        </p:txBody>
+      </p:sp>
+    </p:spTree>
+    <p:extLst>
+      <p:ext uri="{BB962C8B-B14F-4D97-AF65-F5344CB8AC3E}">
+        <p14:creationId xmlns:p14="http://schemas.microsoft.com/office/powerpoint/2010/main" val="28770615"/>
+      </p:ext>
+    </p:extLst>
+  </p:cSld>
+  <p:clrMapOvr>
+    <a:masterClrMapping/>
+  </p:clrMapOvr>
+</p:notes>
+</file>
+
+<file path=ppt/notesSlides/notesSlide2.xml><?xml version="1.0" encoding="utf-8"?>
+<p:notes xmlns:a="http://schemas.openxmlformats.org/drawingml/2006/main" xmlns:r="http://schemas.openxmlformats.org/officeDocument/2006/relationships" xmlns:p="http://schemas.openxmlformats.org/presentationml/2006/main">
+  <p:cSld>
+    <p:spTree>
+      <p:nvGrpSpPr>
+        <p:cNvPr id="1" name=""/>
+        <p:cNvGrpSpPr/>
+        <p:nvPr/>
+      </p:nvGrpSpPr>
+      <p:grpSpPr>
+        <a:xfrm>
+          <a:off x="0" y="0"/>
+          <a:ext cx="0" cy="0"/>
+          <a:chOff x="0" y="0"/>
+          <a:chExt cx="0" cy="0"/>
+        </a:xfrm>
+      </p:grpSpPr>
+      <p:sp>
+        <p:nvSpPr>
+          <p:cNvPr id="2" name="Espace réservé de l'image des diapositives 1"/>
+          <p:cNvSpPr>
+            <a:spLocks noGrp="1" noRot="1" noChangeAspect="1"/>
+          </p:cNvSpPr>
+          <p:nvPr>
+            <p:ph type="sldImg"/>
+          </p:nvPr>
+        </p:nvSpPr>
+        <p:spPr/>
+      </p:sp>
+      <p:sp>
+        <p:nvSpPr>
+          <p:cNvPr id="3" name="Espace réservé des notes 2"/>
+          <p:cNvSpPr>
+            <a:spLocks noGrp="1"/>
+          </p:cNvSpPr>
+          <p:nvPr>
+            <p:ph type="body" idx="1"/>
+          </p:nvPr>
+        </p:nvSpPr>
+        <p:spPr/>
+        <p:txBody>
+          <a:bodyPr/>
+          <a:lstStyle/>
+          <a:p>
+            <a:r>
+              <a:rPr lang="fr-FR" dirty="0"/>
+              <a:t>MDP = crypté avec </a:t>
+            </a:r>
+            <a:r>
+              <a:rPr lang="fr-CH" dirty="0"/>
+              <a:t>l'algorithme standard Unix DES, un algorithme de chiffrement symétrique</a:t>
+            </a:r>
+            <a:endParaRPr lang="fr-FR" dirty="0"/>
+          </a:p>
+          <a:p>
+            <a:r>
+              <a:rPr lang="fr-FR" dirty="0" err="1"/>
+              <a:t>AuthUserFile</a:t>
+            </a:r>
+            <a:r>
+              <a:rPr lang="fr-FR" dirty="0"/>
+              <a:t> "/home/clients/e6951415df7397bf76619c54d93198c2/web/cave/site/.</a:t>
+            </a:r>
+            <a:r>
+              <a:rPr lang="fr-FR" dirty="0" err="1"/>
+              <a:t>htpassword</a:t>
+            </a:r>
+            <a:r>
+              <a:rPr lang="fr-FR" dirty="0"/>
+              <a:t>"</a:t>
+            </a:r>
+          </a:p>
+          <a:p>
+            <a:endParaRPr lang="fr-FR" dirty="0"/>
+          </a:p>
+        </p:txBody>
+      </p:sp>
+      <p:sp>
+        <p:nvSpPr>
+          <p:cNvPr id="4" name="Espace réservé du numéro de diapositive 3"/>
+          <p:cNvSpPr>
+            <a:spLocks noGrp="1"/>
+          </p:cNvSpPr>
+          <p:nvPr>
+            <p:ph type="sldNum" sz="quarter" idx="10"/>
+          </p:nvPr>
+        </p:nvSpPr>
+        <p:spPr/>
+        <p:txBody>
+          <a:bodyPr/>
+          <a:lstStyle/>
+          <a:p>
+            <a:fld id="{A711455C-7F2E-904C-868C-0826B0FA359D}" type="slidenum">
+              <a:rPr lang="fr-FR" smtClean="0"/>
+              <a:t>10</a:t>
+            </a:fld>
+            <a:endParaRPr lang="fr-FR"/>
+          </a:p>
+        </p:txBody>
+      </p:sp>
+    </p:spTree>
+    <p:extLst>
+      <p:ext uri="{BB962C8B-B14F-4D97-AF65-F5344CB8AC3E}">
+        <p14:creationId xmlns:p14="http://schemas.microsoft.com/office/powerpoint/2010/main" val="3628122403"/>
+      </p:ext>
+    </p:extLst>
+  </p:cSld>
+  <p:clrMapOvr>
+    <a:masterClrMapping/>
+  </p:clrMapOvr>
+</p:notes>
 </file>
 
 <file path=ppt/slideLayouts/slideLayout1.xml><?xml version="1.0" encoding="utf-8"?>
@@ -632,7 +1227,7 @@
           <a:p>
             <a:fld id="{F314E2E7-D64F-144F-B0DC-8951CC57A7B9}" type="datetimeFigureOut">
               <a:rPr lang="fr-FR" smtClean="0"/>
-              <a:t>14/06/2018</a:t>
+              <a:t>15/06/2018</a:t>
             </a:fld>
             <a:endParaRPr lang="fr-FR"/>
           </a:p>
@@ -787,7 +1382,7 @@
           <a:p>
             <a:fld id="{F314E2E7-D64F-144F-B0DC-8951CC57A7B9}" type="datetimeFigureOut">
               <a:rPr lang="fr-FR" smtClean="0"/>
-              <a:t>14/06/2018</a:t>
+              <a:t>15/06/2018</a:t>
             </a:fld>
             <a:endParaRPr lang="fr-FR"/>
           </a:p>
@@ -943,7 +1538,7 @@
           <a:p>
             <a:fld id="{F314E2E7-D64F-144F-B0DC-8951CC57A7B9}" type="datetimeFigureOut">
               <a:rPr lang="fr-FR" smtClean="0"/>
-              <a:t>14/06/2018</a:t>
+              <a:t>15/06/2018</a:t>
             </a:fld>
             <a:endParaRPr lang="fr-FR"/>
           </a:p>
@@ -1089,7 +1684,7 @@
           <a:p>
             <a:fld id="{F314E2E7-D64F-144F-B0DC-8951CC57A7B9}" type="datetimeFigureOut">
               <a:rPr lang="fr-FR" smtClean="0"/>
-              <a:t>14/06/2018</a:t>
+              <a:t>15/06/2018</a:t>
             </a:fld>
             <a:endParaRPr lang="fr-FR"/>
           </a:p>
@@ -1415,7 +2010,7 @@
           <a:p>
             <a:fld id="{F314E2E7-D64F-144F-B0DC-8951CC57A7B9}" type="datetimeFigureOut">
               <a:rPr lang="fr-FR" smtClean="0"/>
-              <a:t>14/06/2018</a:t>
+              <a:t>15/06/2018</a:t>
             </a:fld>
             <a:endParaRPr lang="fr-FR"/>
           </a:p>
@@ -1827,7 +2422,7 @@
           <a:p>
             <a:fld id="{F314E2E7-D64F-144F-B0DC-8951CC57A7B9}" type="datetimeFigureOut">
               <a:rPr lang="fr-FR" smtClean="0"/>
-              <a:t>14/06/2018</a:t>
+              <a:t>15/06/2018</a:t>
             </a:fld>
             <a:endParaRPr lang="fr-FR"/>
           </a:p>
@@ -2200,7 +2795,7 @@
           <a:p>
             <a:fld id="{F314E2E7-D64F-144F-B0DC-8951CC57A7B9}" type="datetimeFigureOut">
               <a:rPr lang="fr-FR" smtClean="0"/>
-              <a:t>14/06/2018</a:t>
+              <a:t>15/06/2018</a:t>
             </a:fld>
             <a:endParaRPr lang="fr-FR"/>
           </a:p>
@@ -2318,7 +2913,7 @@
           <a:p>
             <a:fld id="{F314E2E7-D64F-144F-B0DC-8951CC57A7B9}" type="datetimeFigureOut">
               <a:rPr lang="fr-FR" smtClean="0"/>
-              <a:t>14/06/2018</a:t>
+              <a:t>15/06/2018</a:t>
             </a:fld>
             <a:endParaRPr lang="fr-FR"/>
           </a:p>
@@ -2436,7 +3031,7 @@
           <a:p>
             <a:fld id="{F314E2E7-D64F-144F-B0DC-8951CC57A7B9}" type="datetimeFigureOut">
               <a:rPr lang="fr-FR" smtClean="0"/>
-              <a:t>14/06/2018</a:t>
+              <a:t>15/06/2018</a:t>
             </a:fld>
             <a:endParaRPr lang="fr-FR"/>
           </a:p>
@@ -2775,7 +3370,7 @@
           <a:p>
             <a:fld id="{F314E2E7-D64F-144F-B0DC-8951CC57A7B9}" type="datetimeFigureOut">
               <a:rPr lang="fr-FR" smtClean="0"/>
-              <a:t>14/06/2018</a:t>
+              <a:t>15/06/2018</a:t>
             </a:fld>
             <a:endParaRPr lang="fr-FR"/>
           </a:p>
@@ -3287,7 +3882,7 @@
           <a:p>
             <a:fld id="{F314E2E7-D64F-144F-B0DC-8951CC57A7B9}" type="datetimeFigureOut">
               <a:rPr lang="fr-FR" smtClean="0"/>
-              <a:t>14/06/2018</a:t>
+              <a:t>15/06/2018</a:t>
             </a:fld>
             <a:endParaRPr lang="fr-FR"/>
           </a:p>
@@ -3618,7 +4213,7 @@
           <a:p>
             <a:fld id="{F314E2E7-D64F-144F-B0DC-8951CC57A7B9}" type="datetimeFigureOut">
               <a:rPr lang="fr-FR" smtClean="0"/>
-              <a:t>14/06/2018</a:t>
+              <a:t>15/06/2018</a:t>
             </a:fld>
             <a:endParaRPr lang="fr-FR"/>
           </a:p>
@@ -4411,16 +5006,21 @@
             <p:ph idx="1"/>
           </p:nvPr>
         </p:nvSpPr>
-        <p:spPr/>
+        <p:spPr>
+          <a:xfrm>
+            <a:off x="1069848" y="2121408"/>
+            <a:ext cx="10058400" cy="4344048"/>
+          </a:xfrm>
+        </p:spPr>
         <p:txBody>
           <a:bodyPr>
-            <a:normAutofit/>
+            <a:normAutofit fontScale="77500" lnSpcReduction="20000"/>
           </a:bodyPr>
           <a:lstStyle/>
           <a:p>
             <a:r>
               <a:rPr lang="fr-FR" dirty="0"/>
-              <a:t>Problème avec le fichier .</a:t>
+              <a:t>Problème, .</a:t>
             </a:r>
             <a:r>
               <a:rPr lang="fr-FR" dirty="0" err="1"/>
@@ -4431,27 +5031,78 @@
           <a:p>
             <a:r>
               <a:rPr lang="fr-FR" dirty="0"/>
-              <a:t>J’ai mis les chemins comme on nous avait appris en cours d’apache</a:t>
-            </a:r>
-          </a:p>
-          <a:p>
-            <a:r>
-              <a:rPr lang="fr-FR" dirty="0"/>
-              <a:t>En regardant la documentation sur Infomaniak j’ai vu qu’il fallait mettre le chemin absolu vers le fichier où sont stockés les logins </a:t>
-            </a:r>
-          </a:p>
-          <a:p>
-            <a:r>
-              <a:rPr lang="fr-FR" dirty="0"/>
-              <a:t>J’ai dû connaître le chemin absolu de mon dossier avec une fonction </a:t>
+              <a:t>Lien vers .</a:t>
             </a:r>
             <a:r>
               <a:rPr lang="fr-FR" dirty="0" err="1"/>
-              <a:t>php</a:t>
-            </a:r>
-            <a:r>
-              <a:rPr lang="fr-FR" dirty="0"/>
-              <a:t> : </a:t>
+              <a:t>htpassword</a:t>
+            </a:r>
+            <a:endParaRPr lang="fr-FR" dirty="0"/>
+          </a:p>
+          <a:p>
+            <a:pPr lvl="1"/>
+            <a:r>
+              <a:rPr lang="fr-FR" dirty="0"/>
+              <a:t>Comme en cours </a:t>
+            </a:r>
+          </a:p>
+          <a:p>
+            <a:r>
+              <a:rPr lang="fr-FR" dirty="0"/>
+              <a:t>Documentation d’Infomaniak </a:t>
+            </a:r>
+          </a:p>
+          <a:p>
+            <a:r>
+              <a:rPr lang="fr-FR" dirty="0"/>
+              <a:t>Explication, chemin absolu</a:t>
+            </a:r>
+          </a:p>
+          <a:p>
+            <a:pPr lvl="1"/>
+            <a:r>
+              <a:rPr lang="fr-FR" dirty="0"/>
+              <a:t>Vers .</a:t>
+            </a:r>
+            <a:r>
+              <a:rPr lang="fr-FR" dirty="0" err="1"/>
+              <a:t>htpassword</a:t>
+            </a:r>
+            <a:endParaRPr lang="fr-FR" dirty="0"/>
+          </a:p>
+          <a:p>
+            <a:r>
+              <a:rPr lang="fr-FR" dirty="0"/>
+              <a:t>Connaître le chemin </a:t>
+            </a:r>
+            <a:r>
+              <a:rPr lang="fr-FR" dirty="0" err="1"/>
+              <a:t>aboslu</a:t>
+            </a:r>
+            <a:r>
+              <a:rPr lang="fr-FR" dirty="0"/>
+              <a:t>	</a:t>
+            </a:r>
+          </a:p>
+          <a:p>
+            <a:pPr lvl="1"/>
+            <a:r>
+              <a:rPr lang="fr-FR" dirty="0"/>
+              <a:t>Création d’un fichier </a:t>
+            </a:r>
+          </a:p>
+          <a:p>
+            <a:pPr lvl="1"/>
+            <a:r>
+              <a:rPr lang="fr-FR" dirty="0"/>
+              <a:t>Fonction PHP</a:t>
+            </a:r>
+          </a:p>
+          <a:p>
+            <a:pPr lvl="1"/>
+            <a:r>
+              <a:rPr lang="fr-CH" dirty="0"/>
+              <a:t>Contenu fichier : </a:t>
             </a:r>
             <a:r>
               <a:rPr lang="fr-CH" dirty="0" err="1"/>
@@ -4481,7 +5132,36 @@
           <a:p>
             <a:r>
               <a:rPr lang="fr-FR" dirty="0"/>
-              <a:t>Ensuite j’ai dû créer le mot de passe crypté : </a:t>
+              <a:t>Création </a:t>
+            </a:r>
+            <a:r>
+              <a:rPr lang="fr-FR" dirty="0" err="1"/>
+              <a:t>mdp</a:t>
+            </a:r>
+            <a:r>
+              <a:rPr lang="fr-FR" dirty="0"/>
+              <a:t> crypté </a:t>
+            </a:r>
+          </a:p>
+          <a:p>
+            <a:pPr lvl="1"/>
+            <a:r>
+              <a:rPr lang="fr-FR" dirty="0"/>
+              <a:t>Création d’un fichier </a:t>
+            </a:r>
+          </a:p>
+          <a:p>
+            <a:pPr lvl="1"/>
+            <a:r>
+              <a:rPr lang="fr-FR" dirty="0"/>
+              <a:t>Fonction PHP</a:t>
+            </a:r>
+          </a:p>
+          <a:p>
+            <a:pPr lvl="1"/>
+            <a:r>
+              <a:rPr lang="fr-CH" dirty="0"/>
+              <a:t>Contenu fichier : </a:t>
             </a:r>
             <a:r>
               <a:rPr lang="fr-CH" dirty="0" err="1"/>
@@ -4507,11 +5187,12 @@
               <a:rPr lang="fr-CH" dirty="0"/>
               <a:t>’);</a:t>
             </a:r>
-          </a:p>
-          <a:p>
-            <a:r>
-              <a:rPr lang="fr-FR" dirty="0"/>
-              <a:t>Créer le fichier .</a:t>
+            <a:endParaRPr lang="fr-FR" dirty="0"/>
+          </a:p>
+          <a:p>
+            <a:r>
+              <a:rPr lang="fr-FR" dirty="0"/>
+              <a:t>.</a:t>
             </a:r>
             <a:r>
               <a:rPr lang="fr-FR" dirty="0" err="1"/>
@@ -4519,7 +5200,18 @@
             </a:r>
             <a:r>
               <a:rPr lang="fr-FR" dirty="0"/>
-              <a:t> avec le chemin absolu sur mon fichier des </a:t>
+              <a:t>, chemin absolu vers .</a:t>
+            </a:r>
+            <a:r>
+              <a:rPr lang="fr-FR" dirty="0" err="1"/>
+              <a:t>htpassword</a:t>
+            </a:r>
+            <a:endParaRPr lang="fr-FR" dirty="0"/>
+          </a:p>
+          <a:p>
+            <a:r>
+              <a:rPr lang="fr-FR" dirty="0"/>
+              <a:t>Création login, ajout du </a:t>
             </a:r>
             <a:r>
               <a:rPr lang="fr-FR" dirty="0" err="1"/>
@@ -4527,8 +5219,11 @@
             </a:r>
             <a:r>
               <a:rPr lang="fr-FR" dirty="0"/>
-              <a:t> + login </a:t>
-            </a:r>
+              <a:t> crypté </a:t>
+            </a:r>
+          </a:p>
+          <a:p>
+            <a:endParaRPr lang="fr-FR" dirty="0"/>
           </a:p>
           <a:p>
             <a:endParaRPr lang="fr-FR" dirty="0"/>
@@ -4653,19 +5348,22 @@
           <a:p>
             <a:r>
               <a:rPr lang="fr-FR" dirty="0"/>
-              <a:t>Ajout du compte du M. Louis Pache dans le fichier .</a:t>
+              <a:t>Création login du client </a:t>
+            </a:r>
+          </a:p>
+          <a:p>
+            <a:pPr lvl="1"/>
+            <a:r>
+              <a:rPr lang="fr-FR" dirty="0"/>
+              <a:t>Création du </a:t>
             </a:r>
             <a:r>
               <a:rPr lang="fr-FR" dirty="0" err="1"/>
-              <a:t>htpassword</a:t>
-            </a:r>
-            <a:endParaRPr lang="fr-FR" dirty="0"/>
-          </a:p>
-          <a:p>
-            <a:pPr lvl="1"/>
-            <a:r>
-              <a:rPr lang="fr-FR" dirty="0"/>
-              <a:t>Il pourra se connecter dessus avec sur le site </a:t>
+              <a:t>mdp</a:t>
+            </a:r>
+            <a:r>
+              <a:rPr lang="fr-FR" dirty="0"/>
+              <a:t> crypté</a:t>
             </a:r>
           </a:p>
           <a:p>
@@ -4685,48 +5383,24 @@
               <a:rPr lang="fr-FR" dirty="0" err="1"/>
               <a:t>View</a:t>
             </a:r>
-            <a:r>
-              <a:rPr lang="fr-FR" dirty="0"/>
-              <a:t> pour l’application mobile </a:t>
-            </a:r>
-          </a:p>
-          <a:p>
-            <a:pPr lvl="1"/>
-            <a:r>
-              <a:rPr lang="fr-FR" dirty="0"/>
-              <a:t>Entrer le code de l’application pour qu’il l’ait dans la liste </a:t>
+            <a:endParaRPr lang="fr-FR" dirty="0"/>
+          </a:p>
+          <a:p>
+            <a:r>
+              <a:rPr lang="fr-FR" dirty="0"/>
+              <a:t>Insérer le code, de l’application </a:t>
+            </a:r>
+          </a:p>
+          <a:p>
+            <a:r>
+              <a:rPr lang="fr-FR" dirty="0"/>
+              <a:t>Explication du fonctionnement du site </a:t>
             </a:r>
           </a:p>
           <a:p>
             <a:r>
               <a:rPr lang="fr-FR" dirty="0"/>
               <a:t>Explication du fonctionnement de l’application</a:t>
-            </a:r>
-          </a:p>
-          <a:p>
-            <a:r>
-              <a:rPr lang="fr-FR" dirty="0"/>
-              <a:t>Explication du fonctionnement du site </a:t>
-            </a:r>
-          </a:p>
-          <a:p>
-            <a:r>
-              <a:rPr lang="fr-FR" dirty="0"/>
-              <a:t>Il fera des tests avec la base de données actuels, quand il aura suffisamment pris la main sur le site et l’application je lui remettrai une BD vierge</a:t>
-            </a:r>
-          </a:p>
-          <a:p>
-            <a:r>
-              <a:rPr lang="fr-FR" dirty="0"/>
-              <a:t>Après les tests qu’il aura fait il me dira les bugs qu’il trouvera et je ferai ensuite les changements </a:t>
-            </a:r>
-            <a:r>
-              <a:rPr lang="fr-FR" dirty="0" err="1"/>
-              <a:t>adécuats</a:t>
-            </a:r>
-            <a:r>
-              <a:rPr lang="fr-FR" dirty="0"/>
-              <a:t> </a:t>
             </a:r>
           </a:p>
         </p:txBody>
@@ -4801,6 +5475,249 @@
           <p:cNvPr id="2" name="Titre 1">
             <a:extLst>
               <a:ext uri="{FF2B5EF4-FFF2-40B4-BE49-F238E27FC236}">
+                <a16:creationId xmlns:a16="http://schemas.microsoft.com/office/drawing/2014/main" id="{CA194734-7C40-F648-88DC-E0ED32ED5A6A}"/>
+              </a:ext>
+            </a:extLst>
+          </p:cNvPr>
+          <p:cNvSpPr>
+            <a:spLocks noGrp="1"/>
+          </p:cNvSpPr>
+          <p:nvPr>
+            <p:ph type="title"/>
+          </p:nvPr>
+        </p:nvSpPr>
+        <p:spPr/>
+        <p:txBody>
+          <a:bodyPr/>
+          <a:lstStyle/>
+          <a:p>
+            <a:endParaRPr lang="fr-FR" dirty="0"/>
+          </a:p>
+        </p:txBody>
+      </p:sp>
+      <p:pic>
+        <p:nvPicPr>
+          <p:cNvPr id="5" name="Espace réservé du contenu 4">
+            <a:extLst>
+              <a:ext uri="{FF2B5EF4-FFF2-40B4-BE49-F238E27FC236}">
+                <a16:creationId xmlns:a16="http://schemas.microsoft.com/office/drawing/2014/main" id="{9A493157-2AE9-FB42-B2C3-7598572ABAF1}"/>
+              </a:ext>
+            </a:extLst>
+          </p:cNvPr>
+          <p:cNvPicPr>
+            <a:picLocks noGrp="1" noChangeAspect="1"/>
+          </p:cNvPicPr>
+          <p:nvPr>
+            <p:ph idx="1"/>
+          </p:nvPr>
+        </p:nvPicPr>
+        <p:blipFill>
+          <a:blip r:embed="rId2"/>
+          <a:stretch>
+            <a:fillRect/>
+          </a:stretch>
+        </p:blipFill>
+        <p:spPr>
+          <a:xfrm>
+            <a:off x="1670211" y="0"/>
+            <a:ext cx="3855697" cy="6858001"/>
+          </a:xfrm>
+        </p:spPr>
+      </p:pic>
+      <p:pic>
+        <p:nvPicPr>
+          <p:cNvPr id="7" name="Image 6">
+            <a:extLst>
+              <a:ext uri="{FF2B5EF4-FFF2-40B4-BE49-F238E27FC236}">
+                <a16:creationId xmlns:a16="http://schemas.microsoft.com/office/drawing/2014/main" id="{192F1642-7396-864D-BDD1-707617987F2B}"/>
+              </a:ext>
+            </a:extLst>
+          </p:cNvPr>
+          <p:cNvPicPr>
+            <a:picLocks noChangeAspect="1"/>
+          </p:cNvPicPr>
+          <p:nvPr/>
+        </p:nvPicPr>
+        <p:blipFill>
+          <a:blip r:embed="rId3"/>
+          <a:stretch>
+            <a:fillRect/>
+          </a:stretch>
+        </p:blipFill>
+        <p:spPr>
+          <a:xfrm>
+            <a:off x="6570103" y="0"/>
+            <a:ext cx="3855697" cy="6858000"/>
+          </a:xfrm>
+          <a:prstGeom prst="rect">
+            <a:avLst/>
+          </a:prstGeom>
+        </p:spPr>
+      </p:pic>
+    </p:spTree>
+    <p:extLst>
+      <p:ext uri="{BB962C8B-B14F-4D97-AF65-F5344CB8AC3E}">
+        <p14:creationId xmlns:p14="http://schemas.microsoft.com/office/powerpoint/2010/main" val="1824880794"/>
+      </p:ext>
+    </p:extLst>
+  </p:cSld>
+  <p:clrMapOvr>
+    <a:masterClrMapping/>
+  </p:clrMapOvr>
+</p:sld>
+</file>
+
+<file path=ppt/slides/slide13.xml><?xml version="1.0" encoding="utf-8"?>
+<p:sld xmlns:a="http://schemas.openxmlformats.org/drawingml/2006/main" xmlns:r="http://schemas.openxmlformats.org/officeDocument/2006/relationships" xmlns:p="http://schemas.openxmlformats.org/presentationml/2006/main">
+  <p:cSld>
+    <p:spTree>
+      <p:nvGrpSpPr>
+        <p:cNvPr id="1" name=""/>
+        <p:cNvGrpSpPr/>
+        <p:nvPr/>
+      </p:nvGrpSpPr>
+      <p:grpSpPr>
+        <a:xfrm>
+          <a:off x="0" y="0"/>
+          <a:ext cx="0" cy="0"/>
+          <a:chOff x="0" y="0"/>
+          <a:chExt cx="0" cy="0"/>
+        </a:xfrm>
+      </p:grpSpPr>
+      <p:sp>
+        <p:nvSpPr>
+          <p:cNvPr id="2" name="Titre 1">
+            <a:extLst>
+              <a:ext uri="{FF2B5EF4-FFF2-40B4-BE49-F238E27FC236}">
+                <a16:creationId xmlns:a16="http://schemas.microsoft.com/office/drawing/2014/main" id="{609A52CD-BEC2-6844-BF83-26A049CA4305}"/>
+              </a:ext>
+            </a:extLst>
+          </p:cNvPr>
+          <p:cNvSpPr>
+            <a:spLocks noGrp="1"/>
+          </p:cNvSpPr>
+          <p:nvPr>
+            <p:ph type="title"/>
+          </p:nvPr>
+        </p:nvSpPr>
+        <p:spPr/>
+        <p:txBody>
+          <a:bodyPr/>
+          <a:lstStyle/>
+          <a:p>
+            <a:r>
+              <a:rPr lang="fr-FR" dirty="0"/>
+              <a:t>Entretien avec le client</a:t>
+            </a:r>
+          </a:p>
+        </p:txBody>
+      </p:sp>
+      <p:sp>
+        <p:nvSpPr>
+          <p:cNvPr id="3" name="Espace réservé du contenu 2">
+            <a:extLst>
+              <a:ext uri="{FF2B5EF4-FFF2-40B4-BE49-F238E27FC236}">
+                <a16:creationId xmlns:a16="http://schemas.microsoft.com/office/drawing/2014/main" id="{5AC5880B-6904-C643-899B-5761FE159309}"/>
+              </a:ext>
+            </a:extLst>
+          </p:cNvPr>
+          <p:cNvSpPr>
+            <a:spLocks noGrp="1"/>
+          </p:cNvSpPr>
+          <p:nvPr>
+            <p:ph idx="1"/>
+          </p:nvPr>
+        </p:nvSpPr>
+        <p:spPr/>
+        <p:txBody>
+          <a:bodyPr/>
+          <a:lstStyle/>
+          <a:p>
+            <a:r>
+              <a:rPr lang="fr-FR" dirty="0"/>
+              <a:t>Après explications </a:t>
+            </a:r>
+          </a:p>
+          <a:p>
+            <a:pPr lvl="1"/>
+            <a:r>
+              <a:rPr lang="fr-FR" dirty="0"/>
+              <a:t>Test de son côté</a:t>
+            </a:r>
+          </a:p>
+          <a:p>
+            <a:pPr lvl="1"/>
+            <a:r>
+              <a:rPr lang="fr-FR" dirty="0"/>
+              <a:t>De l’application </a:t>
+            </a:r>
+          </a:p>
+          <a:p>
+            <a:pPr lvl="1"/>
+            <a:r>
+              <a:rPr lang="fr-FR" dirty="0"/>
+              <a:t>Du site </a:t>
+            </a:r>
+          </a:p>
+          <a:p>
+            <a:pPr lvl="1"/>
+            <a:r>
+              <a:rPr lang="fr-FR" dirty="0"/>
+              <a:t>Avec la BD fournie</a:t>
+            </a:r>
+          </a:p>
+          <a:p>
+            <a:r>
+              <a:rPr lang="fr-FR" dirty="0"/>
+              <a:t>Si bugs, corrections appliquées </a:t>
+            </a:r>
+          </a:p>
+          <a:p>
+            <a:r>
+              <a:rPr lang="fr-FR" dirty="0"/>
+              <a:t>Test concluant, BD vierge </a:t>
+            </a:r>
+          </a:p>
+          <a:p>
+            <a:endParaRPr lang="fr-FR" dirty="0"/>
+          </a:p>
+        </p:txBody>
+      </p:sp>
+    </p:spTree>
+    <p:extLst>
+      <p:ext uri="{BB962C8B-B14F-4D97-AF65-F5344CB8AC3E}">
+        <p14:creationId xmlns:p14="http://schemas.microsoft.com/office/powerpoint/2010/main" val="3682985442"/>
+      </p:ext>
+    </p:extLst>
+  </p:cSld>
+  <p:clrMapOvr>
+    <a:masterClrMapping/>
+  </p:clrMapOvr>
+</p:sld>
+</file>
+
+<file path=ppt/slides/slide14.xml><?xml version="1.0" encoding="utf-8"?>
+<p:sld xmlns:a="http://schemas.openxmlformats.org/drawingml/2006/main" xmlns:r="http://schemas.openxmlformats.org/officeDocument/2006/relationships" xmlns:p="http://schemas.openxmlformats.org/presentationml/2006/main">
+  <p:cSld>
+    <p:spTree>
+      <p:nvGrpSpPr>
+        <p:cNvPr id="1" name=""/>
+        <p:cNvGrpSpPr/>
+        <p:nvPr/>
+      </p:nvGrpSpPr>
+      <p:grpSpPr>
+        <a:xfrm>
+          <a:off x="0" y="0"/>
+          <a:ext cx="0" cy="0"/>
+          <a:chOff x="0" y="0"/>
+          <a:chExt cx="0" cy="0"/>
+        </a:xfrm>
+      </p:grpSpPr>
+      <p:sp>
+        <p:nvSpPr>
+          <p:cNvPr id="2" name="Titre 1">
+            <a:extLst>
+              <a:ext uri="{FF2B5EF4-FFF2-40B4-BE49-F238E27FC236}">
                 <a16:creationId xmlns:a16="http://schemas.microsoft.com/office/drawing/2014/main" id="{DEDF04B0-5015-C243-8D07-5B2CAB4B33AA}"/>
               </a:ext>
             </a:extLst>
@@ -4906,7 +5823,7 @@
 </p:sld>
 </file>
 
-<file path=ppt/slides/slide13.xml><?xml version="1.0" encoding="utf-8"?>
+<file path=ppt/slides/slide15.xml><?xml version="1.0" encoding="utf-8"?>
 <p:sld xmlns:a="http://schemas.openxmlformats.org/drawingml/2006/main" xmlns:r="http://schemas.openxmlformats.org/officeDocument/2006/relationships" xmlns:p="http://schemas.openxmlformats.org/presentationml/2006/main">
   <p:cSld>
     <p:spTree>
@@ -5122,7 +6039,7 @@
 </p:sld>
 </file>
 
-<file path=ppt/slides/slide14.xml><?xml version="1.0" encoding="utf-8"?>
+<file path=ppt/slides/slide16.xml><?xml version="1.0" encoding="utf-8"?>
 <p:sld xmlns:a="http://schemas.openxmlformats.org/drawingml/2006/main" xmlns:r="http://schemas.openxmlformats.org/officeDocument/2006/relationships" xmlns:p="http://schemas.openxmlformats.org/presentationml/2006/main">
   <p:cSld>
     <p:spTree>
@@ -5343,330 +6260,6 @@
 </p:sld>
 </file>
 
-<file path=ppt/slides/slide15.xml><?xml version="1.0" encoding="utf-8"?>
-<p:sld xmlns:a="http://schemas.openxmlformats.org/drawingml/2006/main" xmlns:r="http://schemas.openxmlformats.org/officeDocument/2006/relationships" xmlns:p="http://schemas.openxmlformats.org/presentationml/2006/main">
-  <p:cSld>
-    <p:spTree>
-      <p:nvGrpSpPr>
-        <p:cNvPr id="1" name=""/>
-        <p:cNvGrpSpPr/>
-        <p:nvPr/>
-      </p:nvGrpSpPr>
-      <p:grpSpPr>
-        <a:xfrm>
-          <a:off x="0" y="0"/>
-          <a:ext cx="0" cy="0"/>
-          <a:chOff x="0" y="0"/>
-          <a:chExt cx="0" cy="0"/>
-        </a:xfrm>
-      </p:grpSpPr>
-      <p:sp>
-        <p:nvSpPr>
-          <p:cNvPr id="2" name="Titre 1">
-            <a:extLst>
-              <a:ext uri="{FF2B5EF4-FFF2-40B4-BE49-F238E27FC236}">
-                <a16:creationId xmlns:a16="http://schemas.microsoft.com/office/drawing/2014/main" id="{9B8AD4FD-586B-BE4F-998B-B7E4791A1369}"/>
-              </a:ext>
-            </a:extLst>
-          </p:cNvPr>
-          <p:cNvSpPr>
-            <a:spLocks noGrp="1"/>
-          </p:cNvSpPr>
-          <p:nvPr>
-            <p:ph type="title"/>
-          </p:nvPr>
-        </p:nvSpPr>
-        <p:spPr/>
-        <p:txBody>
-          <a:bodyPr/>
-          <a:lstStyle/>
-          <a:p>
-            <a:endParaRPr lang="fr-FR"/>
-          </a:p>
-        </p:txBody>
-      </p:sp>
-      <p:pic>
-        <p:nvPicPr>
-          <p:cNvPr id="5" name="Espace réservé du contenu 4">
-            <a:extLst>
-              <a:ext uri="{FF2B5EF4-FFF2-40B4-BE49-F238E27FC236}">
-                <a16:creationId xmlns:a16="http://schemas.microsoft.com/office/drawing/2014/main" id="{A15FD77F-FB94-9647-B51F-9460DAB4FAFA}"/>
-              </a:ext>
-            </a:extLst>
-          </p:cNvPr>
-          <p:cNvPicPr>
-            <a:picLocks noGrp="1" noChangeAspect="1"/>
-          </p:cNvPicPr>
-          <p:nvPr>
-            <p:ph idx="1"/>
-          </p:nvPr>
-        </p:nvPicPr>
-        <p:blipFill>
-          <a:blip r:embed="rId2"/>
-          <a:stretch>
-            <a:fillRect/>
-          </a:stretch>
-        </p:blipFill>
-        <p:spPr>
-          <a:xfrm>
-            <a:off x="4355561" y="291233"/>
-            <a:ext cx="3480877" cy="6191321"/>
-          </a:xfrm>
-        </p:spPr>
-      </p:pic>
-      <p:sp>
-        <p:nvSpPr>
-          <p:cNvPr id="4" name="ZoneTexte 3">
-            <a:extLst>
-              <a:ext uri="{FF2B5EF4-FFF2-40B4-BE49-F238E27FC236}">
-                <a16:creationId xmlns:a16="http://schemas.microsoft.com/office/drawing/2014/main" id="{63C15B25-0680-6643-8404-70E2E53F6F2B}"/>
-              </a:ext>
-            </a:extLst>
-          </p:cNvPr>
-          <p:cNvSpPr txBox="1"/>
-          <p:nvPr/>
-        </p:nvSpPr>
-        <p:spPr>
-          <a:xfrm>
-            <a:off x="11406908" y="6297888"/>
-            <a:ext cx="457176" cy="369332"/>
-          </a:xfrm>
-          <a:prstGeom prst="rect">
-            <a:avLst/>
-          </a:prstGeom>
-          <a:noFill/>
-        </p:spPr>
-        <p:txBody>
-          <a:bodyPr wrap="none" rtlCol="0">
-            <a:spAutoFit/>
-          </a:bodyPr>
-          <a:lstStyle/>
-          <a:p>
-            <a:r>
-              <a:rPr lang="fr-FR" dirty="0"/>
-              <a:t>10</a:t>
-            </a:r>
-          </a:p>
-        </p:txBody>
-      </p:sp>
-    </p:spTree>
-    <p:extLst>
-      <p:ext uri="{BB962C8B-B14F-4D97-AF65-F5344CB8AC3E}">
-        <p14:creationId xmlns:p14="http://schemas.microsoft.com/office/powerpoint/2010/main" val="2552274360"/>
-      </p:ext>
-    </p:extLst>
-  </p:cSld>
-  <p:clrMapOvr>
-    <a:masterClrMapping/>
-  </p:clrMapOvr>
-</p:sld>
-</file>
-
-<file path=ppt/slides/slide16.xml><?xml version="1.0" encoding="utf-8"?>
-<p:sld xmlns:a="http://schemas.openxmlformats.org/drawingml/2006/main" xmlns:r="http://schemas.openxmlformats.org/officeDocument/2006/relationships" xmlns:p="http://schemas.openxmlformats.org/presentationml/2006/main">
-  <p:cSld>
-    <p:spTree>
-      <p:nvGrpSpPr>
-        <p:cNvPr id="1" name=""/>
-        <p:cNvGrpSpPr/>
-        <p:nvPr/>
-      </p:nvGrpSpPr>
-      <p:grpSpPr>
-        <a:xfrm>
-          <a:off x="0" y="0"/>
-          <a:ext cx="0" cy="0"/>
-          <a:chOff x="0" y="0"/>
-          <a:chExt cx="0" cy="0"/>
-        </a:xfrm>
-      </p:grpSpPr>
-      <p:sp>
-        <p:nvSpPr>
-          <p:cNvPr id="2" name="Titre 1">
-            <a:extLst>
-              <a:ext uri="{FF2B5EF4-FFF2-40B4-BE49-F238E27FC236}">
-                <a16:creationId xmlns:a16="http://schemas.microsoft.com/office/drawing/2014/main" id="{E070BD1A-F734-004D-8050-6B841AA1C839}"/>
-              </a:ext>
-            </a:extLst>
-          </p:cNvPr>
-          <p:cNvSpPr>
-            <a:spLocks noGrp="1"/>
-          </p:cNvSpPr>
-          <p:nvPr>
-            <p:ph type="title"/>
-          </p:nvPr>
-        </p:nvSpPr>
-        <p:spPr/>
-        <p:txBody>
-          <a:bodyPr/>
-          <a:lstStyle/>
-          <a:p>
-            <a:r>
-              <a:rPr lang="fr-FR" dirty="0"/>
-              <a:t>Déroulement</a:t>
-            </a:r>
-          </a:p>
-        </p:txBody>
-      </p:sp>
-      <p:sp>
-        <p:nvSpPr>
-          <p:cNvPr id="4" name="Rectangle à coins arrondis 3">
-            <a:extLst>
-              <a:ext uri="{FF2B5EF4-FFF2-40B4-BE49-F238E27FC236}">
-                <a16:creationId xmlns:a16="http://schemas.microsoft.com/office/drawing/2014/main" id="{5B325F03-6E49-054A-905C-229B8AB7FA24}"/>
-              </a:ext>
-            </a:extLst>
-          </p:cNvPr>
-          <p:cNvSpPr/>
-          <p:nvPr/>
-        </p:nvSpPr>
-        <p:spPr>
-          <a:xfrm>
-            <a:off x="663448" y="2675868"/>
-            <a:ext cx="2966443" cy="2265587"/>
-          </a:xfrm>
-          <a:prstGeom prst="roundRect">
-            <a:avLst/>
-          </a:prstGeom>
-        </p:spPr>
-        <p:style>
-          <a:lnRef idx="2">
-            <a:schemeClr val="dk1">
-              <a:shade val="50000"/>
-            </a:schemeClr>
-          </a:lnRef>
-          <a:fillRef idx="1">
-            <a:schemeClr val="dk1"/>
-          </a:fillRef>
-          <a:effectRef idx="0">
-            <a:schemeClr val="dk1"/>
-          </a:effectRef>
-          <a:fontRef idx="minor">
-            <a:schemeClr val="lt1"/>
-          </a:fontRef>
-        </p:style>
-        <p:txBody>
-          <a:bodyPr rtlCol="0" anchor="ctr"/>
-          <a:lstStyle/>
-          <a:p>
-            <a:pPr algn="ctr"/>
-            <a:r>
-              <a:rPr lang="fr-FR" dirty="0"/>
-              <a:t>Introduction</a:t>
-            </a:r>
-          </a:p>
-        </p:txBody>
-      </p:sp>
-      <p:sp>
-        <p:nvSpPr>
-          <p:cNvPr id="5" name="Rectangle à coins arrondis 4">
-            <a:extLst>
-              <a:ext uri="{FF2B5EF4-FFF2-40B4-BE49-F238E27FC236}">
-                <a16:creationId xmlns:a16="http://schemas.microsoft.com/office/drawing/2014/main" id="{455A8A4E-9290-E748-98D6-FAD839D8E76B}"/>
-              </a:ext>
-            </a:extLst>
-          </p:cNvPr>
-          <p:cNvSpPr/>
-          <p:nvPr/>
-        </p:nvSpPr>
-        <p:spPr>
-          <a:xfrm>
-            <a:off x="4607375" y="2675867"/>
-            <a:ext cx="2966443" cy="2265587"/>
-          </a:xfrm>
-          <a:prstGeom prst="roundRect">
-            <a:avLst/>
-          </a:prstGeom>
-        </p:spPr>
-        <p:style>
-          <a:lnRef idx="2">
-            <a:schemeClr val="dk1">
-              <a:shade val="50000"/>
-            </a:schemeClr>
-          </a:lnRef>
-          <a:fillRef idx="1">
-            <a:schemeClr val="dk1"/>
-          </a:fillRef>
-          <a:effectRef idx="0">
-            <a:schemeClr val="dk1"/>
-          </a:effectRef>
-          <a:fontRef idx="minor">
-            <a:schemeClr val="lt1"/>
-          </a:fontRef>
-        </p:style>
-        <p:txBody>
-          <a:bodyPr rtlCol="0" anchor="ctr"/>
-          <a:lstStyle/>
-          <a:p>
-            <a:pPr algn="ctr"/>
-            <a:r>
-              <a:rPr lang="fr-FR" dirty="0"/>
-              <a:t>Développement</a:t>
-            </a:r>
-          </a:p>
-        </p:txBody>
-      </p:sp>
-      <p:sp>
-        <p:nvSpPr>
-          <p:cNvPr id="6" name="Rectangle à coins arrondis 5">
-            <a:extLst>
-              <a:ext uri="{FF2B5EF4-FFF2-40B4-BE49-F238E27FC236}">
-                <a16:creationId xmlns:a16="http://schemas.microsoft.com/office/drawing/2014/main" id="{67A4D9A3-B83A-DF4A-9E34-A0EE7F640B95}"/>
-              </a:ext>
-            </a:extLst>
-          </p:cNvPr>
-          <p:cNvSpPr/>
-          <p:nvPr/>
-        </p:nvSpPr>
-        <p:spPr>
-          <a:xfrm>
-            <a:off x="8551303" y="2675868"/>
-            <a:ext cx="2966443" cy="2265587"/>
-          </a:xfrm>
-          <a:prstGeom prst="roundRect">
-            <a:avLst/>
-          </a:prstGeom>
-        </p:spPr>
-        <p:style>
-          <a:lnRef idx="2">
-            <a:schemeClr val="accent1">
-              <a:shade val="50000"/>
-            </a:schemeClr>
-          </a:lnRef>
-          <a:fillRef idx="1">
-            <a:schemeClr val="accent1"/>
-          </a:fillRef>
-          <a:effectRef idx="0">
-            <a:schemeClr val="accent1"/>
-          </a:effectRef>
-          <a:fontRef idx="minor">
-            <a:schemeClr val="lt1"/>
-          </a:fontRef>
-        </p:style>
-        <p:txBody>
-          <a:bodyPr rtlCol="0" anchor="ctr"/>
-          <a:lstStyle/>
-          <a:p>
-            <a:pPr algn="ctr"/>
-            <a:r>
-              <a:rPr lang="fr-FR" dirty="0"/>
-              <a:t>Conclusion</a:t>
-            </a:r>
-          </a:p>
-        </p:txBody>
-      </p:sp>
-    </p:spTree>
-    <p:extLst>
-      <p:ext uri="{BB962C8B-B14F-4D97-AF65-F5344CB8AC3E}">
-        <p14:creationId xmlns:p14="http://schemas.microsoft.com/office/powerpoint/2010/main" val="1793566351"/>
-      </p:ext>
-    </p:extLst>
-  </p:cSld>
-  <p:clrMapOvr>
-    <a:masterClrMapping/>
-  </p:clrMapOvr>
-</p:sld>
-</file>
-
 <file path=ppt/slides/slide17.xml><?xml version="1.0" encoding="utf-8"?>
 <p:sld xmlns:a="http://schemas.openxmlformats.org/drawingml/2006/main" xmlns:r="http://schemas.openxmlformats.org/officeDocument/2006/relationships" xmlns:p="http://schemas.openxmlformats.org/presentationml/2006/main">
   <p:cSld>
@@ -5689,7 +6282,7 @@
           <p:cNvPr id="2" name="Titre 1">
             <a:extLst>
               <a:ext uri="{FF2B5EF4-FFF2-40B4-BE49-F238E27FC236}">
-                <a16:creationId xmlns:a16="http://schemas.microsoft.com/office/drawing/2014/main" id="{113484F7-246E-4B4F-8622-DDF8EEDBD389}"/>
+                <a16:creationId xmlns:a16="http://schemas.microsoft.com/office/drawing/2014/main" id="{9B8AD4FD-586B-BE4F-998B-B7E4791A1369}"/>
               </a:ext>
             </a:extLst>
           </p:cNvPr>
@@ -5705,62 +6298,45 @@
           <a:bodyPr/>
           <a:lstStyle/>
           <a:p>
-            <a:r>
-              <a:rPr lang="fr-FR" dirty="0"/>
-              <a:t>Difficultés rencontrées</a:t>
-            </a:r>
-          </a:p>
-        </p:txBody>
-      </p:sp>
-      <p:sp>
-        <p:nvSpPr>
-          <p:cNvPr id="3" name="Espace réservé du contenu 2">
+            <a:endParaRPr lang="fr-FR"/>
+          </a:p>
+        </p:txBody>
+      </p:sp>
+      <p:pic>
+        <p:nvPicPr>
+          <p:cNvPr id="5" name="Espace réservé du contenu 4">
             <a:extLst>
               <a:ext uri="{FF2B5EF4-FFF2-40B4-BE49-F238E27FC236}">
-                <a16:creationId xmlns:a16="http://schemas.microsoft.com/office/drawing/2014/main" id="{24DAE48B-6DF2-5548-9109-AE2164F4DA9B}"/>
+                <a16:creationId xmlns:a16="http://schemas.microsoft.com/office/drawing/2014/main" id="{A15FD77F-FB94-9647-B51F-9460DAB4FAFA}"/>
               </a:ext>
             </a:extLst>
           </p:cNvPr>
-          <p:cNvSpPr>
-            <a:spLocks noGrp="1"/>
-          </p:cNvSpPr>
+          <p:cNvPicPr>
+            <a:picLocks noGrp="1" noChangeAspect="1"/>
+          </p:cNvPicPr>
           <p:nvPr>
             <p:ph idx="1"/>
           </p:nvPr>
-        </p:nvSpPr>
-        <p:spPr/>
-        <p:txBody>
-          <a:bodyPr/>
-          <a:lstStyle/>
-          <a:p>
-            <a:r>
-              <a:rPr lang="fr-FR" dirty="0"/>
-              <a:t>Gros changement dans la base de données le vendredi avant de rendre le TPI</a:t>
-            </a:r>
-          </a:p>
-          <a:p>
-            <a:r>
-              <a:rPr lang="fr-FR" dirty="0"/>
-              <a:t>Refaire la moitié des fonctions sur le site ainsi que sur l’application mobile </a:t>
-            </a:r>
-          </a:p>
-          <a:p>
-            <a:r>
-              <a:rPr lang="fr-FR" dirty="0"/>
-              <a:t>Quantité calculée différemment pour chaque millésime </a:t>
-            </a:r>
-          </a:p>
-          <a:p>
-            <a:endParaRPr lang="fr-FR" dirty="0"/>
-          </a:p>
-        </p:txBody>
-      </p:sp>
+        </p:nvPicPr>
+        <p:blipFill>
+          <a:blip r:embed="rId2"/>
+          <a:stretch>
+            <a:fillRect/>
+          </a:stretch>
+        </p:blipFill>
+        <p:spPr>
+          <a:xfrm>
+            <a:off x="4355561" y="291233"/>
+            <a:ext cx="3480877" cy="6191321"/>
+          </a:xfrm>
+        </p:spPr>
+      </p:pic>
       <p:sp>
         <p:nvSpPr>
           <p:cNvPr id="4" name="ZoneTexte 3">
             <a:extLst>
               <a:ext uri="{FF2B5EF4-FFF2-40B4-BE49-F238E27FC236}">
-                <a16:creationId xmlns:a16="http://schemas.microsoft.com/office/drawing/2014/main" id="{1FF094D3-3976-D34E-8F62-C3C0E6D70E94}"/>
+                <a16:creationId xmlns:a16="http://schemas.microsoft.com/office/drawing/2014/main" id="{63C15B25-0680-6643-8404-70E2E53F6F2B}"/>
               </a:ext>
             </a:extLst>
           </p:cNvPr>
@@ -5785,7 +6361,7 @@
           <a:p>
             <a:r>
               <a:rPr lang="fr-FR" dirty="0"/>
-              <a:t>11</a:t>
+              <a:t>10</a:t>
             </a:r>
           </a:p>
         </p:txBody>
@@ -5793,7 +6369,7 @@
     </p:spTree>
     <p:extLst>
       <p:ext uri="{BB962C8B-B14F-4D97-AF65-F5344CB8AC3E}">
-        <p14:creationId xmlns:p14="http://schemas.microsoft.com/office/powerpoint/2010/main" val="3377292038"/>
+        <p14:creationId xmlns:p14="http://schemas.microsoft.com/office/powerpoint/2010/main" val="2552274360"/>
       </p:ext>
     </p:extLst>
   </p:cSld>
@@ -5825,7 +6401,7 @@
           <p:cNvPr id="2" name="Titre 1">
             <a:extLst>
               <a:ext uri="{FF2B5EF4-FFF2-40B4-BE49-F238E27FC236}">
-                <a16:creationId xmlns:a16="http://schemas.microsoft.com/office/drawing/2014/main" id="{F0EEA0CA-3B16-D14F-8FC8-2069CE075D37}"/>
+                <a16:creationId xmlns:a16="http://schemas.microsoft.com/office/drawing/2014/main" id="{E070BD1A-F734-004D-8050-6B841AA1C839}"/>
               </a:ext>
             </a:extLst>
           </p:cNvPr>
@@ -5843,85 +6419,154 @@
           <a:p>
             <a:r>
               <a:rPr lang="fr-FR" dirty="0"/>
-              <a:t>Améliorations</a:t>
-            </a:r>
-          </a:p>
-        </p:txBody>
-      </p:sp>
-      <p:sp>
-        <p:nvSpPr>
-          <p:cNvPr id="3" name="Espace réservé du contenu 2">
+              <a:t>Déroulement</a:t>
+            </a:r>
+          </a:p>
+        </p:txBody>
+      </p:sp>
+      <p:sp>
+        <p:nvSpPr>
+          <p:cNvPr id="4" name="Rectangle à coins arrondis 3">
             <a:extLst>
               <a:ext uri="{FF2B5EF4-FFF2-40B4-BE49-F238E27FC236}">
-                <a16:creationId xmlns:a16="http://schemas.microsoft.com/office/drawing/2014/main" id="{04EE4C1D-CCA0-E04B-A878-8ECCE60137BF}"/>
+                <a16:creationId xmlns:a16="http://schemas.microsoft.com/office/drawing/2014/main" id="{5B325F03-6E49-054A-905C-229B8AB7FA24}"/>
               </a:ext>
             </a:extLst>
           </p:cNvPr>
-          <p:cNvSpPr>
-            <a:spLocks noGrp="1"/>
-          </p:cNvSpPr>
-          <p:nvPr>
-            <p:ph idx="1"/>
-          </p:nvPr>
-        </p:nvSpPr>
-        <p:spPr/>
-        <p:txBody>
-          <a:bodyPr/>
-          <a:lstStyle/>
-          <a:p>
-            <a:r>
-              <a:rPr lang="fr-FR" dirty="0"/>
-              <a:t>Page permettant de créer des utilisateurs ainsi qu’un mot de passe crypté</a:t>
-            </a:r>
-          </a:p>
-          <a:p>
-            <a:r>
-              <a:rPr lang="fr-FR" dirty="0"/>
-              <a:t>Page de login sur l’application mobile </a:t>
-            </a:r>
-          </a:p>
-          <a:p>
-            <a:endParaRPr lang="fr-FR" dirty="0"/>
-          </a:p>
-          <a:p>
-            <a:endParaRPr lang="fr-FR" dirty="0"/>
-          </a:p>
-          <a:p>
-            <a:endParaRPr lang="fr-FR" dirty="0"/>
-          </a:p>
-        </p:txBody>
-      </p:sp>
-      <p:sp>
-        <p:nvSpPr>
-          <p:cNvPr id="4" name="ZoneTexte 3">
+          <p:cNvSpPr/>
+          <p:nvPr/>
+        </p:nvSpPr>
+        <p:spPr>
+          <a:xfrm>
+            <a:off x="663448" y="2675868"/>
+            <a:ext cx="2966443" cy="2265587"/>
+          </a:xfrm>
+          <a:prstGeom prst="roundRect">
+            <a:avLst/>
+          </a:prstGeom>
+        </p:spPr>
+        <p:style>
+          <a:lnRef idx="2">
+            <a:schemeClr val="dk1">
+              <a:shade val="50000"/>
+            </a:schemeClr>
+          </a:lnRef>
+          <a:fillRef idx="1">
+            <a:schemeClr val="dk1"/>
+          </a:fillRef>
+          <a:effectRef idx="0">
+            <a:schemeClr val="dk1"/>
+          </a:effectRef>
+          <a:fontRef idx="minor">
+            <a:schemeClr val="lt1"/>
+          </a:fontRef>
+        </p:style>
+        <p:txBody>
+          <a:bodyPr rtlCol="0" anchor="ctr"/>
+          <a:lstStyle/>
+          <a:p>
+            <a:pPr algn="ctr"/>
+            <a:r>
+              <a:rPr lang="fr-FR" dirty="0"/>
+              <a:t>Introduction</a:t>
+            </a:r>
+          </a:p>
+        </p:txBody>
+      </p:sp>
+      <p:sp>
+        <p:nvSpPr>
+          <p:cNvPr id="5" name="Rectangle à coins arrondis 4">
             <a:extLst>
               <a:ext uri="{FF2B5EF4-FFF2-40B4-BE49-F238E27FC236}">
-                <a16:creationId xmlns:a16="http://schemas.microsoft.com/office/drawing/2014/main" id="{606F2F88-F5E1-3A45-AE9A-E264E472064C}"/>
+                <a16:creationId xmlns:a16="http://schemas.microsoft.com/office/drawing/2014/main" id="{455A8A4E-9290-E748-98D6-FAD839D8E76B}"/>
               </a:ext>
             </a:extLst>
           </p:cNvPr>
-          <p:cNvSpPr txBox="1"/>
+          <p:cNvSpPr/>
           <p:nvPr/>
         </p:nvSpPr>
         <p:spPr>
           <a:xfrm>
-            <a:off x="11406908" y="6297888"/>
-            <a:ext cx="457176" cy="369332"/>
+            <a:off x="4607375" y="2675867"/>
+            <a:ext cx="2966443" cy="2265587"/>
           </a:xfrm>
-          <a:prstGeom prst="rect">
+          <a:prstGeom prst="roundRect">
             <a:avLst/>
           </a:prstGeom>
-          <a:noFill/>
         </p:spPr>
-        <p:txBody>
-          <a:bodyPr wrap="none" rtlCol="0">
-            <a:spAutoFit/>
-          </a:bodyPr>
-          <a:lstStyle/>
-          <a:p>
-            <a:r>
-              <a:rPr lang="fr-FR" dirty="0"/>
-              <a:t>12</a:t>
+        <p:style>
+          <a:lnRef idx="2">
+            <a:schemeClr val="dk1">
+              <a:shade val="50000"/>
+            </a:schemeClr>
+          </a:lnRef>
+          <a:fillRef idx="1">
+            <a:schemeClr val="dk1"/>
+          </a:fillRef>
+          <a:effectRef idx="0">
+            <a:schemeClr val="dk1"/>
+          </a:effectRef>
+          <a:fontRef idx="minor">
+            <a:schemeClr val="lt1"/>
+          </a:fontRef>
+        </p:style>
+        <p:txBody>
+          <a:bodyPr rtlCol="0" anchor="ctr"/>
+          <a:lstStyle/>
+          <a:p>
+            <a:pPr algn="ctr"/>
+            <a:r>
+              <a:rPr lang="fr-FR" dirty="0"/>
+              <a:t>Développement</a:t>
+            </a:r>
+          </a:p>
+        </p:txBody>
+      </p:sp>
+      <p:sp>
+        <p:nvSpPr>
+          <p:cNvPr id="6" name="Rectangle à coins arrondis 5">
+            <a:extLst>
+              <a:ext uri="{FF2B5EF4-FFF2-40B4-BE49-F238E27FC236}">
+                <a16:creationId xmlns:a16="http://schemas.microsoft.com/office/drawing/2014/main" id="{67A4D9A3-B83A-DF4A-9E34-A0EE7F640B95}"/>
+              </a:ext>
+            </a:extLst>
+          </p:cNvPr>
+          <p:cNvSpPr/>
+          <p:nvPr/>
+        </p:nvSpPr>
+        <p:spPr>
+          <a:xfrm>
+            <a:off x="8551303" y="2675868"/>
+            <a:ext cx="2966443" cy="2265587"/>
+          </a:xfrm>
+          <a:prstGeom prst="roundRect">
+            <a:avLst/>
+          </a:prstGeom>
+        </p:spPr>
+        <p:style>
+          <a:lnRef idx="2">
+            <a:schemeClr val="accent1">
+              <a:shade val="50000"/>
+            </a:schemeClr>
+          </a:lnRef>
+          <a:fillRef idx="1">
+            <a:schemeClr val="accent1"/>
+          </a:fillRef>
+          <a:effectRef idx="0">
+            <a:schemeClr val="accent1"/>
+          </a:effectRef>
+          <a:fontRef idx="minor">
+            <a:schemeClr val="lt1"/>
+          </a:fontRef>
+        </p:style>
+        <p:txBody>
+          <a:bodyPr rtlCol="0" anchor="ctr"/>
+          <a:lstStyle/>
+          <a:p>
+            <a:pPr algn="ctr"/>
+            <a:r>
+              <a:rPr lang="fr-FR" dirty="0"/>
+              <a:t>Conclusion</a:t>
             </a:r>
           </a:p>
         </p:txBody>
@@ -5929,7 +6574,7 @@
     </p:spTree>
     <p:extLst>
       <p:ext uri="{BB962C8B-B14F-4D97-AF65-F5344CB8AC3E}">
-        <p14:creationId xmlns:p14="http://schemas.microsoft.com/office/powerpoint/2010/main" val="3966416713"/>
+        <p14:creationId xmlns:p14="http://schemas.microsoft.com/office/powerpoint/2010/main" val="1793566351"/>
       </p:ext>
     </p:extLst>
   </p:cSld>
@@ -5961,7 +6606,7 @@
           <p:cNvPr id="2" name="Titre 1">
             <a:extLst>
               <a:ext uri="{FF2B5EF4-FFF2-40B4-BE49-F238E27FC236}">
-                <a16:creationId xmlns:a16="http://schemas.microsoft.com/office/drawing/2014/main" id="{EFAF7BC5-DCD3-A14B-B2DC-605CFAE91FD0}"/>
+                <a16:creationId xmlns:a16="http://schemas.microsoft.com/office/drawing/2014/main" id="{113484F7-246E-4B4F-8622-DDF8EEDBD389}"/>
               </a:ext>
             </a:extLst>
           </p:cNvPr>
@@ -5979,7 +6624,7 @@
           <a:p>
             <a:r>
               <a:rPr lang="fr-FR" dirty="0"/>
-              <a:t>Points positifs</a:t>
+              <a:t>Difficultés rencontrées</a:t>
             </a:r>
           </a:p>
         </p:txBody>
@@ -5989,7 +6634,7 @@
           <p:cNvPr id="3" name="Espace réservé du contenu 2">
             <a:extLst>
               <a:ext uri="{FF2B5EF4-FFF2-40B4-BE49-F238E27FC236}">
-                <a16:creationId xmlns:a16="http://schemas.microsoft.com/office/drawing/2014/main" id="{6950E3C6-DEC8-D84A-B8D3-01DD72CA2F8A}"/>
+                <a16:creationId xmlns:a16="http://schemas.microsoft.com/office/drawing/2014/main" id="{24DAE48B-6DF2-5548-9109-AE2164F4DA9B}"/>
               </a:ext>
             </a:extLst>
           </p:cNvPr>
@@ -6007,49 +6652,56 @@
           <a:p>
             <a:r>
               <a:rPr lang="fr-FR" dirty="0"/>
-              <a:t>Apprentissage approfondit avec </a:t>
+              <a:t>Changement dans la BD</a:t>
+            </a:r>
+          </a:p>
+          <a:p>
+            <a:pPr lvl="1"/>
+            <a:r>
+              <a:rPr lang="fr-FR" dirty="0"/>
+              <a:t>Vendredi avant de rendre le TPI</a:t>
+            </a:r>
+          </a:p>
+          <a:p>
+            <a:pPr lvl="1"/>
+            <a:r>
+              <a:rPr lang="fr-FR" dirty="0"/>
+              <a:t>Dans la table « </a:t>
             </a:r>
             <a:r>
               <a:rPr lang="fr-FR" dirty="0" err="1"/>
-              <a:t>ionic</a:t>
-            </a:r>
-            <a:r>
-              <a:rPr lang="fr-FR" dirty="0"/>
-              <a:t> </a:t>
-            </a:r>
-          </a:p>
-          <a:p>
-            <a:r>
-              <a:rPr lang="fr-FR" dirty="0"/>
-              <a:t>Apprentissage de nouvelles fonctions en PHP</a:t>
-            </a:r>
-          </a:p>
-          <a:p>
-            <a:r>
-              <a:rPr lang="fr-FR" dirty="0"/>
-              <a:t>Le stresse pour finir tout à temps</a:t>
-            </a:r>
-          </a:p>
-          <a:p>
-            <a:r>
-              <a:rPr lang="fr-FR" dirty="0"/>
-              <a:t>Le client </a:t>
-            </a:r>
-          </a:p>
-          <a:p>
-            <a:r>
-              <a:rPr lang="fr-FR" dirty="0"/>
-              <a:t>Faire un projet concret qui sera utilisé </a:t>
-            </a:r>
-          </a:p>
-          <a:p>
-            <a:endParaRPr lang="fr-FR" dirty="0"/>
-          </a:p>
-          <a:p>
-            <a:endParaRPr lang="fr-FR" dirty="0"/>
-          </a:p>
-          <a:p>
-            <a:endParaRPr lang="fr-FR" dirty="0"/>
+              <a:t>movement</a:t>
+            </a:r>
+            <a:r>
+              <a:rPr lang="fr-FR" dirty="0"/>
+              <a:t> »</a:t>
+            </a:r>
+          </a:p>
+          <a:p>
+            <a:r>
+              <a:rPr lang="fr-FR" dirty="0"/>
+              <a:t>Remplacer deux champs </a:t>
+            </a:r>
+          </a:p>
+          <a:p>
+            <a:r>
+              <a:rPr lang="fr-FR" dirty="0"/>
+              <a:t>Refaire des fonctions </a:t>
+            </a:r>
+          </a:p>
+          <a:p>
+            <a:pPr lvl="1"/>
+            <a:r>
+              <a:rPr lang="fr-FR" dirty="0"/>
+              <a:t>Sur le site </a:t>
+            </a:r>
+          </a:p>
+          <a:p>
+            <a:pPr lvl="1"/>
+            <a:r>
+              <a:rPr lang="fr-FR" dirty="0"/>
+              <a:t>Sur l’application mobile</a:t>
+            </a:r>
           </a:p>
           <a:p>
             <a:endParaRPr lang="fr-FR" dirty="0"/>
@@ -6061,7 +6713,7 @@
           <p:cNvPr id="4" name="ZoneTexte 3">
             <a:extLst>
               <a:ext uri="{FF2B5EF4-FFF2-40B4-BE49-F238E27FC236}">
-                <a16:creationId xmlns:a16="http://schemas.microsoft.com/office/drawing/2014/main" id="{BE8C7BE7-4894-4940-9575-A47B9ECC3D90}"/>
+                <a16:creationId xmlns:a16="http://schemas.microsoft.com/office/drawing/2014/main" id="{1FF094D3-3976-D34E-8F62-C3C0E6D70E94}"/>
               </a:ext>
             </a:extLst>
           </p:cNvPr>
@@ -6086,7 +6738,7 @@
           <a:p>
             <a:r>
               <a:rPr lang="fr-FR" dirty="0"/>
-              <a:t>13</a:t>
+              <a:t>11</a:t>
             </a:r>
           </a:p>
         </p:txBody>
@@ -6094,7 +6746,7 @@
     </p:spTree>
     <p:extLst>
       <p:ext uri="{BB962C8B-B14F-4D97-AF65-F5344CB8AC3E}">
-        <p14:creationId xmlns:p14="http://schemas.microsoft.com/office/powerpoint/2010/main" val="4202757423"/>
+        <p14:creationId xmlns:p14="http://schemas.microsoft.com/office/powerpoint/2010/main" val="3377292038"/>
       </p:ext>
     </p:extLst>
   </p:cSld>
@@ -6167,7 +6819,7 @@
         </p:nvSpPr>
         <p:spPr>
           <a:xfrm>
-            <a:off x="709630" y="4736500"/>
+            <a:off x="709630" y="4743982"/>
             <a:ext cx="3363608" cy="1597891"/>
           </a:xfrm>
         </p:spPr>
@@ -6650,7 +7302,7 @@
         </p:nvSpPr>
         <p:spPr>
           <a:xfrm>
-            <a:off x="8375812" y="4736500"/>
+            <a:off x="8597485" y="4736500"/>
             <a:ext cx="3280479" cy="1232407"/>
           </a:xfrm>
           <a:prstGeom prst="rect">
@@ -6958,6 +7610,343 @@
           <p:cNvPr id="2" name="Titre 1">
             <a:extLst>
               <a:ext uri="{FF2B5EF4-FFF2-40B4-BE49-F238E27FC236}">
+                <a16:creationId xmlns:a16="http://schemas.microsoft.com/office/drawing/2014/main" id="{F0EEA0CA-3B16-D14F-8FC8-2069CE075D37}"/>
+              </a:ext>
+            </a:extLst>
+          </p:cNvPr>
+          <p:cNvSpPr>
+            <a:spLocks noGrp="1"/>
+          </p:cNvSpPr>
+          <p:nvPr>
+            <p:ph type="title"/>
+          </p:nvPr>
+        </p:nvSpPr>
+        <p:spPr/>
+        <p:txBody>
+          <a:bodyPr/>
+          <a:lstStyle/>
+          <a:p>
+            <a:r>
+              <a:rPr lang="fr-FR" dirty="0"/>
+              <a:t>Améliorations</a:t>
+            </a:r>
+          </a:p>
+        </p:txBody>
+      </p:sp>
+      <p:sp>
+        <p:nvSpPr>
+          <p:cNvPr id="3" name="Espace réservé du contenu 2">
+            <a:extLst>
+              <a:ext uri="{FF2B5EF4-FFF2-40B4-BE49-F238E27FC236}">
+                <a16:creationId xmlns:a16="http://schemas.microsoft.com/office/drawing/2014/main" id="{04EE4C1D-CCA0-E04B-A878-8ECCE60137BF}"/>
+              </a:ext>
+            </a:extLst>
+          </p:cNvPr>
+          <p:cNvSpPr>
+            <a:spLocks noGrp="1"/>
+          </p:cNvSpPr>
+          <p:nvPr>
+            <p:ph idx="1"/>
+          </p:nvPr>
+        </p:nvSpPr>
+        <p:spPr/>
+        <p:txBody>
+          <a:bodyPr/>
+          <a:lstStyle/>
+          <a:p>
+            <a:r>
+              <a:rPr lang="fr-FR" dirty="0"/>
+              <a:t>Création des utilisateurs </a:t>
+            </a:r>
+          </a:p>
+          <a:p>
+            <a:pPr lvl="1"/>
+            <a:r>
+              <a:rPr lang="fr-FR" dirty="0"/>
+              <a:t>Sur le site </a:t>
+            </a:r>
+          </a:p>
+          <a:p>
+            <a:pPr lvl="1"/>
+            <a:r>
+              <a:rPr lang="fr-FR" dirty="0"/>
+              <a:t>Avec </a:t>
+            </a:r>
+            <a:r>
+              <a:rPr lang="fr-FR" dirty="0" err="1"/>
+              <a:t>mdp</a:t>
+            </a:r>
+            <a:r>
+              <a:rPr lang="fr-FR" dirty="0"/>
+              <a:t> crypté </a:t>
+            </a:r>
+          </a:p>
+          <a:p>
+            <a:r>
+              <a:rPr lang="fr-FR" dirty="0"/>
+              <a:t>Page de login	</a:t>
+            </a:r>
+          </a:p>
+          <a:p>
+            <a:pPr lvl="1"/>
+            <a:r>
+              <a:rPr lang="fr-FR" dirty="0"/>
+              <a:t>Sur l’application mobile </a:t>
+            </a:r>
+          </a:p>
+          <a:p>
+            <a:endParaRPr lang="fr-FR" dirty="0"/>
+          </a:p>
+          <a:p>
+            <a:endParaRPr lang="fr-FR" dirty="0"/>
+          </a:p>
+          <a:p>
+            <a:endParaRPr lang="fr-FR" dirty="0"/>
+          </a:p>
+        </p:txBody>
+      </p:sp>
+      <p:sp>
+        <p:nvSpPr>
+          <p:cNvPr id="4" name="ZoneTexte 3">
+            <a:extLst>
+              <a:ext uri="{FF2B5EF4-FFF2-40B4-BE49-F238E27FC236}">
+                <a16:creationId xmlns:a16="http://schemas.microsoft.com/office/drawing/2014/main" id="{606F2F88-F5E1-3A45-AE9A-E264E472064C}"/>
+              </a:ext>
+            </a:extLst>
+          </p:cNvPr>
+          <p:cNvSpPr txBox="1"/>
+          <p:nvPr/>
+        </p:nvSpPr>
+        <p:spPr>
+          <a:xfrm>
+            <a:off x="11406908" y="6297888"/>
+            <a:ext cx="457176" cy="369332"/>
+          </a:xfrm>
+          <a:prstGeom prst="rect">
+            <a:avLst/>
+          </a:prstGeom>
+          <a:noFill/>
+        </p:spPr>
+        <p:txBody>
+          <a:bodyPr wrap="none" rtlCol="0">
+            <a:spAutoFit/>
+          </a:bodyPr>
+          <a:lstStyle/>
+          <a:p>
+            <a:r>
+              <a:rPr lang="fr-FR" dirty="0"/>
+              <a:t>12</a:t>
+            </a:r>
+          </a:p>
+        </p:txBody>
+      </p:sp>
+    </p:spTree>
+    <p:extLst>
+      <p:ext uri="{BB962C8B-B14F-4D97-AF65-F5344CB8AC3E}">
+        <p14:creationId xmlns:p14="http://schemas.microsoft.com/office/powerpoint/2010/main" val="3966416713"/>
+      </p:ext>
+    </p:extLst>
+  </p:cSld>
+  <p:clrMapOvr>
+    <a:masterClrMapping/>
+  </p:clrMapOvr>
+</p:sld>
+</file>
+
+<file path=ppt/slides/slide21.xml><?xml version="1.0" encoding="utf-8"?>
+<p:sld xmlns:a="http://schemas.openxmlformats.org/drawingml/2006/main" xmlns:r="http://schemas.openxmlformats.org/officeDocument/2006/relationships" xmlns:p="http://schemas.openxmlformats.org/presentationml/2006/main">
+  <p:cSld>
+    <p:spTree>
+      <p:nvGrpSpPr>
+        <p:cNvPr id="1" name=""/>
+        <p:cNvGrpSpPr/>
+        <p:nvPr/>
+      </p:nvGrpSpPr>
+      <p:grpSpPr>
+        <a:xfrm>
+          <a:off x="0" y="0"/>
+          <a:ext cx="0" cy="0"/>
+          <a:chOff x="0" y="0"/>
+          <a:chExt cx="0" cy="0"/>
+        </a:xfrm>
+      </p:grpSpPr>
+      <p:sp>
+        <p:nvSpPr>
+          <p:cNvPr id="2" name="Titre 1">
+            <a:extLst>
+              <a:ext uri="{FF2B5EF4-FFF2-40B4-BE49-F238E27FC236}">
+                <a16:creationId xmlns:a16="http://schemas.microsoft.com/office/drawing/2014/main" id="{EFAF7BC5-DCD3-A14B-B2DC-605CFAE91FD0}"/>
+              </a:ext>
+            </a:extLst>
+          </p:cNvPr>
+          <p:cNvSpPr>
+            <a:spLocks noGrp="1"/>
+          </p:cNvSpPr>
+          <p:nvPr>
+            <p:ph type="title"/>
+          </p:nvPr>
+        </p:nvSpPr>
+        <p:spPr/>
+        <p:txBody>
+          <a:bodyPr/>
+          <a:lstStyle/>
+          <a:p>
+            <a:r>
+              <a:rPr lang="fr-FR" dirty="0"/>
+              <a:t>Points positifs</a:t>
+            </a:r>
+          </a:p>
+        </p:txBody>
+      </p:sp>
+      <p:sp>
+        <p:nvSpPr>
+          <p:cNvPr id="3" name="Espace réservé du contenu 2">
+            <a:extLst>
+              <a:ext uri="{FF2B5EF4-FFF2-40B4-BE49-F238E27FC236}">
+                <a16:creationId xmlns:a16="http://schemas.microsoft.com/office/drawing/2014/main" id="{6950E3C6-DEC8-D84A-B8D3-01DD72CA2F8A}"/>
+              </a:ext>
+            </a:extLst>
+          </p:cNvPr>
+          <p:cNvSpPr>
+            <a:spLocks noGrp="1"/>
+          </p:cNvSpPr>
+          <p:nvPr>
+            <p:ph idx="1"/>
+          </p:nvPr>
+        </p:nvSpPr>
+        <p:spPr/>
+        <p:txBody>
+          <a:bodyPr/>
+          <a:lstStyle/>
+          <a:p>
+            <a:r>
+              <a:rPr lang="fr-FR" dirty="0"/>
+              <a:t>Apprentissage approfondit avec </a:t>
+            </a:r>
+            <a:r>
+              <a:rPr lang="fr-FR" dirty="0" err="1"/>
+              <a:t>Ionic</a:t>
+            </a:r>
+            <a:r>
+              <a:rPr lang="fr-FR" dirty="0"/>
+              <a:t> </a:t>
+            </a:r>
+          </a:p>
+          <a:p>
+            <a:r>
+              <a:rPr lang="fr-FR" dirty="0"/>
+              <a:t>Apprentissage de nouvelles fonctions en PHP</a:t>
+            </a:r>
+          </a:p>
+          <a:p>
+            <a:pPr lvl="1"/>
+            <a:r>
+              <a:rPr lang="fr-FR" dirty="0"/>
+              <a:t>Création des QR Codes </a:t>
+            </a:r>
+          </a:p>
+          <a:p>
+            <a:r>
+              <a:rPr lang="fr-FR" dirty="0"/>
+              <a:t>Le stresse pour finir tout à temps</a:t>
+            </a:r>
+          </a:p>
+          <a:p>
+            <a:r>
+              <a:rPr lang="fr-FR" dirty="0"/>
+              <a:t>Le client </a:t>
+            </a:r>
+          </a:p>
+          <a:p>
+            <a:r>
+              <a:rPr lang="fr-FR" dirty="0"/>
+              <a:t>Projet concret, utilisé </a:t>
+            </a:r>
+          </a:p>
+          <a:p>
+            <a:endParaRPr lang="fr-FR" dirty="0"/>
+          </a:p>
+          <a:p>
+            <a:endParaRPr lang="fr-FR" dirty="0"/>
+          </a:p>
+          <a:p>
+            <a:endParaRPr lang="fr-FR" dirty="0"/>
+          </a:p>
+          <a:p>
+            <a:endParaRPr lang="fr-FR" dirty="0"/>
+          </a:p>
+        </p:txBody>
+      </p:sp>
+      <p:sp>
+        <p:nvSpPr>
+          <p:cNvPr id="4" name="ZoneTexte 3">
+            <a:extLst>
+              <a:ext uri="{FF2B5EF4-FFF2-40B4-BE49-F238E27FC236}">
+                <a16:creationId xmlns:a16="http://schemas.microsoft.com/office/drawing/2014/main" id="{BE8C7BE7-4894-4940-9575-A47B9ECC3D90}"/>
+              </a:ext>
+            </a:extLst>
+          </p:cNvPr>
+          <p:cNvSpPr txBox="1"/>
+          <p:nvPr/>
+        </p:nvSpPr>
+        <p:spPr>
+          <a:xfrm>
+            <a:off x="11406908" y="6297888"/>
+            <a:ext cx="457176" cy="369332"/>
+          </a:xfrm>
+          <a:prstGeom prst="rect">
+            <a:avLst/>
+          </a:prstGeom>
+          <a:noFill/>
+        </p:spPr>
+        <p:txBody>
+          <a:bodyPr wrap="none" rtlCol="0">
+            <a:spAutoFit/>
+          </a:bodyPr>
+          <a:lstStyle/>
+          <a:p>
+            <a:r>
+              <a:rPr lang="fr-FR" dirty="0"/>
+              <a:t>13</a:t>
+            </a:r>
+          </a:p>
+        </p:txBody>
+      </p:sp>
+    </p:spTree>
+    <p:extLst>
+      <p:ext uri="{BB962C8B-B14F-4D97-AF65-F5344CB8AC3E}">
+        <p14:creationId xmlns:p14="http://schemas.microsoft.com/office/powerpoint/2010/main" val="4202757423"/>
+      </p:ext>
+    </p:extLst>
+  </p:cSld>
+  <p:clrMapOvr>
+    <a:masterClrMapping/>
+  </p:clrMapOvr>
+</p:sld>
+</file>
+
+<file path=ppt/slides/slide22.xml><?xml version="1.0" encoding="utf-8"?>
+<p:sld xmlns:a="http://schemas.openxmlformats.org/drawingml/2006/main" xmlns:r="http://schemas.openxmlformats.org/officeDocument/2006/relationships" xmlns:p="http://schemas.openxmlformats.org/presentationml/2006/main">
+  <p:cSld>
+    <p:spTree>
+      <p:nvGrpSpPr>
+        <p:cNvPr id="1" name=""/>
+        <p:cNvGrpSpPr/>
+        <p:nvPr/>
+      </p:nvGrpSpPr>
+      <p:grpSpPr>
+        <a:xfrm>
+          <a:off x="0" y="0"/>
+          <a:ext cx="0" cy="0"/>
+          <a:chOff x="0" y="0"/>
+          <a:chExt cx="0" cy="0"/>
+        </a:xfrm>
+      </p:grpSpPr>
+      <p:sp>
+        <p:nvSpPr>
+          <p:cNvPr id="2" name="Titre 1">
+            <a:extLst>
+              <a:ext uri="{FF2B5EF4-FFF2-40B4-BE49-F238E27FC236}">
                 <a16:creationId xmlns:a16="http://schemas.microsoft.com/office/drawing/2014/main" id="{75E1B9BB-D0F5-8740-88DE-6961715A23F3}"/>
               </a:ext>
             </a:extLst>
@@ -6969,7 +7958,12 @@
             <p:ph type="title"/>
           </p:nvPr>
         </p:nvSpPr>
-        <p:spPr/>
+        <p:spPr>
+          <a:xfrm>
+            <a:off x="2640030" y="3024632"/>
+            <a:ext cx="3723825" cy="1020895"/>
+          </a:xfrm>
+        </p:spPr>
         <p:txBody>
           <a:bodyPr/>
           <a:lstStyle/>
@@ -6978,31 +7972,6 @@
               <a:rPr lang="fr-FR" dirty="0"/>
               <a:t>Questions ?</a:t>
             </a:r>
-          </a:p>
-        </p:txBody>
-      </p:sp>
-      <p:sp>
-        <p:nvSpPr>
-          <p:cNvPr id="3" name="Espace réservé du contenu 2">
-            <a:extLst>
-              <a:ext uri="{FF2B5EF4-FFF2-40B4-BE49-F238E27FC236}">
-                <a16:creationId xmlns:a16="http://schemas.microsoft.com/office/drawing/2014/main" id="{6C57822B-04F7-EA40-8AA1-E9842AE8BBAA}"/>
-              </a:ext>
-            </a:extLst>
-          </p:cNvPr>
-          <p:cNvSpPr>
-            <a:spLocks noGrp="1"/>
-          </p:cNvSpPr>
-          <p:nvPr>
-            <p:ph idx="1"/>
-          </p:nvPr>
-        </p:nvSpPr>
-        <p:spPr/>
-        <p:txBody>
-          <a:bodyPr/>
-          <a:lstStyle/>
-          <a:p>
-            <a:endParaRPr lang="fr-FR"/>
           </a:p>
         </p:txBody>
       </p:sp>
@@ -7741,6 +8710,16 @@
               <a:t>Fonctionner sans connexion </a:t>
             </a:r>
           </a:p>
+          <a:p>
+            <a:r>
+              <a:rPr lang="fr-FR"/>
+              <a:t>Méthode « storage</a:t>
+            </a:r>
+            <a:r>
+              <a:rPr lang="fr-FR" dirty="0"/>
+              <a:t> »</a:t>
+            </a:r>
+          </a:p>
         </p:txBody>
       </p:sp>
     </p:spTree>
@@ -8024,43 +9003,93 @@
         </p:nvSpPr>
         <p:spPr/>
         <p:txBody>
-          <a:bodyPr/>
-          <a:lstStyle/>
-          <a:p>
-            <a:r>
-              <a:rPr lang="fr-FR" dirty="0"/>
-              <a:t>Ce qui était convenu avec le client c’est qu’on ne devait pas gérer les logins sur le site, vu qu’ils ont déjà un système de login sur le site. </a:t>
-            </a:r>
-          </a:p>
-          <a:p>
-            <a:r>
-              <a:rPr lang="fr-FR" dirty="0"/>
-              <a:t>Vu que le webmaster n’était pas au courant de ça j’ai créé une protection avec un fichier .</a:t>
+          <a:bodyPr>
+            <a:normAutofit/>
+          </a:bodyPr>
+          <a:lstStyle/>
+          <a:p>
+            <a:r>
+              <a:rPr lang="fr-FR" dirty="0"/>
+              <a:t>Webmaster, répertoire Infomaniak </a:t>
+            </a:r>
+          </a:p>
+          <a:p>
+            <a:r>
+              <a:rPr lang="fr-FR" dirty="0"/>
+              <a:t>Ajout du site, répertoire </a:t>
+            </a:r>
+          </a:p>
+          <a:p>
+            <a:r>
+              <a:rPr lang="fr-FR" dirty="0"/>
+              <a:t>Quelques corrections à faire</a:t>
+            </a:r>
+          </a:p>
+          <a:p>
+            <a:pPr lvl="1"/>
+            <a:r>
+              <a:rPr lang="fr-FR" dirty="0"/>
+              <a:t>Sensible à la casse </a:t>
+            </a:r>
+          </a:p>
+          <a:p>
+            <a:pPr lvl="1"/>
+            <a:r>
+              <a:rPr lang="fr-FR" dirty="0"/>
+              <a:t>Ajout données dans les tables</a:t>
+            </a:r>
+          </a:p>
+          <a:p>
+            <a:r>
+              <a:rPr lang="fr-FR" dirty="0"/>
+              <a:t>Convenu avec le client, pas de login</a:t>
+            </a:r>
+          </a:p>
+          <a:p>
+            <a:pPr lvl="1"/>
+            <a:r>
+              <a:rPr lang="fr-FR" dirty="0"/>
+              <a:t>Login existant sur leur site</a:t>
+            </a:r>
+          </a:p>
+          <a:p>
+            <a:pPr lvl="1"/>
+            <a:r>
+              <a:rPr lang="fr-FR" dirty="0"/>
+              <a:t>Webmaster pas au courant </a:t>
+            </a:r>
+          </a:p>
+          <a:p>
+            <a:r>
+              <a:rPr lang="fr-FR" dirty="0"/>
+              <a:t>.</a:t>
             </a:r>
             <a:r>
               <a:rPr lang="fr-FR" dirty="0" err="1"/>
               <a:t>htaccess</a:t>
             </a:r>
-            <a:r>
-              <a:rPr lang="fr-FR" dirty="0"/>
-              <a:t> qui demande un login + </a:t>
-            </a:r>
-            <a:r>
-              <a:rPr lang="fr-FR" dirty="0" err="1"/>
-              <a:t>mdp</a:t>
-            </a:r>
-            <a:r>
-              <a:rPr lang="fr-FR" dirty="0"/>
-              <a:t> qui sont stockés dans le fichier .</a:t>
+            <a:endParaRPr lang="fr-FR" dirty="0"/>
+          </a:p>
+          <a:p>
+            <a:pPr lvl="1"/>
+            <a:r>
+              <a:rPr lang="fr-FR" dirty="0"/>
+              <a:t>.</a:t>
             </a:r>
             <a:r>
               <a:rPr lang="fr-FR" dirty="0" err="1"/>
               <a:t>htpassword</a:t>
             </a:r>
-            <a:r>
-              <a:rPr lang="fr-FR" dirty="0"/>
-              <a:t> lorsqu’on arrive sur ma partie du site.</a:t>
-            </a:r>
+            <a:endParaRPr lang="fr-FR" dirty="0"/>
+          </a:p>
+          <a:p>
+            <a:endParaRPr lang="fr-FR" dirty="0"/>
+          </a:p>
+          <a:p>
+            <a:endParaRPr lang="fr-FR" dirty="0"/>
+          </a:p>
+          <a:p>
+            <a:endParaRPr lang="fr-FR" dirty="0"/>
           </a:p>
         </p:txBody>
       </p:sp>
@@ -8339,4 +9368,299 @@
     </a:ext>
   </a:extLst>
 </a:theme>
+</file>
+
+<file path=ppt/theme/theme2.xml><?xml version="1.0" encoding="utf-8"?>
+<a:theme xmlns:a="http://schemas.openxmlformats.org/drawingml/2006/main" name="Thème Office">
+  <a:themeElements>
+    <a:clrScheme name="Office">
+      <a:dk1>
+        <a:sysClr val="windowText" lastClr="000000"/>
+      </a:dk1>
+      <a:lt1>
+        <a:sysClr val="window" lastClr="FFFFFF"/>
+      </a:lt1>
+      <a:dk2>
+        <a:srgbClr val="44546A"/>
+      </a:dk2>
+      <a:lt2>
+        <a:srgbClr val="E7E6E6"/>
+      </a:lt2>
+      <a:accent1>
+        <a:srgbClr val="4472C4"/>
+      </a:accent1>
+      <a:accent2>
+        <a:srgbClr val="ED7D31"/>
+      </a:accent2>
+      <a:accent3>
+        <a:srgbClr val="A5A5A5"/>
+      </a:accent3>
+      <a:accent4>
+        <a:srgbClr val="FFC000"/>
+      </a:accent4>
+      <a:accent5>
+        <a:srgbClr val="5B9BD5"/>
+      </a:accent5>
+      <a:accent6>
+        <a:srgbClr val="70AD47"/>
+      </a:accent6>
+      <a:hlink>
+        <a:srgbClr val="0563C1"/>
+      </a:hlink>
+      <a:folHlink>
+        <a:srgbClr val="954F72"/>
+      </a:folHlink>
+    </a:clrScheme>
+    <a:fontScheme name="Office">
+      <a:majorFont>
+        <a:latin typeface="Calibri Light" panose="020F0302020204030204"/>
+        <a:ea typeface=""/>
+        <a:cs typeface=""/>
+        <a:font script="Jpan" typeface="游ゴシック Light"/>
+        <a:font script="Hang" typeface="맑은 고딕"/>
+        <a:font script="Hans" typeface="等线 Light"/>
+        <a:font script="Hant" typeface="新細明體"/>
+        <a:font script="Arab" typeface="Times New Roman"/>
+        <a:font script="Hebr" typeface="Times New Roman"/>
+        <a:font script="Thai" typeface="Angsana New"/>
+        <a:font script="Ethi" typeface="Nyala"/>
+        <a:font script="Beng" typeface="Vrinda"/>
+        <a:font script="Gujr" typeface="Shruti"/>
+        <a:font script="Khmr" typeface="MoolBoran"/>
+        <a:font script="Knda" typeface="Tunga"/>
+        <a:font script="Guru" typeface="Raavi"/>
+        <a:font script="Cans" typeface="Euphemia"/>
+        <a:font script="Cher" typeface="Plantagenet Cherokee"/>
+        <a:font script="Yiii" typeface="Microsoft Yi Baiti"/>
+        <a:font script="Tibt" typeface="Microsoft Himalaya"/>
+        <a:font script="Thaa" typeface="MV Boli"/>
+        <a:font script="Deva" typeface="Mangal"/>
+        <a:font script="Telu" typeface="Gautami"/>
+        <a:font script="Taml" typeface="Latha"/>
+        <a:font script="Syrc" typeface="Estrangelo Edessa"/>
+        <a:font script="Orya" typeface="Kalinga"/>
+        <a:font script="Mlym" typeface="Kartika"/>
+        <a:font script="Laoo" typeface="DokChampa"/>
+        <a:font script="Sinh" typeface="Iskoola Pota"/>
+        <a:font script="Mong" typeface="Mongolian Baiti"/>
+        <a:font script="Viet" typeface="Times New Roman"/>
+        <a:font script="Uigh" typeface="Microsoft Uighur"/>
+        <a:font script="Geor" typeface="Sylfaen"/>
+        <a:font script="Armn" typeface="Arial"/>
+        <a:font script="Bugi" typeface="Leelawadee UI"/>
+        <a:font script="Bopo" typeface="Microsoft JhengHei"/>
+        <a:font script="Java" typeface="Javanese Text"/>
+        <a:font script="Lisu" typeface="Segoe UI"/>
+        <a:font script="Mymr" typeface="Myanmar Text"/>
+        <a:font script="Nkoo" typeface="Ebrima"/>
+        <a:font script="Olck" typeface="Nirmala UI"/>
+        <a:font script="Osma" typeface="Ebrima"/>
+        <a:font script="Phag" typeface="Phagspa"/>
+        <a:font script="Syrn" typeface="Estrangelo Edessa"/>
+        <a:font script="Syrj" typeface="Estrangelo Edessa"/>
+        <a:font script="Syre" typeface="Estrangelo Edessa"/>
+        <a:font script="Sora" typeface="Nirmala UI"/>
+        <a:font script="Tale" typeface="Microsoft Tai Le"/>
+        <a:font script="Talu" typeface="Microsoft New Tai Lue"/>
+        <a:font script="Tfng" typeface="Ebrima"/>
+      </a:majorFont>
+      <a:minorFont>
+        <a:latin typeface="Calibri" panose="020F0502020204030204"/>
+        <a:ea typeface=""/>
+        <a:cs typeface=""/>
+        <a:font script="Jpan" typeface="游ゴシック"/>
+        <a:font script="Hang" typeface="맑은 고딕"/>
+        <a:font script="Hans" typeface="等线"/>
+        <a:font script="Hant" typeface="新細明體"/>
+        <a:font script="Arab" typeface="Arial"/>
+        <a:font script="Hebr" typeface="Arial"/>
+        <a:font script="Thai" typeface="Cordia New"/>
+        <a:font script="Ethi" typeface="Nyala"/>
+        <a:font script="Beng" typeface="Vrinda"/>
+        <a:font script="Gujr" typeface="Shruti"/>
+        <a:font script="Khmr" typeface="DaunPenh"/>
+        <a:font script="Knda" typeface="Tunga"/>
+        <a:font script="Guru" typeface="Raavi"/>
+        <a:font script="Cans" typeface="Euphemia"/>
+        <a:font script="Cher" typeface="Plantagenet Cherokee"/>
+        <a:font script="Yiii" typeface="Microsoft Yi Baiti"/>
+        <a:font script="Tibt" typeface="Microsoft Himalaya"/>
+        <a:font script="Thaa" typeface="MV Boli"/>
+        <a:font script="Deva" typeface="Mangal"/>
+        <a:font script="Telu" typeface="Gautami"/>
+        <a:font script="Taml" typeface="Latha"/>
+        <a:font script="Syrc" typeface="Estrangelo Edessa"/>
+        <a:font script="Orya" typeface="Kalinga"/>
+        <a:font script="Mlym" typeface="Kartika"/>
+        <a:font script="Laoo" typeface="DokChampa"/>
+        <a:font script="Sinh" typeface="Iskoola Pota"/>
+        <a:font script="Mong" typeface="Mongolian Baiti"/>
+        <a:font script="Viet" typeface="Arial"/>
+        <a:font script="Uigh" typeface="Microsoft Uighur"/>
+        <a:font script="Geor" typeface="Sylfaen"/>
+        <a:font script="Armn" typeface="Arial"/>
+        <a:font script="Bugi" typeface="Leelawadee UI"/>
+        <a:font script="Bopo" typeface="Microsoft JhengHei"/>
+        <a:font script="Java" typeface="Javanese Text"/>
+        <a:font script="Lisu" typeface="Segoe UI"/>
+        <a:font script="Mymr" typeface="Myanmar Text"/>
+        <a:font script="Nkoo" typeface="Ebrima"/>
+        <a:font script="Olck" typeface="Nirmala UI"/>
+        <a:font script="Osma" typeface="Ebrima"/>
+        <a:font script="Phag" typeface="Phagspa"/>
+        <a:font script="Syrn" typeface="Estrangelo Edessa"/>
+        <a:font script="Syrj" typeface="Estrangelo Edessa"/>
+        <a:font script="Syre" typeface="Estrangelo Edessa"/>
+        <a:font script="Sora" typeface="Nirmala UI"/>
+        <a:font script="Tale" typeface="Microsoft Tai Le"/>
+        <a:font script="Talu" typeface="Microsoft New Tai Lue"/>
+        <a:font script="Tfng" typeface="Ebrima"/>
+      </a:minorFont>
+    </a:fontScheme>
+    <a:fmtScheme name="Office">
+      <a:fillStyleLst>
+        <a:solidFill>
+          <a:schemeClr val="phClr"/>
+        </a:solidFill>
+        <a:gradFill rotWithShape="1">
+          <a:gsLst>
+            <a:gs pos="0">
+              <a:schemeClr val="phClr">
+                <a:lumMod val="110000"/>
+                <a:satMod val="105000"/>
+                <a:tint val="67000"/>
+              </a:schemeClr>
+            </a:gs>
+            <a:gs pos="50000">
+              <a:schemeClr val="phClr">
+                <a:lumMod val="105000"/>
+                <a:satMod val="103000"/>
+                <a:tint val="73000"/>
+              </a:schemeClr>
+            </a:gs>
+            <a:gs pos="100000">
+              <a:schemeClr val="phClr">
+                <a:lumMod val="105000"/>
+                <a:satMod val="109000"/>
+                <a:tint val="81000"/>
+              </a:schemeClr>
+            </a:gs>
+          </a:gsLst>
+          <a:lin ang="5400000" scaled="0"/>
+        </a:gradFill>
+        <a:gradFill rotWithShape="1">
+          <a:gsLst>
+            <a:gs pos="0">
+              <a:schemeClr val="phClr">
+                <a:satMod val="103000"/>
+                <a:lumMod val="102000"/>
+                <a:tint val="94000"/>
+              </a:schemeClr>
+            </a:gs>
+            <a:gs pos="50000">
+              <a:schemeClr val="phClr">
+                <a:satMod val="110000"/>
+                <a:lumMod val="100000"/>
+                <a:shade val="100000"/>
+              </a:schemeClr>
+            </a:gs>
+            <a:gs pos="100000">
+              <a:schemeClr val="phClr">
+                <a:lumMod val="99000"/>
+                <a:satMod val="120000"/>
+                <a:shade val="78000"/>
+              </a:schemeClr>
+            </a:gs>
+          </a:gsLst>
+          <a:lin ang="5400000" scaled="0"/>
+        </a:gradFill>
+      </a:fillStyleLst>
+      <a:lnStyleLst>
+        <a:ln w="6350" cap="flat" cmpd="sng" algn="ctr">
+          <a:solidFill>
+            <a:schemeClr val="phClr"/>
+          </a:solidFill>
+          <a:prstDash val="solid"/>
+          <a:miter lim="800000"/>
+        </a:ln>
+        <a:ln w="12700" cap="flat" cmpd="sng" algn="ctr">
+          <a:solidFill>
+            <a:schemeClr val="phClr"/>
+          </a:solidFill>
+          <a:prstDash val="solid"/>
+          <a:miter lim="800000"/>
+        </a:ln>
+        <a:ln w="19050" cap="flat" cmpd="sng" algn="ctr">
+          <a:solidFill>
+            <a:schemeClr val="phClr"/>
+          </a:solidFill>
+          <a:prstDash val="solid"/>
+          <a:miter lim="800000"/>
+        </a:ln>
+      </a:lnStyleLst>
+      <a:effectStyleLst>
+        <a:effectStyle>
+          <a:effectLst/>
+        </a:effectStyle>
+        <a:effectStyle>
+          <a:effectLst/>
+        </a:effectStyle>
+        <a:effectStyle>
+          <a:effectLst>
+            <a:outerShdw blurRad="57150" dist="19050" dir="5400000" algn="ctr" rotWithShape="0">
+              <a:srgbClr val="000000">
+                <a:alpha val="63000"/>
+              </a:srgbClr>
+            </a:outerShdw>
+          </a:effectLst>
+        </a:effectStyle>
+      </a:effectStyleLst>
+      <a:bgFillStyleLst>
+        <a:solidFill>
+          <a:schemeClr val="phClr"/>
+        </a:solidFill>
+        <a:solidFill>
+          <a:schemeClr val="phClr">
+            <a:tint val="95000"/>
+            <a:satMod val="170000"/>
+          </a:schemeClr>
+        </a:solidFill>
+        <a:gradFill rotWithShape="1">
+          <a:gsLst>
+            <a:gs pos="0">
+              <a:schemeClr val="phClr">
+                <a:tint val="93000"/>
+                <a:satMod val="150000"/>
+                <a:shade val="98000"/>
+                <a:lumMod val="102000"/>
+              </a:schemeClr>
+            </a:gs>
+            <a:gs pos="50000">
+              <a:schemeClr val="phClr">
+                <a:tint val="98000"/>
+                <a:satMod val="130000"/>
+                <a:shade val="90000"/>
+                <a:lumMod val="103000"/>
+              </a:schemeClr>
+            </a:gs>
+            <a:gs pos="100000">
+              <a:schemeClr val="phClr">
+                <a:shade val="63000"/>
+                <a:satMod val="120000"/>
+              </a:schemeClr>
+            </a:gs>
+          </a:gsLst>
+          <a:lin ang="5400000" scaled="0"/>
+        </a:gradFill>
+      </a:bgFillStyleLst>
+    </a:fmtScheme>
+  </a:themeElements>
+  <a:objectDefaults/>
+  <a:extraClrSchemeLst/>
+  <a:extLst>
+    <a:ext uri="{05A4C25C-085E-4340-85A3-A5531E510DB2}">
+      <thm15:themeFamily xmlns:thm15="http://schemas.microsoft.com/office/thememl/2012/main" name="Office Theme" id="{62F939B6-93AF-4DB8-9C6B-D6C7DFDC589F}" vid="{4A3C46E8-61CC-4603-A589-7422A47A8E4A}"/>
+    </a:ext>
+  </a:extLst>
+</a:theme>
 </file>